--- a/slides.pptx
+++ b/slides.pptx
@@ -104,6 +104,11 @@
       </a:defRPr>
     </a:lvl9pPr>
   </p:defaultTextStyle>
+  <p:extLst>
+    <p:ext uri="{EFAFB233-063F-42B5-8137-9DF3F51BA10A}">
+      <p15:sldGuideLst xmlns:p15="http://schemas.microsoft.com/office/powerpoint/2012/main"/>
+    </p:ext>
+  </p:extLst>
 </p:presentation>
 </file>
 
@@ -254,7 +259,7 @@
           <a:p>
             <a:fld id="{35FFA700-99BD-0248-BA43-E581CE90197E}" type="datetimeFigureOut">
               <a:rPr lang="en-US" smtClean="0"/>
-              <a:t>3/28/22</a:t>
+              <a:t>4/2/22</a:t>
             </a:fld>
             <a:endParaRPr lang="en-US"/>
           </a:p>
@@ -452,7 +457,7 @@
           <a:p>
             <a:fld id="{35FFA700-99BD-0248-BA43-E581CE90197E}" type="datetimeFigureOut">
               <a:rPr lang="en-US" smtClean="0"/>
-              <a:t>3/28/22</a:t>
+              <a:t>4/2/22</a:t>
             </a:fld>
             <a:endParaRPr lang="en-US"/>
           </a:p>
@@ -660,7 +665,7 @@
           <a:p>
             <a:fld id="{35FFA700-99BD-0248-BA43-E581CE90197E}" type="datetimeFigureOut">
               <a:rPr lang="en-US" smtClean="0"/>
-              <a:t>3/28/22</a:t>
+              <a:t>4/2/22</a:t>
             </a:fld>
             <a:endParaRPr lang="en-US"/>
           </a:p>
@@ -858,7 +863,7 @@
           <a:p>
             <a:fld id="{35FFA700-99BD-0248-BA43-E581CE90197E}" type="datetimeFigureOut">
               <a:rPr lang="en-US" smtClean="0"/>
-              <a:t>3/28/22</a:t>
+              <a:t>4/2/22</a:t>
             </a:fld>
             <a:endParaRPr lang="en-US"/>
           </a:p>
@@ -1133,7 +1138,7 @@
           <a:p>
             <a:fld id="{35FFA700-99BD-0248-BA43-E581CE90197E}" type="datetimeFigureOut">
               <a:rPr lang="en-US" smtClean="0"/>
-              <a:t>3/28/22</a:t>
+              <a:t>4/2/22</a:t>
             </a:fld>
             <a:endParaRPr lang="en-US"/>
           </a:p>
@@ -1398,7 +1403,7 @@
           <a:p>
             <a:fld id="{35FFA700-99BD-0248-BA43-E581CE90197E}" type="datetimeFigureOut">
               <a:rPr lang="en-US" smtClean="0"/>
-              <a:t>3/28/22</a:t>
+              <a:t>4/2/22</a:t>
             </a:fld>
             <a:endParaRPr lang="en-US"/>
           </a:p>
@@ -1810,7 +1815,7 @@
           <a:p>
             <a:fld id="{35FFA700-99BD-0248-BA43-E581CE90197E}" type="datetimeFigureOut">
               <a:rPr lang="en-US" smtClean="0"/>
-              <a:t>3/28/22</a:t>
+              <a:t>4/2/22</a:t>
             </a:fld>
             <a:endParaRPr lang="en-US"/>
           </a:p>
@@ -1951,7 +1956,7 @@
           <a:p>
             <a:fld id="{35FFA700-99BD-0248-BA43-E581CE90197E}" type="datetimeFigureOut">
               <a:rPr lang="en-US" smtClean="0"/>
-              <a:t>3/28/22</a:t>
+              <a:t>4/2/22</a:t>
             </a:fld>
             <a:endParaRPr lang="en-US"/>
           </a:p>
@@ -2064,7 +2069,7 @@
           <a:p>
             <a:fld id="{35FFA700-99BD-0248-BA43-E581CE90197E}" type="datetimeFigureOut">
               <a:rPr lang="en-US" smtClean="0"/>
-              <a:t>3/28/22</a:t>
+              <a:t>4/2/22</a:t>
             </a:fld>
             <a:endParaRPr lang="en-US"/>
           </a:p>
@@ -2375,7 +2380,7 @@
           <a:p>
             <a:fld id="{35FFA700-99BD-0248-BA43-E581CE90197E}" type="datetimeFigureOut">
               <a:rPr lang="en-US" smtClean="0"/>
-              <a:t>3/28/22</a:t>
+              <a:t>4/2/22</a:t>
             </a:fld>
             <a:endParaRPr lang="en-US"/>
           </a:p>
@@ -2663,7 +2668,7 @@
           <a:p>
             <a:fld id="{35FFA700-99BD-0248-BA43-E581CE90197E}" type="datetimeFigureOut">
               <a:rPr lang="en-US" smtClean="0"/>
-              <a:t>3/28/22</a:t>
+              <a:t>4/2/22</a:t>
             </a:fld>
             <a:endParaRPr lang="en-US"/>
           </a:p>
@@ -2904,7 +2909,7 @@
           <a:p>
             <a:fld id="{35FFA700-99BD-0248-BA43-E581CE90197E}" type="datetimeFigureOut">
               <a:rPr lang="en-US" smtClean="0"/>
-              <a:t>3/28/22</a:t>
+              <a:t>4/2/22</a:t>
             </a:fld>
             <a:endParaRPr lang="en-US"/>
           </a:p>
@@ -3554,6 +3559,169 @@
           </a:p>
         </p:txBody>
       </p:sp>
+      <p:sp>
+        <p:nvSpPr>
+          <p:cNvPr id="3" name="Rectangle 2">
+            <a:extLst>
+              <a:ext uri="{FF2B5EF4-FFF2-40B4-BE49-F238E27FC236}">
+                <a16:creationId xmlns:a16="http://schemas.microsoft.com/office/drawing/2014/main" id="{17104DF2-B079-8D46-8F2E-D703339B24B2}"/>
+              </a:ext>
+            </a:extLst>
+          </p:cNvPr>
+          <p:cNvSpPr/>
+          <p:nvPr/>
+        </p:nvSpPr>
+        <p:spPr>
+          <a:xfrm>
+            <a:off x="6096000" y="2506749"/>
+            <a:ext cx="1463040" cy="1465176"/>
+          </a:xfrm>
+          <a:prstGeom prst="rect">
+            <a:avLst/>
+          </a:prstGeom>
+          <a:solidFill>
+            <a:schemeClr val="bg1"/>
+          </a:solidFill>
+        </p:spPr>
+        <p:style>
+          <a:lnRef idx="2">
+            <a:schemeClr val="accent1">
+              <a:shade val="50000"/>
+            </a:schemeClr>
+          </a:lnRef>
+          <a:fillRef idx="1">
+            <a:schemeClr val="accent1"/>
+          </a:fillRef>
+          <a:effectRef idx="0">
+            <a:schemeClr val="accent1"/>
+          </a:effectRef>
+          <a:fontRef idx="minor">
+            <a:schemeClr val="lt1"/>
+          </a:fontRef>
+        </p:style>
+        <p:txBody>
+          <a:bodyPr rtlCol="0" anchor="ctr"/>
+          <a:lstStyle/>
+          <a:p>
+            <a:pPr algn="ctr"/>
+            <a:r>
+              <a:rPr lang="en-US" b="1" dirty="0">
+                <a:solidFill>
+                  <a:schemeClr val="accent1"/>
+                </a:solidFill>
+                <a:latin typeface="Times New Roman" panose="02020603050405020304" pitchFamily="18" charset="0"/>
+                <a:cs typeface="Times New Roman" panose="02020603050405020304" pitchFamily="18" charset="0"/>
+              </a:rPr>
+              <a:t>Add</a:t>
+            </a:r>
+            <a:r>
+              <a:rPr lang="zh-CN" altLang="en-US" b="1" dirty="0">
+                <a:solidFill>
+                  <a:schemeClr val="accent1"/>
+                </a:solidFill>
+                <a:latin typeface="Times New Roman" panose="02020603050405020304" pitchFamily="18" charset="0"/>
+                <a:cs typeface="Times New Roman" panose="02020603050405020304" pitchFamily="18" charset="0"/>
+              </a:rPr>
+              <a:t> </a:t>
+            </a:r>
+            <a:r>
+              <a:rPr lang="en-US" altLang="zh-CN" b="1" dirty="0">
+                <a:solidFill>
+                  <a:schemeClr val="accent1"/>
+                </a:solidFill>
+                <a:latin typeface="Times New Roman" panose="02020603050405020304" pitchFamily="18" charset="0"/>
+                <a:cs typeface="Times New Roman" panose="02020603050405020304" pitchFamily="18" charset="0"/>
+              </a:rPr>
+              <a:t>New Path</a:t>
+            </a:r>
+            <a:endParaRPr lang="en-US" b="1" dirty="0">
+              <a:solidFill>
+                <a:schemeClr val="accent1"/>
+              </a:solidFill>
+              <a:latin typeface="Times New Roman" panose="02020603050405020304" pitchFamily="18" charset="0"/>
+              <a:cs typeface="Times New Roman" panose="02020603050405020304" pitchFamily="18" charset="0"/>
+            </a:endParaRPr>
+          </a:p>
+        </p:txBody>
+      </p:sp>
+      <p:sp>
+        <p:nvSpPr>
+          <p:cNvPr id="9" name="Rectangle 8">
+            <a:extLst>
+              <a:ext uri="{FF2B5EF4-FFF2-40B4-BE49-F238E27FC236}">
+                <a16:creationId xmlns:a16="http://schemas.microsoft.com/office/drawing/2014/main" id="{877D354F-2E1D-1244-84D4-FAF3B18785F2}"/>
+              </a:ext>
+            </a:extLst>
+          </p:cNvPr>
+          <p:cNvSpPr/>
+          <p:nvPr/>
+        </p:nvSpPr>
+        <p:spPr>
+          <a:xfrm>
+            <a:off x="8005762" y="2506749"/>
+            <a:ext cx="1463040" cy="1465176"/>
+          </a:xfrm>
+          <a:prstGeom prst="rect">
+            <a:avLst/>
+          </a:prstGeom>
+          <a:solidFill>
+            <a:schemeClr val="bg1"/>
+          </a:solidFill>
+        </p:spPr>
+        <p:style>
+          <a:lnRef idx="2">
+            <a:schemeClr val="accent1">
+              <a:shade val="50000"/>
+            </a:schemeClr>
+          </a:lnRef>
+          <a:fillRef idx="1">
+            <a:schemeClr val="accent1"/>
+          </a:fillRef>
+          <a:effectRef idx="0">
+            <a:schemeClr val="accent1"/>
+          </a:effectRef>
+          <a:fontRef idx="minor">
+            <a:schemeClr val="lt1"/>
+          </a:fontRef>
+        </p:style>
+        <p:txBody>
+          <a:bodyPr rtlCol="0" anchor="ctr"/>
+          <a:lstStyle/>
+          <a:p>
+            <a:pPr algn="ctr"/>
+            <a:r>
+              <a:rPr lang="en-US" altLang="zh-CN" b="1" dirty="0">
+                <a:solidFill>
+                  <a:schemeClr val="accent1"/>
+                </a:solidFill>
+                <a:latin typeface="Times New Roman" panose="02020603050405020304" pitchFamily="18" charset="0"/>
+                <a:cs typeface="Times New Roman" panose="02020603050405020304" pitchFamily="18" charset="0"/>
+              </a:rPr>
+              <a:t>Optimize</a:t>
+            </a:r>
+          </a:p>
+          <a:p>
+            <a:pPr algn="ctr"/>
+            <a:r>
+              <a:rPr lang="en-US" altLang="zh-CN" b="1" dirty="0">
+                <a:solidFill>
+                  <a:schemeClr val="accent1"/>
+                </a:solidFill>
+                <a:latin typeface="Times New Roman" panose="02020603050405020304" pitchFamily="18" charset="0"/>
+                <a:cs typeface="Times New Roman" panose="02020603050405020304" pitchFamily="18" charset="0"/>
+              </a:rPr>
+              <a:t>Paths</a:t>
+            </a:r>
+            <a:endParaRPr lang="en-US" b="1" dirty="0">
+              <a:solidFill>
+                <a:schemeClr val="accent1"/>
+              </a:solidFill>
+              <a:latin typeface="Times New Roman" panose="02020603050405020304" pitchFamily="18" charset="0"/>
+              <a:cs typeface="Times New Roman" panose="02020603050405020304" pitchFamily="18" charset="0"/>
+            </a:endParaRPr>
+          </a:p>
+        </p:txBody>
+      </p:sp>
     </p:spTree>
     <p:extLst>
       <p:ext uri="{BB962C8B-B14F-4D97-AF65-F5344CB8AC3E}">

--- a/slides.pptx
+++ b/slides.pptx
@@ -6,6 +6,7 @@
   </p:sldMasterIdLst>
   <p:sldIdLst>
     <p:sldId id="256" r:id="rId2"/>
+    <p:sldId id="257" r:id="rId3"/>
   </p:sldIdLst>
   <p:sldSz cx="12192000" cy="6858000"/>
   <p:notesSz cx="6858000" cy="9144000"/>
@@ -259,7 +260,7 @@
           <a:p>
             <a:fld id="{35FFA700-99BD-0248-BA43-E581CE90197E}" type="datetimeFigureOut">
               <a:rPr lang="en-US" smtClean="0"/>
-              <a:t>4/2/22</a:t>
+              <a:t>5/13/22</a:t>
             </a:fld>
             <a:endParaRPr lang="en-US"/>
           </a:p>
@@ -457,7 +458,7 @@
           <a:p>
             <a:fld id="{35FFA700-99BD-0248-BA43-E581CE90197E}" type="datetimeFigureOut">
               <a:rPr lang="en-US" smtClean="0"/>
-              <a:t>4/2/22</a:t>
+              <a:t>5/13/22</a:t>
             </a:fld>
             <a:endParaRPr lang="en-US"/>
           </a:p>
@@ -665,7 +666,7 @@
           <a:p>
             <a:fld id="{35FFA700-99BD-0248-BA43-E581CE90197E}" type="datetimeFigureOut">
               <a:rPr lang="en-US" smtClean="0"/>
-              <a:t>4/2/22</a:t>
+              <a:t>5/13/22</a:t>
             </a:fld>
             <a:endParaRPr lang="en-US"/>
           </a:p>
@@ -863,7 +864,7 @@
           <a:p>
             <a:fld id="{35FFA700-99BD-0248-BA43-E581CE90197E}" type="datetimeFigureOut">
               <a:rPr lang="en-US" smtClean="0"/>
-              <a:t>4/2/22</a:t>
+              <a:t>5/13/22</a:t>
             </a:fld>
             <a:endParaRPr lang="en-US"/>
           </a:p>
@@ -1138,7 +1139,7 @@
           <a:p>
             <a:fld id="{35FFA700-99BD-0248-BA43-E581CE90197E}" type="datetimeFigureOut">
               <a:rPr lang="en-US" smtClean="0"/>
-              <a:t>4/2/22</a:t>
+              <a:t>5/13/22</a:t>
             </a:fld>
             <a:endParaRPr lang="en-US"/>
           </a:p>
@@ -1403,7 +1404,7 @@
           <a:p>
             <a:fld id="{35FFA700-99BD-0248-BA43-E581CE90197E}" type="datetimeFigureOut">
               <a:rPr lang="en-US" smtClean="0"/>
-              <a:t>4/2/22</a:t>
+              <a:t>5/13/22</a:t>
             </a:fld>
             <a:endParaRPr lang="en-US"/>
           </a:p>
@@ -1815,7 +1816,7 @@
           <a:p>
             <a:fld id="{35FFA700-99BD-0248-BA43-E581CE90197E}" type="datetimeFigureOut">
               <a:rPr lang="en-US" smtClean="0"/>
-              <a:t>4/2/22</a:t>
+              <a:t>5/13/22</a:t>
             </a:fld>
             <a:endParaRPr lang="en-US"/>
           </a:p>
@@ -1956,7 +1957,7 @@
           <a:p>
             <a:fld id="{35FFA700-99BD-0248-BA43-E581CE90197E}" type="datetimeFigureOut">
               <a:rPr lang="en-US" smtClean="0"/>
-              <a:t>4/2/22</a:t>
+              <a:t>5/13/22</a:t>
             </a:fld>
             <a:endParaRPr lang="en-US"/>
           </a:p>
@@ -2069,7 +2070,7 @@
           <a:p>
             <a:fld id="{35FFA700-99BD-0248-BA43-E581CE90197E}" type="datetimeFigureOut">
               <a:rPr lang="en-US" smtClean="0"/>
-              <a:t>4/2/22</a:t>
+              <a:t>5/13/22</a:t>
             </a:fld>
             <a:endParaRPr lang="en-US"/>
           </a:p>
@@ -2380,7 +2381,7 @@
           <a:p>
             <a:fld id="{35FFA700-99BD-0248-BA43-E581CE90197E}" type="datetimeFigureOut">
               <a:rPr lang="en-US" smtClean="0"/>
-              <a:t>4/2/22</a:t>
+              <a:t>5/13/22</a:t>
             </a:fld>
             <a:endParaRPr lang="en-US"/>
           </a:p>
@@ -2668,7 +2669,7 @@
           <a:p>
             <a:fld id="{35FFA700-99BD-0248-BA43-E581CE90197E}" type="datetimeFigureOut">
               <a:rPr lang="en-US" smtClean="0"/>
-              <a:t>4/2/22</a:t>
+              <a:t>5/13/22</a:t>
             </a:fld>
             <a:endParaRPr lang="en-US"/>
           </a:p>
@@ -2909,7 +2910,7 @@
           <a:p>
             <a:fld id="{35FFA700-99BD-0248-BA43-E581CE90197E}" type="datetimeFigureOut">
               <a:rPr lang="en-US" smtClean="0"/>
-              <a:t>4/2/22</a:t>
+              <a:t>5/13/22</a:t>
             </a:fld>
             <a:endParaRPr lang="en-US"/>
           </a:p>
@@ -3326,12 +3327,142 @@
           <a:chExt cx="0" cy="0"/>
         </a:xfrm>
       </p:grpSpPr>
-      <p:sp>
-        <p:nvSpPr>
-          <p:cNvPr id="4" name="Rounded Rectangle 3">
-            <a:extLst>
-              <a:ext uri="{FF2B5EF4-FFF2-40B4-BE49-F238E27FC236}">
-                <a16:creationId xmlns:a16="http://schemas.microsoft.com/office/drawing/2014/main" id="{1D32AB5E-7AF0-8D4B-97B1-DEF7EE0BD596}"/>
+      <p:cxnSp>
+        <p:nvCxnSpPr>
+          <p:cNvPr id="186" name="Straight Connector 185">
+            <a:extLst>
+              <a:ext uri="{FF2B5EF4-FFF2-40B4-BE49-F238E27FC236}">
+                <a16:creationId xmlns:a16="http://schemas.microsoft.com/office/drawing/2014/main" id="{6983D9D8-1D0B-514B-B41B-892B3A2258E9}"/>
+              </a:ext>
+            </a:extLst>
+          </p:cNvPr>
+          <p:cNvCxnSpPr>
+            <a:cxnSpLocks/>
+          </p:cNvCxnSpPr>
+          <p:nvPr/>
+        </p:nvCxnSpPr>
+        <p:spPr>
+          <a:xfrm>
+            <a:off x="2451845" y="3634540"/>
+            <a:ext cx="1271903" cy="420129"/>
+          </a:xfrm>
+          <a:prstGeom prst="line">
+            <a:avLst/>
+          </a:prstGeom>
+          <a:ln w="41275">
+            <a:gradFill flip="none" rotWithShape="1">
+              <a:gsLst>
+                <a:gs pos="0">
+                  <a:schemeClr val="accent6">
+                    <a:lumMod val="0"/>
+                    <a:lumOff val="100000"/>
+                  </a:schemeClr>
+                </a:gs>
+                <a:gs pos="0">
+                  <a:schemeClr val="accent6">
+                    <a:lumMod val="0"/>
+                    <a:lumOff val="100000"/>
+                  </a:schemeClr>
+                </a:gs>
+                <a:gs pos="100000">
+                  <a:schemeClr val="accent6">
+                    <a:lumMod val="100000"/>
+                  </a:schemeClr>
+                </a:gs>
+              </a:gsLst>
+              <a:path path="circle">
+                <a:fillToRect l="100000" t="100000"/>
+              </a:path>
+              <a:tileRect r="-100000" b="-100000"/>
+            </a:gradFill>
+          </a:ln>
+        </p:spPr>
+        <p:style>
+          <a:lnRef idx="1">
+            <a:schemeClr val="accent1"/>
+          </a:lnRef>
+          <a:fillRef idx="0">
+            <a:schemeClr val="accent1"/>
+          </a:fillRef>
+          <a:effectRef idx="0">
+            <a:schemeClr val="accent1"/>
+          </a:effectRef>
+          <a:fontRef idx="minor">
+            <a:schemeClr val="tx1"/>
+          </a:fontRef>
+        </p:style>
+      </p:cxnSp>
+      <p:cxnSp>
+        <p:nvCxnSpPr>
+          <p:cNvPr id="190" name="Straight Connector 189">
+            <a:extLst>
+              <a:ext uri="{FF2B5EF4-FFF2-40B4-BE49-F238E27FC236}">
+                <a16:creationId xmlns:a16="http://schemas.microsoft.com/office/drawing/2014/main" id="{3A10F39F-52CC-E144-9ADB-F84228B18D2C}"/>
+              </a:ext>
+            </a:extLst>
+          </p:cNvPr>
+          <p:cNvCxnSpPr>
+            <a:cxnSpLocks/>
+          </p:cNvCxnSpPr>
+          <p:nvPr/>
+        </p:nvCxnSpPr>
+        <p:spPr>
+          <a:xfrm flipV="1">
+            <a:off x="2461964" y="951518"/>
+            <a:ext cx="1209910" cy="2338157"/>
+          </a:xfrm>
+          <a:prstGeom prst="line">
+            <a:avLst/>
+          </a:prstGeom>
+          <a:ln w="41275">
+            <a:gradFill flip="none" rotWithShape="1">
+              <a:gsLst>
+                <a:gs pos="0">
+                  <a:schemeClr val="accent6">
+                    <a:lumMod val="0"/>
+                    <a:lumOff val="100000"/>
+                  </a:schemeClr>
+                </a:gs>
+                <a:gs pos="0">
+                  <a:schemeClr val="accent6">
+                    <a:lumMod val="0"/>
+                    <a:lumOff val="100000"/>
+                  </a:schemeClr>
+                </a:gs>
+                <a:gs pos="100000">
+                  <a:schemeClr val="accent6">
+                    <a:lumMod val="100000"/>
+                  </a:schemeClr>
+                </a:gs>
+              </a:gsLst>
+              <a:path path="circle">
+                <a:fillToRect l="100000" t="100000"/>
+              </a:path>
+              <a:tileRect r="-100000" b="-100000"/>
+            </a:gradFill>
+          </a:ln>
+        </p:spPr>
+        <p:style>
+          <a:lnRef idx="1">
+            <a:schemeClr val="accent1"/>
+          </a:lnRef>
+          <a:fillRef idx="0">
+            <a:schemeClr val="accent1"/>
+          </a:fillRef>
+          <a:effectRef idx="0">
+            <a:schemeClr val="accent1"/>
+          </a:effectRef>
+          <a:fontRef idx="minor">
+            <a:schemeClr val="tx1"/>
+          </a:fontRef>
+        </p:style>
+      </p:cxnSp>
+      <p:sp>
+        <p:nvSpPr>
+          <p:cNvPr id="170" name="Rounded Rectangle 169">
+            <a:extLst>
+              <a:ext uri="{FF2B5EF4-FFF2-40B4-BE49-F238E27FC236}">
+                <a16:creationId xmlns:a16="http://schemas.microsoft.com/office/drawing/2014/main" id="{E980ABA9-3D14-BC46-8F12-DE4740B52890}"/>
               </a:ext>
             </a:extLst>
           </p:cNvPr>
@@ -3340,12 +3471,23 @@
         </p:nvSpPr>
         <p:spPr>
           <a:xfrm>
-            <a:off x="1358471" y="3701621"/>
-            <a:ext cx="1228725" cy="657225"/>
+            <a:off x="3974510" y="1683850"/>
+            <a:ext cx="1786605" cy="1851323"/>
           </a:xfrm>
           <a:prstGeom prst="roundRect">
-            <a:avLst/>
-          </a:prstGeom>
+            <a:avLst>
+              <a:gd name="adj" fmla="val 5140"/>
+            </a:avLst>
+          </a:prstGeom>
+          <a:solidFill>
+            <a:srgbClr val="F8FCFC"/>
+          </a:solidFill>
+          <a:ln w="15875">
+            <a:solidFill>
+              <a:schemeClr val="accent6"/>
+            </a:solidFill>
+            <a:prstDash val="sysDot"/>
+          </a:ln>
         </p:spPr>
         <p:style>
           <a:lnRef idx="2">
@@ -3372,12 +3514,57 @@
           </a:p>
         </p:txBody>
       </p:sp>
-      <p:sp>
-        <p:nvSpPr>
-          <p:cNvPr id="5" name="Rounded Rectangle 4">
-            <a:extLst>
-              <a:ext uri="{FF2B5EF4-FFF2-40B4-BE49-F238E27FC236}">
-                <a16:creationId xmlns:a16="http://schemas.microsoft.com/office/drawing/2014/main" id="{374D459A-AA4E-F847-B8EC-66DDDC5B767A}"/>
+      <p:cxnSp>
+        <p:nvCxnSpPr>
+          <p:cNvPr id="10" name="Straight Connector 9">
+            <a:extLst>
+              <a:ext uri="{FF2B5EF4-FFF2-40B4-BE49-F238E27FC236}">
+                <a16:creationId xmlns:a16="http://schemas.microsoft.com/office/drawing/2014/main" id="{945918E6-2BF3-BE49-A910-FC374C437160}"/>
+              </a:ext>
+            </a:extLst>
+          </p:cNvPr>
+          <p:cNvCxnSpPr>
+            <a:cxnSpLocks/>
+            <a:stCxn id="12" idx="0"/>
+            <a:endCxn id="13" idx="2"/>
+          </p:cNvCxnSpPr>
+          <p:nvPr/>
+        </p:nvCxnSpPr>
+        <p:spPr>
+          <a:xfrm flipV="1">
+            <a:off x="1865870" y="3671101"/>
+            <a:ext cx="0" cy="123568"/>
+          </a:xfrm>
+          <a:prstGeom prst="line">
+            <a:avLst/>
+          </a:prstGeom>
+          <a:ln w="28575">
+            <a:solidFill>
+              <a:schemeClr val="tx1"/>
+            </a:solidFill>
+          </a:ln>
+        </p:spPr>
+        <p:style>
+          <a:lnRef idx="1">
+            <a:schemeClr val="accent1"/>
+          </a:lnRef>
+          <a:fillRef idx="0">
+            <a:schemeClr val="accent1"/>
+          </a:fillRef>
+          <a:effectRef idx="0">
+            <a:schemeClr val="accent1"/>
+          </a:effectRef>
+          <a:fontRef idx="minor">
+            <a:schemeClr val="tx1"/>
+          </a:fontRef>
+        </p:style>
+      </p:cxnSp>
+      <p:sp>
+        <p:nvSpPr>
+          <p:cNvPr id="12" name="Rounded Rectangle 11">
+            <a:extLst>
+              <a:ext uri="{FF2B5EF4-FFF2-40B4-BE49-F238E27FC236}">
+                <a16:creationId xmlns:a16="http://schemas.microsoft.com/office/drawing/2014/main" id="{007C9B09-3454-8342-9D06-BE7DCA6C6936}"/>
               </a:ext>
             </a:extLst>
           </p:cNvPr>
@@ -3386,12 +3573,399 @@
         </p:nvSpPr>
         <p:spPr>
           <a:xfrm>
-            <a:off x="1358471" y="4891988"/>
-            <a:ext cx="1228725" cy="657225"/>
+            <a:off x="1253942" y="3794669"/>
+            <a:ext cx="1223855" cy="210065"/>
           </a:xfrm>
           <a:prstGeom prst="roundRect">
             <a:avLst/>
           </a:prstGeom>
+          <a:solidFill>
+            <a:schemeClr val="accent1">
+              <a:lumMod val="20000"/>
+              <a:lumOff val="80000"/>
+            </a:schemeClr>
+          </a:solidFill>
+          <a:ln w="15875">
+            <a:solidFill>
+              <a:schemeClr val="tx1"/>
+            </a:solidFill>
+          </a:ln>
+        </p:spPr>
+        <p:style>
+          <a:lnRef idx="1">
+            <a:schemeClr val="accent5"/>
+          </a:lnRef>
+          <a:fillRef idx="2">
+            <a:schemeClr val="accent5"/>
+          </a:fillRef>
+          <a:effectRef idx="1">
+            <a:schemeClr val="accent5"/>
+          </a:effectRef>
+          <a:fontRef idx="minor">
+            <a:schemeClr val="dk1"/>
+          </a:fontRef>
+        </p:style>
+        <p:txBody>
+          <a:bodyPr rtlCol="0" anchor="ctr"/>
+          <a:lstStyle/>
+          <a:p>
+            <a:pPr algn="ctr"/>
+            <a:r>
+              <a:rPr lang="en-US" sz="1600" dirty="0">
+                <a:solidFill>
+                  <a:schemeClr val="tx1"/>
+                </a:solidFill>
+                <a:latin typeface="Times New Roman" panose="02020603050405020304" pitchFamily="18" charset="0"/>
+                <a:cs typeface="Times New Roman" panose="02020603050405020304" pitchFamily="18" charset="0"/>
+              </a:rPr>
+              <a:t>LN</a:t>
+            </a:r>
+          </a:p>
+        </p:txBody>
+      </p:sp>
+      <p:sp>
+        <p:nvSpPr>
+          <p:cNvPr id="13" name="Rounded Rectangle 12">
+            <a:extLst>
+              <a:ext uri="{FF2B5EF4-FFF2-40B4-BE49-F238E27FC236}">
+                <a16:creationId xmlns:a16="http://schemas.microsoft.com/office/drawing/2014/main" id="{72DC5662-7DF6-8646-9C43-92B786CED622}"/>
+              </a:ext>
+            </a:extLst>
+          </p:cNvPr>
+          <p:cNvSpPr/>
+          <p:nvPr/>
+        </p:nvSpPr>
+        <p:spPr>
+          <a:xfrm>
+            <a:off x="1253942" y="3250972"/>
+            <a:ext cx="1223855" cy="420129"/>
+          </a:xfrm>
+          <a:prstGeom prst="roundRect">
+            <a:avLst/>
+          </a:prstGeom>
+          <a:solidFill>
+            <a:schemeClr val="accent6"/>
+          </a:solidFill>
+          <a:ln w="15875">
+            <a:solidFill>
+              <a:schemeClr val="tx1"/>
+            </a:solidFill>
+          </a:ln>
+        </p:spPr>
+        <p:style>
+          <a:lnRef idx="1">
+            <a:schemeClr val="accent6"/>
+          </a:lnRef>
+          <a:fillRef idx="2">
+            <a:schemeClr val="accent6"/>
+          </a:fillRef>
+          <a:effectRef idx="1">
+            <a:schemeClr val="accent6"/>
+          </a:effectRef>
+          <a:fontRef idx="minor">
+            <a:schemeClr val="dk1"/>
+          </a:fontRef>
+        </p:style>
+        <p:txBody>
+          <a:bodyPr wrap="none" tIns="0" bIns="0" rtlCol="0" anchor="ctr"/>
+          <a:lstStyle/>
+          <a:p>
+            <a:pPr algn="ctr"/>
+            <a:r>
+              <a:rPr lang="en-US" sz="1600" dirty="0">
+                <a:solidFill>
+                  <a:schemeClr val="tx1"/>
+                </a:solidFill>
+                <a:latin typeface="Times New Roman" panose="02020603050405020304" pitchFamily="18" charset="0"/>
+                <a:cs typeface="Times New Roman" panose="02020603050405020304" pitchFamily="18" charset="0"/>
+              </a:rPr>
+              <a:t>Token-mixer</a:t>
+            </a:r>
+          </a:p>
+        </p:txBody>
+      </p:sp>
+      <p:sp>
+        <p:nvSpPr>
+          <p:cNvPr id="14" name="Rounded Rectangle 13">
+            <a:extLst>
+              <a:ext uri="{FF2B5EF4-FFF2-40B4-BE49-F238E27FC236}">
+                <a16:creationId xmlns:a16="http://schemas.microsoft.com/office/drawing/2014/main" id="{927177D3-70F0-B94F-9499-7AD7E541BCE8}"/>
+              </a:ext>
+            </a:extLst>
+          </p:cNvPr>
+          <p:cNvSpPr/>
+          <p:nvPr/>
+        </p:nvSpPr>
+        <p:spPr>
+          <a:xfrm>
+            <a:off x="1253942" y="2853084"/>
+            <a:ext cx="1223855" cy="274320"/>
+          </a:xfrm>
+          <a:prstGeom prst="roundRect">
+            <a:avLst/>
+          </a:prstGeom>
+          <a:solidFill>
+            <a:schemeClr val="accent6">
+              <a:lumMod val="40000"/>
+              <a:lumOff val="60000"/>
+            </a:schemeClr>
+          </a:solidFill>
+          <a:ln w="15875">
+            <a:solidFill>
+              <a:schemeClr val="tx1"/>
+            </a:solidFill>
+          </a:ln>
+        </p:spPr>
+        <p:style>
+          <a:lnRef idx="1">
+            <a:schemeClr val="accent6"/>
+          </a:lnRef>
+          <a:fillRef idx="2">
+            <a:schemeClr val="accent6"/>
+          </a:fillRef>
+          <a:effectRef idx="1">
+            <a:schemeClr val="accent6"/>
+          </a:effectRef>
+          <a:fontRef idx="minor">
+            <a:schemeClr val="dk1"/>
+          </a:fontRef>
+        </p:style>
+        <p:txBody>
+          <a:bodyPr rtlCol="0" anchor="ctr"/>
+          <a:lstStyle/>
+          <a:p>
+            <a:pPr algn="ctr"/>
+            <a:r>
+              <a:rPr lang="en-US" sz="1600" dirty="0">
+                <a:solidFill>
+                  <a:schemeClr val="tx1"/>
+                </a:solidFill>
+                <a:latin typeface="Times New Roman" panose="02020603050405020304" pitchFamily="18" charset="0"/>
+                <a:cs typeface="Times New Roman" panose="02020603050405020304" pitchFamily="18" charset="0"/>
+              </a:rPr>
+              <a:t>Spatial-att.</a:t>
+            </a:r>
+          </a:p>
+        </p:txBody>
+      </p:sp>
+      <p:sp>
+        <p:nvSpPr>
+          <p:cNvPr id="15" name="Rounded Rectangle 14">
+            <a:extLst>
+              <a:ext uri="{FF2B5EF4-FFF2-40B4-BE49-F238E27FC236}">
+                <a16:creationId xmlns:a16="http://schemas.microsoft.com/office/drawing/2014/main" id="{63998C36-0A9E-884A-A502-D89AE51ABEB6}"/>
+              </a:ext>
+            </a:extLst>
+          </p:cNvPr>
+          <p:cNvSpPr/>
+          <p:nvPr/>
+        </p:nvSpPr>
+        <p:spPr>
+          <a:xfrm>
+            <a:off x="1253942" y="2063580"/>
+            <a:ext cx="1223855" cy="210065"/>
+          </a:xfrm>
+          <a:prstGeom prst="roundRect">
+            <a:avLst/>
+          </a:prstGeom>
+          <a:solidFill>
+            <a:schemeClr val="accent1">
+              <a:lumMod val="20000"/>
+              <a:lumOff val="80000"/>
+            </a:schemeClr>
+          </a:solidFill>
+          <a:ln w="15875">
+            <a:solidFill>
+              <a:schemeClr val="tx1"/>
+            </a:solidFill>
+          </a:ln>
+        </p:spPr>
+        <p:style>
+          <a:lnRef idx="1">
+            <a:schemeClr val="accent5"/>
+          </a:lnRef>
+          <a:fillRef idx="2">
+            <a:schemeClr val="accent5"/>
+          </a:fillRef>
+          <a:effectRef idx="1">
+            <a:schemeClr val="accent5"/>
+          </a:effectRef>
+          <a:fontRef idx="minor">
+            <a:schemeClr val="dk1"/>
+          </a:fontRef>
+        </p:style>
+        <p:txBody>
+          <a:bodyPr rtlCol="0" anchor="ctr"/>
+          <a:lstStyle/>
+          <a:p>
+            <a:pPr algn="ctr"/>
+            <a:r>
+              <a:rPr lang="en-US" sz="1600" dirty="0">
+                <a:solidFill>
+                  <a:schemeClr val="tx1"/>
+                </a:solidFill>
+                <a:latin typeface="Times New Roman" panose="02020603050405020304" pitchFamily="18" charset="0"/>
+                <a:cs typeface="Times New Roman" panose="02020603050405020304" pitchFamily="18" charset="0"/>
+              </a:rPr>
+              <a:t>LN</a:t>
+            </a:r>
+          </a:p>
+        </p:txBody>
+      </p:sp>
+      <p:sp>
+        <p:nvSpPr>
+          <p:cNvPr id="16" name="Rounded Rectangle 15">
+            <a:extLst>
+              <a:ext uri="{FF2B5EF4-FFF2-40B4-BE49-F238E27FC236}">
+                <a16:creationId xmlns:a16="http://schemas.microsoft.com/office/drawing/2014/main" id="{1AAE9C61-C43D-2846-8E19-EBB1B2047771}"/>
+              </a:ext>
+            </a:extLst>
+          </p:cNvPr>
+          <p:cNvSpPr/>
+          <p:nvPr/>
+        </p:nvSpPr>
+        <p:spPr>
+          <a:xfrm>
+            <a:off x="1253942" y="1519883"/>
+            <a:ext cx="1223855" cy="420129"/>
+          </a:xfrm>
+          <a:prstGeom prst="roundRect">
+            <a:avLst/>
+          </a:prstGeom>
+          <a:solidFill>
+            <a:schemeClr val="accent2">
+              <a:lumMod val="60000"/>
+              <a:lumOff val="40000"/>
+            </a:schemeClr>
+          </a:solidFill>
+          <a:ln w="15875">
+            <a:solidFill>
+              <a:schemeClr val="tx1"/>
+            </a:solidFill>
+          </a:ln>
+        </p:spPr>
+        <p:style>
+          <a:lnRef idx="1">
+            <a:schemeClr val="accent4"/>
+          </a:lnRef>
+          <a:fillRef idx="2">
+            <a:schemeClr val="accent4"/>
+          </a:fillRef>
+          <a:effectRef idx="1">
+            <a:schemeClr val="accent4"/>
+          </a:effectRef>
+          <a:fontRef idx="minor">
+            <a:schemeClr val="dk1"/>
+          </a:fontRef>
+        </p:style>
+        <p:txBody>
+          <a:bodyPr wrap="none" rtlCol="0" anchor="ctr"/>
+          <a:lstStyle/>
+          <a:p>
+            <a:pPr algn="ctr"/>
+            <a:r>
+              <a:rPr lang="en-US" sz="1600" dirty="0">
+                <a:solidFill>
+                  <a:schemeClr val="tx1"/>
+                </a:solidFill>
+                <a:latin typeface="Times New Roman" panose="02020603050405020304" pitchFamily="18" charset="0"/>
+                <a:cs typeface="Times New Roman" panose="02020603050405020304" pitchFamily="18" charset="0"/>
+              </a:rPr>
+              <a:t>Channel-mixer</a:t>
+            </a:r>
+          </a:p>
+        </p:txBody>
+      </p:sp>
+      <p:sp>
+        <p:nvSpPr>
+          <p:cNvPr id="17" name="Rounded Rectangle 16">
+            <a:extLst>
+              <a:ext uri="{FF2B5EF4-FFF2-40B4-BE49-F238E27FC236}">
+                <a16:creationId xmlns:a16="http://schemas.microsoft.com/office/drawing/2014/main" id="{82180692-920B-924C-9181-2281DB85B412}"/>
+              </a:ext>
+            </a:extLst>
+          </p:cNvPr>
+          <p:cNvSpPr/>
+          <p:nvPr/>
+        </p:nvSpPr>
+        <p:spPr>
+          <a:xfrm>
+            <a:off x="1253942" y="1121995"/>
+            <a:ext cx="1223855" cy="274320"/>
+          </a:xfrm>
+          <a:prstGeom prst="roundRect">
+            <a:avLst/>
+          </a:prstGeom>
+          <a:solidFill>
+            <a:schemeClr val="accent2">
+              <a:lumMod val="40000"/>
+              <a:lumOff val="60000"/>
+            </a:schemeClr>
+          </a:solidFill>
+          <a:ln w="15875">
+            <a:solidFill>
+              <a:schemeClr val="tx1"/>
+            </a:solidFill>
+          </a:ln>
+        </p:spPr>
+        <p:style>
+          <a:lnRef idx="1">
+            <a:schemeClr val="accent4"/>
+          </a:lnRef>
+          <a:fillRef idx="2">
+            <a:schemeClr val="accent4"/>
+          </a:fillRef>
+          <a:effectRef idx="1">
+            <a:schemeClr val="accent4"/>
+          </a:effectRef>
+          <a:fontRef idx="minor">
+            <a:schemeClr val="dk1"/>
+          </a:fontRef>
+        </p:style>
+        <p:txBody>
+          <a:bodyPr rtlCol="0" anchor="ctr"/>
+          <a:lstStyle/>
+          <a:p>
+            <a:pPr algn="ctr"/>
+            <a:r>
+              <a:rPr lang="en-US" sz="1600" dirty="0">
+                <a:solidFill>
+                  <a:schemeClr val="tx1"/>
+                </a:solidFill>
+                <a:latin typeface="Times New Roman" panose="02020603050405020304" pitchFamily="18" charset="0"/>
+                <a:cs typeface="Times New Roman" panose="02020603050405020304" pitchFamily="18" charset="0"/>
+              </a:rPr>
+              <a:t>Channel-att.</a:t>
+            </a:r>
+          </a:p>
+        </p:txBody>
+      </p:sp>
+      <p:sp>
+        <p:nvSpPr>
+          <p:cNvPr id="20" name="Or 19">
+            <a:extLst>
+              <a:ext uri="{FF2B5EF4-FFF2-40B4-BE49-F238E27FC236}">
+                <a16:creationId xmlns:a16="http://schemas.microsoft.com/office/drawing/2014/main" id="{246742E3-DF26-7542-9632-587D47E005FA}"/>
+              </a:ext>
+            </a:extLst>
+          </p:cNvPr>
+          <p:cNvSpPr/>
+          <p:nvPr/>
+        </p:nvSpPr>
+        <p:spPr>
+          <a:xfrm>
+            <a:off x="1728710" y="2419454"/>
+            <a:ext cx="274320" cy="274320"/>
+          </a:xfrm>
+          <a:prstGeom prst="flowChartOr">
+            <a:avLst/>
+          </a:prstGeom>
+          <a:noFill/>
+          <a:ln w="25400">
+            <a:solidFill>
+              <a:schemeClr val="tx1"/>
+            </a:solidFill>
+          </a:ln>
         </p:spPr>
         <p:style>
           <a:lnRef idx="2">
@@ -3414,19 +3988,20 @@
           <a:lstStyle/>
           <a:p>
             <a:pPr algn="ctr"/>
-            <a:r>
-              <a:rPr lang="en-US" dirty="0"/>
-              <a:t>Input</a:t>
-            </a:r>
-          </a:p>
-        </p:txBody>
-      </p:sp>
-      <p:sp>
-        <p:nvSpPr>
-          <p:cNvPr id="6" name="Rounded Rectangle 5">
-            <a:extLst>
-              <a:ext uri="{FF2B5EF4-FFF2-40B4-BE49-F238E27FC236}">
-                <a16:creationId xmlns:a16="http://schemas.microsoft.com/office/drawing/2014/main" id="{88052672-191A-6F4E-91DA-7496856A1BC8}"/>
+            <a:endParaRPr lang="en-US">
+              <a:solidFill>
+                <a:schemeClr val="tx1"/>
+              </a:solidFill>
+            </a:endParaRPr>
+          </a:p>
+        </p:txBody>
+      </p:sp>
+      <p:sp>
+        <p:nvSpPr>
+          <p:cNvPr id="21" name="Or 20">
+            <a:extLst>
+              <a:ext uri="{FF2B5EF4-FFF2-40B4-BE49-F238E27FC236}">
+                <a16:creationId xmlns:a16="http://schemas.microsoft.com/office/drawing/2014/main" id="{26617902-ED1C-8541-BDA0-D0C73EDE869C}"/>
               </a:ext>
             </a:extLst>
           </p:cNvPr>
@@ -3435,12 +4010,18 @@
         </p:nvSpPr>
         <p:spPr>
           <a:xfrm>
-            <a:off x="1358470" y="2939879"/>
-            <a:ext cx="1228725" cy="657225"/>
-          </a:xfrm>
-          <a:prstGeom prst="roundRect">
+            <a:off x="1728710" y="710515"/>
+            <a:ext cx="274320" cy="274320"/>
+          </a:xfrm>
+          <a:prstGeom prst="flowChartOr">
             <a:avLst/>
           </a:prstGeom>
+          <a:noFill/>
+          <a:ln w="25400">
+            <a:solidFill>
+              <a:schemeClr val="tx1"/>
+            </a:solidFill>
+          </a:ln>
         </p:spPr>
         <p:style>
           <a:lnRef idx="2">
@@ -3463,16 +4044,511 @@
           <a:lstStyle/>
           <a:p>
             <a:pPr algn="ctr"/>
-            <a:endParaRPr lang="en-US"/>
-          </a:p>
-        </p:txBody>
-      </p:sp>
-      <p:sp>
-        <p:nvSpPr>
-          <p:cNvPr id="7" name="Rounded Rectangle 6">
-            <a:extLst>
-              <a:ext uri="{FF2B5EF4-FFF2-40B4-BE49-F238E27FC236}">
-                <a16:creationId xmlns:a16="http://schemas.microsoft.com/office/drawing/2014/main" id="{150D06BC-F2EF-574E-AD78-6DE06C16A029}"/>
+            <a:endParaRPr lang="en-US">
+              <a:solidFill>
+                <a:schemeClr val="tx1"/>
+              </a:solidFill>
+            </a:endParaRPr>
+          </a:p>
+        </p:txBody>
+      </p:sp>
+      <p:cxnSp>
+        <p:nvCxnSpPr>
+          <p:cNvPr id="24" name="Straight Connector 23">
+            <a:extLst>
+              <a:ext uri="{FF2B5EF4-FFF2-40B4-BE49-F238E27FC236}">
+                <a16:creationId xmlns:a16="http://schemas.microsoft.com/office/drawing/2014/main" id="{CB3292F1-00A1-6444-8F78-2973E079A7BE}"/>
+              </a:ext>
+            </a:extLst>
+          </p:cNvPr>
+          <p:cNvCxnSpPr>
+            <a:cxnSpLocks/>
+            <a:stCxn id="13" idx="0"/>
+            <a:endCxn id="14" idx="2"/>
+          </p:cNvCxnSpPr>
+          <p:nvPr/>
+        </p:nvCxnSpPr>
+        <p:spPr>
+          <a:xfrm flipV="1">
+            <a:off x="1865870" y="3127404"/>
+            <a:ext cx="0" cy="123568"/>
+          </a:xfrm>
+          <a:prstGeom prst="line">
+            <a:avLst/>
+          </a:prstGeom>
+          <a:ln w="28575">
+            <a:solidFill>
+              <a:schemeClr val="tx1"/>
+            </a:solidFill>
+          </a:ln>
+        </p:spPr>
+        <p:style>
+          <a:lnRef idx="1">
+            <a:schemeClr val="accent1"/>
+          </a:lnRef>
+          <a:fillRef idx="0">
+            <a:schemeClr val="accent1"/>
+          </a:fillRef>
+          <a:effectRef idx="0">
+            <a:schemeClr val="accent1"/>
+          </a:effectRef>
+          <a:fontRef idx="minor">
+            <a:schemeClr val="tx1"/>
+          </a:fontRef>
+        </p:style>
+      </p:cxnSp>
+      <p:cxnSp>
+        <p:nvCxnSpPr>
+          <p:cNvPr id="27" name="Straight Connector 26">
+            <a:extLst>
+              <a:ext uri="{FF2B5EF4-FFF2-40B4-BE49-F238E27FC236}">
+                <a16:creationId xmlns:a16="http://schemas.microsoft.com/office/drawing/2014/main" id="{9C011CDC-9BFF-8F4B-89EF-0325F61B1845}"/>
+              </a:ext>
+            </a:extLst>
+          </p:cNvPr>
+          <p:cNvCxnSpPr>
+            <a:cxnSpLocks/>
+            <a:stCxn id="14" idx="0"/>
+            <a:endCxn id="20" idx="4"/>
+          </p:cNvCxnSpPr>
+          <p:nvPr/>
+        </p:nvCxnSpPr>
+        <p:spPr>
+          <a:xfrm flipV="1">
+            <a:off x="1865870" y="2693774"/>
+            <a:ext cx="0" cy="159310"/>
+          </a:xfrm>
+          <a:prstGeom prst="line">
+            <a:avLst/>
+          </a:prstGeom>
+          <a:ln w="28575">
+            <a:solidFill>
+              <a:schemeClr val="tx1"/>
+            </a:solidFill>
+          </a:ln>
+        </p:spPr>
+        <p:style>
+          <a:lnRef idx="1">
+            <a:schemeClr val="accent1"/>
+          </a:lnRef>
+          <a:fillRef idx="0">
+            <a:schemeClr val="accent1"/>
+          </a:fillRef>
+          <a:effectRef idx="0">
+            <a:schemeClr val="accent1"/>
+          </a:effectRef>
+          <a:fontRef idx="minor">
+            <a:schemeClr val="tx1"/>
+          </a:fontRef>
+        </p:style>
+      </p:cxnSp>
+      <p:cxnSp>
+        <p:nvCxnSpPr>
+          <p:cNvPr id="30" name="Straight Connector 29">
+            <a:extLst>
+              <a:ext uri="{FF2B5EF4-FFF2-40B4-BE49-F238E27FC236}">
+                <a16:creationId xmlns:a16="http://schemas.microsoft.com/office/drawing/2014/main" id="{45E589DA-277A-834A-A5CC-54CBDCA7976D}"/>
+              </a:ext>
+            </a:extLst>
+          </p:cNvPr>
+          <p:cNvCxnSpPr>
+            <a:cxnSpLocks/>
+            <a:stCxn id="20" idx="0"/>
+            <a:endCxn id="15" idx="2"/>
+          </p:cNvCxnSpPr>
+          <p:nvPr/>
+        </p:nvCxnSpPr>
+        <p:spPr>
+          <a:xfrm flipV="1">
+            <a:off x="1865870" y="2273645"/>
+            <a:ext cx="0" cy="145809"/>
+          </a:xfrm>
+          <a:prstGeom prst="line">
+            <a:avLst/>
+          </a:prstGeom>
+          <a:ln w="28575">
+            <a:solidFill>
+              <a:schemeClr val="tx1"/>
+            </a:solidFill>
+          </a:ln>
+        </p:spPr>
+        <p:style>
+          <a:lnRef idx="1">
+            <a:schemeClr val="accent1"/>
+          </a:lnRef>
+          <a:fillRef idx="0">
+            <a:schemeClr val="accent1"/>
+          </a:fillRef>
+          <a:effectRef idx="0">
+            <a:schemeClr val="accent1"/>
+          </a:effectRef>
+          <a:fontRef idx="minor">
+            <a:schemeClr val="tx1"/>
+          </a:fontRef>
+        </p:style>
+      </p:cxnSp>
+      <p:cxnSp>
+        <p:nvCxnSpPr>
+          <p:cNvPr id="33" name="Straight Connector 32">
+            <a:extLst>
+              <a:ext uri="{FF2B5EF4-FFF2-40B4-BE49-F238E27FC236}">
+                <a16:creationId xmlns:a16="http://schemas.microsoft.com/office/drawing/2014/main" id="{6D2FA61F-657F-F742-89D6-7D06F99CEEB7}"/>
+              </a:ext>
+            </a:extLst>
+          </p:cNvPr>
+          <p:cNvCxnSpPr>
+            <a:cxnSpLocks/>
+            <a:stCxn id="15" idx="0"/>
+            <a:endCxn id="16" idx="2"/>
+          </p:cNvCxnSpPr>
+          <p:nvPr/>
+        </p:nvCxnSpPr>
+        <p:spPr>
+          <a:xfrm flipV="1">
+            <a:off x="1865870" y="1940012"/>
+            <a:ext cx="0" cy="123568"/>
+          </a:xfrm>
+          <a:prstGeom prst="line">
+            <a:avLst/>
+          </a:prstGeom>
+          <a:ln w="28575">
+            <a:solidFill>
+              <a:schemeClr val="tx1"/>
+            </a:solidFill>
+          </a:ln>
+        </p:spPr>
+        <p:style>
+          <a:lnRef idx="1">
+            <a:schemeClr val="accent1"/>
+          </a:lnRef>
+          <a:fillRef idx="0">
+            <a:schemeClr val="accent1"/>
+          </a:fillRef>
+          <a:effectRef idx="0">
+            <a:schemeClr val="accent1"/>
+          </a:effectRef>
+          <a:fontRef idx="minor">
+            <a:schemeClr val="tx1"/>
+          </a:fontRef>
+        </p:style>
+      </p:cxnSp>
+      <p:cxnSp>
+        <p:nvCxnSpPr>
+          <p:cNvPr id="38" name="Straight Connector 37">
+            <a:extLst>
+              <a:ext uri="{FF2B5EF4-FFF2-40B4-BE49-F238E27FC236}">
+                <a16:creationId xmlns:a16="http://schemas.microsoft.com/office/drawing/2014/main" id="{2E70B464-B4AE-BC42-938F-280D9D623FFE}"/>
+              </a:ext>
+            </a:extLst>
+          </p:cNvPr>
+          <p:cNvCxnSpPr>
+            <a:cxnSpLocks/>
+            <a:stCxn id="16" idx="0"/>
+            <a:endCxn id="17" idx="2"/>
+          </p:cNvCxnSpPr>
+          <p:nvPr/>
+        </p:nvCxnSpPr>
+        <p:spPr>
+          <a:xfrm flipV="1">
+            <a:off x="1865870" y="1396315"/>
+            <a:ext cx="0" cy="123568"/>
+          </a:xfrm>
+          <a:prstGeom prst="line">
+            <a:avLst/>
+          </a:prstGeom>
+          <a:ln w="28575">
+            <a:solidFill>
+              <a:schemeClr val="tx1"/>
+            </a:solidFill>
+          </a:ln>
+        </p:spPr>
+        <p:style>
+          <a:lnRef idx="1">
+            <a:schemeClr val="accent1"/>
+          </a:lnRef>
+          <a:fillRef idx="0">
+            <a:schemeClr val="accent1"/>
+          </a:fillRef>
+          <a:effectRef idx="0">
+            <a:schemeClr val="accent1"/>
+          </a:effectRef>
+          <a:fontRef idx="minor">
+            <a:schemeClr val="tx1"/>
+          </a:fontRef>
+        </p:style>
+      </p:cxnSp>
+      <p:cxnSp>
+        <p:nvCxnSpPr>
+          <p:cNvPr id="41" name="Straight Connector 40">
+            <a:extLst>
+              <a:ext uri="{FF2B5EF4-FFF2-40B4-BE49-F238E27FC236}">
+                <a16:creationId xmlns:a16="http://schemas.microsoft.com/office/drawing/2014/main" id="{3D59423F-8F2F-B541-986A-DD2E1CFEBE3F}"/>
+              </a:ext>
+            </a:extLst>
+          </p:cNvPr>
+          <p:cNvCxnSpPr>
+            <a:cxnSpLocks/>
+            <a:stCxn id="17" idx="0"/>
+            <a:endCxn id="21" idx="4"/>
+          </p:cNvCxnSpPr>
+          <p:nvPr/>
+        </p:nvCxnSpPr>
+        <p:spPr>
+          <a:xfrm flipV="1">
+            <a:off x="1865870" y="984835"/>
+            <a:ext cx="0" cy="137160"/>
+          </a:xfrm>
+          <a:prstGeom prst="line">
+            <a:avLst/>
+          </a:prstGeom>
+          <a:ln w="28575">
+            <a:solidFill>
+              <a:schemeClr val="tx1"/>
+            </a:solidFill>
+          </a:ln>
+        </p:spPr>
+        <p:style>
+          <a:lnRef idx="1">
+            <a:schemeClr val="accent1"/>
+          </a:lnRef>
+          <a:fillRef idx="0">
+            <a:schemeClr val="accent1"/>
+          </a:fillRef>
+          <a:effectRef idx="0">
+            <a:schemeClr val="accent1"/>
+          </a:effectRef>
+          <a:fontRef idx="minor">
+            <a:schemeClr val="tx1"/>
+          </a:fontRef>
+        </p:style>
+      </p:cxnSp>
+      <p:cxnSp>
+        <p:nvCxnSpPr>
+          <p:cNvPr id="46" name="Straight Connector 45">
+            <a:extLst>
+              <a:ext uri="{FF2B5EF4-FFF2-40B4-BE49-F238E27FC236}">
+                <a16:creationId xmlns:a16="http://schemas.microsoft.com/office/drawing/2014/main" id="{CB258173-C655-CF4D-81FF-BE2123F56F50}"/>
+              </a:ext>
+            </a:extLst>
+          </p:cNvPr>
+          <p:cNvCxnSpPr>
+            <a:cxnSpLocks/>
+            <a:stCxn id="12" idx="2"/>
+          </p:cNvCxnSpPr>
+          <p:nvPr/>
+        </p:nvCxnSpPr>
+        <p:spPr>
+          <a:xfrm>
+            <a:off x="1865870" y="4004734"/>
+            <a:ext cx="0" cy="458485"/>
+          </a:xfrm>
+          <a:prstGeom prst="line">
+            <a:avLst/>
+          </a:prstGeom>
+          <a:ln w="28575">
+            <a:solidFill>
+              <a:schemeClr val="tx1"/>
+            </a:solidFill>
+            <a:headEnd type="triangle"/>
+          </a:ln>
+        </p:spPr>
+        <p:style>
+          <a:lnRef idx="1">
+            <a:schemeClr val="accent1"/>
+          </a:lnRef>
+          <a:fillRef idx="0">
+            <a:schemeClr val="accent1"/>
+          </a:fillRef>
+          <a:effectRef idx="0">
+            <a:schemeClr val="accent1"/>
+          </a:effectRef>
+          <a:fontRef idx="minor">
+            <a:schemeClr val="tx1"/>
+          </a:fontRef>
+        </p:style>
+      </p:cxnSp>
+      <p:cxnSp>
+        <p:nvCxnSpPr>
+          <p:cNvPr id="53" name="Straight Connector 52">
+            <a:extLst>
+              <a:ext uri="{FF2B5EF4-FFF2-40B4-BE49-F238E27FC236}">
+                <a16:creationId xmlns:a16="http://schemas.microsoft.com/office/drawing/2014/main" id="{43FA3314-B067-794B-BFF1-7ABD22F056BC}"/>
+              </a:ext>
+            </a:extLst>
+          </p:cNvPr>
+          <p:cNvCxnSpPr>
+            <a:cxnSpLocks/>
+            <a:endCxn id="21" idx="0"/>
+          </p:cNvCxnSpPr>
+          <p:nvPr/>
+        </p:nvCxnSpPr>
+        <p:spPr>
+          <a:xfrm>
+            <a:off x="1865870" y="405396"/>
+            <a:ext cx="0" cy="305119"/>
+          </a:xfrm>
+          <a:prstGeom prst="line">
+            <a:avLst/>
+          </a:prstGeom>
+          <a:ln w="28575">
+            <a:solidFill>
+              <a:schemeClr val="tx1"/>
+            </a:solidFill>
+            <a:headEnd type="triangle"/>
+          </a:ln>
+        </p:spPr>
+        <p:style>
+          <a:lnRef idx="1">
+            <a:schemeClr val="accent1"/>
+          </a:lnRef>
+          <a:fillRef idx="0">
+            <a:schemeClr val="accent1"/>
+          </a:fillRef>
+          <a:effectRef idx="0">
+            <a:schemeClr val="accent1"/>
+          </a:effectRef>
+          <a:fontRef idx="minor">
+            <a:schemeClr val="tx1"/>
+          </a:fontRef>
+        </p:style>
+      </p:cxnSp>
+      <p:cxnSp>
+        <p:nvCxnSpPr>
+          <p:cNvPr id="57" name="Elbow Connector 56">
+            <a:extLst>
+              <a:ext uri="{FF2B5EF4-FFF2-40B4-BE49-F238E27FC236}">
+                <a16:creationId xmlns:a16="http://schemas.microsoft.com/office/drawing/2014/main" id="{73E26F27-BB8C-4A4E-B10A-77662116CC62}"/>
+              </a:ext>
+            </a:extLst>
+          </p:cNvPr>
+          <p:cNvCxnSpPr>
+            <a:endCxn id="20" idx="2"/>
+          </p:cNvCxnSpPr>
+          <p:nvPr/>
+        </p:nvCxnSpPr>
+        <p:spPr>
+          <a:xfrm rot="16200000" flipV="1">
+            <a:off x="971631" y="3313694"/>
+            <a:ext cx="1651319" cy="137160"/>
+          </a:xfrm>
+          <a:prstGeom prst="bentConnector4">
+            <a:avLst>
+              <a:gd name="adj1" fmla="val -811"/>
+              <a:gd name="adj2" fmla="val 581886"/>
+            </a:avLst>
+          </a:prstGeom>
+          <a:ln w="25400">
+            <a:solidFill>
+              <a:schemeClr val="tx1"/>
+            </a:solidFill>
+          </a:ln>
+        </p:spPr>
+        <p:style>
+          <a:lnRef idx="1">
+            <a:schemeClr val="accent1"/>
+          </a:lnRef>
+          <a:fillRef idx="0">
+            <a:schemeClr val="accent1"/>
+          </a:fillRef>
+          <a:effectRef idx="0">
+            <a:schemeClr val="accent1"/>
+          </a:effectRef>
+          <a:fontRef idx="minor">
+            <a:schemeClr val="tx1"/>
+          </a:fontRef>
+        </p:style>
+      </p:cxnSp>
+      <p:cxnSp>
+        <p:nvCxnSpPr>
+          <p:cNvPr id="60" name="Elbow Connector 59">
+            <a:extLst>
+              <a:ext uri="{FF2B5EF4-FFF2-40B4-BE49-F238E27FC236}">
+                <a16:creationId xmlns:a16="http://schemas.microsoft.com/office/drawing/2014/main" id="{88E980E6-7545-E845-AC0C-DE2A2548E842}"/>
+              </a:ext>
+            </a:extLst>
+          </p:cNvPr>
+          <p:cNvCxnSpPr>
+            <a:cxnSpLocks/>
+            <a:endCxn id="21" idx="2"/>
+          </p:cNvCxnSpPr>
+          <p:nvPr/>
+        </p:nvCxnSpPr>
+        <p:spPr>
+          <a:xfrm rot="16200000" flipV="1">
+            <a:off x="1044422" y="1531963"/>
+            <a:ext cx="1505740" cy="137163"/>
+          </a:xfrm>
+          <a:prstGeom prst="bentConnector4">
+            <a:avLst>
+              <a:gd name="adj1" fmla="val 461"/>
+              <a:gd name="adj2" fmla="val 577119"/>
+            </a:avLst>
+          </a:prstGeom>
+          <a:ln w="25400">
+            <a:solidFill>
+              <a:schemeClr val="tx1"/>
+            </a:solidFill>
+          </a:ln>
+        </p:spPr>
+        <p:style>
+          <a:lnRef idx="1">
+            <a:schemeClr val="accent1"/>
+          </a:lnRef>
+          <a:fillRef idx="0">
+            <a:schemeClr val="accent1"/>
+          </a:fillRef>
+          <a:effectRef idx="0">
+            <a:schemeClr val="accent1"/>
+          </a:effectRef>
+          <a:fontRef idx="minor">
+            <a:schemeClr val="tx1"/>
+          </a:fontRef>
+        </p:style>
+      </p:cxnSp>
+      <p:sp>
+        <p:nvSpPr>
+          <p:cNvPr id="64" name="TextBox 63">
+            <a:extLst>
+              <a:ext uri="{FF2B5EF4-FFF2-40B4-BE49-F238E27FC236}">
+                <a16:creationId xmlns:a16="http://schemas.microsoft.com/office/drawing/2014/main" id="{351C3C7E-F018-5E4B-914A-1B7E0DCA0215}"/>
+              </a:ext>
+            </a:extLst>
+          </p:cNvPr>
+          <p:cNvSpPr txBox="1"/>
+          <p:nvPr/>
+        </p:nvSpPr>
+        <p:spPr>
+          <a:xfrm>
+            <a:off x="824459" y="4754880"/>
+            <a:ext cx="1693733" cy="369332"/>
+          </a:xfrm>
+          <a:prstGeom prst="rect">
+            <a:avLst/>
+          </a:prstGeom>
+          <a:noFill/>
+        </p:spPr>
+        <p:txBody>
+          <a:bodyPr wrap="none" rtlCol="0">
+            <a:spAutoFit/>
+          </a:bodyPr>
+          <a:lstStyle/>
+          <a:p>
+            <a:r>
+              <a:rPr lang="en-US" dirty="0">
+                <a:latin typeface="Times New Roman" panose="02020603050405020304" pitchFamily="18" charset="0"/>
+                <a:cs typeface="Times New Roman" panose="02020603050405020304" pitchFamily="18" charset="0"/>
+              </a:rPr>
+              <a:t>(a) FCVT Block</a:t>
+            </a:r>
+          </a:p>
+        </p:txBody>
+      </p:sp>
+      <p:sp>
+        <p:nvSpPr>
+          <p:cNvPr id="89" name="Rounded Rectangle 88">
+            <a:extLst>
+              <a:ext uri="{FF2B5EF4-FFF2-40B4-BE49-F238E27FC236}">
+                <a16:creationId xmlns:a16="http://schemas.microsoft.com/office/drawing/2014/main" id="{45A65286-4D81-0745-BF29-43FCB299EED2}"/>
               </a:ext>
             </a:extLst>
           </p:cNvPr>
@@ -3481,12 +4557,23 @@
         </p:nvSpPr>
         <p:spPr>
           <a:xfrm>
-            <a:off x="1358470" y="1849524"/>
-            <a:ext cx="1228725" cy="657225"/>
+            <a:off x="824459" y="710515"/>
+            <a:ext cx="1768836" cy="3606652"/>
           </a:xfrm>
           <a:prstGeom prst="roundRect">
-            <a:avLst/>
-          </a:prstGeom>
+            <a:avLst>
+              <a:gd name="adj" fmla="val 8975"/>
+            </a:avLst>
+          </a:prstGeom>
+          <a:noFill/>
+          <a:ln>
+            <a:solidFill>
+              <a:schemeClr val="bg2">
+                <a:lumMod val="75000"/>
+              </a:schemeClr>
+            </a:solidFill>
+            <a:prstDash val="dash"/>
+          </a:ln>
         </p:spPr>
         <p:style>
           <a:lnRef idx="2">
@@ -3513,12 +4600,118 @@
           </a:p>
         </p:txBody>
       </p:sp>
-      <p:sp>
-        <p:nvSpPr>
-          <p:cNvPr id="8" name="Rounded Rectangle 7">
-            <a:extLst>
-              <a:ext uri="{FF2B5EF4-FFF2-40B4-BE49-F238E27FC236}">
-                <a16:creationId xmlns:a16="http://schemas.microsoft.com/office/drawing/2014/main" id="{C3204CD9-B220-1342-921B-56FAB8E2E78E}"/>
+      <p:cxnSp>
+        <p:nvCxnSpPr>
+          <p:cNvPr id="92" name="Straight Connector 91">
+            <a:extLst>
+              <a:ext uri="{FF2B5EF4-FFF2-40B4-BE49-F238E27FC236}">
+                <a16:creationId xmlns:a16="http://schemas.microsoft.com/office/drawing/2014/main" id="{0DFD22B1-E9A2-1041-A283-741A5A7883EF}"/>
+              </a:ext>
+            </a:extLst>
+          </p:cNvPr>
+          <p:cNvCxnSpPr>
+            <a:cxnSpLocks/>
+            <a:stCxn id="121" idx="2"/>
+            <a:endCxn id="119" idx="0"/>
+          </p:cNvCxnSpPr>
+          <p:nvPr/>
+        </p:nvCxnSpPr>
+        <p:spPr>
+          <a:xfrm flipH="1">
+            <a:off x="4559401" y="3101373"/>
+            <a:ext cx="20" cy="663102"/>
+          </a:xfrm>
+          <a:prstGeom prst="line">
+            <a:avLst/>
+          </a:prstGeom>
+          <a:ln w="28575">
+            <a:solidFill>
+              <a:schemeClr val="tx1"/>
+            </a:solidFill>
+            <a:headEnd type="triangle"/>
+          </a:ln>
+        </p:spPr>
+        <p:style>
+          <a:lnRef idx="1">
+            <a:schemeClr val="accent1"/>
+          </a:lnRef>
+          <a:fillRef idx="0">
+            <a:schemeClr val="accent1"/>
+          </a:fillRef>
+          <a:effectRef idx="0">
+            <a:schemeClr val="accent1"/>
+          </a:effectRef>
+          <a:fontRef idx="minor">
+            <a:schemeClr val="tx1"/>
+          </a:fontRef>
+        </p:style>
+      </p:cxnSp>
+      <p:pic>
+        <p:nvPicPr>
+          <p:cNvPr id="119" name="Picture 118">
+            <a:extLst>
+              <a:ext uri="{FF2B5EF4-FFF2-40B4-BE49-F238E27FC236}">
+                <a16:creationId xmlns:a16="http://schemas.microsoft.com/office/drawing/2014/main" id="{B2EB2DA8-9A18-F14E-9952-079C665E36D5}"/>
+              </a:ext>
+            </a:extLst>
+          </p:cNvPr>
+          <p:cNvPicPr>
+            <a:picLocks/>
+          </p:cNvPicPr>
+          <p:nvPr/>
+        </p:nvPicPr>
+        <p:blipFill>
+          <a:blip r:embed="rId2"/>
+          <a:stretch>
+            <a:fillRect/>
+          </a:stretch>
+        </p:blipFill>
+        <p:spPr>
+          <a:xfrm>
+            <a:off x="4330801" y="3764475"/>
+            <a:ext cx="457200" cy="457200"/>
+          </a:xfrm>
+          <a:prstGeom prst="rect">
+            <a:avLst/>
+          </a:prstGeom>
+        </p:spPr>
+      </p:pic>
+      <p:pic>
+        <p:nvPicPr>
+          <p:cNvPr id="120" name="Picture 119">
+            <a:extLst>
+              <a:ext uri="{FF2B5EF4-FFF2-40B4-BE49-F238E27FC236}">
+                <a16:creationId xmlns:a16="http://schemas.microsoft.com/office/drawing/2014/main" id="{B88DE204-0B51-1846-97BC-FD2BDFB6C930}"/>
+              </a:ext>
+            </a:extLst>
+          </p:cNvPr>
+          <p:cNvPicPr>
+            <a:picLocks/>
+          </p:cNvPicPr>
+          <p:nvPr/>
+        </p:nvPicPr>
+        <p:blipFill>
+          <a:blip r:embed="rId3"/>
+          <a:stretch>
+            <a:fillRect/>
+          </a:stretch>
+        </p:blipFill>
+        <p:spPr>
+          <a:xfrm>
+            <a:off x="5225190" y="2761277"/>
+            <a:ext cx="457200" cy="457200"/>
+          </a:xfrm>
+          <a:prstGeom prst="rect">
+            <a:avLst/>
+          </a:prstGeom>
+        </p:spPr>
+      </p:pic>
+      <p:sp>
+        <p:nvSpPr>
+          <p:cNvPr id="121" name="Rectangle 120">
+            <a:extLst>
+              <a:ext uri="{FF2B5EF4-FFF2-40B4-BE49-F238E27FC236}">
+                <a16:creationId xmlns:a16="http://schemas.microsoft.com/office/drawing/2014/main" id="{8547A25E-0066-5144-8CB3-96195FF7C0C2}"/>
               </a:ext>
             </a:extLst>
           </p:cNvPr>
@@ -3527,12 +4720,18 @@
         </p:nvSpPr>
         <p:spPr>
           <a:xfrm>
-            <a:off x="1358469" y="1087782"/>
-            <a:ext cx="1228725" cy="657225"/>
-          </a:xfrm>
-          <a:prstGeom prst="roundRect">
+            <a:off x="4445121" y="2872773"/>
+            <a:ext cx="228600" cy="228600"/>
+          </a:xfrm>
+          <a:prstGeom prst="rect">
             <a:avLst/>
           </a:prstGeom>
+          <a:solidFill>
+            <a:schemeClr val="accent5"/>
+          </a:solidFill>
+          <a:ln>
+            <a:noFill/>
+          </a:ln>
         </p:spPr>
         <p:style>
           <a:lnRef idx="2">
@@ -3559,29 +4758,207 @@
           </a:p>
         </p:txBody>
       </p:sp>
-      <p:sp>
-        <p:nvSpPr>
-          <p:cNvPr id="3" name="Rectangle 2">
-            <a:extLst>
-              <a:ext uri="{FF2B5EF4-FFF2-40B4-BE49-F238E27FC236}">
-                <a16:creationId xmlns:a16="http://schemas.microsoft.com/office/drawing/2014/main" id="{17104DF2-B079-8D46-8F2E-D703339B24B2}"/>
-              </a:ext>
-            </a:extLst>
-          </p:cNvPr>
-          <p:cNvSpPr/>
+      <p:cxnSp>
+        <p:nvCxnSpPr>
+          <p:cNvPr id="122" name="Straight Connector 121">
+            <a:extLst>
+              <a:ext uri="{FF2B5EF4-FFF2-40B4-BE49-F238E27FC236}">
+                <a16:creationId xmlns:a16="http://schemas.microsoft.com/office/drawing/2014/main" id="{1F64B91F-086D-4745-903A-2A3CF818BE07}"/>
+              </a:ext>
+            </a:extLst>
+          </p:cNvPr>
+          <p:cNvCxnSpPr>
+            <a:cxnSpLocks/>
+            <a:stCxn id="120" idx="1"/>
+            <a:endCxn id="121" idx="3"/>
+          </p:cNvCxnSpPr>
+          <p:nvPr/>
+        </p:nvCxnSpPr>
+        <p:spPr>
+          <a:xfrm flipH="1" flipV="1">
+            <a:off x="4673721" y="2987073"/>
+            <a:ext cx="551469" cy="2804"/>
+          </a:xfrm>
+          <a:prstGeom prst="line">
+            <a:avLst/>
+          </a:prstGeom>
+          <a:ln w="28575">
+            <a:solidFill>
+              <a:schemeClr val="tx1"/>
+            </a:solidFill>
+            <a:headEnd type="triangle"/>
+          </a:ln>
+        </p:spPr>
+        <p:style>
+          <a:lnRef idx="1">
+            <a:schemeClr val="accent1"/>
+          </a:lnRef>
+          <a:fillRef idx="0">
+            <a:schemeClr val="accent1"/>
+          </a:fillRef>
+          <a:effectRef idx="0">
+            <a:schemeClr val="accent1"/>
+          </a:effectRef>
+          <a:fontRef idx="minor">
+            <a:schemeClr val="tx1"/>
+          </a:fontRef>
+        </p:style>
+      </p:cxnSp>
+      <p:cxnSp>
+        <p:nvCxnSpPr>
+          <p:cNvPr id="126" name="Elbow Connector 125">
+            <a:extLst>
+              <a:ext uri="{FF2B5EF4-FFF2-40B4-BE49-F238E27FC236}">
+                <a16:creationId xmlns:a16="http://schemas.microsoft.com/office/drawing/2014/main" id="{80BA9F6B-5277-FE4A-9155-B4C5A308B183}"/>
+              </a:ext>
+            </a:extLst>
+          </p:cNvPr>
+          <p:cNvCxnSpPr>
+            <a:cxnSpLocks/>
+            <a:endCxn id="120" idx="2"/>
+          </p:cNvCxnSpPr>
+          <p:nvPr/>
+        </p:nvCxnSpPr>
+        <p:spPr>
+          <a:xfrm flipV="1">
+            <a:off x="4547301" y="3218477"/>
+            <a:ext cx="906489" cy="392708"/>
+          </a:xfrm>
+          <a:prstGeom prst="bentConnector2">
+            <a:avLst/>
+          </a:prstGeom>
+          <a:ln w="31750">
+            <a:solidFill>
+              <a:schemeClr val="tx1"/>
+            </a:solidFill>
+            <a:tailEnd type="triangle"/>
+          </a:ln>
+        </p:spPr>
+        <p:style>
+          <a:lnRef idx="1">
+            <a:schemeClr val="accent1"/>
+          </a:lnRef>
+          <a:fillRef idx="0">
+            <a:schemeClr val="accent1"/>
+          </a:fillRef>
+          <a:effectRef idx="0">
+            <a:schemeClr val="accent1"/>
+          </a:effectRef>
+          <a:fontRef idx="minor">
+            <a:schemeClr val="tx1"/>
+          </a:fontRef>
+        </p:style>
+      </p:cxnSp>
+      <p:sp>
+        <p:nvSpPr>
+          <p:cNvPr id="129" name="TextBox 128">
+            <a:extLst>
+              <a:ext uri="{FF2B5EF4-FFF2-40B4-BE49-F238E27FC236}">
+                <a16:creationId xmlns:a16="http://schemas.microsoft.com/office/drawing/2014/main" id="{54AD290F-CB24-F647-B3F6-24B73C1559F3}"/>
+              </a:ext>
+            </a:extLst>
+          </p:cNvPr>
+          <p:cNvSpPr txBox="1"/>
           <p:nvPr/>
         </p:nvSpPr>
         <p:spPr>
           <a:xfrm>
-            <a:off x="6096000" y="2506749"/>
-            <a:ext cx="1463040" cy="1465176"/>
+            <a:off x="4618066" y="3056778"/>
+            <a:ext cx="872355" cy="307777"/>
           </a:xfrm>
           <a:prstGeom prst="rect">
             <a:avLst/>
           </a:prstGeom>
-          <a:solidFill>
-            <a:schemeClr val="bg1"/>
-          </a:solidFill>
+          <a:noFill/>
+        </p:spPr>
+        <p:txBody>
+          <a:bodyPr wrap="none" rtlCol="0">
+            <a:spAutoFit/>
+          </a:bodyPr>
+          <a:lstStyle/>
+          <a:p>
+            <a:r>
+              <a:rPr lang="en-US" sz="1400" dirty="0">
+                <a:latin typeface="Times New Roman" panose="02020603050405020304" pitchFamily="18" charset="0"/>
+                <a:cs typeface="Times New Roman" panose="02020603050405020304" pitchFamily="18" charset="0"/>
+              </a:rPr>
+              <a:t>similarity</a:t>
+            </a:r>
+          </a:p>
+        </p:txBody>
+      </p:sp>
+      <p:cxnSp>
+        <p:nvCxnSpPr>
+          <p:cNvPr id="133" name="Elbow Connector 132">
+            <a:extLst>
+              <a:ext uri="{FF2B5EF4-FFF2-40B4-BE49-F238E27FC236}">
+                <a16:creationId xmlns:a16="http://schemas.microsoft.com/office/drawing/2014/main" id="{6C846265-985E-0549-89F5-4454C65D505F}"/>
+              </a:ext>
+            </a:extLst>
+          </p:cNvPr>
+          <p:cNvCxnSpPr>
+            <a:cxnSpLocks/>
+            <a:stCxn id="120" idx="0"/>
+            <a:endCxn id="137" idx="6"/>
+          </p:cNvCxnSpPr>
+          <p:nvPr/>
+        </p:nvCxnSpPr>
+        <p:spPr>
+          <a:xfrm rot="16200000" flipV="1">
+            <a:off x="4843366" y="2150853"/>
+            <a:ext cx="881274" cy="339574"/>
+          </a:xfrm>
+          <a:prstGeom prst="bentConnector2">
+            <a:avLst/>
+          </a:prstGeom>
+          <a:ln w="31750">
+            <a:solidFill>
+              <a:schemeClr val="tx1"/>
+            </a:solidFill>
+            <a:tailEnd type="triangle"/>
+          </a:ln>
+        </p:spPr>
+        <p:style>
+          <a:lnRef idx="1">
+            <a:schemeClr val="accent1"/>
+          </a:lnRef>
+          <a:fillRef idx="0">
+            <a:schemeClr val="accent1"/>
+          </a:fillRef>
+          <a:effectRef idx="0">
+            <a:schemeClr val="accent1"/>
+          </a:effectRef>
+          <a:fontRef idx="minor">
+            <a:schemeClr val="tx1"/>
+          </a:fontRef>
+        </p:style>
+      </p:cxnSp>
+      <p:sp>
+        <p:nvSpPr>
+          <p:cNvPr id="137" name="Summing Junction 136">
+            <a:extLst>
+              <a:ext uri="{FF2B5EF4-FFF2-40B4-BE49-F238E27FC236}">
+                <a16:creationId xmlns:a16="http://schemas.microsoft.com/office/drawing/2014/main" id="{65972E8B-4417-6447-A9D3-9A4C5DAEA927}"/>
+              </a:ext>
+            </a:extLst>
+          </p:cNvPr>
+          <p:cNvSpPr/>
+          <p:nvPr/>
+        </p:nvSpPr>
+        <p:spPr>
+          <a:xfrm>
+            <a:off x="4839896" y="1742843"/>
+            <a:ext cx="274320" cy="274320"/>
+          </a:xfrm>
+          <a:prstGeom prst="flowChartSummingJunction">
+            <a:avLst/>
+          </a:prstGeom>
+          <a:noFill/>
+          <a:ln w="25400">
+            <a:solidFill>
+              <a:schemeClr val="tx1"/>
+            </a:solidFill>
+          </a:ln>
         </p:spPr>
         <p:style>
           <a:lnRef idx="2">
@@ -3604,52 +4981,16 @@
           <a:lstStyle/>
           <a:p>
             <a:pPr algn="ctr"/>
-            <a:r>
-              <a:rPr lang="en-US" b="1" dirty="0">
-                <a:solidFill>
-                  <a:schemeClr val="accent1"/>
-                </a:solidFill>
-                <a:latin typeface="Times New Roman" panose="02020603050405020304" pitchFamily="18" charset="0"/>
-                <a:cs typeface="Times New Roman" panose="02020603050405020304" pitchFamily="18" charset="0"/>
-              </a:rPr>
-              <a:t>Add</a:t>
-            </a:r>
-            <a:r>
-              <a:rPr lang="zh-CN" altLang="en-US" b="1" dirty="0">
-                <a:solidFill>
-                  <a:schemeClr val="accent1"/>
-                </a:solidFill>
-                <a:latin typeface="Times New Roman" panose="02020603050405020304" pitchFamily="18" charset="0"/>
-                <a:cs typeface="Times New Roman" panose="02020603050405020304" pitchFamily="18" charset="0"/>
-              </a:rPr>
-              <a:t> </a:t>
-            </a:r>
-            <a:r>
-              <a:rPr lang="en-US" altLang="zh-CN" b="1" dirty="0">
-                <a:solidFill>
-                  <a:schemeClr val="accent1"/>
-                </a:solidFill>
-                <a:latin typeface="Times New Roman" panose="02020603050405020304" pitchFamily="18" charset="0"/>
-                <a:cs typeface="Times New Roman" panose="02020603050405020304" pitchFamily="18" charset="0"/>
-              </a:rPr>
-              <a:t>New Path</a:t>
-            </a:r>
-            <a:endParaRPr lang="en-US" b="1" dirty="0">
-              <a:solidFill>
-                <a:schemeClr val="accent1"/>
-              </a:solidFill>
-              <a:latin typeface="Times New Roman" panose="02020603050405020304" pitchFamily="18" charset="0"/>
-              <a:cs typeface="Times New Roman" panose="02020603050405020304" pitchFamily="18" charset="0"/>
-            </a:endParaRPr>
-          </a:p>
-        </p:txBody>
-      </p:sp>
-      <p:sp>
-        <p:nvSpPr>
-          <p:cNvPr id="9" name="Rectangle 8">
-            <a:extLst>
-              <a:ext uri="{FF2B5EF4-FFF2-40B4-BE49-F238E27FC236}">
-                <a16:creationId xmlns:a16="http://schemas.microsoft.com/office/drawing/2014/main" id="{877D354F-2E1D-1244-84D4-FAF3B18785F2}"/>
+            <a:endParaRPr lang="en-US"/>
+          </a:p>
+        </p:txBody>
+      </p:sp>
+      <p:sp>
+        <p:nvSpPr>
+          <p:cNvPr id="143" name="Collate 142">
+            <a:extLst>
+              <a:ext uri="{FF2B5EF4-FFF2-40B4-BE49-F238E27FC236}">
+                <a16:creationId xmlns:a16="http://schemas.microsoft.com/office/drawing/2014/main" id="{5BCB0F22-6423-2D4B-83C7-DA7CBC013E5A}"/>
               </a:ext>
             </a:extLst>
           </p:cNvPr>
@@ -3658,15 +4999,23 @@
         </p:nvSpPr>
         <p:spPr>
           <a:xfrm>
-            <a:off x="8005762" y="2506749"/>
-            <a:ext cx="1463040" cy="1465176"/>
-          </a:xfrm>
-          <a:prstGeom prst="rect">
+            <a:off x="4366655" y="2125844"/>
+            <a:ext cx="385490" cy="366578"/>
+          </a:xfrm>
+          <a:prstGeom prst="flowChartCollate">
             <a:avLst/>
           </a:prstGeom>
           <a:solidFill>
-            <a:schemeClr val="bg1"/>
+            <a:schemeClr val="accent5">
+              <a:lumMod val="20000"/>
+              <a:lumOff val="80000"/>
+            </a:schemeClr>
           </a:solidFill>
+          <a:ln w="25400">
+            <a:solidFill>
+              <a:schemeClr val="tx1"/>
+            </a:solidFill>
+          </a:ln>
         </p:spPr>
         <p:style>
           <a:lnRef idx="2">
@@ -3689,36 +5038,4603 @@
           <a:lstStyle/>
           <a:p>
             <a:pPr algn="ctr"/>
+            <a:endParaRPr lang="en-US" dirty="0">
+              <a:solidFill>
+                <a:schemeClr val="tx1"/>
+              </a:solidFill>
+            </a:endParaRPr>
+          </a:p>
+        </p:txBody>
+      </p:sp>
+      <p:cxnSp>
+        <p:nvCxnSpPr>
+          <p:cNvPr id="144" name="Straight Connector 143">
+            <a:extLst>
+              <a:ext uri="{FF2B5EF4-FFF2-40B4-BE49-F238E27FC236}">
+                <a16:creationId xmlns:a16="http://schemas.microsoft.com/office/drawing/2014/main" id="{E3768D3E-F69A-9D48-B9E5-ADE2FE66F673}"/>
+              </a:ext>
+            </a:extLst>
+          </p:cNvPr>
+          <p:cNvCxnSpPr>
+            <a:cxnSpLocks/>
+            <a:stCxn id="143" idx="2"/>
+            <a:endCxn id="121" idx="0"/>
+          </p:cNvCxnSpPr>
+          <p:nvPr/>
+        </p:nvCxnSpPr>
+        <p:spPr>
+          <a:xfrm>
+            <a:off x="4559400" y="2492422"/>
+            <a:ext cx="21" cy="380351"/>
+          </a:xfrm>
+          <a:prstGeom prst="line">
+            <a:avLst/>
+          </a:prstGeom>
+          <a:ln w="28575">
+            <a:solidFill>
+              <a:schemeClr val="tx1"/>
+            </a:solidFill>
+            <a:headEnd type="triangle"/>
+          </a:ln>
+        </p:spPr>
+        <p:style>
+          <a:lnRef idx="1">
+            <a:schemeClr val="accent1"/>
+          </a:lnRef>
+          <a:fillRef idx="0">
+            <a:schemeClr val="accent1"/>
+          </a:fillRef>
+          <a:effectRef idx="0">
+            <a:schemeClr val="accent1"/>
+          </a:effectRef>
+          <a:fontRef idx="minor">
+            <a:schemeClr val="tx1"/>
+          </a:fontRef>
+        </p:style>
+      </p:cxnSp>
+      <p:cxnSp>
+        <p:nvCxnSpPr>
+          <p:cNvPr id="147" name="Elbow Connector 146">
+            <a:extLst>
+              <a:ext uri="{FF2B5EF4-FFF2-40B4-BE49-F238E27FC236}">
+                <a16:creationId xmlns:a16="http://schemas.microsoft.com/office/drawing/2014/main" id="{EE528E3A-5B7E-7342-8841-B00F6ADB1C57}"/>
+              </a:ext>
+            </a:extLst>
+          </p:cNvPr>
+          <p:cNvCxnSpPr>
+            <a:cxnSpLocks/>
+            <a:stCxn id="143" idx="0"/>
+            <a:endCxn id="137" idx="2"/>
+          </p:cNvCxnSpPr>
+          <p:nvPr/>
+        </p:nvCxnSpPr>
+        <p:spPr>
+          <a:xfrm rot="5400000" flipH="1" flipV="1">
+            <a:off x="4576728" y="1862676"/>
+            <a:ext cx="245841" cy="280496"/>
+          </a:xfrm>
+          <a:prstGeom prst="bentConnector2">
+            <a:avLst/>
+          </a:prstGeom>
+          <a:ln w="31750">
+            <a:solidFill>
+              <a:schemeClr val="tx1"/>
+            </a:solidFill>
+            <a:tailEnd type="triangle"/>
+          </a:ln>
+        </p:spPr>
+        <p:style>
+          <a:lnRef idx="1">
+            <a:schemeClr val="accent1"/>
+          </a:lnRef>
+          <a:fillRef idx="0">
+            <a:schemeClr val="accent1"/>
+          </a:fillRef>
+          <a:effectRef idx="0">
+            <a:schemeClr val="accent1"/>
+          </a:effectRef>
+          <a:fontRef idx="minor">
+            <a:schemeClr val="tx1"/>
+          </a:fontRef>
+        </p:style>
+      </p:cxnSp>
+      <p:sp>
+        <p:nvSpPr>
+          <p:cNvPr id="151" name="TextBox 150">
+            <a:extLst>
+              <a:ext uri="{FF2B5EF4-FFF2-40B4-BE49-F238E27FC236}">
+                <a16:creationId xmlns:a16="http://schemas.microsoft.com/office/drawing/2014/main" id="{9EFE202F-FF81-D843-9442-74045C2C0DEB}"/>
+              </a:ext>
+            </a:extLst>
+          </p:cNvPr>
+          <p:cNvSpPr txBox="1"/>
+          <p:nvPr/>
+        </p:nvSpPr>
+        <p:spPr>
+          <a:xfrm rot="16200000">
+            <a:off x="3713165" y="2035165"/>
+            <a:ext cx="933269" cy="523220"/>
+          </a:xfrm>
+          <a:prstGeom prst="rect">
+            <a:avLst/>
+          </a:prstGeom>
+          <a:noFill/>
+        </p:spPr>
+        <p:txBody>
+          <a:bodyPr wrap="none" rtlCol="0">
+            <a:spAutoFit/>
+          </a:bodyPr>
+          <a:lstStyle/>
+          <a:p>
+            <a:pPr algn="ctr"/>
             <a:r>
-              <a:rPr lang="en-US" altLang="zh-CN" b="1" dirty="0">
+              <a:rPr lang="en-US" sz="1400" dirty="0">
+                <a:latin typeface="Times New Roman" panose="02020603050405020304" pitchFamily="18" charset="0"/>
+                <a:cs typeface="Times New Roman" panose="02020603050405020304" pitchFamily="18" charset="0"/>
+              </a:rPr>
+              <a:t> </a:t>
+            </a:r>
+          </a:p>
+          <a:p>
+            <a:pPr algn="ctr"/>
+            <a:r>
+              <a:rPr lang="en-US" sz="1400" dirty="0">
+                <a:latin typeface="Times New Roman" panose="02020603050405020304" pitchFamily="18" charset="0"/>
+                <a:cs typeface="Times New Roman" panose="02020603050405020304" pitchFamily="18" charset="0"/>
+              </a:rPr>
+              <a:t>bottleneck</a:t>
+            </a:r>
+          </a:p>
+        </p:txBody>
+      </p:sp>
+      <p:sp>
+        <p:nvSpPr>
+          <p:cNvPr id="156" name="Or 155">
+            <a:extLst>
+              <a:ext uri="{FF2B5EF4-FFF2-40B4-BE49-F238E27FC236}">
+                <a16:creationId xmlns:a16="http://schemas.microsoft.com/office/drawing/2014/main" id="{5E851F05-3E12-5D4A-BAA8-EE1DDA81B0C4}"/>
+              </a:ext>
+            </a:extLst>
+          </p:cNvPr>
+          <p:cNvSpPr/>
+          <p:nvPr/>
+        </p:nvSpPr>
+        <p:spPr>
+          <a:xfrm>
+            <a:off x="4411379" y="1383536"/>
+            <a:ext cx="274320" cy="274320"/>
+          </a:xfrm>
+          <a:prstGeom prst="flowChartOr">
+            <a:avLst/>
+          </a:prstGeom>
+          <a:noFill/>
+          <a:ln w="25400">
+            <a:solidFill>
+              <a:schemeClr val="tx1"/>
+            </a:solidFill>
+          </a:ln>
+        </p:spPr>
+        <p:style>
+          <a:lnRef idx="2">
+            <a:schemeClr val="accent1">
+              <a:shade val="50000"/>
+            </a:schemeClr>
+          </a:lnRef>
+          <a:fillRef idx="1">
+            <a:schemeClr val="accent1"/>
+          </a:fillRef>
+          <a:effectRef idx="0">
+            <a:schemeClr val="accent1"/>
+          </a:effectRef>
+          <a:fontRef idx="minor">
+            <a:schemeClr val="lt1"/>
+          </a:fontRef>
+        </p:style>
+        <p:txBody>
+          <a:bodyPr rtlCol="0" anchor="ctr"/>
+          <a:lstStyle/>
+          <a:p>
+            <a:pPr algn="ctr"/>
+            <a:endParaRPr lang="en-US">
+              <a:solidFill>
+                <a:schemeClr val="tx1"/>
+              </a:solidFill>
+            </a:endParaRPr>
+          </a:p>
+        </p:txBody>
+      </p:sp>
+      <p:cxnSp>
+        <p:nvCxnSpPr>
+          <p:cNvPr id="157" name="Elbow Connector 156">
+            <a:extLst>
+              <a:ext uri="{FF2B5EF4-FFF2-40B4-BE49-F238E27FC236}">
+                <a16:creationId xmlns:a16="http://schemas.microsoft.com/office/drawing/2014/main" id="{B5477002-328E-ED44-BC23-EC12967145EC}"/>
+              </a:ext>
+            </a:extLst>
+          </p:cNvPr>
+          <p:cNvCxnSpPr>
+            <a:cxnSpLocks/>
+            <a:endCxn id="156" idx="2"/>
+          </p:cNvCxnSpPr>
+          <p:nvPr/>
+        </p:nvCxnSpPr>
+        <p:spPr>
+          <a:xfrm rot="16200000" flipV="1">
+            <a:off x="3434812" y="2497263"/>
+            <a:ext cx="2102674" cy="149539"/>
+          </a:xfrm>
+          <a:prstGeom prst="bentConnector4">
+            <a:avLst>
+              <a:gd name="adj1" fmla="val 717"/>
+              <a:gd name="adj2" fmla="val 466591"/>
+            </a:avLst>
+          </a:prstGeom>
+          <a:ln w="31750">
+            <a:solidFill>
+              <a:schemeClr val="tx1"/>
+            </a:solidFill>
+            <a:tailEnd type="triangle"/>
+          </a:ln>
+        </p:spPr>
+        <p:style>
+          <a:lnRef idx="1">
+            <a:schemeClr val="accent1"/>
+          </a:lnRef>
+          <a:fillRef idx="0">
+            <a:schemeClr val="accent1"/>
+          </a:fillRef>
+          <a:effectRef idx="0">
+            <a:schemeClr val="accent1"/>
+          </a:effectRef>
+          <a:fontRef idx="minor">
+            <a:schemeClr val="tx1"/>
+          </a:fontRef>
+        </p:style>
+      </p:cxnSp>
+      <p:sp>
+        <p:nvSpPr>
+          <p:cNvPr id="162" name="TextBox 161">
+            <a:extLst>
+              <a:ext uri="{FF2B5EF4-FFF2-40B4-BE49-F238E27FC236}">
+                <a16:creationId xmlns:a16="http://schemas.microsoft.com/office/drawing/2014/main" id="{1AA655DD-0B98-0248-AF25-64EE09B084CF}"/>
+              </a:ext>
+            </a:extLst>
+          </p:cNvPr>
+          <p:cNvSpPr txBox="1"/>
+          <p:nvPr/>
+        </p:nvSpPr>
+        <p:spPr>
+          <a:xfrm rot="16200000">
+            <a:off x="3827354" y="2109244"/>
+            <a:ext cx="572593" cy="307777"/>
+          </a:xfrm>
+          <a:prstGeom prst="rect">
+            <a:avLst/>
+          </a:prstGeom>
+          <a:noFill/>
+        </p:spPr>
+        <p:txBody>
+          <a:bodyPr wrap="none" rtlCol="0">
+            <a:spAutoFit/>
+          </a:bodyPr>
+          <a:lstStyle/>
+          <a:p>
+            <a:pPr algn="ctr"/>
+            <a:r>
+              <a:rPr lang="en-US" sz="1400" dirty="0">
+                <a:latin typeface="Times New Roman" panose="02020603050405020304" pitchFamily="18" charset="0"/>
+                <a:cs typeface="Times New Roman" panose="02020603050405020304" pitchFamily="18" charset="0"/>
+              </a:rPr>
+              <a:t>Info. </a:t>
+            </a:r>
+          </a:p>
+        </p:txBody>
+      </p:sp>
+      <p:cxnSp>
+        <p:nvCxnSpPr>
+          <p:cNvPr id="163" name="Elbow Connector 162">
+            <a:extLst>
+              <a:ext uri="{FF2B5EF4-FFF2-40B4-BE49-F238E27FC236}">
+                <a16:creationId xmlns:a16="http://schemas.microsoft.com/office/drawing/2014/main" id="{09CFD0B2-D492-804C-835A-2DA8AE219F70}"/>
+              </a:ext>
+            </a:extLst>
+          </p:cNvPr>
+          <p:cNvCxnSpPr>
+            <a:cxnSpLocks/>
+            <a:stCxn id="137" idx="0"/>
+            <a:endCxn id="156" idx="6"/>
+          </p:cNvCxnSpPr>
+          <p:nvPr/>
+        </p:nvCxnSpPr>
+        <p:spPr>
+          <a:xfrm rot="16200000" flipV="1">
+            <a:off x="4720305" y="1486091"/>
+            <a:ext cx="222147" cy="291357"/>
+          </a:xfrm>
+          <a:prstGeom prst="bentConnector2">
+            <a:avLst/>
+          </a:prstGeom>
+          <a:ln w="31750">
+            <a:solidFill>
+              <a:schemeClr val="tx1"/>
+            </a:solidFill>
+            <a:tailEnd type="triangle"/>
+          </a:ln>
+        </p:spPr>
+        <p:style>
+          <a:lnRef idx="1">
+            <a:schemeClr val="accent1"/>
+          </a:lnRef>
+          <a:fillRef idx="0">
+            <a:schemeClr val="accent1"/>
+          </a:fillRef>
+          <a:effectRef idx="0">
+            <a:schemeClr val="accent1"/>
+          </a:effectRef>
+          <a:fontRef idx="minor">
+            <a:schemeClr val="tx1"/>
+          </a:fontRef>
+        </p:style>
+      </p:cxnSp>
+      <mc:AlternateContent xmlns:mc="http://schemas.openxmlformats.org/markup-compatibility/2006">
+        <mc:Choice xmlns:a14="http://schemas.microsoft.com/office/drawing/2010/main" Requires="a14">
+          <p:sp>
+            <p:nvSpPr>
+              <p:cNvPr id="166" name="Rounded Rectangle 165">
+                <a:extLst>
+                  <a:ext uri="{FF2B5EF4-FFF2-40B4-BE49-F238E27FC236}">
+                    <a16:creationId xmlns:a16="http://schemas.microsoft.com/office/drawing/2014/main" id="{3782901D-9BB9-9C4A-A4F8-7F355BA63D12}"/>
+                  </a:ext>
+                </a:extLst>
+              </p:cNvPr>
+              <p:cNvSpPr/>
+              <p:nvPr/>
+            </p:nvSpPr>
+            <p:spPr>
+              <a:xfrm>
+                <a:off x="3866728" y="951518"/>
+                <a:ext cx="1361146" cy="294622"/>
+              </a:xfrm>
+              <a:prstGeom prst="roundRect">
+                <a:avLst/>
+              </a:prstGeom>
+              <a:noFill/>
+              <a:ln w="28575">
                 <a:solidFill>
-                  <a:schemeClr val="accent1"/>
+                  <a:schemeClr val="tx1"/>
+                </a:solidFill>
+              </a:ln>
+            </p:spPr>
+            <p:style>
+              <a:lnRef idx="1">
+                <a:schemeClr val="accent6"/>
+              </a:lnRef>
+              <a:fillRef idx="2">
+                <a:schemeClr val="accent6"/>
+              </a:fillRef>
+              <a:effectRef idx="1">
+                <a:schemeClr val="accent6"/>
+              </a:effectRef>
+              <a:fontRef idx="minor">
+                <a:schemeClr val="dk1"/>
+              </a:fontRef>
+            </p:style>
+            <p:txBody>
+              <a:bodyPr wrap="none" tIns="0" bIns="0" rtlCol="0" anchor="ctr"/>
+              <a:lstStyle/>
+              <a:p>
+                <a:pPr algn="ctr"/>
+                <a:r>
+                  <a:rPr lang="en-US" sz="1600" dirty="0">
+                    <a:solidFill>
+                      <a:schemeClr val="tx1"/>
+                    </a:solidFill>
+                    <a:latin typeface="Times New Roman" panose="02020603050405020304" pitchFamily="18" charset="0"/>
+                    <a:cs typeface="Times New Roman" panose="02020603050405020304" pitchFamily="18" charset="0"/>
+                  </a:rPr>
+                  <a:t>DW </a:t>
+                </a:r>
+                <a14:m>
+                  <m:oMath xmlns:m="http://schemas.openxmlformats.org/officeDocument/2006/math">
+                    <m:r>
+                      <m:rPr>
+                        <m:sty m:val="p"/>
+                      </m:rPr>
+                      <a:rPr lang="en-US" sz="1600" b="0" i="0" smtClean="0">
+                        <a:solidFill>
+                          <a:schemeClr val="tx1"/>
+                        </a:solidFill>
+                        <a:latin typeface="Cambria Math" panose="02040503050406030204" pitchFamily="18" charset="0"/>
+                        <a:cs typeface="Times New Roman" panose="02020603050405020304" pitchFamily="18" charset="0"/>
+                      </a:rPr>
+                      <m:t>C</m:t>
+                    </m:r>
+                    <m:r>
+                      <a:rPr lang="en-US" sz="1600" b="0" i="1" smtClean="0">
+                        <a:solidFill>
+                          <a:schemeClr val="tx1"/>
+                        </a:solidFill>
+                        <a:latin typeface="Cambria Math" panose="02040503050406030204" pitchFamily="18" charset="0"/>
+                        <a:cs typeface="Times New Roman" panose="02020603050405020304" pitchFamily="18" charset="0"/>
+                      </a:rPr>
+                      <m:t>𝑜𝑛𝑣</m:t>
+                    </m:r>
+                    <m:r>
+                      <a:rPr lang="en-US" sz="1600" b="0" i="1" smtClean="0">
+                        <a:solidFill>
+                          <a:schemeClr val="tx1"/>
+                        </a:solidFill>
+                        <a:latin typeface="Cambria Math" panose="02040503050406030204" pitchFamily="18" charset="0"/>
+                        <a:cs typeface="Times New Roman" panose="02020603050405020304" pitchFamily="18" charset="0"/>
+                      </a:rPr>
+                      <m:t> </m:t>
+                    </m:r>
+                    <m:r>
+                      <a:rPr lang="en-US" sz="1600" b="0" i="1" smtClean="0">
+                        <a:solidFill>
+                          <a:schemeClr val="tx1"/>
+                        </a:solidFill>
+                        <a:latin typeface="Cambria Math" panose="02040503050406030204" pitchFamily="18" charset="0"/>
+                        <a:cs typeface="Times New Roman" panose="02020603050405020304" pitchFamily="18" charset="0"/>
+                      </a:rPr>
+                      <m:t>𝑛</m:t>
+                    </m:r>
+                    <m:r>
+                      <a:rPr lang="en-US" sz="1600" b="0" i="1" smtClean="0">
+                        <a:solidFill>
+                          <a:schemeClr val="tx1"/>
+                        </a:solidFill>
+                        <a:latin typeface="Cambria Math" panose="02040503050406030204" pitchFamily="18" charset="0"/>
+                        <a:ea typeface="Cambria Math" panose="02040503050406030204" pitchFamily="18" charset="0"/>
+                        <a:cs typeface="Times New Roman" panose="02020603050405020304" pitchFamily="18" charset="0"/>
+                      </a:rPr>
+                      <m:t>×</m:t>
+                    </m:r>
+                    <m:r>
+                      <a:rPr lang="en-US" sz="1600" b="0" i="1" smtClean="0">
+                        <a:solidFill>
+                          <a:schemeClr val="tx1"/>
+                        </a:solidFill>
+                        <a:latin typeface="Cambria Math" panose="02040503050406030204" pitchFamily="18" charset="0"/>
+                        <a:ea typeface="Cambria Math" panose="02040503050406030204" pitchFamily="18" charset="0"/>
+                        <a:cs typeface="Times New Roman" panose="02020603050405020304" pitchFamily="18" charset="0"/>
+                      </a:rPr>
+                      <m:t>𝑛</m:t>
+                    </m:r>
+                  </m:oMath>
+                </a14:m>
+                <a:endParaRPr lang="en-US" sz="1600" dirty="0">
+                  <a:solidFill>
+                    <a:schemeClr val="tx1"/>
+                  </a:solidFill>
+                  <a:latin typeface="Times New Roman" panose="02020603050405020304" pitchFamily="18" charset="0"/>
+                  <a:cs typeface="Times New Roman" panose="02020603050405020304" pitchFamily="18" charset="0"/>
+                </a:endParaRPr>
+              </a:p>
+            </p:txBody>
+          </p:sp>
+        </mc:Choice>
+        <mc:Fallback>
+          <p:sp>
+            <p:nvSpPr>
+              <p:cNvPr id="166" name="Rounded Rectangle 165">
+                <a:extLst>
+                  <a:ext uri="{FF2B5EF4-FFF2-40B4-BE49-F238E27FC236}">
+                    <a16:creationId xmlns:a16="http://schemas.microsoft.com/office/drawing/2014/main" id="{3782901D-9BB9-9C4A-A4F8-7F355BA63D12}"/>
+                  </a:ext>
+                </a:extLst>
+              </p:cNvPr>
+              <p:cNvSpPr>
+                <a:spLocks noRot="1" noChangeAspect="1" noMove="1" noResize="1" noEditPoints="1" noAdjustHandles="1" noChangeArrowheads="1" noChangeShapeType="1" noTextEdit="1"/>
+              </p:cNvSpPr>
+              <p:nvPr/>
+            </p:nvSpPr>
+            <p:spPr>
+              <a:xfrm>
+                <a:off x="3866728" y="951518"/>
+                <a:ext cx="1361146" cy="294622"/>
+              </a:xfrm>
+              <a:prstGeom prst="roundRect">
+                <a:avLst/>
+              </a:prstGeom>
+              <a:blipFill>
+                <a:blip r:embed="rId4"/>
+                <a:stretch>
+                  <a:fillRect l="-4505" t="-3704" b="-22222"/>
+                </a:stretch>
+              </a:blipFill>
+              <a:ln w="28575">
+                <a:solidFill>
+                  <a:schemeClr val="tx1"/>
+                </a:solidFill>
+              </a:ln>
+            </p:spPr>
+            <p:txBody>
+              <a:bodyPr/>
+              <a:lstStyle/>
+              <a:p>
+                <a:r>
+                  <a:rPr lang="en-US">
+                    <a:noFill/>
+                  </a:rPr>
+                  <a:t> </a:t>
+                </a:r>
+              </a:p>
+            </p:txBody>
+          </p:sp>
+        </mc:Fallback>
+      </mc:AlternateContent>
+      <p:cxnSp>
+        <p:nvCxnSpPr>
+          <p:cNvPr id="167" name="Straight Connector 166">
+            <a:extLst>
+              <a:ext uri="{FF2B5EF4-FFF2-40B4-BE49-F238E27FC236}">
+                <a16:creationId xmlns:a16="http://schemas.microsoft.com/office/drawing/2014/main" id="{ECA1DABE-098B-A249-B163-381E453BB51A}"/>
+              </a:ext>
+            </a:extLst>
+          </p:cNvPr>
+          <p:cNvCxnSpPr>
+            <a:cxnSpLocks/>
+            <a:stCxn id="166" idx="2"/>
+            <a:endCxn id="156" idx="0"/>
+          </p:cNvCxnSpPr>
+          <p:nvPr/>
+        </p:nvCxnSpPr>
+        <p:spPr>
+          <a:xfrm>
+            <a:off x="4547301" y="1246140"/>
+            <a:ext cx="1238" cy="137396"/>
+          </a:xfrm>
+          <a:prstGeom prst="line">
+            <a:avLst/>
+          </a:prstGeom>
+          <a:ln w="28575">
+            <a:solidFill>
+              <a:schemeClr val="tx1"/>
+            </a:solidFill>
+            <a:headEnd type="triangle"/>
+          </a:ln>
+        </p:spPr>
+        <p:style>
+          <a:lnRef idx="1">
+            <a:schemeClr val="accent1"/>
+          </a:lnRef>
+          <a:fillRef idx="0">
+            <a:schemeClr val="accent1"/>
+          </a:fillRef>
+          <a:effectRef idx="0">
+            <a:schemeClr val="accent1"/>
+          </a:effectRef>
+          <a:fontRef idx="minor">
+            <a:schemeClr val="tx1"/>
+          </a:fontRef>
+        </p:style>
+      </p:cxnSp>
+      <p:sp>
+        <p:nvSpPr>
+          <p:cNvPr id="172" name="TextBox 171">
+            <a:extLst>
+              <a:ext uri="{FF2B5EF4-FFF2-40B4-BE49-F238E27FC236}">
+                <a16:creationId xmlns:a16="http://schemas.microsoft.com/office/drawing/2014/main" id="{7E03FDFD-9A63-264A-8514-84E15587CF1F}"/>
+              </a:ext>
+            </a:extLst>
+          </p:cNvPr>
+          <p:cNvSpPr txBox="1"/>
+          <p:nvPr/>
+        </p:nvSpPr>
+        <p:spPr>
+          <a:xfrm>
+            <a:off x="5122568" y="1283332"/>
+            <a:ext cx="702436" cy="307777"/>
+          </a:xfrm>
+          <a:prstGeom prst="rect">
+            <a:avLst/>
+          </a:prstGeom>
+          <a:noFill/>
+        </p:spPr>
+        <p:txBody>
+          <a:bodyPr wrap="none" rtlCol="0">
+            <a:spAutoFit/>
+          </a:bodyPr>
+          <a:lstStyle/>
+          <a:p>
+            <a:r>
+              <a:rPr lang="en-US" sz="1400" b="1" dirty="0">
+                <a:latin typeface="Times New Roman" panose="02020603050405020304" pitchFamily="18" charset="0"/>
+                <a:cs typeface="Times New Roman" panose="02020603050405020304" pitchFamily="18" charset="0"/>
+              </a:rPr>
+              <a:t>Global</a:t>
+            </a:r>
+          </a:p>
+        </p:txBody>
+      </p:sp>
+      <p:cxnSp>
+        <p:nvCxnSpPr>
+          <p:cNvPr id="173" name="Straight Connector 172">
+            <a:extLst>
+              <a:ext uri="{FF2B5EF4-FFF2-40B4-BE49-F238E27FC236}">
+                <a16:creationId xmlns:a16="http://schemas.microsoft.com/office/drawing/2014/main" id="{032401CA-02BB-DC47-BDCA-583AC67AC2DD}"/>
+              </a:ext>
+            </a:extLst>
+          </p:cNvPr>
+          <p:cNvCxnSpPr>
+            <a:cxnSpLocks/>
+            <a:endCxn id="166" idx="0"/>
+          </p:cNvCxnSpPr>
+          <p:nvPr/>
+        </p:nvCxnSpPr>
+        <p:spPr>
+          <a:xfrm>
+            <a:off x="4547301" y="623077"/>
+            <a:ext cx="0" cy="328441"/>
+          </a:xfrm>
+          <a:prstGeom prst="line">
+            <a:avLst/>
+          </a:prstGeom>
+          <a:ln w="28575">
+            <a:solidFill>
+              <a:schemeClr val="tx1"/>
+            </a:solidFill>
+            <a:headEnd type="triangle"/>
+          </a:ln>
+        </p:spPr>
+        <p:style>
+          <a:lnRef idx="1">
+            <a:schemeClr val="accent1"/>
+          </a:lnRef>
+          <a:fillRef idx="0">
+            <a:schemeClr val="accent1"/>
+          </a:fillRef>
+          <a:effectRef idx="0">
+            <a:schemeClr val="accent1"/>
+          </a:effectRef>
+          <a:fontRef idx="minor">
+            <a:schemeClr val="tx1"/>
+          </a:fontRef>
+        </p:style>
+      </p:cxnSp>
+      <p:sp>
+        <p:nvSpPr>
+          <p:cNvPr id="176" name="Rounded Rectangle 175">
+            <a:extLst>
+              <a:ext uri="{FF2B5EF4-FFF2-40B4-BE49-F238E27FC236}">
+                <a16:creationId xmlns:a16="http://schemas.microsoft.com/office/drawing/2014/main" id="{3D620DF3-A8FB-BA49-86E7-92CCC285DE0A}"/>
+              </a:ext>
+            </a:extLst>
+          </p:cNvPr>
+          <p:cNvSpPr/>
+          <p:nvPr/>
+        </p:nvSpPr>
+        <p:spPr>
+          <a:xfrm>
+            <a:off x="3652707" y="897398"/>
+            <a:ext cx="2345672" cy="3195172"/>
+          </a:xfrm>
+          <a:prstGeom prst="roundRect">
+            <a:avLst>
+              <a:gd name="adj" fmla="val 8975"/>
+            </a:avLst>
+          </a:prstGeom>
+          <a:noFill/>
+          <a:ln>
+            <a:solidFill>
+              <a:schemeClr val="bg2">
+                <a:lumMod val="75000"/>
+              </a:schemeClr>
+            </a:solidFill>
+            <a:prstDash val="dash"/>
+          </a:ln>
+        </p:spPr>
+        <p:style>
+          <a:lnRef idx="2">
+            <a:schemeClr val="accent1">
+              <a:shade val="50000"/>
+            </a:schemeClr>
+          </a:lnRef>
+          <a:fillRef idx="1">
+            <a:schemeClr val="accent1"/>
+          </a:fillRef>
+          <a:effectRef idx="0">
+            <a:schemeClr val="accent1"/>
+          </a:effectRef>
+          <a:fontRef idx="minor">
+            <a:schemeClr val="lt1"/>
+          </a:fontRef>
+        </p:style>
+        <p:txBody>
+          <a:bodyPr rtlCol="0" anchor="ctr"/>
+          <a:lstStyle/>
+          <a:p>
+            <a:pPr algn="ctr"/>
+            <a:endParaRPr lang="en-US"/>
+          </a:p>
+        </p:txBody>
+      </p:sp>
+      <p:cxnSp>
+        <p:nvCxnSpPr>
+          <p:cNvPr id="177" name="Straight Connector 176">
+            <a:extLst>
+              <a:ext uri="{FF2B5EF4-FFF2-40B4-BE49-F238E27FC236}">
+                <a16:creationId xmlns:a16="http://schemas.microsoft.com/office/drawing/2014/main" id="{F7E688FF-15CC-F54D-B6C9-32AF867248E3}"/>
+              </a:ext>
+            </a:extLst>
+          </p:cNvPr>
+          <p:cNvCxnSpPr>
+            <a:cxnSpLocks/>
+            <a:stCxn id="119" idx="2"/>
+          </p:cNvCxnSpPr>
+          <p:nvPr/>
+        </p:nvCxnSpPr>
+        <p:spPr>
+          <a:xfrm>
+            <a:off x="4559401" y="4221675"/>
+            <a:ext cx="0" cy="292156"/>
+          </a:xfrm>
+          <a:prstGeom prst="line">
+            <a:avLst/>
+          </a:prstGeom>
+          <a:ln w="28575">
+            <a:solidFill>
+              <a:schemeClr val="tx1"/>
+            </a:solidFill>
+            <a:headEnd type="triangle"/>
+          </a:ln>
+        </p:spPr>
+        <p:style>
+          <a:lnRef idx="1">
+            <a:schemeClr val="accent1"/>
+          </a:lnRef>
+          <a:fillRef idx="0">
+            <a:schemeClr val="accent1"/>
+          </a:fillRef>
+          <a:effectRef idx="0">
+            <a:schemeClr val="accent1"/>
+          </a:effectRef>
+          <a:fontRef idx="minor">
+            <a:schemeClr val="tx1"/>
+          </a:fontRef>
+        </p:style>
+      </p:cxnSp>
+      <mc:AlternateContent xmlns:mc="http://schemas.openxmlformats.org/markup-compatibility/2006">
+        <mc:Choice xmlns:a14="http://schemas.microsoft.com/office/drawing/2010/main" Requires="a14">
+          <p:sp>
+            <p:nvSpPr>
+              <p:cNvPr id="180" name="TextBox 179">
+                <a:extLst>
+                  <a:ext uri="{FF2B5EF4-FFF2-40B4-BE49-F238E27FC236}">
+                    <a16:creationId xmlns:a16="http://schemas.microsoft.com/office/drawing/2014/main" id="{871A8A22-7F53-144A-B31E-90D98F6696E7}"/>
+                  </a:ext>
+                </a:extLst>
+              </p:cNvPr>
+              <p:cNvSpPr txBox="1"/>
+              <p:nvPr/>
+            </p:nvSpPr>
+            <p:spPr>
+              <a:xfrm>
+                <a:off x="5378754" y="683971"/>
+                <a:ext cx="579005" cy="400110"/>
+              </a:xfrm>
+              <a:prstGeom prst="rect">
+                <a:avLst/>
+              </a:prstGeom>
+              <a:noFill/>
+            </p:spPr>
+            <p:txBody>
+              <a:bodyPr wrap="none" rtlCol="0">
+                <a:spAutoFit/>
+              </a:bodyPr>
+              <a:lstStyle/>
+              <a:p>
+                <a14:m>
+                  <m:oMathPara xmlns:m="http://schemas.openxmlformats.org/officeDocument/2006/math">
+                    <m:oMathParaPr>
+                      <m:jc m:val="centerGroup"/>
+                    </m:oMathParaPr>
+                    <m:oMath xmlns:m="http://schemas.openxmlformats.org/officeDocument/2006/math">
+                      <m:r>
+                        <a:rPr lang="en-US" sz="2000" b="0" i="0" smtClean="0">
+                          <a:latin typeface="Cambria Math" panose="02040503050406030204" pitchFamily="18" charset="0"/>
+                          <a:ea typeface="Cambria Math" panose="02040503050406030204" pitchFamily="18" charset="0"/>
+                        </a:rPr>
+                        <m:t>×2</m:t>
+                      </m:r>
+                    </m:oMath>
+                  </m:oMathPara>
+                </a14:m>
+                <a:endParaRPr lang="en-US" sz="2000" dirty="0"/>
+              </a:p>
+            </p:txBody>
+          </p:sp>
+        </mc:Choice>
+        <mc:Fallback>
+          <p:sp>
+            <p:nvSpPr>
+              <p:cNvPr id="180" name="TextBox 179">
+                <a:extLst>
+                  <a:ext uri="{FF2B5EF4-FFF2-40B4-BE49-F238E27FC236}">
+                    <a16:creationId xmlns:a16="http://schemas.microsoft.com/office/drawing/2014/main" id="{871A8A22-7F53-144A-B31E-90D98F6696E7}"/>
+                  </a:ext>
+                </a:extLst>
+              </p:cNvPr>
+              <p:cNvSpPr txBox="1">
+                <a:spLocks noRot="1" noChangeAspect="1" noMove="1" noResize="1" noEditPoints="1" noAdjustHandles="1" noChangeArrowheads="1" noChangeShapeType="1" noTextEdit="1"/>
+              </p:cNvSpPr>
+              <p:nvPr/>
+            </p:nvSpPr>
+            <p:spPr>
+              <a:xfrm>
+                <a:off x="5378754" y="683971"/>
+                <a:ext cx="579005" cy="400110"/>
+              </a:xfrm>
+              <a:prstGeom prst="rect">
+                <a:avLst/>
+              </a:prstGeom>
+              <a:blipFill>
+                <a:blip r:embed="rId5"/>
+                <a:stretch>
+                  <a:fillRect/>
+                </a:stretch>
+              </a:blipFill>
+            </p:spPr>
+            <p:txBody>
+              <a:bodyPr/>
+              <a:lstStyle/>
+              <a:p>
+                <a:r>
+                  <a:rPr lang="en-US">
+                    <a:noFill/>
+                  </a:rPr>
+                  <a:t> </a:t>
+                </a:r>
+              </a:p>
+            </p:txBody>
+          </p:sp>
+        </mc:Fallback>
+      </mc:AlternateContent>
+      <p:sp>
+        <p:nvSpPr>
+          <p:cNvPr id="181" name="TextBox 180">
+            <a:extLst>
+              <a:ext uri="{FF2B5EF4-FFF2-40B4-BE49-F238E27FC236}">
+                <a16:creationId xmlns:a16="http://schemas.microsoft.com/office/drawing/2014/main" id="{F7CBAAB6-8317-1E48-8D9A-6EC2F1BB8A5F}"/>
+              </a:ext>
+            </a:extLst>
+          </p:cNvPr>
+          <p:cNvSpPr txBox="1"/>
+          <p:nvPr/>
+        </p:nvSpPr>
+        <p:spPr>
+          <a:xfrm>
+            <a:off x="3723768" y="4754880"/>
+            <a:ext cx="2340321" cy="369332"/>
+          </a:xfrm>
+          <a:prstGeom prst="rect">
+            <a:avLst/>
+          </a:prstGeom>
+          <a:noFill/>
+        </p:spPr>
+        <p:txBody>
+          <a:bodyPr wrap="none" rtlCol="0">
+            <a:spAutoFit/>
+          </a:bodyPr>
+          <a:lstStyle/>
+          <a:p>
+            <a:r>
+              <a:rPr lang="en-US" dirty="0">
+                <a:latin typeface="Times New Roman" panose="02020603050405020304" pitchFamily="18" charset="0"/>
+                <a:cs typeface="Times New Roman" panose="02020603050405020304" pitchFamily="18" charset="0"/>
+              </a:rPr>
+              <a:t>(b) FCVT Token-mixer</a:t>
+            </a:r>
+          </a:p>
+        </p:txBody>
+      </p:sp>
+      <p:sp>
+        <p:nvSpPr>
+          <p:cNvPr id="183" name="TextBox 182">
+            <a:extLst>
+              <a:ext uri="{FF2B5EF4-FFF2-40B4-BE49-F238E27FC236}">
+                <a16:creationId xmlns:a16="http://schemas.microsoft.com/office/drawing/2014/main" id="{2B9A3B46-13F6-9042-8D51-159AD450BEBE}"/>
+              </a:ext>
+            </a:extLst>
+          </p:cNvPr>
+          <p:cNvSpPr txBox="1"/>
+          <p:nvPr/>
+        </p:nvSpPr>
+        <p:spPr>
+          <a:xfrm rot="16200000">
+            <a:off x="4189578" y="3201934"/>
+            <a:ext cx="503664" cy="307777"/>
+          </a:xfrm>
+          <a:prstGeom prst="rect">
+            <a:avLst/>
+          </a:prstGeom>
+          <a:noFill/>
+        </p:spPr>
+        <p:txBody>
+          <a:bodyPr wrap="none" rtlCol="0">
+            <a:spAutoFit/>
+          </a:bodyPr>
+          <a:lstStyle/>
+          <a:p>
+            <a:r>
+              <a:rPr lang="en-US" sz="1400" dirty="0">
+                <a:latin typeface="Times New Roman" panose="02020603050405020304" pitchFamily="18" charset="0"/>
+                <a:cs typeface="Times New Roman" panose="02020603050405020304" pitchFamily="18" charset="0"/>
+              </a:rPr>
+              <a:t>pool</a:t>
+            </a:r>
+          </a:p>
+        </p:txBody>
+      </p:sp>
+      <mc:AlternateContent xmlns:mc="http://schemas.openxmlformats.org/markup-compatibility/2006">
+        <mc:Choice xmlns:a14="http://schemas.microsoft.com/office/drawing/2010/main" Requires="a14">
+          <p:sp>
+            <p:nvSpPr>
+              <p:cNvPr id="195" name="Rounded Rectangle 194">
+                <a:extLst>
+                  <a:ext uri="{FF2B5EF4-FFF2-40B4-BE49-F238E27FC236}">
+                    <a16:creationId xmlns:a16="http://schemas.microsoft.com/office/drawing/2014/main" id="{E3E31040-55EA-EC4C-A1B0-D3CFC585198A}"/>
+                  </a:ext>
+                </a:extLst>
+              </p:cNvPr>
+              <p:cNvSpPr/>
+              <p:nvPr/>
+            </p:nvSpPr>
+            <p:spPr>
+              <a:xfrm>
+                <a:off x="6960660" y="2449843"/>
+                <a:ext cx="1280160" cy="228600"/>
+              </a:xfrm>
+              <a:prstGeom prst="roundRect">
+                <a:avLst/>
+              </a:prstGeom>
+              <a:noFill/>
+              <a:ln w="28575">
+                <a:solidFill>
+                  <a:schemeClr val="tx1"/>
+                </a:solidFill>
+              </a:ln>
+            </p:spPr>
+            <p:style>
+              <a:lnRef idx="1">
+                <a:schemeClr val="accent6"/>
+              </a:lnRef>
+              <a:fillRef idx="2">
+                <a:schemeClr val="accent6"/>
+              </a:fillRef>
+              <a:effectRef idx="1">
+                <a:schemeClr val="accent6"/>
+              </a:effectRef>
+              <a:fontRef idx="minor">
+                <a:schemeClr val="dk1"/>
+              </a:fontRef>
+            </p:style>
+            <p:txBody>
+              <a:bodyPr wrap="none" tIns="0" bIns="0" rtlCol="0" anchor="ctr"/>
+              <a:lstStyle/>
+              <a:p>
+                <a:pPr algn="ctr"/>
+                <a:r>
+                  <a:rPr lang="en-US" sz="1600" dirty="0">
+                    <a:solidFill>
+                      <a:schemeClr val="tx1"/>
+                    </a:solidFill>
+                    <a:latin typeface="Times New Roman" panose="02020603050405020304" pitchFamily="18" charset="0"/>
+                    <a:cs typeface="Times New Roman" panose="02020603050405020304" pitchFamily="18" charset="0"/>
+                  </a:rPr>
+                  <a:t>DW </a:t>
+                </a:r>
+                <a14:m>
+                  <m:oMath xmlns:m="http://schemas.openxmlformats.org/officeDocument/2006/math">
+                    <m:r>
+                      <m:rPr>
+                        <m:sty m:val="p"/>
+                      </m:rPr>
+                      <a:rPr lang="en-US" sz="1600" b="0" i="0" smtClean="0">
+                        <a:solidFill>
+                          <a:schemeClr val="tx1"/>
+                        </a:solidFill>
+                        <a:latin typeface="Cambria Math" panose="02040503050406030204" pitchFamily="18" charset="0"/>
+                        <a:cs typeface="Times New Roman" panose="02020603050405020304" pitchFamily="18" charset="0"/>
+                      </a:rPr>
+                      <m:t>C</m:t>
+                    </m:r>
+                    <m:r>
+                      <a:rPr lang="en-US" sz="1600" b="0" i="1" smtClean="0">
+                        <a:solidFill>
+                          <a:schemeClr val="tx1"/>
+                        </a:solidFill>
+                        <a:latin typeface="Cambria Math" panose="02040503050406030204" pitchFamily="18" charset="0"/>
+                        <a:cs typeface="Times New Roman" panose="02020603050405020304" pitchFamily="18" charset="0"/>
+                      </a:rPr>
+                      <m:t>𝑜𝑛𝑣</m:t>
+                    </m:r>
+                    <m:r>
+                      <a:rPr lang="en-US" sz="1600" b="0" i="1" smtClean="0">
+                        <a:solidFill>
+                          <a:schemeClr val="tx1"/>
+                        </a:solidFill>
+                        <a:latin typeface="Cambria Math" panose="02040503050406030204" pitchFamily="18" charset="0"/>
+                        <a:cs typeface="Times New Roman" panose="02020603050405020304" pitchFamily="18" charset="0"/>
+                      </a:rPr>
+                      <m:t> 3×3</m:t>
+                    </m:r>
+                  </m:oMath>
+                </a14:m>
+                <a:endParaRPr lang="en-US" sz="1600" dirty="0">
+                  <a:solidFill>
+                    <a:schemeClr val="tx1"/>
+                  </a:solidFill>
+                  <a:latin typeface="Times New Roman" panose="02020603050405020304" pitchFamily="18" charset="0"/>
+                  <a:cs typeface="Times New Roman" panose="02020603050405020304" pitchFamily="18" charset="0"/>
+                </a:endParaRPr>
+              </a:p>
+            </p:txBody>
+          </p:sp>
+        </mc:Choice>
+        <mc:Fallback>
+          <p:sp>
+            <p:nvSpPr>
+              <p:cNvPr id="195" name="Rounded Rectangle 194">
+                <a:extLst>
+                  <a:ext uri="{FF2B5EF4-FFF2-40B4-BE49-F238E27FC236}">
+                    <a16:creationId xmlns:a16="http://schemas.microsoft.com/office/drawing/2014/main" id="{E3E31040-55EA-EC4C-A1B0-D3CFC585198A}"/>
+                  </a:ext>
+                </a:extLst>
+              </p:cNvPr>
+              <p:cNvSpPr>
+                <a:spLocks noRot="1" noChangeAspect="1" noMove="1" noResize="1" noEditPoints="1" noAdjustHandles="1" noChangeArrowheads="1" noChangeShapeType="1" noTextEdit="1"/>
+              </p:cNvSpPr>
+              <p:nvPr/>
+            </p:nvSpPr>
+            <p:spPr>
+              <a:xfrm>
+                <a:off x="6960660" y="2449843"/>
+                <a:ext cx="1280160" cy="228600"/>
+              </a:xfrm>
+              <a:prstGeom prst="roundRect">
+                <a:avLst/>
+              </a:prstGeom>
+              <a:blipFill>
+                <a:blip r:embed="rId6"/>
+                <a:stretch>
+                  <a:fillRect l="-7692" t="-23810" r="-2885" b="-42857"/>
+                </a:stretch>
+              </a:blipFill>
+              <a:ln w="28575">
+                <a:solidFill>
+                  <a:schemeClr val="tx1"/>
+                </a:solidFill>
+              </a:ln>
+            </p:spPr>
+            <p:txBody>
+              <a:bodyPr/>
+              <a:lstStyle/>
+              <a:p>
+                <a:r>
+                  <a:rPr lang="en-US">
+                    <a:noFill/>
+                  </a:rPr>
+                  <a:t> </a:t>
+                </a:r>
+              </a:p>
+            </p:txBody>
+          </p:sp>
+        </mc:Fallback>
+      </mc:AlternateContent>
+      <mc:AlternateContent xmlns:mc="http://schemas.openxmlformats.org/markup-compatibility/2006">
+        <mc:Choice xmlns:a14="http://schemas.microsoft.com/office/drawing/2010/main" Requires="a14">
+          <p:sp>
+            <p:nvSpPr>
+              <p:cNvPr id="196" name="Rounded Rectangle 195">
+                <a:extLst>
+                  <a:ext uri="{FF2B5EF4-FFF2-40B4-BE49-F238E27FC236}">
+                    <a16:creationId xmlns:a16="http://schemas.microsoft.com/office/drawing/2014/main" id="{3420A99D-A7D9-704E-90CC-9698A66AED64}"/>
+                  </a:ext>
+                </a:extLst>
+              </p:cNvPr>
+              <p:cNvSpPr/>
+              <p:nvPr/>
+            </p:nvSpPr>
+            <p:spPr>
+              <a:xfrm>
+                <a:off x="6960660" y="2117869"/>
+                <a:ext cx="1280160" cy="228600"/>
+              </a:xfrm>
+              <a:prstGeom prst="roundRect">
+                <a:avLst/>
+              </a:prstGeom>
+              <a:noFill/>
+              <a:ln w="28575">
+                <a:solidFill>
+                  <a:schemeClr val="tx1"/>
+                </a:solidFill>
+              </a:ln>
+            </p:spPr>
+            <p:style>
+              <a:lnRef idx="1">
+                <a:schemeClr val="accent6"/>
+              </a:lnRef>
+              <a:fillRef idx="2">
+                <a:schemeClr val="accent6"/>
+              </a:fillRef>
+              <a:effectRef idx="1">
+                <a:schemeClr val="accent6"/>
+              </a:effectRef>
+              <a:fontRef idx="minor">
+                <a:schemeClr val="dk1"/>
+              </a:fontRef>
+            </p:style>
+            <p:txBody>
+              <a:bodyPr wrap="none" tIns="0" bIns="0" rtlCol="0" anchor="ctr"/>
+              <a:lstStyle/>
+              <a:p>
+                <a:pPr algn="ctr"/>
+                <a14:m>
+                  <m:oMathPara xmlns:m="http://schemas.openxmlformats.org/officeDocument/2006/math">
+                    <m:oMathParaPr>
+                      <m:jc m:val="centerGroup"/>
+                    </m:oMathParaPr>
+                    <m:oMath xmlns:m="http://schemas.openxmlformats.org/officeDocument/2006/math">
+                      <m:r>
+                        <m:rPr>
+                          <m:sty m:val="p"/>
+                        </m:rPr>
+                        <a:rPr lang="en-US" sz="1600" smtClean="0">
+                          <a:solidFill>
+                            <a:schemeClr val="tx1"/>
+                          </a:solidFill>
+                          <a:latin typeface="Cambria Math" panose="02040503050406030204" pitchFamily="18" charset="0"/>
+                          <a:cs typeface="Times New Roman" panose="02020603050405020304" pitchFamily="18" charset="0"/>
+                        </a:rPr>
+                        <m:t>C</m:t>
+                      </m:r>
+                      <m:r>
+                        <a:rPr lang="en-US" sz="1600" i="1">
+                          <a:solidFill>
+                            <a:schemeClr val="tx1"/>
+                          </a:solidFill>
+                          <a:latin typeface="Cambria Math" panose="02040503050406030204" pitchFamily="18" charset="0"/>
+                          <a:cs typeface="Times New Roman" panose="02020603050405020304" pitchFamily="18" charset="0"/>
+                        </a:rPr>
+                        <m:t>𝑜𝑛𝑣</m:t>
+                      </m:r>
+                      <m:r>
+                        <a:rPr lang="en-US" sz="1600" i="1">
+                          <a:solidFill>
+                            <a:schemeClr val="tx1"/>
+                          </a:solidFill>
+                          <a:latin typeface="Cambria Math" panose="02040503050406030204" pitchFamily="18" charset="0"/>
+                          <a:cs typeface="Times New Roman" panose="02020603050405020304" pitchFamily="18" charset="0"/>
+                        </a:rPr>
+                        <m:t> 1×1</m:t>
+                      </m:r>
+                    </m:oMath>
+                  </m:oMathPara>
+                </a14:m>
+                <a:endParaRPr lang="en-US" sz="1600" dirty="0">
+                  <a:solidFill>
+                    <a:schemeClr val="tx1"/>
+                  </a:solidFill>
+                  <a:latin typeface="Times New Roman" panose="02020603050405020304" pitchFamily="18" charset="0"/>
+                  <a:cs typeface="Times New Roman" panose="02020603050405020304" pitchFamily="18" charset="0"/>
+                </a:endParaRPr>
+              </a:p>
+            </p:txBody>
+          </p:sp>
+        </mc:Choice>
+        <mc:Fallback>
+          <p:sp>
+            <p:nvSpPr>
+              <p:cNvPr id="196" name="Rounded Rectangle 195">
+                <a:extLst>
+                  <a:ext uri="{FF2B5EF4-FFF2-40B4-BE49-F238E27FC236}">
+                    <a16:creationId xmlns:a16="http://schemas.microsoft.com/office/drawing/2014/main" id="{3420A99D-A7D9-704E-90CC-9698A66AED64}"/>
+                  </a:ext>
+                </a:extLst>
+              </p:cNvPr>
+              <p:cNvSpPr>
+                <a:spLocks noRot="1" noChangeAspect="1" noMove="1" noResize="1" noEditPoints="1" noAdjustHandles="1" noChangeArrowheads="1" noChangeShapeType="1" noTextEdit="1"/>
+              </p:cNvSpPr>
+              <p:nvPr/>
+            </p:nvSpPr>
+            <p:spPr>
+              <a:xfrm>
+                <a:off x="6960660" y="2117869"/>
+                <a:ext cx="1280160" cy="228600"/>
+              </a:xfrm>
+              <a:prstGeom prst="roundRect">
+                <a:avLst/>
+              </a:prstGeom>
+              <a:blipFill>
+                <a:blip r:embed="rId7"/>
+                <a:stretch>
+                  <a:fillRect t="-4545" b="-27273"/>
+                </a:stretch>
+              </a:blipFill>
+              <a:ln w="28575">
+                <a:solidFill>
+                  <a:schemeClr val="tx1"/>
+                </a:solidFill>
+              </a:ln>
+            </p:spPr>
+            <p:txBody>
+              <a:bodyPr/>
+              <a:lstStyle/>
+              <a:p>
+                <a:r>
+                  <a:rPr lang="en-US">
+                    <a:noFill/>
+                  </a:rPr>
+                  <a:t> </a:t>
+                </a:r>
+              </a:p>
+            </p:txBody>
+          </p:sp>
+        </mc:Fallback>
+      </mc:AlternateContent>
+      <p:sp>
+        <p:nvSpPr>
+          <p:cNvPr id="197" name="Rounded Rectangle 196">
+            <a:extLst>
+              <a:ext uri="{FF2B5EF4-FFF2-40B4-BE49-F238E27FC236}">
+                <a16:creationId xmlns:a16="http://schemas.microsoft.com/office/drawing/2014/main" id="{7DC030B5-8815-514C-B273-6E806D4326E0}"/>
+              </a:ext>
+            </a:extLst>
+          </p:cNvPr>
+          <p:cNvSpPr/>
+          <p:nvPr/>
+        </p:nvSpPr>
+        <p:spPr>
+          <a:xfrm>
+            <a:off x="6960660" y="1797795"/>
+            <a:ext cx="1280160" cy="228600"/>
+          </a:xfrm>
+          <a:prstGeom prst="roundRect">
+            <a:avLst/>
+          </a:prstGeom>
+          <a:noFill/>
+          <a:ln w="28575">
+            <a:solidFill>
+              <a:schemeClr val="tx1"/>
+            </a:solidFill>
+          </a:ln>
+        </p:spPr>
+        <p:style>
+          <a:lnRef idx="1">
+            <a:schemeClr val="accent6"/>
+          </a:lnRef>
+          <a:fillRef idx="2">
+            <a:schemeClr val="accent6"/>
+          </a:fillRef>
+          <a:effectRef idx="1">
+            <a:schemeClr val="accent6"/>
+          </a:effectRef>
+          <a:fontRef idx="minor">
+            <a:schemeClr val="dk1"/>
+          </a:fontRef>
+        </p:style>
+        <p:txBody>
+          <a:bodyPr wrap="none" tIns="0" bIns="0" rtlCol="0" anchor="ctr"/>
+          <a:lstStyle/>
+          <a:p>
+            <a:pPr algn="ctr"/>
+            <a:r>
+              <a:rPr lang="en-US" sz="1600" dirty="0">
+                <a:solidFill>
+                  <a:schemeClr val="tx1"/>
                 </a:solidFill>
                 <a:latin typeface="Times New Roman" panose="02020603050405020304" pitchFamily="18" charset="0"/>
                 <a:cs typeface="Times New Roman" panose="02020603050405020304" pitchFamily="18" charset="0"/>
               </a:rPr>
-              <a:t>Optimize</a:t>
+              <a:t>GELU</a:t>
             </a:r>
           </a:p>
+        </p:txBody>
+      </p:sp>
+      <mc:AlternateContent xmlns:mc="http://schemas.openxmlformats.org/markup-compatibility/2006">
+        <mc:Choice xmlns:a14="http://schemas.microsoft.com/office/drawing/2010/main" Requires="a14">
+          <p:sp>
+            <p:nvSpPr>
+              <p:cNvPr id="199" name="Rounded Rectangle 198">
+                <a:extLst>
+                  <a:ext uri="{FF2B5EF4-FFF2-40B4-BE49-F238E27FC236}">
+                    <a16:creationId xmlns:a16="http://schemas.microsoft.com/office/drawing/2014/main" id="{184934DA-D02F-F843-B63D-5E0139AFF9AF}"/>
+                  </a:ext>
+                </a:extLst>
+              </p:cNvPr>
+              <p:cNvSpPr/>
+              <p:nvPr/>
+            </p:nvSpPr>
+            <p:spPr>
+              <a:xfrm>
+                <a:off x="6960660" y="1477899"/>
+                <a:ext cx="1280160" cy="228600"/>
+              </a:xfrm>
+              <a:prstGeom prst="roundRect">
+                <a:avLst/>
+              </a:prstGeom>
+              <a:noFill/>
+              <a:ln w="28575">
+                <a:solidFill>
+                  <a:schemeClr val="tx1"/>
+                </a:solidFill>
+              </a:ln>
+            </p:spPr>
+            <p:style>
+              <a:lnRef idx="1">
+                <a:schemeClr val="accent6"/>
+              </a:lnRef>
+              <a:fillRef idx="2">
+                <a:schemeClr val="accent6"/>
+              </a:fillRef>
+              <a:effectRef idx="1">
+                <a:schemeClr val="accent6"/>
+              </a:effectRef>
+              <a:fontRef idx="minor">
+                <a:schemeClr val="dk1"/>
+              </a:fontRef>
+            </p:style>
+            <p:txBody>
+              <a:bodyPr wrap="none" tIns="0" bIns="0" rtlCol="0" anchor="ctr"/>
+              <a:lstStyle/>
+              <a:p>
+                <a:pPr algn="ctr"/>
+                <a14:m>
+                  <m:oMathPara xmlns:m="http://schemas.openxmlformats.org/officeDocument/2006/math">
+                    <m:oMathParaPr>
+                      <m:jc m:val="centerGroup"/>
+                    </m:oMathParaPr>
+                    <m:oMath xmlns:m="http://schemas.openxmlformats.org/officeDocument/2006/math">
+                      <m:r>
+                        <m:rPr>
+                          <m:sty m:val="p"/>
+                        </m:rPr>
+                        <a:rPr lang="en-US" sz="1600" smtClean="0">
+                          <a:solidFill>
+                            <a:schemeClr val="tx1"/>
+                          </a:solidFill>
+                          <a:latin typeface="Cambria Math" panose="02040503050406030204" pitchFamily="18" charset="0"/>
+                          <a:cs typeface="Times New Roman" panose="02020603050405020304" pitchFamily="18" charset="0"/>
+                        </a:rPr>
+                        <m:t>C</m:t>
+                      </m:r>
+                      <m:r>
+                        <a:rPr lang="en-US" sz="1600" i="1">
+                          <a:solidFill>
+                            <a:schemeClr val="tx1"/>
+                          </a:solidFill>
+                          <a:latin typeface="Cambria Math" panose="02040503050406030204" pitchFamily="18" charset="0"/>
+                          <a:cs typeface="Times New Roman" panose="02020603050405020304" pitchFamily="18" charset="0"/>
+                        </a:rPr>
+                        <m:t>𝑜𝑛𝑣</m:t>
+                      </m:r>
+                      <m:r>
+                        <a:rPr lang="en-US" sz="1600" i="1">
+                          <a:solidFill>
+                            <a:schemeClr val="tx1"/>
+                          </a:solidFill>
+                          <a:latin typeface="Cambria Math" panose="02040503050406030204" pitchFamily="18" charset="0"/>
+                          <a:cs typeface="Times New Roman" panose="02020603050405020304" pitchFamily="18" charset="0"/>
+                        </a:rPr>
+                        <m:t> 1×1</m:t>
+                      </m:r>
+                    </m:oMath>
+                  </m:oMathPara>
+                </a14:m>
+                <a:endParaRPr lang="en-US" sz="1600" dirty="0">
+                  <a:solidFill>
+                    <a:schemeClr val="tx1"/>
+                  </a:solidFill>
+                  <a:latin typeface="Times New Roman" panose="02020603050405020304" pitchFamily="18" charset="0"/>
+                  <a:cs typeface="Times New Roman" panose="02020603050405020304" pitchFamily="18" charset="0"/>
+                </a:endParaRPr>
+              </a:p>
+            </p:txBody>
+          </p:sp>
+        </mc:Choice>
+        <mc:Fallback>
+          <p:sp>
+            <p:nvSpPr>
+              <p:cNvPr id="199" name="Rounded Rectangle 198">
+                <a:extLst>
+                  <a:ext uri="{FF2B5EF4-FFF2-40B4-BE49-F238E27FC236}">
+                    <a16:creationId xmlns:a16="http://schemas.microsoft.com/office/drawing/2014/main" id="{184934DA-D02F-F843-B63D-5E0139AFF9AF}"/>
+                  </a:ext>
+                </a:extLst>
+              </p:cNvPr>
+              <p:cNvSpPr>
+                <a:spLocks noRot="1" noChangeAspect="1" noMove="1" noResize="1" noEditPoints="1" noAdjustHandles="1" noChangeArrowheads="1" noChangeShapeType="1" noTextEdit="1"/>
+              </p:cNvSpPr>
+              <p:nvPr/>
+            </p:nvSpPr>
+            <p:spPr>
+              <a:xfrm>
+                <a:off x="6960660" y="1477899"/>
+                <a:ext cx="1280160" cy="228600"/>
+              </a:xfrm>
+              <a:prstGeom prst="roundRect">
+                <a:avLst/>
+              </a:prstGeom>
+              <a:blipFill>
+                <a:blip r:embed="rId8"/>
+                <a:stretch>
+                  <a:fillRect t="-4762" b="-33333"/>
+                </a:stretch>
+              </a:blipFill>
+              <a:ln w="28575">
+                <a:solidFill>
+                  <a:schemeClr val="tx1"/>
+                </a:solidFill>
+              </a:ln>
+            </p:spPr>
+            <p:txBody>
+              <a:bodyPr/>
+              <a:lstStyle/>
+              <a:p>
+                <a:r>
+                  <a:rPr lang="en-US">
+                    <a:noFill/>
+                  </a:rPr>
+                  <a:t> </a:t>
+                </a:r>
+              </a:p>
+            </p:txBody>
+          </p:sp>
+        </mc:Fallback>
+      </mc:AlternateContent>
+      <p:sp>
+        <p:nvSpPr>
+          <p:cNvPr id="200" name="Rounded Rectangle 199">
+            <a:extLst>
+              <a:ext uri="{FF2B5EF4-FFF2-40B4-BE49-F238E27FC236}">
+                <a16:creationId xmlns:a16="http://schemas.microsoft.com/office/drawing/2014/main" id="{B27E19EE-7DDE-7641-8EDF-50EEC9C67992}"/>
+              </a:ext>
+            </a:extLst>
+          </p:cNvPr>
+          <p:cNvSpPr/>
+          <p:nvPr/>
+        </p:nvSpPr>
+        <p:spPr>
+          <a:xfrm>
+            <a:off x="6960660" y="1169995"/>
+            <a:ext cx="1280160" cy="228600"/>
+          </a:xfrm>
+          <a:prstGeom prst="roundRect">
+            <a:avLst/>
+          </a:prstGeom>
+          <a:noFill/>
+          <a:ln w="28575">
+            <a:solidFill>
+              <a:schemeClr val="tx1"/>
+            </a:solidFill>
+          </a:ln>
+        </p:spPr>
+        <p:style>
+          <a:lnRef idx="1">
+            <a:schemeClr val="accent6"/>
+          </a:lnRef>
+          <a:fillRef idx="2">
+            <a:schemeClr val="accent6"/>
+          </a:fillRef>
+          <a:effectRef idx="1">
+            <a:schemeClr val="accent6"/>
+          </a:effectRef>
+          <a:fontRef idx="minor">
+            <a:schemeClr val="dk1"/>
+          </a:fontRef>
+        </p:style>
+        <p:txBody>
+          <a:bodyPr wrap="none" tIns="0" bIns="0" rtlCol="0" anchor="ctr"/>
+          <a:lstStyle/>
           <a:p>
             <a:pPr algn="ctr"/>
             <a:r>
-              <a:rPr lang="en-US" altLang="zh-CN" b="1" dirty="0">
+              <a:rPr lang="en-US" sz="1600" dirty="0">
                 <a:solidFill>
-                  <a:schemeClr val="accent1"/>
+                  <a:schemeClr val="tx1"/>
                 </a:solidFill>
                 <a:latin typeface="Times New Roman" panose="02020603050405020304" pitchFamily="18" charset="0"/>
                 <a:cs typeface="Times New Roman" panose="02020603050405020304" pitchFamily="18" charset="0"/>
               </a:rPr>
-              <a:t>Paths</a:t>
+              <a:t>Sigmoid</a:t>
             </a:r>
-            <a:endParaRPr lang="en-US" b="1" dirty="0">
+          </a:p>
+        </p:txBody>
+      </p:sp>
+      <p:sp>
+        <p:nvSpPr>
+          <p:cNvPr id="201" name="Summing Junction 200">
+            <a:extLst>
+              <a:ext uri="{FF2B5EF4-FFF2-40B4-BE49-F238E27FC236}">
+                <a16:creationId xmlns:a16="http://schemas.microsoft.com/office/drawing/2014/main" id="{5728BADE-DBAF-D748-A039-BBF4E327A17F}"/>
+              </a:ext>
+            </a:extLst>
+          </p:cNvPr>
+          <p:cNvSpPr/>
+          <p:nvPr/>
+        </p:nvSpPr>
+        <p:spPr>
+          <a:xfrm>
+            <a:off x="7463579" y="804201"/>
+            <a:ext cx="274320" cy="274320"/>
+          </a:xfrm>
+          <a:prstGeom prst="flowChartSummingJunction">
+            <a:avLst/>
+          </a:prstGeom>
+          <a:noFill/>
+          <a:ln w="25400">
+            <a:solidFill>
+              <a:schemeClr val="tx1"/>
+            </a:solidFill>
+          </a:ln>
+        </p:spPr>
+        <p:style>
+          <a:lnRef idx="2">
+            <a:schemeClr val="accent1">
+              <a:shade val="50000"/>
+            </a:schemeClr>
+          </a:lnRef>
+          <a:fillRef idx="1">
+            <a:schemeClr val="accent1"/>
+          </a:fillRef>
+          <a:effectRef idx="0">
+            <a:schemeClr val="accent1"/>
+          </a:effectRef>
+          <a:fontRef idx="minor">
+            <a:schemeClr val="lt1"/>
+          </a:fontRef>
+        </p:style>
+        <p:txBody>
+          <a:bodyPr rtlCol="0" anchor="ctr"/>
+          <a:lstStyle/>
+          <a:p>
+            <a:pPr algn="ctr"/>
+            <a:endParaRPr lang="en-US"/>
+          </a:p>
+        </p:txBody>
+      </p:sp>
+      <p:cxnSp>
+        <p:nvCxnSpPr>
+          <p:cNvPr id="202" name="Straight Connector 201">
+            <a:extLst>
+              <a:ext uri="{FF2B5EF4-FFF2-40B4-BE49-F238E27FC236}">
+                <a16:creationId xmlns:a16="http://schemas.microsoft.com/office/drawing/2014/main" id="{A8289462-4A09-E948-98D0-DCFEF9E48D04}"/>
+              </a:ext>
+            </a:extLst>
+          </p:cNvPr>
+          <p:cNvCxnSpPr>
+            <a:cxnSpLocks/>
+            <a:stCxn id="195" idx="2"/>
+          </p:cNvCxnSpPr>
+          <p:nvPr/>
+        </p:nvCxnSpPr>
+        <p:spPr>
+          <a:xfrm flipH="1">
+            <a:off x="7600739" y="2678443"/>
+            <a:ext cx="1" cy="296385"/>
+          </a:xfrm>
+          <a:prstGeom prst="line">
+            <a:avLst/>
+          </a:prstGeom>
+          <a:ln w="28575">
+            <a:solidFill>
+              <a:schemeClr val="tx1"/>
+            </a:solidFill>
+            <a:headEnd type="triangle"/>
+          </a:ln>
+        </p:spPr>
+        <p:style>
+          <a:lnRef idx="1">
+            <a:schemeClr val="accent1"/>
+          </a:lnRef>
+          <a:fillRef idx="0">
+            <a:schemeClr val="accent1"/>
+          </a:fillRef>
+          <a:effectRef idx="0">
+            <a:schemeClr val="accent1"/>
+          </a:effectRef>
+          <a:fontRef idx="minor">
+            <a:schemeClr val="tx1"/>
+          </a:fontRef>
+        </p:style>
+      </p:cxnSp>
+      <p:cxnSp>
+        <p:nvCxnSpPr>
+          <p:cNvPr id="205" name="Straight Connector 204">
+            <a:extLst>
+              <a:ext uri="{FF2B5EF4-FFF2-40B4-BE49-F238E27FC236}">
+                <a16:creationId xmlns:a16="http://schemas.microsoft.com/office/drawing/2014/main" id="{3233C178-6D91-034D-89BA-0C30D0C89275}"/>
+              </a:ext>
+            </a:extLst>
+          </p:cNvPr>
+          <p:cNvCxnSpPr>
+            <a:cxnSpLocks/>
+            <a:stCxn id="199" idx="0"/>
+            <a:endCxn id="200" idx="2"/>
+          </p:cNvCxnSpPr>
+          <p:nvPr/>
+        </p:nvCxnSpPr>
+        <p:spPr>
+          <a:xfrm flipV="1">
+            <a:off x="7600740" y="1398595"/>
+            <a:ext cx="0" cy="79304"/>
+          </a:xfrm>
+          <a:prstGeom prst="line">
+            <a:avLst/>
+          </a:prstGeom>
+          <a:ln w="31750">
+            <a:solidFill>
+              <a:schemeClr val="tx1"/>
+            </a:solidFill>
+          </a:ln>
+        </p:spPr>
+        <p:style>
+          <a:lnRef idx="1">
+            <a:schemeClr val="accent1"/>
+          </a:lnRef>
+          <a:fillRef idx="0">
+            <a:schemeClr val="accent1"/>
+          </a:fillRef>
+          <a:effectRef idx="0">
+            <a:schemeClr val="accent1"/>
+          </a:effectRef>
+          <a:fontRef idx="minor">
+            <a:schemeClr val="tx1"/>
+          </a:fontRef>
+        </p:style>
+      </p:cxnSp>
+      <p:cxnSp>
+        <p:nvCxnSpPr>
+          <p:cNvPr id="208" name="Straight Connector 207">
+            <a:extLst>
+              <a:ext uri="{FF2B5EF4-FFF2-40B4-BE49-F238E27FC236}">
+                <a16:creationId xmlns:a16="http://schemas.microsoft.com/office/drawing/2014/main" id="{E270897B-C6E2-2747-A8A9-D9459BF0B9D8}"/>
+              </a:ext>
+            </a:extLst>
+          </p:cNvPr>
+          <p:cNvCxnSpPr>
+            <a:cxnSpLocks/>
+            <a:stCxn id="197" idx="0"/>
+            <a:endCxn id="199" idx="2"/>
+          </p:cNvCxnSpPr>
+          <p:nvPr/>
+        </p:nvCxnSpPr>
+        <p:spPr>
+          <a:xfrm flipV="1">
+            <a:off x="7600740" y="1706499"/>
+            <a:ext cx="0" cy="91296"/>
+          </a:xfrm>
+          <a:prstGeom prst="line">
+            <a:avLst/>
+          </a:prstGeom>
+          <a:ln w="31750">
+            <a:solidFill>
+              <a:schemeClr val="tx1"/>
+            </a:solidFill>
+          </a:ln>
+        </p:spPr>
+        <p:style>
+          <a:lnRef idx="1">
+            <a:schemeClr val="accent1"/>
+          </a:lnRef>
+          <a:fillRef idx="0">
+            <a:schemeClr val="accent1"/>
+          </a:fillRef>
+          <a:effectRef idx="0">
+            <a:schemeClr val="accent1"/>
+          </a:effectRef>
+          <a:fontRef idx="minor">
+            <a:schemeClr val="tx1"/>
+          </a:fontRef>
+        </p:style>
+      </p:cxnSp>
+      <p:cxnSp>
+        <p:nvCxnSpPr>
+          <p:cNvPr id="211" name="Straight Connector 210">
+            <a:extLst>
+              <a:ext uri="{FF2B5EF4-FFF2-40B4-BE49-F238E27FC236}">
+                <a16:creationId xmlns:a16="http://schemas.microsoft.com/office/drawing/2014/main" id="{15C8EE9C-3BE5-4C46-BA9A-970D3261764D}"/>
+              </a:ext>
+            </a:extLst>
+          </p:cNvPr>
+          <p:cNvCxnSpPr>
+            <a:cxnSpLocks/>
+            <a:stCxn id="196" idx="0"/>
+            <a:endCxn id="197" idx="2"/>
+          </p:cNvCxnSpPr>
+          <p:nvPr/>
+        </p:nvCxnSpPr>
+        <p:spPr>
+          <a:xfrm flipV="1">
+            <a:off x="7600740" y="2026395"/>
+            <a:ext cx="0" cy="91474"/>
+          </a:xfrm>
+          <a:prstGeom prst="line">
+            <a:avLst/>
+          </a:prstGeom>
+          <a:ln w="31750">
+            <a:solidFill>
+              <a:schemeClr val="tx1"/>
+            </a:solidFill>
+          </a:ln>
+        </p:spPr>
+        <p:style>
+          <a:lnRef idx="1">
+            <a:schemeClr val="accent1"/>
+          </a:lnRef>
+          <a:fillRef idx="0">
+            <a:schemeClr val="accent1"/>
+          </a:fillRef>
+          <a:effectRef idx="0">
+            <a:schemeClr val="accent1"/>
+          </a:effectRef>
+          <a:fontRef idx="minor">
+            <a:schemeClr val="tx1"/>
+          </a:fontRef>
+        </p:style>
+      </p:cxnSp>
+      <p:cxnSp>
+        <p:nvCxnSpPr>
+          <p:cNvPr id="214" name="Straight Connector 213">
+            <a:extLst>
+              <a:ext uri="{FF2B5EF4-FFF2-40B4-BE49-F238E27FC236}">
+                <a16:creationId xmlns:a16="http://schemas.microsoft.com/office/drawing/2014/main" id="{029C1F77-DA64-5447-963D-88FA93BCF057}"/>
+              </a:ext>
+            </a:extLst>
+          </p:cNvPr>
+          <p:cNvCxnSpPr>
+            <a:cxnSpLocks/>
+            <a:stCxn id="195" idx="0"/>
+            <a:endCxn id="196" idx="2"/>
+          </p:cNvCxnSpPr>
+          <p:nvPr/>
+        </p:nvCxnSpPr>
+        <p:spPr>
+          <a:xfrm flipV="1">
+            <a:off x="7600740" y="2346469"/>
+            <a:ext cx="0" cy="103374"/>
+          </a:xfrm>
+          <a:prstGeom prst="line">
+            <a:avLst/>
+          </a:prstGeom>
+          <a:ln w="31750">
+            <a:solidFill>
+              <a:schemeClr val="tx1"/>
+            </a:solidFill>
+          </a:ln>
+        </p:spPr>
+        <p:style>
+          <a:lnRef idx="1">
+            <a:schemeClr val="accent1"/>
+          </a:lnRef>
+          <a:fillRef idx="0">
+            <a:schemeClr val="accent1"/>
+          </a:fillRef>
+          <a:effectRef idx="0">
+            <a:schemeClr val="accent1"/>
+          </a:effectRef>
+          <a:fontRef idx="minor">
+            <a:schemeClr val="tx1"/>
+          </a:fontRef>
+        </p:style>
+      </p:cxnSp>
+      <p:cxnSp>
+        <p:nvCxnSpPr>
+          <p:cNvPr id="217" name="Straight Connector 216">
+            <a:extLst>
+              <a:ext uri="{FF2B5EF4-FFF2-40B4-BE49-F238E27FC236}">
+                <a16:creationId xmlns:a16="http://schemas.microsoft.com/office/drawing/2014/main" id="{579825DE-D0EF-5542-ABF8-CAAA3E497F71}"/>
+              </a:ext>
+            </a:extLst>
+          </p:cNvPr>
+          <p:cNvCxnSpPr>
+            <a:cxnSpLocks/>
+            <a:stCxn id="200" idx="0"/>
+            <a:endCxn id="201" idx="4"/>
+          </p:cNvCxnSpPr>
+          <p:nvPr/>
+        </p:nvCxnSpPr>
+        <p:spPr>
+          <a:xfrm flipH="1" flipV="1">
+            <a:off x="7600739" y="1078521"/>
+            <a:ext cx="1" cy="91474"/>
+          </a:xfrm>
+          <a:prstGeom prst="line">
+            <a:avLst/>
+          </a:prstGeom>
+          <a:ln w="31750">
+            <a:solidFill>
+              <a:schemeClr val="tx1"/>
+            </a:solidFill>
+          </a:ln>
+        </p:spPr>
+        <p:style>
+          <a:lnRef idx="1">
+            <a:schemeClr val="accent1"/>
+          </a:lnRef>
+          <a:fillRef idx="0">
+            <a:schemeClr val="accent1"/>
+          </a:fillRef>
+          <a:effectRef idx="0">
+            <a:schemeClr val="accent1"/>
+          </a:effectRef>
+          <a:fontRef idx="minor">
+            <a:schemeClr val="tx1"/>
+          </a:fontRef>
+        </p:style>
+      </p:cxnSp>
+      <p:cxnSp>
+        <p:nvCxnSpPr>
+          <p:cNvPr id="224" name="Elbow Connector 223">
+            <a:extLst>
+              <a:ext uri="{FF2B5EF4-FFF2-40B4-BE49-F238E27FC236}">
+                <a16:creationId xmlns:a16="http://schemas.microsoft.com/office/drawing/2014/main" id="{8D0774A0-CA45-3544-8908-2A3609321772}"/>
+              </a:ext>
+            </a:extLst>
+          </p:cNvPr>
+          <p:cNvCxnSpPr>
+            <a:cxnSpLocks/>
+            <a:endCxn id="201" idx="2"/>
+          </p:cNvCxnSpPr>
+          <p:nvPr/>
+        </p:nvCxnSpPr>
+        <p:spPr>
+          <a:xfrm rot="16200000" flipV="1">
+            <a:off x="6561634" y="1843306"/>
+            <a:ext cx="1941050" cy="137159"/>
+          </a:xfrm>
+          <a:prstGeom prst="bentConnector4">
+            <a:avLst>
+              <a:gd name="adj1" fmla="val 131"/>
+              <a:gd name="adj2" fmla="val 539894"/>
+            </a:avLst>
+          </a:prstGeom>
+          <a:ln w="31750">
+            <a:solidFill>
+              <a:schemeClr val="tx1"/>
+            </a:solidFill>
+            <a:tailEnd type="triangle"/>
+          </a:ln>
+        </p:spPr>
+        <p:style>
+          <a:lnRef idx="1">
+            <a:schemeClr val="accent1"/>
+          </a:lnRef>
+          <a:fillRef idx="0">
+            <a:schemeClr val="accent1"/>
+          </a:fillRef>
+          <a:effectRef idx="0">
+            <a:schemeClr val="accent1"/>
+          </a:effectRef>
+          <a:fontRef idx="minor">
+            <a:schemeClr val="tx1"/>
+          </a:fontRef>
+        </p:style>
+      </p:cxnSp>
+      <p:cxnSp>
+        <p:nvCxnSpPr>
+          <p:cNvPr id="228" name="Straight Connector 227">
+            <a:extLst>
+              <a:ext uri="{FF2B5EF4-FFF2-40B4-BE49-F238E27FC236}">
+                <a16:creationId xmlns:a16="http://schemas.microsoft.com/office/drawing/2014/main" id="{20A0B2D3-7A10-9D41-8D2A-845A6587F0F9}"/>
+              </a:ext>
+            </a:extLst>
+          </p:cNvPr>
+          <p:cNvCxnSpPr>
+            <a:cxnSpLocks/>
+            <a:endCxn id="201" idx="0"/>
+          </p:cNvCxnSpPr>
+          <p:nvPr/>
+        </p:nvCxnSpPr>
+        <p:spPr>
+          <a:xfrm>
+            <a:off x="7600739" y="574588"/>
+            <a:ext cx="0" cy="229613"/>
+          </a:xfrm>
+          <a:prstGeom prst="line">
+            <a:avLst/>
+          </a:prstGeom>
+          <a:ln w="28575">
+            <a:solidFill>
+              <a:schemeClr val="tx1"/>
+            </a:solidFill>
+            <a:headEnd type="triangle"/>
+          </a:ln>
+        </p:spPr>
+        <p:style>
+          <a:lnRef idx="1">
+            <a:schemeClr val="accent1"/>
+          </a:lnRef>
+          <a:fillRef idx="0">
+            <a:schemeClr val="accent1"/>
+          </a:fillRef>
+          <a:effectRef idx="0">
+            <a:schemeClr val="accent1"/>
+          </a:effectRef>
+          <a:fontRef idx="minor">
+            <a:schemeClr val="tx1"/>
+          </a:fontRef>
+        </p:style>
+      </p:cxnSp>
+      <p:sp>
+        <p:nvSpPr>
+          <p:cNvPr id="231" name="Rounded Rectangle 230">
+            <a:extLst>
+              <a:ext uri="{FF2B5EF4-FFF2-40B4-BE49-F238E27FC236}">
+                <a16:creationId xmlns:a16="http://schemas.microsoft.com/office/drawing/2014/main" id="{BF4F2808-2436-B14A-9493-98AE84126B1D}"/>
+              </a:ext>
+            </a:extLst>
+          </p:cNvPr>
+          <p:cNvSpPr/>
+          <p:nvPr/>
+        </p:nvSpPr>
+        <p:spPr>
+          <a:xfrm>
+            <a:off x="6778765" y="714068"/>
+            <a:ext cx="1554480" cy="2260760"/>
+          </a:xfrm>
+          <a:prstGeom prst="roundRect">
+            <a:avLst>
+              <a:gd name="adj" fmla="val 3785"/>
+            </a:avLst>
+          </a:prstGeom>
+          <a:noFill/>
+          <a:ln>
+            <a:solidFill>
+              <a:schemeClr val="bg2">
+                <a:lumMod val="75000"/>
+              </a:schemeClr>
+            </a:solidFill>
+            <a:prstDash val="dash"/>
+          </a:ln>
+        </p:spPr>
+        <p:style>
+          <a:lnRef idx="2">
+            <a:schemeClr val="accent1">
+              <a:shade val="50000"/>
+            </a:schemeClr>
+          </a:lnRef>
+          <a:fillRef idx="1">
+            <a:schemeClr val="accent1"/>
+          </a:fillRef>
+          <a:effectRef idx="0">
+            <a:schemeClr val="accent1"/>
+          </a:effectRef>
+          <a:fontRef idx="minor">
+            <a:schemeClr val="lt1"/>
+          </a:fontRef>
+        </p:style>
+        <p:txBody>
+          <a:bodyPr rtlCol="0" anchor="ctr"/>
+          <a:lstStyle/>
+          <a:p>
+            <a:pPr algn="ctr"/>
+            <a:endParaRPr lang="en-US"/>
+          </a:p>
+        </p:txBody>
+      </p:sp>
+      <p:sp>
+        <p:nvSpPr>
+          <p:cNvPr id="232" name="TextBox 231">
+            <a:extLst>
+              <a:ext uri="{FF2B5EF4-FFF2-40B4-BE49-F238E27FC236}">
+                <a16:creationId xmlns:a16="http://schemas.microsoft.com/office/drawing/2014/main" id="{07A1681F-BCB0-464D-A655-2CAB07216E1A}"/>
+              </a:ext>
+            </a:extLst>
+          </p:cNvPr>
+          <p:cNvSpPr txBox="1"/>
+          <p:nvPr/>
+        </p:nvSpPr>
+        <p:spPr>
+          <a:xfrm>
+            <a:off x="6826762" y="2929642"/>
+            <a:ext cx="1569660" cy="369332"/>
+          </a:xfrm>
+          <a:prstGeom prst="rect">
+            <a:avLst/>
+          </a:prstGeom>
+          <a:noFill/>
+        </p:spPr>
+        <p:txBody>
+          <a:bodyPr wrap="none" rtlCol="0">
+            <a:spAutoFit/>
+          </a:bodyPr>
+          <a:lstStyle/>
+          <a:p>
+            <a:r>
+              <a:rPr lang="en-US" dirty="0">
+                <a:latin typeface="Times New Roman" panose="02020603050405020304" pitchFamily="18" charset="0"/>
+                <a:cs typeface="Times New Roman" panose="02020603050405020304" pitchFamily="18" charset="0"/>
+              </a:rPr>
+              <a:t>(c) Spatial-Att.</a:t>
+            </a:r>
+          </a:p>
+        </p:txBody>
+      </p:sp>
+      <p:sp>
+        <p:nvSpPr>
+          <p:cNvPr id="233" name="Rounded Rectangle 232">
+            <a:extLst>
+              <a:ext uri="{FF2B5EF4-FFF2-40B4-BE49-F238E27FC236}">
+                <a16:creationId xmlns:a16="http://schemas.microsoft.com/office/drawing/2014/main" id="{30FB0F59-458F-8344-9253-CFC4558B62F6}"/>
+              </a:ext>
+            </a:extLst>
+          </p:cNvPr>
+          <p:cNvSpPr/>
+          <p:nvPr/>
+        </p:nvSpPr>
+        <p:spPr>
+          <a:xfrm>
+            <a:off x="8864455" y="2436908"/>
+            <a:ext cx="1280160" cy="228600"/>
+          </a:xfrm>
+          <a:prstGeom prst="roundRect">
+            <a:avLst/>
+          </a:prstGeom>
+          <a:noFill/>
+          <a:ln w="28575">
+            <a:solidFill>
+              <a:schemeClr val="tx1"/>
+            </a:solidFill>
+          </a:ln>
+        </p:spPr>
+        <p:style>
+          <a:lnRef idx="1">
+            <a:schemeClr val="accent6"/>
+          </a:lnRef>
+          <a:fillRef idx="2">
+            <a:schemeClr val="accent6"/>
+          </a:fillRef>
+          <a:effectRef idx="1">
+            <a:schemeClr val="accent6"/>
+          </a:effectRef>
+          <a:fontRef idx="minor">
+            <a:schemeClr val="dk1"/>
+          </a:fontRef>
+        </p:style>
+        <p:txBody>
+          <a:bodyPr wrap="none" tIns="0" bIns="0" rtlCol="0" anchor="ctr"/>
+          <a:lstStyle/>
+          <a:p>
+            <a:pPr algn="ctr"/>
+            <a:r>
+              <a:rPr lang="en-US" sz="1600" dirty="0">
+                <a:solidFill>
+                  <a:schemeClr val="tx1"/>
+                </a:solidFill>
+                <a:latin typeface="Times New Roman" panose="02020603050405020304" pitchFamily="18" charset="0"/>
+                <a:cs typeface="Times New Roman" panose="02020603050405020304" pitchFamily="18" charset="0"/>
+              </a:rPr>
+              <a:t>GAP</a:t>
+            </a:r>
+          </a:p>
+        </p:txBody>
+      </p:sp>
+      <mc:AlternateContent xmlns:mc="http://schemas.openxmlformats.org/markup-compatibility/2006">
+        <mc:Choice xmlns:a14="http://schemas.microsoft.com/office/drawing/2010/main" Requires="a14">
+          <p:sp>
+            <p:nvSpPr>
+              <p:cNvPr id="234" name="Rounded Rectangle 233">
+                <a:extLst>
+                  <a:ext uri="{FF2B5EF4-FFF2-40B4-BE49-F238E27FC236}">
+                    <a16:creationId xmlns:a16="http://schemas.microsoft.com/office/drawing/2014/main" id="{37BAB5DB-A844-B143-9B4E-01ADBA3B9F58}"/>
+                  </a:ext>
+                </a:extLst>
+              </p:cNvPr>
+              <p:cNvSpPr/>
+              <p:nvPr/>
+            </p:nvSpPr>
+            <p:spPr>
+              <a:xfrm>
+                <a:off x="8864455" y="2104934"/>
+                <a:ext cx="1280160" cy="228600"/>
+              </a:xfrm>
+              <a:prstGeom prst="roundRect">
+                <a:avLst/>
+              </a:prstGeom>
+              <a:noFill/>
+              <a:ln w="28575">
+                <a:solidFill>
+                  <a:schemeClr val="tx1"/>
+                </a:solidFill>
+              </a:ln>
+            </p:spPr>
+            <p:style>
+              <a:lnRef idx="1">
+                <a:schemeClr val="accent6"/>
+              </a:lnRef>
+              <a:fillRef idx="2">
+                <a:schemeClr val="accent6"/>
+              </a:fillRef>
+              <a:effectRef idx="1">
+                <a:schemeClr val="accent6"/>
+              </a:effectRef>
+              <a:fontRef idx="minor">
+                <a:schemeClr val="dk1"/>
+              </a:fontRef>
+            </p:style>
+            <p:txBody>
+              <a:bodyPr wrap="none" tIns="0" bIns="0" rtlCol="0" anchor="ctr"/>
+              <a:lstStyle/>
+              <a:p>
+                <a:pPr algn="ctr"/>
+                <a14:m>
+                  <m:oMathPara xmlns:m="http://schemas.openxmlformats.org/officeDocument/2006/math">
+                    <m:oMathParaPr>
+                      <m:jc m:val="centerGroup"/>
+                    </m:oMathParaPr>
+                    <m:oMath xmlns:m="http://schemas.openxmlformats.org/officeDocument/2006/math">
+                      <m:r>
+                        <m:rPr>
+                          <m:sty m:val="p"/>
+                        </m:rPr>
+                        <a:rPr lang="en-US" sz="1600" smtClean="0">
+                          <a:solidFill>
+                            <a:schemeClr val="tx1"/>
+                          </a:solidFill>
+                          <a:latin typeface="Cambria Math" panose="02040503050406030204" pitchFamily="18" charset="0"/>
+                          <a:cs typeface="Times New Roman" panose="02020603050405020304" pitchFamily="18" charset="0"/>
+                        </a:rPr>
+                        <m:t>C</m:t>
+                      </m:r>
+                      <m:r>
+                        <a:rPr lang="en-US" sz="1600" i="1">
+                          <a:solidFill>
+                            <a:schemeClr val="tx1"/>
+                          </a:solidFill>
+                          <a:latin typeface="Cambria Math" panose="02040503050406030204" pitchFamily="18" charset="0"/>
+                          <a:cs typeface="Times New Roman" panose="02020603050405020304" pitchFamily="18" charset="0"/>
+                        </a:rPr>
+                        <m:t>𝑜𝑛𝑣</m:t>
+                      </m:r>
+                      <m:r>
+                        <a:rPr lang="en-US" sz="1600" i="1">
+                          <a:solidFill>
+                            <a:schemeClr val="tx1"/>
+                          </a:solidFill>
+                          <a:latin typeface="Cambria Math" panose="02040503050406030204" pitchFamily="18" charset="0"/>
+                          <a:cs typeface="Times New Roman" panose="02020603050405020304" pitchFamily="18" charset="0"/>
+                        </a:rPr>
+                        <m:t> 3×3</m:t>
+                      </m:r>
+                    </m:oMath>
+                  </m:oMathPara>
+                </a14:m>
+                <a:endParaRPr lang="en-US" sz="1600" dirty="0">
+                  <a:solidFill>
+                    <a:schemeClr val="tx1"/>
+                  </a:solidFill>
+                  <a:latin typeface="Times New Roman" panose="02020603050405020304" pitchFamily="18" charset="0"/>
+                  <a:cs typeface="Times New Roman" panose="02020603050405020304" pitchFamily="18" charset="0"/>
+                </a:endParaRPr>
+              </a:p>
+            </p:txBody>
+          </p:sp>
+        </mc:Choice>
+        <mc:Fallback>
+          <p:sp>
+            <p:nvSpPr>
+              <p:cNvPr id="234" name="Rounded Rectangle 233">
+                <a:extLst>
+                  <a:ext uri="{FF2B5EF4-FFF2-40B4-BE49-F238E27FC236}">
+                    <a16:creationId xmlns:a16="http://schemas.microsoft.com/office/drawing/2014/main" id="{37BAB5DB-A844-B143-9B4E-01ADBA3B9F58}"/>
+                  </a:ext>
+                </a:extLst>
+              </p:cNvPr>
+              <p:cNvSpPr>
+                <a:spLocks noRot="1" noChangeAspect="1" noMove="1" noResize="1" noEditPoints="1" noAdjustHandles="1" noChangeArrowheads="1" noChangeShapeType="1" noTextEdit="1"/>
+              </p:cNvSpPr>
+              <p:nvPr/>
+            </p:nvSpPr>
+            <p:spPr>
+              <a:xfrm>
+                <a:off x="8864455" y="2104934"/>
+                <a:ext cx="1280160" cy="228600"/>
+              </a:xfrm>
+              <a:prstGeom prst="roundRect">
+                <a:avLst/>
+              </a:prstGeom>
+              <a:blipFill>
+                <a:blip r:embed="rId9"/>
+                <a:stretch>
+                  <a:fillRect t="-4545" b="-27273"/>
+                </a:stretch>
+              </a:blipFill>
+              <a:ln w="28575">
+                <a:solidFill>
+                  <a:schemeClr val="tx1"/>
+                </a:solidFill>
+              </a:ln>
+            </p:spPr>
+            <p:txBody>
+              <a:bodyPr/>
+              <a:lstStyle/>
+              <a:p>
+                <a:r>
+                  <a:rPr lang="en-US">
+                    <a:noFill/>
+                  </a:rPr>
+                  <a:t> </a:t>
+                </a:r>
+              </a:p>
+            </p:txBody>
+          </p:sp>
+        </mc:Fallback>
+      </mc:AlternateContent>
+      <p:sp>
+        <p:nvSpPr>
+          <p:cNvPr id="235" name="Rounded Rectangle 234">
+            <a:extLst>
+              <a:ext uri="{FF2B5EF4-FFF2-40B4-BE49-F238E27FC236}">
+                <a16:creationId xmlns:a16="http://schemas.microsoft.com/office/drawing/2014/main" id="{EAB0623D-8DFA-8C42-9F0E-6228D31C4D7C}"/>
+              </a:ext>
+            </a:extLst>
+          </p:cNvPr>
+          <p:cNvSpPr/>
+          <p:nvPr/>
+        </p:nvSpPr>
+        <p:spPr>
+          <a:xfrm>
+            <a:off x="8864455" y="1784860"/>
+            <a:ext cx="1280160" cy="228600"/>
+          </a:xfrm>
+          <a:prstGeom prst="roundRect">
+            <a:avLst/>
+          </a:prstGeom>
+          <a:noFill/>
+          <a:ln w="28575">
+            <a:solidFill>
+              <a:schemeClr val="tx1"/>
+            </a:solidFill>
+          </a:ln>
+        </p:spPr>
+        <p:style>
+          <a:lnRef idx="1">
+            <a:schemeClr val="accent6"/>
+          </a:lnRef>
+          <a:fillRef idx="2">
+            <a:schemeClr val="accent6"/>
+          </a:fillRef>
+          <a:effectRef idx="1">
+            <a:schemeClr val="accent6"/>
+          </a:effectRef>
+          <a:fontRef idx="minor">
+            <a:schemeClr val="dk1"/>
+          </a:fontRef>
+        </p:style>
+        <p:txBody>
+          <a:bodyPr wrap="none" tIns="0" bIns="0" rtlCol="0" anchor="ctr"/>
+          <a:lstStyle/>
+          <a:p>
+            <a:pPr algn="ctr"/>
+            <a:r>
+              <a:rPr lang="en-US" sz="1600" dirty="0">
+                <a:solidFill>
+                  <a:schemeClr val="tx1"/>
+                </a:solidFill>
+                <a:latin typeface="Times New Roman" panose="02020603050405020304" pitchFamily="18" charset="0"/>
+                <a:cs typeface="Times New Roman" panose="02020603050405020304" pitchFamily="18" charset="0"/>
+              </a:rPr>
+              <a:t>GELU</a:t>
+            </a:r>
+          </a:p>
+        </p:txBody>
+      </p:sp>
+      <mc:AlternateContent xmlns:mc="http://schemas.openxmlformats.org/markup-compatibility/2006">
+        <mc:Choice xmlns:a14="http://schemas.microsoft.com/office/drawing/2010/main" Requires="a14">
+          <p:sp>
+            <p:nvSpPr>
+              <p:cNvPr id="236" name="Rounded Rectangle 235">
+                <a:extLst>
+                  <a:ext uri="{FF2B5EF4-FFF2-40B4-BE49-F238E27FC236}">
+                    <a16:creationId xmlns:a16="http://schemas.microsoft.com/office/drawing/2014/main" id="{ECB77268-19FA-2149-ABD3-8CEF9AE53166}"/>
+                  </a:ext>
+                </a:extLst>
+              </p:cNvPr>
+              <p:cNvSpPr/>
+              <p:nvPr/>
+            </p:nvSpPr>
+            <p:spPr>
+              <a:xfrm>
+                <a:off x="8864455" y="1464964"/>
+                <a:ext cx="1280160" cy="228600"/>
+              </a:xfrm>
+              <a:prstGeom prst="roundRect">
+                <a:avLst/>
+              </a:prstGeom>
+              <a:noFill/>
+              <a:ln w="28575">
+                <a:solidFill>
+                  <a:schemeClr val="tx1"/>
+                </a:solidFill>
+              </a:ln>
+            </p:spPr>
+            <p:style>
+              <a:lnRef idx="1">
+                <a:schemeClr val="accent6"/>
+              </a:lnRef>
+              <a:fillRef idx="2">
+                <a:schemeClr val="accent6"/>
+              </a:fillRef>
+              <a:effectRef idx="1">
+                <a:schemeClr val="accent6"/>
+              </a:effectRef>
+              <a:fontRef idx="minor">
+                <a:schemeClr val="dk1"/>
+              </a:fontRef>
+            </p:style>
+            <p:txBody>
+              <a:bodyPr wrap="none" tIns="0" bIns="0" rtlCol="0" anchor="ctr"/>
+              <a:lstStyle/>
+              <a:p>
+                <a:pPr algn="ctr"/>
+                <a14:m>
+                  <m:oMathPara xmlns:m="http://schemas.openxmlformats.org/officeDocument/2006/math">
+                    <m:oMathParaPr>
+                      <m:jc m:val="centerGroup"/>
+                    </m:oMathParaPr>
+                    <m:oMath xmlns:m="http://schemas.openxmlformats.org/officeDocument/2006/math">
+                      <m:r>
+                        <m:rPr>
+                          <m:sty m:val="p"/>
+                        </m:rPr>
+                        <a:rPr lang="en-US" sz="1600" smtClean="0">
+                          <a:solidFill>
+                            <a:schemeClr val="tx1"/>
+                          </a:solidFill>
+                          <a:latin typeface="Cambria Math" panose="02040503050406030204" pitchFamily="18" charset="0"/>
+                          <a:cs typeface="Times New Roman" panose="02020603050405020304" pitchFamily="18" charset="0"/>
+                        </a:rPr>
+                        <m:t>C</m:t>
+                      </m:r>
+                      <m:r>
+                        <a:rPr lang="en-US" sz="1600" i="1">
+                          <a:solidFill>
+                            <a:schemeClr val="tx1"/>
+                          </a:solidFill>
+                          <a:latin typeface="Cambria Math" panose="02040503050406030204" pitchFamily="18" charset="0"/>
+                          <a:cs typeface="Times New Roman" panose="02020603050405020304" pitchFamily="18" charset="0"/>
+                        </a:rPr>
+                        <m:t>𝑜𝑛𝑣</m:t>
+                      </m:r>
+                      <m:r>
+                        <a:rPr lang="en-US" sz="1600" i="1">
+                          <a:solidFill>
+                            <a:schemeClr val="tx1"/>
+                          </a:solidFill>
+                          <a:latin typeface="Cambria Math" panose="02040503050406030204" pitchFamily="18" charset="0"/>
+                          <a:cs typeface="Times New Roman" panose="02020603050405020304" pitchFamily="18" charset="0"/>
+                        </a:rPr>
+                        <m:t> 5×5</m:t>
+                      </m:r>
+                    </m:oMath>
+                  </m:oMathPara>
+                </a14:m>
+                <a:endParaRPr lang="en-US" sz="1600" dirty="0">
+                  <a:solidFill>
+                    <a:schemeClr val="tx1"/>
+                  </a:solidFill>
+                  <a:latin typeface="Times New Roman" panose="02020603050405020304" pitchFamily="18" charset="0"/>
+                  <a:cs typeface="Times New Roman" panose="02020603050405020304" pitchFamily="18" charset="0"/>
+                </a:endParaRPr>
+              </a:p>
+            </p:txBody>
+          </p:sp>
+        </mc:Choice>
+        <mc:Fallback>
+          <p:sp>
+            <p:nvSpPr>
+              <p:cNvPr id="236" name="Rounded Rectangle 235">
+                <a:extLst>
+                  <a:ext uri="{FF2B5EF4-FFF2-40B4-BE49-F238E27FC236}">
+                    <a16:creationId xmlns:a16="http://schemas.microsoft.com/office/drawing/2014/main" id="{ECB77268-19FA-2149-ABD3-8CEF9AE53166}"/>
+                  </a:ext>
+                </a:extLst>
+              </p:cNvPr>
+              <p:cNvSpPr>
+                <a:spLocks noRot="1" noChangeAspect="1" noMove="1" noResize="1" noEditPoints="1" noAdjustHandles="1" noChangeArrowheads="1" noChangeShapeType="1" noTextEdit="1"/>
+              </p:cNvSpPr>
+              <p:nvPr/>
+            </p:nvSpPr>
+            <p:spPr>
+              <a:xfrm>
+                <a:off x="8864455" y="1464964"/>
+                <a:ext cx="1280160" cy="228600"/>
+              </a:xfrm>
+              <a:prstGeom prst="roundRect">
+                <a:avLst/>
+              </a:prstGeom>
+              <a:blipFill>
+                <a:blip r:embed="rId10"/>
+                <a:stretch>
+                  <a:fillRect t="-4762" b="-33333"/>
+                </a:stretch>
+              </a:blipFill>
+              <a:ln w="28575">
+                <a:solidFill>
+                  <a:schemeClr val="tx1"/>
+                </a:solidFill>
+              </a:ln>
+            </p:spPr>
+            <p:txBody>
+              <a:bodyPr/>
+              <a:lstStyle/>
+              <a:p>
+                <a:r>
+                  <a:rPr lang="en-US">
+                    <a:noFill/>
+                  </a:rPr>
+                  <a:t> </a:t>
+                </a:r>
+              </a:p>
+            </p:txBody>
+          </p:sp>
+        </mc:Fallback>
+      </mc:AlternateContent>
+      <p:sp>
+        <p:nvSpPr>
+          <p:cNvPr id="237" name="Rounded Rectangle 236">
+            <a:extLst>
+              <a:ext uri="{FF2B5EF4-FFF2-40B4-BE49-F238E27FC236}">
+                <a16:creationId xmlns:a16="http://schemas.microsoft.com/office/drawing/2014/main" id="{6CA3DD46-F07C-A14B-9B15-EC444C290C3D}"/>
+              </a:ext>
+            </a:extLst>
+          </p:cNvPr>
+          <p:cNvSpPr/>
+          <p:nvPr/>
+        </p:nvSpPr>
+        <p:spPr>
+          <a:xfrm>
+            <a:off x="8864455" y="1157060"/>
+            <a:ext cx="1280160" cy="228600"/>
+          </a:xfrm>
+          <a:prstGeom prst="roundRect">
+            <a:avLst/>
+          </a:prstGeom>
+          <a:noFill/>
+          <a:ln w="28575">
+            <a:solidFill>
+              <a:schemeClr val="tx1"/>
+            </a:solidFill>
+          </a:ln>
+        </p:spPr>
+        <p:style>
+          <a:lnRef idx="1">
+            <a:schemeClr val="accent6"/>
+          </a:lnRef>
+          <a:fillRef idx="2">
+            <a:schemeClr val="accent6"/>
+          </a:fillRef>
+          <a:effectRef idx="1">
+            <a:schemeClr val="accent6"/>
+          </a:effectRef>
+          <a:fontRef idx="minor">
+            <a:schemeClr val="dk1"/>
+          </a:fontRef>
+        </p:style>
+        <p:txBody>
+          <a:bodyPr wrap="none" tIns="0" bIns="0" rtlCol="0" anchor="ctr"/>
+          <a:lstStyle/>
+          <a:p>
+            <a:pPr algn="ctr"/>
+            <a:r>
+              <a:rPr lang="en-US" sz="1600" dirty="0">
+                <a:solidFill>
+                  <a:schemeClr val="tx1"/>
+                </a:solidFill>
+                <a:latin typeface="Times New Roman" panose="02020603050405020304" pitchFamily="18" charset="0"/>
+                <a:cs typeface="Times New Roman" panose="02020603050405020304" pitchFamily="18" charset="0"/>
+              </a:rPr>
+              <a:t>Reshape</a:t>
+            </a:r>
+          </a:p>
+        </p:txBody>
+      </p:sp>
+      <p:cxnSp>
+        <p:nvCxnSpPr>
+          <p:cNvPr id="239" name="Straight Connector 238">
+            <a:extLst>
+              <a:ext uri="{FF2B5EF4-FFF2-40B4-BE49-F238E27FC236}">
+                <a16:creationId xmlns:a16="http://schemas.microsoft.com/office/drawing/2014/main" id="{079CA91E-473F-1B43-8F4A-F33B68FAD82F}"/>
+              </a:ext>
+            </a:extLst>
+          </p:cNvPr>
+          <p:cNvCxnSpPr>
+            <a:cxnSpLocks/>
+            <a:stCxn id="233" idx="2"/>
+          </p:cNvCxnSpPr>
+          <p:nvPr/>
+        </p:nvCxnSpPr>
+        <p:spPr>
+          <a:xfrm flipH="1">
+            <a:off x="9504534" y="2665508"/>
+            <a:ext cx="1" cy="296385"/>
+          </a:xfrm>
+          <a:prstGeom prst="line">
+            <a:avLst/>
+          </a:prstGeom>
+          <a:ln w="28575">
+            <a:solidFill>
+              <a:schemeClr val="tx1"/>
+            </a:solidFill>
+            <a:headEnd type="triangle"/>
+          </a:ln>
+        </p:spPr>
+        <p:style>
+          <a:lnRef idx="1">
+            <a:schemeClr val="accent1"/>
+          </a:lnRef>
+          <a:fillRef idx="0">
+            <a:schemeClr val="accent1"/>
+          </a:fillRef>
+          <a:effectRef idx="0">
+            <a:schemeClr val="accent1"/>
+          </a:effectRef>
+          <a:fontRef idx="minor">
+            <a:schemeClr val="tx1"/>
+          </a:fontRef>
+        </p:style>
+      </p:cxnSp>
+      <p:cxnSp>
+        <p:nvCxnSpPr>
+          <p:cNvPr id="240" name="Straight Connector 239">
+            <a:extLst>
+              <a:ext uri="{FF2B5EF4-FFF2-40B4-BE49-F238E27FC236}">
+                <a16:creationId xmlns:a16="http://schemas.microsoft.com/office/drawing/2014/main" id="{6714D569-2FC9-E04D-BD34-078984882159}"/>
+              </a:ext>
+            </a:extLst>
+          </p:cNvPr>
+          <p:cNvCxnSpPr>
+            <a:cxnSpLocks/>
+            <a:stCxn id="236" idx="0"/>
+            <a:endCxn id="237" idx="2"/>
+          </p:cNvCxnSpPr>
+          <p:nvPr/>
+        </p:nvCxnSpPr>
+        <p:spPr>
+          <a:xfrm flipV="1">
+            <a:off x="9504535" y="1385660"/>
+            <a:ext cx="0" cy="79304"/>
+          </a:xfrm>
+          <a:prstGeom prst="line">
+            <a:avLst/>
+          </a:prstGeom>
+          <a:ln w="31750">
+            <a:solidFill>
+              <a:schemeClr val="tx1"/>
+            </a:solidFill>
+          </a:ln>
+        </p:spPr>
+        <p:style>
+          <a:lnRef idx="1">
+            <a:schemeClr val="accent1"/>
+          </a:lnRef>
+          <a:fillRef idx="0">
+            <a:schemeClr val="accent1"/>
+          </a:fillRef>
+          <a:effectRef idx="0">
+            <a:schemeClr val="accent1"/>
+          </a:effectRef>
+          <a:fontRef idx="minor">
+            <a:schemeClr val="tx1"/>
+          </a:fontRef>
+        </p:style>
+      </p:cxnSp>
+      <p:cxnSp>
+        <p:nvCxnSpPr>
+          <p:cNvPr id="241" name="Straight Connector 240">
+            <a:extLst>
+              <a:ext uri="{FF2B5EF4-FFF2-40B4-BE49-F238E27FC236}">
+                <a16:creationId xmlns:a16="http://schemas.microsoft.com/office/drawing/2014/main" id="{C4EFCACB-765E-9542-930A-0174A1FACA36}"/>
+              </a:ext>
+            </a:extLst>
+          </p:cNvPr>
+          <p:cNvCxnSpPr>
+            <a:cxnSpLocks/>
+            <a:stCxn id="235" idx="0"/>
+            <a:endCxn id="236" idx="2"/>
+          </p:cNvCxnSpPr>
+          <p:nvPr/>
+        </p:nvCxnSpPr>
+        <p:spPr>
+          <a:xfrm flipV="1">
+            <a:off x="9504535" y="1693564"/>
+            <a:ext cx="0" cy="91296"/>
+          </a:xfrm>
+          <a:prstGeom prst="line">
+            <a:avLst/>
+          </a:prstGeom>
+          <a:ln w="31750">
+            <a:solidFill>
+              <a:schemeClr val="tx1"/>
+            </a:solidFill>
+          </a:ln>
+        </p:spPr>
+        <p:style>
+          <a:lnRef idx="1">
+            <a:schemeClr val="accent1"/>
+          </a:lnRef>
+          <a:fillRef idx="0">
+            <a:schemeClr val="accent1"/>
+          </a:fillRef>
+          <a:effectRef idx="0">
+            <a:schemeClr val="accent1"/>
+          </a:effectRef>
+          <a:fontRef idx="minor">
+            <a:schemeClr val="tx1"/>
+          </a:fontRef>
+        </p:style>
+      </p:cxnSp>
+      <p:cxnSp>
+        <p:nvCxnSpPr>
+          <p:cNvPr id="242" name="Straight Connector 241">
+            <a:extLst>
+              <a:ext uri="{FF2B5EF4-FFF2-40B4-BE49-F238E27FC236}">
+                <a16:creationId xmlns:a16="http://schemas.microsoft.com/office/drawing/2014/main" id="{E571A218-3D36-7B42-A666-43787A95F418}"/>
+              </a:ext>
+            </a:extLst>
+          </p:cNvPr>
+          <p:cNvCxnSpPr>
+            <a:cxnSpLocks/>
+            <a:stCxn id="234" idx="0"/>
+            <a:endCxn id="235" idx="2"/>
+          </p:cNvCxnSpPr>
+          <p:nvPr/>
+        </p:nvCxnSpPr>
+        <p:spPr>
+          <a:xfrm flipV="1">
+            <a:off x="9504535" y="2013460"/>
+            <a:ext cx="0" cy="91474"/>
+          </a:xfrm>
+          <a:prstGeom prst="line">
+            <a:avLst/>
+          </a:prstGeom>
+          <a:ln w="31750">
+            <a:solidFill>
+              <a:schemeClr val="tx1"/>
+            </a:solidFill>
+          </a:ln>
+        </p:spPr>
+        <p:style>
+          <a:lnRef idx="1">
+            <a:schemeClr val="accent1"/>
+          </a:lnRef>
+          <a:fillRef idx="0">
+            <a:schemeClr val="accent1"/>
+          </a:fillRef>
+          <a:effectRef idx="0">
+            <a:schemeClr val="accent1"/>
+          </a:effectRef>
+          <a:fontRef idx="minor">
+            <a:schemeClr val="tx1"/>
+          </a:fontRef>
+        </p:style>
+      </p:cxnSp>
+      <p:cxnSp>
+        <p:nvCxnSpPr>
+          <p:cNvPr id="243" name="Straight Connector 242">
+            <a:extLst>
+              <a:ext uri="{FF2B5EF4-FFF2-40B4-BE49-F238E27FC236}">
+                <a16:creationId xmlns:a16="http://schemas.microsoft.com/office/drawing/2014/main" id="{B197D1EA-1F7A-3A45-8D88-7C1FC20568AB}"/>
+              </a:ext>
+            </a:extLst>
+          </p:cNvPr>
+          <p:cNvCxnSpPr>
+            <a:cxnSpLocks/>
+            <a:stCxn id="233" idx="0"/>
+            <a:endCxn id="234" idx="2"/>
+          </p:cNvCxnSpPr>
+          <p:nvPr/>
+        </p:nvCxnSpPr>
+        <p:spPr>
+          <a:xfrm flipV="1">
+            <a:off x="9504535" y="2333534"/>
+            <a:ext cx="0" cy="103374"/>
+          </a:xfrm>
+          <a:prstGeom prst="line">
+            <a:avLst/>
+          </a:prstGeom>
+          <a:ln w="31750">
+            <a:solidFill>
+              <a:schemeClr val="tx1"/>
+            </a:solidFill>
+          </a:ln>
+        </p:spPr>
+        <p:style>
+          <a:lnRef idx="1">
+            <a:schemeClr val="accent1"/>
+          </a:lnRef>
+          <a:fillRef idx="0">
+            <a:schemeClr val="accent1"/>
+          </a:fillRef>
+          <a:effectRef idx="0">
+            <a:schemeClr val="accent1"/>
+          </a:effectRef>
+          <a:fontRef idx="minor">
+            <a:schemeClr val="tx1"/>
+          </a:fontRef>
+        </p:style>
+      </p:cxnSp>
+      <p:cxnSp>
+        <p:nvCxnSpPr>
+          <p:cNvPr id="244" name="Straight Connector 243">
+            <a:extLst>
+              <a:ext uri="{FF2B5EF4-FFF2-40B4-BE49-F238E27FC236}">
+                <a16:creationId xmlns:a16="http://schemas.microsoft.com/office/drawing/2014/main" id="{20661513-F889-924E-9F32-4687013A625B}"/>
+              </a:ext>
+            </a:extLst>
+          </p:cNvPr>
+          <p:cNvCxnSpPr>
+            <a:cxnSpLocks/>
+            <a:stCxn id="237" idx="0"/>
+          </p:cNvCxnSpPr>
+          <p:nvPr/>
+        </p:nvCxnSpPr>
+        <p:spPr>
+          <a:xfrm flipH="1" flipV="1">
+            <a:off x="9504534" y="1065586"/>
+            <a:ext cx="1" cy="91474"/>
+          </a:xfrm>
+          <a:prstGeom prst="line">
+            <a:avLst/>
+          </a:prstGeom>
+          <a:ln w="31750">
+            <a:solidFill>
+              <a:schemeClr val="tx1"/>
+            </a:solidFill>
+          </a:ln>
+        </p:spPr>
+        <p:style>
+          <a:lnRef idx="1">
+            <a:schemeClr val="accent1"/>
+          </a:lnRef>
+          <a:fillRef idx="0">
+            <a:schemeClr val="accent1"/>
+          </a:fillRef>
+          <a:effectRef idx="0">
+            <a:schemeClr val="accent1"/>
+          </a:effectRef>
+          <a:fontRef idx="minor">
+            <a:schemeClr val="tx1"/>
+          </a:fontRef>
+        </p:style>
+      </p:cxnSp>
+      <p:cxnSp>
+        <p:nvCxnSpPr>
+          <p:cNvPr id="245" name="Elbow Connector 244">
+            <a:extLst>
+              <a:ext uri="{FF2B5EF4-FFF2-40B4-BE49-F238E27FC236}">
+                <a16:creationId xmlns:a16="http://schemas.microsoft.com/office/drawing/2014/main" id="{5D57B83F-A0A6-8843-B390-96F874E32359}"/>
+              </a:ext>
+            </a:extLst>
+          </p:cNvPr>
+          <p:cNvCxnSpPr>
+            <a:cxnSpLocks/>
+          </p:cNvCxnSpPr>
+          <p:nvPr/>
+        </p:nvCxnSpPr>
+        <p:spPr>
+          <a:xfrm rot="16200000" flipV="1">
+            <a:off x="8465429" y="1830371"/>
+            <a:ext cx="1941050" cy="137159"/>
+          </a:xfrm>
+          <a:prstGeom prst="bentConnector4">
+            <a:avLst>
+              <a:gd name="adj1" fmla="val 131"/>
+              <a:gd name="adj2" fmla="val 539894"/>
+            </a:avLst>
+          </a:prstGeom>
+          <a:ln w="31750">
+            <a:solidFill>
+              <a:schemeClr val="tx1"/>
+            </a:solidFill>
+            <a:tailEnd type="triangle"/>
+          </a:ln>
+        </p:spPr>
+        <p:style>
+          <a:lnRef idx="1">
+            <a:schemeClr val="accent1"/>
+          </a:lnRef>
+          <a:fillRef idx="0">
+            <a:schemeClr val="accent1"/>
+          </a:fillRef>
+          <a:effectRef idx="0">
+            <a:schemeClr val="accent1"/>
+          </a:effectRef>
+          <a:fontRef idx="minor">
+            <a:schemeClr val="tx1"/>
+          </a:fontRef>
+        </p:style>
+      </p:cxnSp>
+      <p:cxnSp>
+        <p:nvCxnSpPr>
+          <p:cNvPr id="246" name="Straight Connector 245">
+            <a:extLst>
+              <a:ext uri="{FF2B5EF4-FFF2-40B4-BE49-F238E27FC236}">
+                <a16:creationId xmlns:a16="http://schemas.microsoft.com/office/drawing/2014/main" id="{4629D2E1-A414-D745-A4FE-B96AFA80AC7A}"/>
+              </a:ext>
+            </a:extLst>
+          </p:cNvPr>
+          <p:cNvCxnSpPr>
+            <a:cxnSpLocks/>
+          </p:cNvCxnSpPr>
+          <p:nvPr/>
+        </p:nvCxnSpPr>
+        <p:spPr>
+          <a:xfrm>
+            <a:off x="9504534" y="561653"/>
+            <a:ext cx="0" cy="229613"/>
+          </a:xfrm>
+          <a:prstGeom prst="line">
+            <a:avLst/>
+          </a:prstGeom>
+          <a:ln w="28575">
+            <a:solidFill>
+              <a:schemeClr val="tx1"/>
+            </a:solidFill>
+            <a:headEnd type="triangle"/>
+          </a:ln>
+        </p:spPr>
+        <p:style>
+          <a:lnRef idx="1">
+            <a:schemeClr val="accent1"/>
+          </a:lnRef>
+          <a:fillRef idx="0">
+            <a:schemeClr val="accent1"/>
+          </a:fillRef>
+          <a:effectRef idx="0">
+            <a:schemeClr val="accent1"/>
+          </a:effectRef>
+          <a:fontRef idx="minor">
+            <a:schemeClr val="tx1"/>
+          </a:fontRef>
+        </p:style>
+      </p:cxnSp>
+      <p:sp>
+        <p:nvSpPr>
+          <p:cNvPr id="247" name="Rounded Rectangle 246">
+            <a:extLst>
+              <a:ext uri="{FF2B5EF4-FFF2-40B4-BE49-F238E27FC236}">
+                <a16:creationId xmlns:a16="http://schemas.microsoft.com/office/drawing/2014/main" id="{29C90433-F996-FE43-B457-0532A644DF4A}"/>
+              </a:ext>
+            </a:extLst>
+          </p:cNvPr>
+          <p:cNvSpPr/>
+          <p:nvPr/>
+        </p:nvSpPr>
+        <p:spPr>
+          <a:xfrm>
+            <a:off x="8682560" y="701133"/>
+            <a:ext cx="1554480" cy="2260760"/>
+          </a:xfrm>
+          <a:prstGeom prst="roundRect">
+            <a:avLst>
+              <a:gd name="adj" fmla="val 3785"/>
+            </a:avLst>
+          </a:prstGeom>
+          <a:noFill/>
+          <a:ln>
+            <a:solidFill>
+              <a:schemeClr val="bg2">
+                <a:lumMod val="75000"/>
+              </a:schemeClr>
+            </a:solidFill>
+            <a:prstDash val="dash"/>
+          </a:ln>
+        </p:spPr>
+        <p:style>
+          <a:lnRef idx="2">
+            <a:schemeClr val="accent1">
+              <a:shade val="50000"/>
+            </a:schemeClr>
+          </a:lnRef>
+          <a:fillRef idx="1">
+            <a:schemeClr val="accent1"/>
+          </a:fillRef>
+          <a:effectRef idx="0">
+            <a:schemeClr val="accent1"/>
+          </a:effectRef>
+          <a:fontRef idx="minor">
+            <a:schemeClr val="lt1"/>
+          </a:fontRef>
+        </p:style>
+        <p:txBody>
+          <a:bodyPr rtlCol="0" anchor="ctr"/>
+          <a:lstStyle/>
+          <a:p>
+            <a:pPr algn="ctr"/>
+            <a:endParaRPr lang="en-US"/>
+          </a:p>
+        </p:txBody>
+      </p:sp>
+      <p:sp>
+        <p:nvSpPr>
+          <p:cNvPr id="248" name="TextBox 247">
+            <a:extLst>
+              <a:ext uri="{FF2B5EF4-FFF2-40B4-BE49-F238E27FC236}">
+                <a16:creationId xmlns:a16="http://schemas.microsoft.com/office/drawing/2014/main" id="{B641F908-8470-E249-B16F-59F99E6E69A6}"/>
+              </a:ext>
+            </a:extLst>
+          </p:cNvPr>
+          <p:cNvSpPr txBox="1"/>
+          <p:nvPr/>
+        </p:nvSpPr>
+        <p:spPr>
+          <a:xfrm>
+            <a:off x="8666549" y="2916707"/>
+            <a:ext cx="1710725" cy="369332"/>
+          </a:xfrm>
+          <a:prstGeom prst="rect">
+            <a:avLst/>
+          </a:prstGeom>
+          <a:noFill/>
+        </p:spPr>
+        <p:txBody>
+          <a:bodyPr wrap="none" rtlCol="0">
+            <a:spAutoFit/>
+          </a:bodyPr>
+          <a:lstStyle/>
+          <a:p>
+            <a:r>
+              <a:rPr lang="en-US" dirty="0">
+                <a:latin typeface="Times New Roman" panose="02020603050405020304" pitchFamily="18" charset="0"/>
+                <a:cs typeface="Times New Roman" panose="02020603050405020304" pitchFamily="18" charset="0"/>
+              </a:rPr>
+              <a:t>(d) Channel-Att.</a:t>
+            </a:r>
+          </a:p>
+        </p:txBody>
+      </p:sp>
+      <p:sp>
+        <p:nvSpPr>
+          <p:cNvPr id="249" name="Or 248">
+            <a:extLst>
+              <a:ext uri="{FF2B5EF4-FFF2-40B4-BE49-F238E27FC236}">
+                <a16:creationId xmlns:a16="http://schemas.microsoft.com/office/drawing/2014/main" id="{8206B55B-6759-704A-8170-45888A9285F8}"/>
+              </a:ext>
+            </a:extLst>
+          </p:cNvPr>
+          <p:cNvSpPr/>
+          <p:nvPr/>
+        </p:nvSpPr>
+        <p:spPr>
+          <a:xfrm>
+            <a:off x="9367374" y="788722"/>
+            <a:ext cx="274320" cy="274320"/>
+          </a:xfrm>
+          <a:prstGeom prst="flowChartOr">
+            <a:avLst/>
+          </a:prstGeom>
+          <a:noFill/>
+          <a:ln w="25400">
+            <a:solidFill>
+              <a:schemeClr val="tx1"/>
+            </a:solidFill>
+          </a:ln>
+        </p:spPr>
+        <p:style>
+          <a:lnRef idx="2">
+            <a:schemeClr val="accent1">
+              <a:shade val="50000"/>
+            </a:schemeClr>
+          </a:lnRef>
+          <a:fillRef idx="1">
+            <a:schemeClr val="accent1"/>
+          </a:fillRef>
+          <a:effectRef idx="0">
+            <a:schemeClr val="accent1"/>
+          </a:effectRef>
+          <a:fontRef idx="minor">
+            <a:schemeClr val="lt1"/>
+          </a:fontRef>
+        </p:style>
+        <p:txBody>
+          <a:bodyPr rtlCol="0" anchor="ctr"/>
+          <a:lstStyle/>
+          <a:p>
+            <a:pPr algn="ctr"/>
+            <a:endParaRPr lang="en-US">
               <a:solidFill>
-                <a:schemeClr val="accent1"/>
+                <a:schemeClr val="tx1"/>
               </a:solidFill>
-              <a:latin typeface="Times New Roman" panose="02020603050405020304" pitchFamily="18" charset="0"/>
-              <a:cs typeface="Times New Roman" panose="02020603050405020304" pitchFamily="18" charset="0"/>
             </a:endParaRPr>
+          </a:p>
+        </p:txBody>
+      </p:sp>
+      <mc:AlternateContent xmlns:mc="http://schemas.openxmlformats.org/markup-compatibility/2006">
+        <mc:Choice xmlns:a14="http://schemas.microsoft.com/office/drawing/2010/main" Requires="a14">
+          <p:sp>
+            <p:nvSpPr>
+              <p:cNvPr id="250" name="Rounded Rectangle 249">
+                <a:extLst>
+                  <a:ext uri="{FF2B5EF4-FFF2-40B4-BE49-F238E27FC236}">
+                    <a16:creationId xmlns:a16="http://schemas.microsoft.com/office/drawing/2014/main" id="{906FA75D-8517-A14A-BCA2-C1DCEDFE81B8}"/>
+                  </a:ext>
+                </a:extLst>
+              </p:cNvPr>
+              <p:cNvSpPr/>
+              <p:nvPr/>
+            </p:nvSpPr>
+            <p:spPr>
+              <a:xfrm rot="16200000">
+                <a:off x="6693638" y="3890829"/>
+                <a:ext cx="980463" cy="277160"/>
+              </a:xfrm>
+              <a:prstGeom prst="roundRect">
+                <a:avLst/>
+              </a:prstGeom>
+              <a:noFill/>
+              <a:ln w="28575">
+                <a:solidFill>
+                  <a:schemeClr val="tx1"/>
+                </a:solidFill>
+              </a:ln>
+            </p:spPr>
+            <p:style>
+              <a:lnRef idx="1">
+                <a:schemeClr val="accent6"/>
+              </a:lnRef>
+              <a:fillRef idx="2">
+                <a:schemeClr val="accent6"/>
+              </a:fillRef>
+              <a:effectRef idx="1">
+                <a:schemeClr val="accent6"/>
+              </a:effectRef>
+              <a:fontRef idx="minor">
+                <a:schemeClr val="dk1"/>
+              </a:fontRef>
+            </p:style>
+            <p:txBody>
+              <a:bodyPr wrap="none" tIns="0" bIns="0" rtlCol="0" anchor="ctr"/>
+              <a:lstStyle/>
+              <a:p>
+                <a:pPr algn="ctr"/>
+                <a14:m>
+                  <m:oMathPara xmlns:m="http://schemas.openxmlformats.org/officeDocument/2006/math">
+                    <m:oMathParaPr>
+                      <m:jc m:val="centerGroup"/>
+                    </m:oMathParaPr>
+                    <m:oMath xmlns:m="http://schemas.openxmlformats.org/officeDocument/2006/math">
+                      <m:r>
+                        <m:rPr>
+                          <m:sty m:val="p"/>
+                        </m:rPr>
+                        <a:rPr lang="en-US" sz="1600" smtClean="0">
+                          <a:solidFill>
+                            <a:schemeClr val="tx1"/>
+                          </a:solidFill>
+                          <a:latin typeface="Cambria Math" panose="02040503050406030204" pitchFamily="18" charset="0"/>
+                          <a:cs typeface="Times New Roman" panose="02020603050405020304" pitchFamily="18" charset="0"/>
+                        </a:rPr>
+                        <m:t>C</m:t>
+                      </m:r>
+                      <m:r>
+                        <a:rPr lang="en-US" sz="1600" i="1">
+                          <a:solidFill>
+                            <a:schemeClr val="tx1"/>
+                          </a:solidFill>
+                          <a:latin typeface="Cambria Math" panose="02040503050406030204" pitchFamily="18" charset="0"/>
+                          <a:cs typeface="Times New Roman" panose="02020603050405020304" pitchFamily="18" charset="0"/>
+                        </a:rPr>
+                        <m:t>𝑜𝑛𝑣</m:t>
+                      </m:r>
+                      <m:r>
+                        <a:rPr lang="en-US" sz="1600" i="1">
+                          <a:solidFill>
+                            <a:schemeClr val="tx1"/>
+                          </a:solidFill>
+                          <a:latin typeface="Cambria Math" panose="02040503050406030204" pitchFamily="18" charset="0"/>
+                          <a:cs typeface="Times New Roman" panose="02020603050405020304" pitchFamily="18" charset="0"/>
+                        </a:rPr>
+                        <m:t> 1×1</m:t>
+                      </m:r>
+                    </m:oMath>
+                  </m:oMathPara>
+                </a14:m>
+                <a:endParaRPr lang="en-US" sz="1600" dirty="0">
+                  <a:solidFill>
+                    <a:schemeClr val="tx1"/>
+                  </a:solidFill>
+                  <a:latin typeface="Times New Roman" panose="02020603050405020304" pitchFamily="18" charset="0"/>
+                  <a:cs typeface="Times New Roman" panose="02020603050405020304" pitchFamily="18" charset="0"/>
+                </a:endParaRPr>
+              </a:p>
+            </p:txBody>
+          </p:sp>
+        </mc:Choice>
+        <mc:Fallback>
+          <p:sp>
+            <p:nvSpPr>
+              <p:cNvPr id="250" name="Rounded Rectangle 249">
+                <a:extLst>
+                  <a:ext uri="{FF2B5EF4-FFF2-40B4-BE49-F238E27FC236}">
+                    <a16:creationId xmlns:a16="http://schemas.microsoft.com/office/drawing/2014/main" id="{906FA75D-8517-A14A-BCA2-C1DCEDFE81B8}"/>
+                  </a:ext>
+                </a:extLst>
+              </p:cNvPr>
+              <p:cNvSpPr>
+                <a:spLocks noRot="1" noChangeAspect="1" noMove="1" noResize="1" noEditPoints="1" noAdjustHandles="1" noChangeArrowheads="1" noChangeShapeType="1" noTextEdit="1"/>
+              </p:cNvSpPr>
+              <p:nvPr/>
+            </p:nvSpPr>
+            <p:spPr>
+              <a:xfrm rot="16200000">
+                <a:off x="6693638" y="3890829"/>
+                <a:ext cx="980463" cy="277160"/>
+              </a:xfrm>
+              <a:prstGeom prst="roundRect">
+                <a:avLst/>
+              </a:prstGeom>
+              <a:blipFill>
+                <a:blip r:embed="rId11"/>
+                <a:stretch>
+                  <a:fillRect r="-20000" b="-2469"/>
+                </a:stretch>
+              </a:blipFill>
+              <a:ln w="28575">
+                <a:solidFill>
+                  <a:schemeClr val="tx1"/>
+                </a:solidFill>
+              </a:ln>
+            </p:spPr>
+            <p:txBody>
+              <a:bodyPr/>
+              <a:lstStyle/>
+              <a:p>
+                <a:r>
+                  <a:rPr lang="en-US">
+                    <a:noFill/>
+                  </a:rPr>
+                  <a:t> </a:t>
+                </a:r>
+              </a:p>
+            </p:txBody>
+          </p:sp>
+        </mc:Fallback>
+      </mc:AlternateContent>
+      <mc:AlternateContent xmlns:mc="http://schemas.openxmlformats.org/markup-compatibility/2006">
+        <mc:Choice xmlns:a14="http://schemas.microsoft.com/office/drawing/2010/main" Requires="a14">
+          <p:sp>
+            <p:nvSpPr>
+              <p:cNvPr id="251" name="Rounded Rectangle 250">
+                <a:extLst>
+                  <a:ext uri="{FF2B5EF4-FFF2-40B4-BE49-F238E27FC236}">
+                    <a16:creationId xmlns:a16="http://schemas.microsoft.com/office/drawing/2014/main" id="{E1E71EB7-E353-4247-A426-5900AD62E6A3}"/>
+                  </a:ext>
+                </a:extLst>
+              </p:cNvPr>
+              <p:cNvSpPr/>
+              <p:nvPr/>
+            </p:nvSpPr>
+            <p:spPr>
+              <a:xfrm rot="16200000">
+                <a:off x="7314399" y="3714308"/>
+                <a:ext cx="980463" cy="630202"/>
+              </a:xfrm>
+              <a:prstGeom prst="roundRect">
+                <a:avLst/>
+              </a:prstGeom>
+              <a:noFill/>
+              <a:ln w="28575">
+                <a:solidFill>
+                  <a:schemeClr val="tx1"/>
+                </a:solidFill>
+              </a:ln>
+            </p:spPr>
+            <p:style>
+              <a:lnRef idx="1">
+                <a:schemeClr val="accent6"/>
+              </a:lnRef>
+              <a:fillRef idx="2">
+                <a:schemeClr val="accent6"/>
+              </a:fillRef>
+              <a:effectRef idx="1">
+                <a:schemeClr val="accent6"/>
+              </a:effectRef>
+              <a:fontRef idx="minor">
+                <a:schemeClr val="dk1"/>
+              </a:fontRef>
+            </p:style>
+            <p:txBody>
+              <a:bodyPr wrap="none" tIns="0" bIns="0" spcCol="0" rtlCol="0" anchor="ctr">
+                <a:noAutofit/>
+              </a:bodyPr>
+              <a:lstStyle/>
+              <a:p>
+                <a:pPr algn="ctr"/>
+                <a14:m>
+                  <m:oMathPara xmlns:m="http://schemas.openxmlformats.org/officeDocument/2006/math">
+                    <m:oMathParaPr>
+                      <m:jc m:val="centerGroup"/>
+                    </m:oMathParaPr>
+                    <m:oMath xmlns:m="http://schemas.openxmlformats.org/officeDocument/2006/math">
+                      <m:r>
+                        <a:rPr lang="en-US" sz="1600" b="0" i="0" smtClean="0">
+                          <a:solidFill>
+                            <a:schemeClr val="tx1"/>
+                          </a:solidFill>
+                          <a:latin typeface="Cambria Math" panose="02040503050406030204" pitchFamily="18" charset="0"/>
+                          <a:cs typeface="Times New Roman" panose="02020603050405020304" pitchFamily="18" charset="0"/>
+                        </a:rPr>
+                        <m:t>    </m:t>
+                      </m:r>
+                      <m:r>
+                        <m:rPr>
+                          <m:sty m:val="p"/>
+                        </m:rPr>
+                        <a:rPr lang="en-US" sz="1600" b="0" i="0" smtClean="0">
+                          <a:solidFill>
+                            <a:schemeClr val="tx1"/>
+                          </a:solidFill>
+                          <a:latin typeface="Cambria Math" panose="02040503050406030204" pitchFamily="18" charset="0"/>
+                          <a:cs typeface="Times New Roman" panose="02020603050405020304" pitchFamily="18" charset="0"/>
+                        </a:rPr>
+                        <m:t>DW</m:t>
+                      </m:r>
+                    </m:oMath>
+                  </m:oMathPara>
+                </a14:m>
+                <a:endParaRPr lang="en-US" sz="1600" b="0" i="0" dirty="0">
+                  <a:solidFill>
+                    <a:schemeClr val="tx1"/>
+                  </a:solidFill>
+                  <a:latin typeface="Cambria Math" panose="02040503050406030204" pitchFamily="18" charset="0"/>
+                  <a:cs typeface="Times New Roman" panose="02020603050405020304" pitchFamily="18" charset="0"/>
+                </a:endParaRPr>
+              </a:p>
+              <a:p>
+                <a:pPr algn="ctr"/>
+                <a14:m>
+                  <m:oMathPara xmlns:m="http://schemas.openxmlformats.org/officeDocument/2006/math">
+                    <m:oMathParaPr>
+                      <m:jc m:val="centerGroup"/>
+                    </m:oMathParaPr>
+                    <m:oMath xmlns:m="http://schemas.openxmlformats.org/officeDocument/2006/math">
+                      <m:r>
+                        <a:rPr lang="en-US" sz="1600" b="0" i="0" smtClean="0">
+                          <a:solidFill>
+                            <a:schemeClr val="tx1"/>
+                          </a:solidFill>
+                          <a:latin typeface="Cambria Math" panose="02040503050406030204" pitchFamily="18" charset="0"/>
+                          <a:cs typeface="Times New Roman" panose="02020603050405020304" pitchFamily="18" charset="0"/>
+                        </a:rPr>
+                        <m:t> </m:t>
+                      </m:r>
+                      <m:r>
+                        <m:rPr>
+                          <m:sty m:val="p"/>
+                        </m:rPr>
+                        <a:rPr lang="en-US" sz="1600" smtClean="0">
+                          <a:solidFill>
+                            <a:schemeClr val="tx1"/>
+                          </a:solidFill>
+                          <a:latin typeface="Cambria Math" panose="02040503050406030204" pitchFamily="18" charset="0"/>
+                          <a:cs typeface="Times New Roman" panose="02020603050405020304" pitchFamily="18" charset="0"/>
+                        </a:rPr>
+                        <m:t>C</m:t>
+                      </m:r>
+                      <m:r>
+                        <a:rPr lang="en-US" sz="1600" i="1">
+                          <a:solidFill>
+                            <a:schemeClr val="tx1"/>
+                          </a:solidFill>
+                          <a:latin typeface="Cambria Math" panose="02040503050406030204" pitchFamily="18" charset="0"/>
+                          <a:cs typeface="Times New Roman" panose="02020603050405020304" pitchFamily="18" charset="0"/>
+                        </a:rPr>
+                        <m:t>𝑜𝑛𝑣</m:t>
+                      </m:r>
+                      <m:r>
+                        <a:rPr lang="en-US" sz="1600" i="1">
+                          <a:solidFill>
+                            <a:schemeClr val="tx1"/>
+                          </a:solidFill>
+                          <a:latin typeface="Cambria Math" panose="02040503050406030204" pitchFamily="18" charset="0"/>
+                          <a:cs typeface="Times New Roman" panose="02020603050405020304" pitchFamily="18" charset="0"/>
+                        </a:rPr>
+                        <m:t> 3×3</m:t>
+                      </m:r>
+                    </m:oMath>
+                  </m:oMathPara>
+                </a14:m>
+                <a:endParaRPr lang="en-US" sz="1600" dirty="0">
+                  <a:solidFill>
+                    <a:schemeClr val="tx1"/>
+                  </a:solidFill>
+                  <a:latin typeface="Times New Roman" panose="02020603050405020304" pitchFamily="18" charset="0"/>
+                  <a:cs typeface="Times New Roman" panose="02020603050405020304" pitchFamily="18" charset="0"/>
+                </a:endParaRPr>
+              </a:p>
+            </p:txBody>
+          </p:sp>
+        </mc:Choice>
+        <mc:Fallback>
+          <p:sp>
+            <p:nvSpPr>
+              <p:cNvPr id="251" name="Rounded Rectangle 250">
+                <a:extLst>
+                  <a:ext uri="{FF2B5EF4-FFF2-40B4-BE49-F238E27FC236}">
+                    <a16:creationId xmlns:a16="http://schemas.microsoft.com/office/drawing/2014/main" id="{E1E71EB7-E353-4247-A426-5900AD62E6A3}"/>
+                  </a:ext>
+                </a:extLst>
+              </p:cNvPr>
+              <p:cNvSpPr>
+                <a:spLocks noRot="1" noChangeAspect="1" noMove="1" noResize="1" noEditPoints="1" noAdjustHandles="1" noChangeArrowheads="1" noChangeShapeType="1" noTextEdit="1"/>
+              </p:cNvSpPr>
+              <p:nvPr/>
+            </p:nvSpPr>
+            <p:spPr>
+              <a:xfrm rot="16200000">
+                <a:off x="7314399" y="3714308"/>
+                <a:ext cx="980463" cy="630202"/>
+              </a:xfrm>
+              <a:prstGeom prst="roundRect">
+                <a:avLst/>
+              </a:prstGeom>
+              <a:blipFill>
+                <a:blip r:embed="rId12"/>
+                <a:stretch>
+                  <a:fillRect r="-3774" b="-7407"/>
+                </a:stretch>
+              </a:blipFill>
+              <a:ln w="28575">
+                <a:solidFill>
+                  <a:schemeClr val="tx1"/>
+                </a:solidFill>
+              </a:ln>
+            </p:spPr>
+            <p:txBody>
+              <a:bodyPr/>
+              <a:lstStyle/>
+              <a:p>
+                <a:r>
+                  <a:rPr lang="en-US">
+                    <a:noFill/>
+                  </a:rPr>
+                  <a:t> </a:t>
+                </a:r>
+              </a:p>
+            </p:txBody>
+          </p:sp>
+        </mc:Fallback>
+      </mc:AlternateContent>
+      <mc:AlternateContent xmlns:mc="http://schemas.openxmlformats.org/markup-compatibility/2006">
+        <mc:Choice xmlns:a14="http://schemas.microsoft.com/office/drawing/2010/main" Requires="a14">
+          <p:sp>
+            <p:nvSpPr>
+              <p:cNvPr id="252" name="Rounded Rectangle 251">
+                <a:extLst>
+                  <a:ext uri="{FF2B5EF4-FFF2-40B4-BE49-F238E27FC236}">
+                    <a16:creationId xmlns:a16="http://schemas.microsoft.com/office/drawing/2014/main" id="{104BF301-3DFC-7B42-AE7F-B537BE2B0033}"/>
+                  </a:ext>
+                </a:extLst>
+              </p:cNvPr>
+              <p:cNvSpPr/>
+              <p:nvPr/>
+            </p:nvSpPr>
+            <p:spPr>
+              <a:xfrm rot="16200000">
+                <a:off x="7933269" y="3890829"/>
+                <a:ext cx="980463" cy="277160"/>
+              </a:xfrm>
+              <a:prstGeom prst="roundRect">
+                <a:avLst/>
+              </a:prstGeom>
+              <a:noFill/>
+              <a:ln w="28575">
+                <a:solidFill>
+                  <a:schemeClr val="tx1"/>
+                </a:solidFill>
+              </a:ln>
+            </p:spPr>
+            <p:style>
+              <a:lnRef idx="1">
+                <a:schemeClr val="accent6"/>
+              </a:lnRef>
+              <a:fillRef idx="2">
+                <a:schemeClr val="accent6"/>
+              </a:fillRef>
+              <a:effectRef idx="1">
+                <a:schemeClr val="accent6"/>
+              </a:effectRef>
+              <a:fontRef idx="minor">
+                <a:schemeClr val="dk1"/>
+              </a:fontRef>
+            </p:style>
+            <p:txBody>
+              <a:bodyPr wrap="none" tIns="0" bIns="0" rtlCol="0" anchor="ctr"/>
+              <a:lstStyle/>
+              <a:p>
+                <a:pPr algn="ctr"/>
+                <a14:m>
+                  <m:oMathPara xmlns:m="http://schemas.openxmlformats.org/officeDocument/2006/math">
+                    <m:oMathParaPr>
+                      <m:jc m:val="centerGroup"/>
+                    </m:oMathParaPr>
+                    <m:oMath xmlns:m="http://schemas.openxmlformats.org/officeDocument/2006/math">
+                      <m:r>
+                        <m:rPr>
+                          <m:sty m:val="p"/>
+                        </m:rPr>
+                        <a:rPr lang="en-US" sz="1600" i="0" smtClean="0">
+                          <a:solidFill>
+                            <a:schemeClr val="tx1"/>
+                          </a:solidFill>
+                          <a:latin typeface="Cambria Math" panose="02040503050406030204" pitchFamily="18" charset="0"/>
+                          <a:cs typeface="Times New Roman" panose="02020603050405020304" pitchFamily="18" charset="0"/>
+                        </a:rPr>
+                        <m:t>G</m:t>
+                      </m:r>
+                      <m:r>
+                        <m:rPr>
+                          <m:sty m:val="p"/>
+                        </m:rPr>
+                        <a:rPr lang="en-US" sz="1600" b="0" i="0" smtClean="0">
+                          <a:solidFill>
+                            <a:schemeClr val="tx1"/>
+                          </a:solidFill>
+                          <a:latin typeface="Cambria Math" panose="02040503050406030204" pitchFamily="18" charset="0"/>
+                          <a:cs typeface="Times New Roman" panose="02020603050405020304" pitchFamily="18" charset="0"/>
+                        </a:rPr>
+                        <m:t>ELU</m:t>
+                      </m:r>
+                    </m:oMath>
+                  </m:oMathPara>
+                </a14:m>
+                <a:endParaRPr lang="en-US" sz="1600" dirty="0">
+                  <a:solidFill>
+                    <a:schemeClr val="tx1"/>
+                  </a:solidFill>
+                  <a:latin typeface="Times New Roman" panose="02020603050405020304" pitchFamily="18" charset="0"/>
+                  <a:cs typeface="Times New Roman" panose="02020603050405020304" pitchFamily="18" charset="0"/>
+                </a:endParaRPr>
+              </a:p>
+            </p:txBody>
+          </p:sp>
+        </mc:Choice>
+        <mc:Fallback>
+          <p:sp>
+            <p:nvSpPr>
+              <p:cNvPr id="252" name="Rounded Rectangle 251">
+                <a:extLst>
+                  <a:ext uri="{FF2B5EF4-FFF2-40B4-BE49-F238E27FC236}">
+                    <a16:creationId xmlns:a16="http://schemas.microsoft.com/office/drawing/2014/main" id="{104BF301-3DFC-7B42-AE7F-B537BE2B0033}"/>
+                  </a:ext>
+                </a:extLst>
+              </p:cNvPr>
+              <p:cNvSpPr>
+                <a:spLocks noRot="1" noChangeAspect="1" noMove="1" noResize="1" noEditPoints="1" noAdjustHandles="1" noChangeArrowheads="1" noChangeShapeType="1" noTextEdit="1"/>
+              </p:cNvSpPr>
+              <p:nvPr/>
+            </p:nvSpPr>
+            <p:spPr>
+              <a:xfrm rot="16200000">
+                <a:off x="7933269" y="3890829"/>
+                <a:ext cx="980463" cy="277160"/>
+              </a:xfrm>
+              <a:prstGeom prst="roundRect">
+                <a:avLst/>
+              </a:prstGeom>
+              <a:blipFill>
+                <a:blip r:embed="rId13"/>
+                <a:stretch>
+                  <a:fillRect/>
+                </a:stretch>
+              </a:blipFill>
+              <a:ln w="28575">
+                <a:solidFill>
+                  <a:schemeClr val="tx1"/>
+                </a:solidFill>
+              </a:ln>
+            </p:spPr>
+            <p:txBody>
+              <a:bodyPr/>
+              <a:lstStyle/>
+              <a:p>
+                <a:r>
+                  <a:rPr lang="en-US">
+                    <a:noFill/>
+                  </a:rPr>
+                  <a:t> </a:t>
+                </a:r>
+              </a:p>
+            </p:txBody>
+          </p:sp>
+        </mc:Fallback>
+      </mc:AlternateContent>
+      <mc:AlternateContent xmlns:mc="http://schemas.openxmlformats.org/markup-compatibility/2006">
+        <mc:Choice xmlns:a14="http://schemas.microsoft.com/office/drawing/2010/main" Requires="a14">
+          <p:sp>
+            <p:nvSpPr>
+              <p:cNvPr id="253" name="Rounded Rectangle 252">
+                <a:extLst>
+                  <a:ext uri="{FF2B5EF4-FFF2-40B4-BE49-F238E27FC236}">
+                    <a16:creationId xmlns:a16="http://schemas.microsoft.com/office/drawing/2014/main" id="{6F97E472-73CA-6343-9557-2262913CE6A8}"/>
+                  </a:ext>
+                </a:extLst>
+              </p:cNvPr>
+              <p:cNvSpPr/>
+              <p:nvPr/>
+            </p:nvSpPr>
+            <p:spPr>
+              <a:xfrm rot="16200000">
+                <a:off x="8367674" y="3890829"/>
+                <a:ext cx="980463" cy="277160"/>
+              </a:xfrm>
+              <a:prstGeom prst="roundRect">
+                <a:avLst/>
+              </a:prstGeom>
+              <a:noFill/>
+              <a:ln w="28575">
+                <a:solidFill>
+                  <a:schemeClr val="tx1"/>
+                </a:solidFill>
+              </a:ln>
+            </p:spPr>
+            <p:style>
+              <a:lnRef idx="1">
+                <a:schemeClr val="accent6"/>
+              </a:lnRef>
+              <a:fillRef idx="2">
+                <a:schemeClr val="accent6"/>
+              </a:fillRef>
+              <a:effectRef idx="1">
+                <a:schemeClr val="accent6"/>
+              </a:effectRef>
+              <a:fontRef idx="minor">
+                <a:schemeClr val="dk1"/>
+              </a:fontRef>
+            </p:style>
+            <p:txBody>
+              <a:bodyPr wrap="none" tIns="0" bIns="0" rtlCol="0" anchor="ctr"/>
+              <a:lstStyle/>
+              <a:p>
+                <a:pPr algn="ctr"/>
+                <a14:m>
+                  <m:oMathPara xmlns:m="http://schemas.openxmlformats.org/officeDocument/2006/math">
+                    <m:oMathParaPr>
+                      <m:jc m:val="centerGroup"/>
+                    </m:oMathParaPr>
+                    <m:oMath xmlns:m="http://schemas.openxmlformats.org/officeDocument/2006/math">
+                      <m:r>
+                        <m:rPr>
+                          <m:sty m:val="p"/>
+                        </m:rPr>
+                        <a:rPr lang="en-US" sz="1600" i="0" smtClean="0">
+                          <a:solidFill>
+                            <a:schemeClr val="tx1"/>
+                          </a:solidFill>
+                          <a:latin typeface="Cambria Math" panose="02040503050406030204" pitchFamily="18" charset="0"/>
+                          <a:cs typeface="Times New Roman" panose="02020603050405020304" pitchFamily="18" charset="0"/>
+                        </a:rPr>
+                        <m:t>D</m:t>
+                      </m:r>
+                      <m:r>
+                        <m:rPr>
+                          <m:sty m:val="p"/>
+                        </m:rPr>
+                        <a:rPr lang="en-US" sz="1600" b="0" i="0" smtClean="0">
+                          <a:solidFill>
+                            <a:schemeClr val="tx1"/>
+                          </a:solidFill>
+                          <a:latin typeface="Cambria Math" panose="02040503050406030204" pitchFamily="18" charset="0"/>
+                          <a:cs typeface="Times New Roman" panose="02020603050405020304" pitchFamily="18" charset="0"/>
+                        </a:rPr>
+                        <m:t>ropout</m:t>
+                      </m:r>
+                    </m:oMath>
+                  </m:oMathPara>
+                </a14:m>
+                <a:endParaRPr lang="en-US" sz="1600" dirty="0">
+                  <a:solidFill>
+                    <a:schemeClr val="tx1"/>
+                  </a:solidFill>
+                  <a:latin typeface="Times New Roman" panose="02020603050405020304" pitchFamily="18" charset="0"/>
+                  <a:cs typeface="Times New Roman" panose="02020603050405020304" pitchFamily="18" charset="0"/>
+                </a:endParaRPr>
+              </a:p>
+            </p:txBody>
+          </p:sp>
+        </mc:Choice>
+        <mc:Fallback>
+          <p:sp>
+            <p:nvSpPr>
+              <p:cNvPr id="253" name="Rounded Rectangle 252">
+                <a:extLst>
+                  <a:ext uri="{FF2B5EF4-FFF2-40B4-BE49-F238E27FC236}">
+                    <a16:creationId xmlns:a16="http://schemas.microsoft.com/office/drawing/2014/main" id="{6F97E472-73CA-6343-9557-2262913CE6A8}"/>
+                  </a:ext>
+                </a:extLst>
+              </p:cNvPr>
+              <p:cNvSpPr>
+                <a:spLocks noRot="1" noChangeAspect="1" noMove="1" noResize="1" noEditPoints="1" noAdjustHandles="1" noChangeArrowheads="1" noChangeShapeType="1" noTextEdit="1"/>
+              </p:cNvSpPr>
+              <p:nvPr/>
+            </p:nvSpPr>
+            <p:spPr>
+              <a:xfrm rot="16200000">
+                <a:off x="8367674" y="3890829"/>
+                <a:ext cx="980463" cy="277160"/>
+              </a:xfrm>
+              <a:prstGeom prst="roundRect">
+                <a:avLst/>
+              </a:prstGeom>
+              <a:blipFill>
+                <a:blip r:embed="rId14"/>
+                <a:stretch>
+                  <a:fillRect r="-12000"/>
+                </a:stretch>
+              </a:blipFill>
+              <a:ln w="28575">
+                <a:solidFill>
+                  <a:schemeClr val="tx1"/>
+                </a:solidFill>
+              </a:ln>
+            </p:spPr>
+            <p:txBody>
+              <a:bodyPr/>
+              <a:lstStyle/>
+              <a:p>
+                <a:r>
+                  <a:rPr lang="en-US">
+                    <a:noFill/>
+                  </a:rPr>
+                  <a:t> </a:t>
+                </a:r>
+              </a:p>
+            </p:txBody>
+          </p:sp>
+        </mc:Fallback>
+      </mc:AlternateContent>
+      <mc:AlternateContent xmlns:mc="http://schemas.openxmlformats.org/markup-compatibility/2006">
+        <mc:Choice xmlns:a14="http://schemas.microsoft.com/office/drawing/2010/main" Requires="a14">
+          <p:sp>
+            <p:nvSpPr>
+              <p:cNvPr id="254" name="Rounded Rectangle 253">
+                <a:extLst>
+                  <a:ext uri="{FF2B5EF4-FFF2-40B4-BE49-F238E27FC236}">
+                    <a16:creationId xmlns:a16="http://schemas.microsoft.com/office/drawing/2014/main" id="{38A78DD3-8F2A-0D44-A1F2-F78BE86FD91E}"/>
+                  </a:ext>
+                </a:extLst>
+              </p:cNvPr>
+              <p:cNvSpPr/>
+              <p:nvPr/>
+            </p:nvSpPr>
+            <p:spPr>
+              <a:xfrm rot="16200000">
+                <a:off x="8828534" y="3890829"/>
+                <a:ext cx="980463" cy="277160"/>
+              </a:xfrm>
+              <a:prstGeom prst="roundRect">
+                <a:avLst/>
+              </a:prstGeom>
+              <a:noFill/>
+              <a:ln w="28575">
+                <a:solidFill>
+                  <a:schemeClr val="tx1"/>
+                </a:solidFill>
+              </a:ln>
+            </p:spPr>
+            <p:style>
+              <a:lnRef idx="1">
+                <a:schemeClr val="accent6"/>
+              </a:lnRef>
+              <a:fillRef idx="2">
+                <a:schemeClr val="accent6"/>
+              </a:fillRef>
+              <a:effectRef idx="1">
+                <a:schemeClr val="accent6"/>
+              </a:effectRef>
+              <a:fontRef idx="minor">
+                <a:schemeClr val="dk1"/>
+              </a:fontRef>
+            </p:style>
+            <p:txBody>
+              <a:bodyPr wrap="none" tIns="0" bIns="0" rtlCol="0" anchor="ctr"/>
+              <a:lstStyle/>
+              <a:p>
+                <a:pPr algn="ctr"/>
+                <a14:m>
+                  <m:oMathPara xmlns:m="http://schemas.openxmlformats.org/officeDocument/2006/math">
+                    <m:oMathParaPr>
+                      <m:jc m:val="centerGroup"/>
+                    </m:oMathParaPr>
+                    <m:oMath xmlns:m="http://schemas.openxmlformats.org/officeDocument/2006/math">
+                      <m:r>
+                        <m:rPr>
+                          <m:sty m:val="p"/>
+                        </m:rPr>
+                        <a:rPr lang="en-US" sz="1600" smtClean="0">
+                          <a:solidFill>
+                            <a:schemeClr val="tx1"/>
+                          </a:solidFill>
+                          <a:latin typeface="Cambria Math" panose="02040503050406030204" pitchFamily="18" charset="0"/>
+                          <a:cs typeface="Times New Roman" panose="02020603050405020304" pitchFamily="18" charset="0"/>
+                        </a:rPr>
+                        <m:t>C</m:t>
+                      </m:r>
+                      <m:r>
+                        <a:rPr lang="en-US" sz="1600" i="1">
+                          <a:solidFill>
+                            <a:schemeClr val="tx1"/>
+                          </a:solidFill>
+                          <a:latin typeface="Cambria Math" panose="02040503050406030204" pitchFamily="18" charset="0"/>
+                          <a:cs typeface="Times New Roman" panose="02020603050405020304" pitchFamily="18" charset="0"/>
+                        </a:rPr>
+                        <m:t>𝑜𝑛𝑣</m:t>
+                      </m:r>
+                      <m:r>
+                        <a:rPr lang="en-US" sz="1600" i="1">
+                          <a:solidFill>
+                            <a:schemeClr val="tx1"/>
+                          </a:solidFill>
+                          <a:latin typeface="Cambria Math" panose="02040503050406030204" pitchFamily="18" charset="0"/>
+                          <a:cs typeface="Times New Roman" panose="02020603050405020304" pitchFamily="18" charset="0"/>
+                        </a:rPr>
+                        <m:t> 1×1</m:t>
+                      </m:r>
+                    </m:oMath>
+                  </m:oMathPara>
+                </a14:m>
+                <a:endParaRPr lang="en-US" sz="1600" dirty="0">
+                  <a:solidFill>
+                    <a:schemeClr val="tx1"/>
+                  </a:solidFill>
+                  <a:latin typeface="Times New Roman" panose="02020603050405020304" pitchFamily="18" charset="0"/>
+                  <a:cs typeface="Times New Roman" panose="02020603050405020304" pitchFamily="18" charset="0"/>
+                </a:endParaRPr>
+              </a:p>
+            </p:txBody>
+          </p:sp>
+        </mc:Choice>
+        <mc:Fallback>
+          <p:sp>
+            <p:nvSpPr>
+              <p:cNvPr id="254" name="Rounded Rectangle 253">
+                <a:extLst>
+                  <a:ext uri="{FF2B5EF4-FFF2-40B4-BE49-F238E27FC236}">
+                    <a16:creationId xmlns:a16="http://schemas.microsoft.com/office/drawing/2014/main" id="{38A78DD3-8F2A-0D44-A1F2-F78BE86FD91E}"/>
+                  </a:ext>
+                </a:extLst>
+              </p:cNvPr>
+              <p:cNvSpPr>
+                <a:spLocks noRot="1" noChangeAspect="1" noMove="1" noResize="1" noEditPoints="1" noAdjustHandles="1" noChangeArrowheads="1" noChangeShapeType="1" noTextEdit="1"/>
+              </p:cNvSpPr>
+              <p:nvPr/>
+            </p:nvSpPr>
+            <p:spPr>
+              <a:xfrm rot="16200000">
+                <a:off x="8828534" y="3890829"/>
+                <a:ext cx="980463" cy="277160"/>
+              </a:xfrm>
+              <a:prstGeom prst="roundRect">
+                <a:avLst/>
+              </a:prstGeom>
+              <a:blipFill>
+                <a:blip r:embed="rId11"/>
+                <a:stretch>
+                  <a:fillRect r="-20000" b="-2469"/>
+                </a:stretch>
+              </a:blipFill>
+              <a:ln w="28575">
+                <a:solidFill>
+                  <a:schemeClr val="tx1"/>
+                </a:solidFill>
+              </a:ln>
+            </p:spPr>
+            <p:txBody>
+              <a:bodyPr/>
+              <a:lstStyle/>
+              <a:p>
+                <a:r>
+                  <a:rPr lang="en-US">
+                    <a:noFill/>
+                  </a:rPr>
+                  <a:t> </a:t>
+                </a:r>
+              </a:p>
+            </p:txBody>
+          </p:sp>
+        </mc:Fallback>
+      </mc:AlternateContent>
+      <mc:AlternateContent xmlns:mc="http://schemas.openxmlformats.org/markup-compatibility/2006">
+        <mc:Choice xmlns:a14="http://schemas.microsoft.com/office/drawing/2010/main" Requires="a14">
+          <p:sp>
+            <p:nvSpPr>
+              <p:cNvPr id="255" name="Rounded Rectangle 254">
+                <a:extLst>
+                  <a:ext uri="{FF2B5EF4-FFF2-40B4-BE49-F238E27FC236}">
+                    <a16:creationId xmlns:a16="http://schemas.microsoft.com/office/drawing/2014/main" id="{99C6F76E-0013-BE48-BB35-DE3E97E065A3}"/>
+                  </a:ext>
+                </a:extLst>
+              </p:cNvPr>
+              <p:cNvSpPr/>
+              <p:nvPr/>
+            </p:nvSpPr>
+            <p:spPr>
+              <a:xfrm rot="16200000">
+                <a:off x="9289394" y="3890829"/>
+                <a:ext cx="980463" cy="277160"/>
+              </a:xfrm>
+              <a:prstGeom prst="roundRect">
+                <a:avLst/>
+              </a:prstGeom>
+              <a:noFill/>
+              <a:ln w="28575">
+                <a:solidFill>
+                  <a:schemeClr val="tx1"/>
+                </a:solidFill>
+              </a:ln>
+            </p:spPr>
+            <p:style>
+              <a:lnRef idx="1">
+                <a:schemeClr val="accent6"/>
+              </a:lnRef>
+              <a:fillRef idx="2">
+                <a:schemeClr val="accent6"/>
+              </a:fillRef>
+              <a:effectRef idx="1">
+                <a:schemeClr val="accent6"/>
+              </a:effectRef>
+              <a:fontRef idx="minor">
+                <a:schemeClr val="dk1"/>
+              </a:fontRef>
+            </p:style>
+            <p:txBody>
+              <a:bodyPr wrap="none" tIns="0" bIns="0" rtlCol="0" anchor="ctr"/>
+              <a:lstStyle/>
+              <a:p>
+                <a:pPr algn="ctr"/>
+                <a14:m>
+                  <m:oMathPara xmlns:m="http://schemas.openxmlformats.org/officeDocument/2006/math">
+                    <m:oMathParaPr>
+                      <m:jc m:val="centerGroup"/>
+                    </m:oMathParaPr>
+                    <m:oMath xmlns:m="http://schemas.openxmlformats.org/officeDocument/2006/math">
+                      <m:r>
+                        <m:rPr>
+                          <m:sty m:val="p"/>
+                        </m:rPr>
+                        <a:rPr lang="en-US" sz="1600" i="0" smtClean="0">
+                          <a:solidFill>
+                            <a:schemeClr val="tx1"/>
+                          </a:solidFill>
+                          <a:latin typeface="Cambria Math" panose="02040503050406030204" pitchFamily="18" charset="0"/>
+                          <a:cs typeface="Times New Roman" panose="02020603050405020304" pitchFamily="18" charset="0"/>
+                        </a:rPr>
+                        <m:t>D</m:t>
+                      </m:r>
+                      <m:r>
+                        <m:rPr>
+                          <m:sty m:val="p"/>
+                        </m:rPr>
+                        <a:rPr lang="en-US" sz="1600" b="0" i="0" smtClean="0">
+                          <a:solidFill>
+                            <a:schemeClr val="tx1"/>
+                          </a:solidFill>
+                          <a:latin typeface="Cambria Math" panose="02040503050406030204" pitchFamily="18" charset="0"/>
+                          <a:cs typeface="Times New Roman" panose="02020603050405020304" pitchFamily="18" charset="0"/>
+                        </a:rPr>
+                        <m:t>ropout</m:t>
+                      </m:r>
+                    </m:oMath>
+                  </m:oMathPara>
+                </a14:m>
+                <a:endParaRPr lang="en-US" sz="1600" dirty="0">
+                  <a:solidFill>
+                    <a:schemeClr val="tx1"/>
+                  </a:solidFill>
+                  <a:latin typeface="Times New Roman" panose="02020603050405020304" pitchFamily="18" charset="0"/>
+                  <a:cs typeface="Times New Roman" panose="02020603050405020304" pitchFamily="18" charset="0"/>
+                </a:endParaRPr>
+              </a:p>
+            </p:txBody>
+          </p:sp>
+        </mc:Choice>
+        <mc:Fallback>
+          <p:sp>
+            <p:nvSpPr>
+              <p:cNvPr id="255" name="Rounded Rectangle 254">
+                <a:extLst>
+                  <a:ext uri="{FF2B5EF4-FFF2-40B4-BE49-F238E27FC236}">
+                    <a16:creationId xmlns:a16="http://schemas.microsoft.com/office/drawing/2014/main" id="{99C6F76E-0013-BE48-BB35-DE3E97E065A3}"/>
+                  </a:ext>
+                </a:extLst>
+              </p:cNvPr>
+              <p:cNvSpPr>
+                <a:spLocks noRot="1" noChangeAspect="1" noMove="1" noResize="1" noEditPoints="1" noAdjustHandles="1" noChangeArrowheads="1" noChangeShapeType="1" noTextEdit="1"/>
+              </p:cNvSpPr>
+              <p:nvPr/>
+            </p:nvSpPr>
+            <p:spPr>
+              <a:xfrm rot="16200000">
+                <a:off x="9289394" y="3890829"/>
+                <a:ext cx="980463" cy="277160"/>
+              </a:xfrm>
+              <a:prstGeom prst="roundRect">
+                <a:avLst/>
+              </a:prstGeom>
+              <a:blipFill>
+                <a:blip r:embed="rId15"/>
+                <a:stretch>
+                  <a:fillRect r="-8000"/>
+                </a:stretch>
+              </a:blipFill>
+              <a:ln w="28575">
+                <a:solidFill>
+                  <a:schemeClr val="tx1"/>
+                </a:solidFill>
+              </a:ln>
+            </p:spPr>
+            <p:txBody>
+              <a:bodyPr/>
+              <a:lstStyle/>
+              <a:p>
+                <a:r>
+                  <a:rPr lang="en-US">
+                    <a:noFill/>
+                  </a:rPr>
+                  <a:t> </a:t>
+                </a:r>
+              </a:p>
+            </p:txBody>
+          </p:sp>
+        </mc:Fallback>
+      </mc:AlternateContent>
+      <p:cxnSp>
+        <p:nvCxnSpPr>
+          <p:cNvPr id="256" name="Straight Connector 255">
+            <a:extLst>
+              <a:ext uri="{FF2B5EF4-FFF2-40B4-BE49-F238E27FC236}">
+                <a16:creationId xmlns:a16="http://schemas.microsoft.com/office/drawing/2014/main" id="{64861705-772D-AE44-9FDA-343136E7127C}"/>
+              </a:ext>
+            </a:extLst>
+          </p:cNvPr>
+          <p:cNvCxnSpPr>
+            <a:cxnSpLocks/>
+            <a:stCxn id="250" idx="0"/>
+          </p:cNvCxnSpPr>
+          <p:nvPr/>
+        </p:nvCxnSpPr>
+        <p:spPr>
+          <a:xfrm flipH="1">
+            <a:off x="6690837" y="4029409"/>
+            <a:ext cx="354453" cy="0"/>
+          </a:xfrm>
+          <a:prstGeom prst="line">
+            <a:avLst/>
+          </a:prstGeom>
+          <a:ln w="28575">
+            <a:solidFill>
+              <a:schemeClr val="tx1"/>
+            </a:solidFill>
+            <a:headEnd type="triangle"/>
+          </a:ln>
+        </p:spPr>
+        <p:style>
+          <a:lnRef idx="1">
+            <a:schemeClr val="accent1"/>
+          </a:lnRef>
+          <a:fillRef idx="0">
+            <a:schemeClr val="accent1"/>
+          </a:fillRef>
+          <a:effectRef idx="0">
+            <a:schemeClr val="accent1"/>
+          </a:effectRef>
+          <a:fontRef idx="minor">
+            <a:schemeClr val="tx1"/>
+          </a:fontRef>
+        </p:style>
+      </p:cxnSp>
+      <p:cxnSp>
+        <p:nvCxnSpPr>
+          <p:cNvPr id="260" name="Straight Connector 259">
+            <a:extLst>
+              <a:ext uri="{FF2B5EF4-FFF2-40B4-BE49-F238E27FC236}">
+                <a16:creationId xmlns:a16="http://schemas.microsoft.com/office/drawing/2014/main" id="{B40F6091-88CE-F845-9484-6F2E6EBCFF73}"/>
+              </a:ext>
+            </a:extLst>
+          </p:cNvPr>
+          <p:cNvCxnSpPr>
+            <a:cxnSpLocks/>
+            <a:stCxn id="250" idx="2"/>
+            <a:endCxn id="251" idx="0"/>
+          </p:cNvCxnSpPr>
+          <p:nvPr/>
+        </p:nvCxnSpPr>
+        <p:spPr>
+          <a:xfrm>
+            <a:off x="7322450" y="4029409"/>
+            <a:ext cx="167080" cy="0"/>
+          </a:xfrm>
+          <a:prstGeom prst="line">
+            <a:avLst/>
+          </a:prstGeom>
+          <a:ln w="31750">
+            <a:solidFill>
+              <a:schemeClr val="tx1"/>
+            </a:solidFill>
+          </a:ln>
+        </p:spPr>
+        <p:style>
+          <a:lnRef idx="1">
+            <a:schemeClr val="accent1"/>
+          </a:lnRef>
+          <a:fillRef idx="0">
+            <a:schemeClr val="accent1"/>
+          </a:fillRef>
+          <a:effectRef idx="0">
+            <a:schemeClr val="accent1"/>
+          </a:effectRef>
+          <a:fontRef idx="minor">
+            <a:schemeClr val="tx1"/>
+          </a:fontRef>
+        </p:style>
+      </p:cxnSp>
+      <p:cxnSp>
+        <p:nvCxnSpPr>
+          <p:cNvPr id="263" name="Straight Connector 262">
+            <a:extLst>
+              <a:ext uri="{FF2B5EF4-FFF2-40B4-BE49-F238E27FC236}">
+                <a16:creationId xmlns:a16="http://schemas.microsoft.com/office/drawing/2014/main" id="{4695D84C-576E-A648-BF38-70547CDD370F}"/>
+              </a:ext>
+            </a:extLst>
+          </p:cNvPr>
+          <p:cNvCxnSpPr>
+            <a:cxnSpLocks/>
+            <a:stCxn id="251" idx="2"/>
+            <a:endCxn id="252" idx="0"/>
+          </p:cNvCxnSpPr>
+          <p:nvPr/>
+        </p:nvCxnSpPr>
+        <p:spPr>
+          <a:xfrm>
+            <a:off x="8119732" y="4029409"/>
+            <a:ext cx="165189" cy="0"/>
+          </a:xfrm>
+          <a:prstGeom prst="line">
+            <a:avLst/>
+          </a:prstGeom>
+          <a:ln w="31750">
+            <a:solidFill>
+              <a:schemeClr val="tx1"/>
+            </a:solidFill>
+          </a:ln>
+        </p:spPr>
+        <p:style>
+          <a:lnRef idx="1">
+            <a:schemeClr val="accent1"/>
+          </a:lnRef>
+          <a:fillRef idx="0">
+            <a:schemeClr val="accent1"/>
+          </a:fillRef>
+          <a:effectRef idx="0">
+            <a:schemeClr val="accent1"/>
+          </a:effectRef>
+          <a:fontRef idx="minor">
+            <a:schemeClr val="tx1"/>
+          </a:fontRef>
+        </p:style>
+      </p:cxnSp>
+      <p:cxnSp>
+        <p:nvCxnSpPr>
+          <p:cNvPr id="266" name="Straight Connector 265">
+            <a:extLst>
+              <a:ext uri="{FF2B5EF4-FFF2-40B4-BE49-F238E27FC236}">
+                <a16:creationId xmlns:a16="http://schemas.microsoft.com/office/drawing/2014/main" id="{3EF0E901-70C3-5944-AF55-50E70AB57478}"/>
+              </a:ext>
+            </a:extLst>
+          </p:cNvPr>
+          <p:cNvCxnSpPr>
+            <a:cxnSpLocks/>
+            <a:stCxn id="252" idx="2"/>
+            <a:endCxn id="253" idx="0"/>
+          </p:cNvCxnSpPr>
+          <p:nvPr/>
+        </p:nvCxnSpPr>
+        <p:spPr>
+          <a:xfrm>
+            <a:off x="8562081" y="4029409"/>
+            <a:ext cx="157245" cy="0"/>
+          </a:xfrm>
+          <a:prstGeom prst="line">
+            <a:avLst/>
+          </a:prstGeom>
+          <a:ln w="31750">
+            <a:solidFill>
+              <a:schemeClr val="tx1"/>
+            </a:solidFill>
+          </a:ln>
+        </p:spPr>
+        <p:style>
+          <a:lnRef idx="1">
+            <a:schemeClr val="accent1"/>
+          </a:lnRef>
+          <a:fillRef idx="0">
+            <a:schemeClr val="accent1"/>
+          </a:fillRef>
+          <a:effectRef idx="0">
+            <a:schemeClr val="accent1"/>
+          </a:effectRef>
+          <a:fontRef idx="minor">
+            <a:schemeClr val="tx1"/>
+          </a:fontRef>
+        </p:style>
+      </p:cxnSp>
+      <p:cxnSp>
+        <p:nvCxnSpPr>
+          <p:cNvPr id="269" name="Straight Connector 268">
+            <a:extLst>
+              <a:ext uri="{FF2B5EF4-FFF2-40B4-BE49-F238E27FC236}">
+                <a16:creationId xmlns:a16="http://schemas.microsoft.com/office/drawing/2014/main" id="{B154DC85-A30A-334F-AD0C-34D4B199834F}"/>
+              </a:ext>
+            </a:extLst>
+          </p:cNvPr>
+          <p:cNvCxnSpPr>
+            <a:cxnSpLocks/>
+            <a:stCxn id="253" idx="2"/>
+            <a:endCxn id="254" idx="0"/>
+          </p:cNvCxnSpPr>
+          <p:nvPr/>
+        </p:nvCxnSpPr>
+        <p:spPr>
+          <a:xfrm>
+            <a:off x="8996486" y="4029409"/>
+            <a:ext cx="183700" cy="0"/>
+          </a:xfrm>
+          <a:prstGeom prst="line">
+            <a:avLst/>
+          </a:prstGeom>
+          <a:ln w="31750">
+            <a:solidFill>
+              <a:schemeClr val="tx1"/>
+            </a:solidFill>
+          </a:ln>
+        </p:spPr>
+        <p:style>
+          <a:lnRef idx="1">
+            <a:schemeClr val="accent1"/>
+          </a:lnRef>
+          <a:fillRef idx="0">
+            <a:schemeClr val="accent1"/>
+          </a:fillRef>
+          <a:effectRef idx="0">
+            <a:schemeClr val="accent1"/>
+          </a:effectRef>
+          <a:fontRef idx="minor">
+            <a:schemeClr val="tx1"/>
+          </a:fontRef>
+        </p:style>
+      </p:cxnSp>
+      <p:cxnSp>
+        <p:nvCxnSpPr>
+          <p:cNvPr id="272" name="Straight Connector 271">
+            <a:extLst>
+              <a:ext uri="{FF2B5EF4-FFF2-40B4-BE49-F238E27FC236}">
+                <a16:creationId xmlns:a16="http://schemas.microsoft.com/office/drawing/2014/main" id="{B0858013-0874-FA40-8711-BEE687AE206D}"/>
+              </a:ext>
+            </a:extLst>
+          </p:cNvPr>
+          <p:cNvCxnSpPr>
+            <a:cxnSpLocks/>
+            <a:stCxn id="254" idx="2"/>
+            <a:endCxn id="255" idx="0"/>
+          </p:cNvCxnSpPr>
+          <p:nvPr/>
+        </p:nvCxnSpPr>
+        <p:spPr>
+          <a:xfrm>
+            <a:off x="9457346" y="4029409"/>
+            <a:ext cx="183700" cy="0"/>
+          </a:xfrm>
+          <a:prstGeom prst="line">
+            <a:avLst/>
+          </a:prstGeom>
+          <a:ln w="31750">
+            <a:solidFill>
+              <a:schemeClr val="tx1"/>
+            </a:solidFill>
+          </a:ln>
+        </p:spPr>
+        <p:style>
+          <a:lnRef idx="1">
+            <a:schemeClr val="accent1"/>
+          </a:lnRef>
+          <a:fillRef idx="0">
+            <a:schemeClr val="accent1"/>
+          </a:fillRef>
+          <a:effectRef idx="0">
+            <a:schemeClr val="accent1"/>
+          </a:effectRef>
+          <a:fontRef idx="minor">
+            <a:schemeClr val="tx1"/>
+          </a:fontRef>
+        </p:style>
+      </p:cxnSp>
+      <p:cxnSp>
+        <p:nvCxnSpPr>
+          <p:cNvPr id="275" name="Straight Connector 274">
+            <a:extLst>
+              <a:ext uri="{FF2B5EF4-FFF2-40B4-BE49-F238E27FC236}">
+                <a16:creationId xmlns:a16="http://schemas.microsoft.com/office/drawing/2014/main" id="{3C8F65B6-BB5D-C74B-8D1C-37473A872DE4}"/>
+              </a:ext>
+            </a:extLst>
+          </p:cNvPr>
+          <p:cNvCxnSpPr>
+            <a:cxnSpLocks/>
+            <a:endCxn id="255" idx="2"/>
+          </p:cNvCxnSpPr>
+          <p:nvPr/>
+        </p:nvCxnSpPr>
+        <p:spPr>
+          <a:xfrm flipH="1">
+            <a:off x="9918206" y="4029409"/>
+            <a:ext cx="318834" cy="0"/>
+          </a:xfrm>
+          <a:prstGeom prst="line">
+            <a:avLst/>
+          </a:prstGeom>
+          <a:ln w="28575">
+            <a:solidFill>
+              <a:schemeClr val="tx1"/>
+            </a:solidFill>
+            <a:headEnd type="triangle"/>
+          </a:ln>
+        </p:spPr>
+        <p:style>
+          <a:lnRef idx="1">
+            <a:schemeClr val="accent1"/>
+          </a:lnRef>
+          <a:fillRef idx="0">
+            <a:schemeClr val="accent1"/>
+          </a:fillRef>
+          <a:effectRef idx="0">
+            <a:schemeClr val="accent1"/>
+          </a:effectRef>
+          <a:fontRef idx="minor">
+            <a:schemeClr val="tx1"/>
+          </a:fontRef>
+        </p:style>
+      </p:cxnSp>
+      <p:sp>
+        <p:nvSpPr>
+          <p:cNvPr id="279" name="Rounded Rectangle 278">
+            <a:extLst>
+              <a:ext uri="{FF2B5EF4-FFF2-40B4-BE49-F238E27FC236}">
+                <a16:creationId xmlns:a16="http://schemas.microsoft.com/office/drawing/2014/main" id="{2B08E87F-ABAC-D042-A78A-A861187D1D6F}"/>
+              </a:ext>
+            </a:extLst>
+          </p:cNvPr>
+          <p:cNvSpPr/>
+          <p:nvPr/>
+        </p:nvSpPr>
+        <p:spPr>
+          <a:xfrm>
+            <a:off x="6841419" y="3446910"/>
+            <a:ext cx="3167266" cy="1221471"/>
+          </a:xfrm>
+          <a:prstGeom prst="roundRect">
+            <a:avLst>
+              <a:gd name="adj" fmla="val 3785"/>
+            </a:avLst>
+          </a:prstGeom>
+          <a:noFill/>
+          <a:ln>
+            <a:solidFill>
+              <a:schemeClr val="bg2">
+                <a:lumMod val="75000"/>
+              </a:schemeClr>
+            </a:solidFill>
+            <a:prstDash val="dash"/>
+          </a:ln>
+        </p:spPr>
+        <p:style>
+          <a:lnRef idx="2">
+            <a:schemeClr val="accent1">
+              <a:shade val="50000"/>
+            </a:schemeClr>
+          </a:lnRef>
+          <a:fillRef idx="1">
+            <a:schemeClr val="accent1"/>
+          </a:fillRef>
+          <a:effectRef idx="0">
+            <a:schemeClr val="accent1"/>
+          </a:effectRef>
+          <a:fontRef idx="minor">
+            <a:schemeClr val="lt1"/>
+          </a:fontRef>
+        </p:style>
+        <p:txBody>
+          <a:bodyPr rtlCol="0" anchor="ctr"/>
+          <a:lstStyle/>
+          <a:p>
+            <a:pPr algn="ctr"/>
+            <a:endParaRPr lang="en-US"/>
+          </a:p>
+        </p:txBody>
+      </p:sp>
+      <p:sp>
+        <p:nvSpPr>
+          <p:cNvPr id="280" name="TextBox 279">
+            <a:extLst>
+              <a:ext uri="{FF2B5EF4-FFF2-40B4-BE49-F238E27FC236}">
+                <a16:creationId xmlns:a16="http://schemas.microsoft.com/office/drawing/2014/main" id="{1616E311-98FB-DF47-AE25-4ACF37C2E1D7}"/>
+              </a:ext>
+            </a:extLst>
+          </p:cNvPr>
+          <p:cNvSpPr txBox="1"/>
+          <p:nvPr/>
+        </p:nvSpPr>
+        <p:spPr>
+          <a:xfrm>
+            <a:off x="7347186" y="4754880"/>
+            <a:ext cx="2540119" cy="369332"/>
+          </a:xfrm>
+          <a:prstGeom prst="rect">
+            <a:avLst/>
+          </a:prstGeom>
+          <a:noFill/>
+        </p:spPr>
+        <p:txBody>
+          <a:bodyPr wrap="none" rtlCol="0">
+            <a:spAutoFit/>
+          </a:bodyPr>
+          <a:lstStyle/>
+          <a:p>
+            <a:r>
+              <a:rPr lang="en-US" dirty="0">
+                <a:latin typeface="Times New Roman" panose="02020603050405020304" pitchFamily="18" charset="0"/>
+                <a:cs typeface="Times New Roman" panose="02020603050405020304" pitchFamily="18" charset="0"/>
+              </a:rPr>
+              <a:t>(d) FCVT Channel-mixer</a:t>
+            </a:r>
+          </a:p>
+        </p:txBody>
+      </p:sp>
+      <p:grpSp>
+        <p:nvGrpSpPr>
+          <p:cNvPr id="303" name="Group 302">
+            <a:extLst>
+              <a:ext uri="{FF2B5EF4-FFF2-40B4-BE49-F238E27FC236}">
+                <a16:creationId xmlns:a16="http://schemas.microsoft.com/office/drawing/2014/main" id="{FB46B0BC-1072-9044-AC62-EC22A2D36479}"/>
+              </a:ext>
+            </a:extLst>
+          </p:cNvPr>
+          <p:cNvGrpSpPr/>
+          <p:nvPr/>
+        </p:nvGrpSpPr>
+        <p:grpSpPr>
+          <a:xfrm>
+            <a:off x="5263978" y="2134412"/>
+            <a:ext cx="404278" cy="369332"/>
+            <a:chOff x="6112658" y="3530223"/>
+            <a:chExt cx="404278" cy="369332"/>
+          </a:xfrm>
+        </p:grpSpPr>
+        <p:sp>
+          <p:nvSpPr>
+            <p:cNvPr id="294" name="Connector 293">
+              <a:extLst>
+                <a:ext uri="{FF2B5EF4-FFF2-40B4-BE49-F238E27FC236}">
+                  <a16:creationId xmlns:a16="http://schemas.microsoft.com/office/drawing/2014/main" id="{A11171AB-32B3-DA42-8D2E-01774B06A972}"/>
+                </a:ext>
+              </a:extLst>
+            </p:cNvPr>
+            <p:cNvSpPr/>
+            <p:nvPr/>
+          </p:nvSpPr>
+          <p:spPr>
+            <a:xfrm>
+              <a:off x="6168759" y="3568851"/>
+              <a:ext cx="274320" cy="274320"/>
+            </a:xfrm>
+            <a:prstGeom prst="flowChartConnector">
+              <a:avLst/>
+            </a:prstGeom>
+            <a:noFill/>
+            <a:ln w="25400">
+              <a:solidFill>
+                <a:schemeClr val="tx1"/>
+              </a:solidFill>
+            </a:ln>
+          </p:spPr>
+          <p:style>
+            <a:lnRef idx="2">
+              <a:schemeClr val="accent1">
+                <a:shade val="50000"/>
+              </a:schemeClr>
+            </a:lnRef>
+            <a:fillRef idx="1">
+              <a:schemeClr val="accent1"/>
+            </a:fillRef>
+            <a:effectRef idx="0">
+              <a:schemeClr val="accent1"/>
+            </a:effectRef>
+            <a:fontRef idx="minor">
+              <a:schemeClr val="lt1"/>
+            </a:fontRef>
+          </p:style>
+          <p:txBody>
+            <a:bodyPr rtlCol="0" anchor="ctr"/>
+            <a:lstStyle/>
+            <a:p>
+              <a:pPr algn="ctr"/>
+              <a:endParaRPr lang="en-US"/>
+            </a:p>
+          </p:txBody>
+        </p:sp>
+        <mc:AlternateContent xmlns:mc="http://schemas.openxmlformats.org/markup-compatibility/2006">
+          <mc:Choice xmlns:a14="http://schemas.microsoft.com/office/drawing/2010/main" Requires="a14">
+            <p:sp>
+              <p:nvSpPr>
+                <p:cNvPr id="298" name="TextBox 297">
+                  <a:extLst>
+                    <a:ext uri="{FF2B5EF4-FFF2-40B4-BE49-F238E27FC236}">
+                      <a16:creationId xmlns:a16="http://schemas.microsoft.com/office/drawing/2014/main" id="{FFE3914D-F832-1A42-B446-D405F0A0F41A}"/>
+                    </a:ext>
+                  </a:extLst>
+                </p:cNvPr>
+                <p:cNvSpPr txBox="1"/>
+                <p:nvPr/>
+              </p:nvSpPr>
+              <p:spPr>
+                <a:xfrm>
+                  <a:off x="6112658" y="3530223"/>
+                  <a:ext cx="404278" cy="369332"/>
+                </a:xfrm>
+                <a:prstGeom prst="rect">
+                  <a:avLst/>
+                </a:prstGeom>
+                <a:noFill/>
+              </p:spPr>
+              <p:txBody>
+                <a:bodyPr wrap="none" rtlCol="0">
+                  <a:spAutoFit/>
+                </a:bodyPr>
+                <a:lstStyle/>
+                <a:p>
+                  <a14:m>
+                    <m:oMathPara xmlns:m="http://schemas.openxmlformats.org/officeDocument/2006/math">
+                      <m:oMathParaPr>
+                        <m:jc m:val="centerGroup"/>
+                      </m:oMathParaPr>
+                      <m:oMath xmlns:m="http://schemas.openxmlformats.org/officeDocument/2006/math">
+                        <m:r>
+                          <a:rPr lang="en-US" i="1" smtClean="0">
+                            <a:latin typeface="Cambria Math" panose="02040503050406030204" pitchFamily="18" charset="0"/>
+                            <a:ea typeface="Cambria Math" panose="02040503050406030204" pitchFamily="18" charset="0"/>
+                          </a:rPr>
+                          <m:t>ℕ</m:t>
+                        </m:r>
+                      </m:oMath>
+                    </m:oMathPara>
+                  </a14:m>
+                  <a:endParaRPr lang="en-US" dirty="0"/>
+                </a:p>
+              </p:txBody>
+            </p:sp>
+          </mc:Choice>
+          <mc:Fallback>
+            <p:sp>
+              <p:nvSpPr>
+                <p:cNvPr id="298" name="TextBox 297">
+                  <a:extLst>
+                    <a:ext uri="{FF2B5EF4-FFF2-40B4-BE49-F238E27FC236}">
+                      <a16:creationId xmlns:a16="http://schemas.microsoft.com/office/drawing/2014/main" id="{FFE3914D-F832-1A42-B446-D405F0A0F41A}"/>
+                    </a:ext>
+                  </a:extLst>
+                </p:cNvPr>
+                <p:cNvSpPr txBox="1">
+                  <a:spLocks noRot="1" noChangeAspect="1" noMove="1" noResize="1" noEditPoints="1" noAdjustHandles="1" noChangeArrowheads="1" noChangeShapeType="1" noTextEdit="1"/>
+                </p:cNvSpPr>
+                <p:nvPr/>
+              </p:nvSpPr>
+              <p:spPr>
+                <a:xfrm>
+                  <a:off x="6112658" y="3530223"/>
+                  <a:ext cx="404278" cy="369332"/>
+                </a:xfrm>
+                <a:prstGeom prst="rect">
+                  <a:avLst/>
+                </a:prstGeom>
+                <a:blipFill>
+                  <a:blip r:embed="rId16"/>
+                  <a:stretch>
+                    <a:fillRect/>
+                  </a:stretch>
+                </a:blipFill>
+              </p:spPr>
+              <p:txBody>
+                <a:bodyPr/>
+                <a:lstStyle/>
+                <a:p>
+                  <a:r>
+                    <a:rPr lang="en-US">
+                      <a:noFill/>
+                    </a:rPr>
+                    <a:t> </a:t>
+                  </a:r>
+                </a:p>
+              </p:txBody>
+            </p:sp>
+          </mc:Fallback>
+        </mc:AlternateContent>
+      </p:grpSp>
+      <p:sp>
+        <p:nvSpPr>
+          <p:cNvPr id="306" name="TextBox 305">
+            <a:extLst>
+              <a:ext uri="{FF2B5EF4-FFF2-40B4-BE49-F238E27FC236}">
+                <a16:creationId xmlns:a16="http://schemas.microsoft.com/office/drawing/2014/main" id="{EEA43B2C-A381-6C4D-81C3-102824464CB4}"/>
+              </a:ext>
+            </a:extLst>
+          </p:cNvPr>
+          <p:cNvSpPr txBox="1"/>
+          <p:nvPr/>
+        </p:nvSpPr>
+        <p:spPr>
+          <a:xfrm rot="16200000">
+            <a:off x="5203542" y="2142886"/>
+            <a:ext cx="902811" cy="307777"/>
+          </a:xfrm>
+          <a:prstGeom prst="rect">
+            <a:avLst/>
+          </a:prstGeom>
+          <a:noFill/>
+        </p:spPr>
+        <p:txBody>
+          <a:bodyPr wrap="none" rtlCol="0">
+            <a:spAutoFit/>
+          </a:bodyPr>
+          <a:lstStyle/>
+          <a:p>
+            <a:r>
+              <a:rPr lang="en-US" sz="1400" dirty="0">
+                <a:latin typeface="Times New Roman" panose="02020603050405020304" pitchFamily="18" charset="0"/>
+                <a:cs typeface="Times New Roman" panose="02020603050405020304" pitchFamily="18" charset="0"/>
+              </a:rPr>
+              <a:t>normalize</a:t>
+            </a:r>
+          </a:p>
+        </p:txBody>
+      </p:sp>
+      <p:sp>
+        <p:nvSpPr>
+          <p:cNvPr id="309" name="TextBox 308">
+            <a:extLst>
+              <a:ext uri="{FF2B5EF4-FFF2-40B4-BE49-F238E27FC236}">
+                <a16:creationId xmlns:a16="http://schemas.microsoft.com/office/drawing/2014/main" id="{1749C768-C237-7043-B1DF-4AE6E9D3344D}"/>
+              </a:ext>
+            </a:extLst>
+          </p:cNvPr>
+          <p:cNvSpPr txBox="1"/>
+          <p:nvPr/>
+        </p:nvSpPr>
+        <p:spPr>
+          <a:xfrm>
+            <a:off x="5118959" y="1450713"/>
+            <a:ext cx="1046072" cy="307777"/>
+          </a:xfrm>
+          <a:prstGeom prst="rect">
+            <a:avLst/>
+          </a:prstGeom>
+          <a:noFill/>
+        </p:spPr>
+        <p:txBody>
+          <a:bodyPr wrap="square">
+            <a:spAutoFit/>
+          </a:bodyPr>
+          <a:lstStyle/>
+          <a:p>
+            <a:r>
+              <a:rPr lang="en-US" sz="1400" b="1" dirty="0">
+                <a:latin typeface="Times New Roman" panose="02020603050405020304" pitchFamily="18" charset="0"/>
+                <a:cs typeface="Times New Roman" panose="02020603050405020304" pitchFamily="18" charset="0"/>
+              </a:rPr>
+              <a:t>Context</a:t>
+            </a:r>
+            <a:endParaRPr lang="en-US" sz="1400" dirty="0"/>
           </a:p>
         </p:txBody>
       </p:sp>
@@ -3726,6 +9642,2018 @@
     <p:extLst>
       <p:ext uri="{BB962C8B-B14F-4D97-AF65-F5344CB8AC3E}">
         <p14:creationId xmlns:p14="http://schemas.microsoft.com/office/powerpoint/2010/main" val="1286665593"/>
+      </p:ext>
+    </p:extLst>
+  </p:cSld>
+  <p:clrMapOvr>
+    <a:masterClrMapping/>
+  </p:clrMapOvr>
+</p:sld>
+</file>
+
+<file path=ppt/slides/slide2.xml><?xml version="1.0" encoding="utf-8"?>
+<p:sld xmlns:a="http://schemas.openxmlformats.org/drawingml/2006/main" xmlns:r="http://schemas.openxmlformats.org/officeDocument/2006/relationships" xmlns:p="http://schemas.openxmlformats.org/presentationml/2006/main">
+  <p:cSld>
+    <p:spTree>
+      <p:nvGrpSpPr>
+        <p:cNvPr id="1" name=""/>
+        <p:cNvGrpSpPr/>
+        <p:nvPr/>
+      </p:nvGrpSpPr>
+      <p:grpSpPr>
+        <a:xfrm>
+          <a:off x="0" y="0"/>
+          <a:ext cx="0" cy="0"/>
+          <a:chOff x="0" y="0"/>
+          <a:chExt cx="0" cy="0"/>
+        </a:xfrm>
+      </p:grpSpPr>
+      <p:pic>
+        <p:nvPicPr>
+          <p:cNvPr id="5" name="Picture 4" descr="A group of dogs on a snowy mountain&#10;&#10;Description automatically generated with low confidence">
+            <a:extLst>
+              <a:ext uri="{FF2B5EF4-FFF2-40B4-BE49-F238E27FC236}">
+                <a16:creationId xmlns:a16="http://schemas.microsoft.com/office/drawing/2014/main" id="{E19122BE-FEB8-DC4F-AF9C-646735C787AB}"/>
+              </a:ext>
+            </a:extLst>
+          </p:cNvPr>
+          <p:cNvPicPr>
+            <a:picLocks/>
+          </p:cNvPicPr>
+          <p:nvPr/>
+        </p:nvPicPr>
+        <p:blipFill>
+          <a:blip r:embed="rId2"/>
+          <a:stretch>
+            <a:fillRect/>
+          </a:stretch>
+        </p:blipFill>
+        <p:spPr>
+          <a:xfrm>
+            <a:off x="0" y="0"/>
+            <a:ext cx="3657600" cy="3657600"/>
+          </a:xfrm>
+          <a:prstGeom prst="rect">
+            <a:avLst/>
+          </a:prstGeom>
+        </p:spPr>
+      </p:pic>
+      <p:cxnSp>
+        <p:nvCxnSpPr>
+          <p:cNvPr id="7" name="Straight Connector 6">
+            <a:extLst>
+              <a:ext uri="{FF2B5EF4-FFF2-40B4-BE49-F238E27FC236}">
+                <a16:creationId xmlns:a16="http://schemas.microsoft.com/office/drawing/2014/main" id="{C9526422-C812-5E4D-BCAE-35424CD43652}"/>
+              </a:ext>
+            </a:extLst>
+          </p:cNvPr>
+          <p:cNvCxnSpPr>
+            <a:cxnSpLocks/>
+          </p:cNvCxnSpPr>
+          <p:nvPr/>
+        </p:nvCxnSpPr>
+        <p:spPr>
+          <a:xfrm>
+            <a:off x="0" y="884420"/>
+            <a:ext cx="3657600" cy="0"/>
+          </a:xfrm>
+          <a:prstGeom prst="line">
+            <a:avLst/>
+          </a:prstGeom>
+          <a:ln w="127000">
+            <a:solidFill>
+              <a:schemeClr val="bg1"/>
+            </a:solidFill>
+          </a:ln>
+        </p:spPr>
+        <p:style>
+          <a:lnRef idx="1">
+            <a:schemeClr val="accent1"/>
+          </a:lnRef>
+          <a:fillRef idx="0">
+            <a:schemeClr val="accent1"/>
+          </a:fillRef>
+          <a:effectRef idx="0">
+            <a:schemeClr val="accent1"/>
+          </a:effectRef>
+          <a:fontRef idx="minor">
+            <a:schemeClr val="tx1"/>
+          </a:fontRef>
+        </p:style>
+      </p:cxnSp>
+      <p:cxnSp>
+        <p:nvCxnSpPr>
+          <p:cNvPr id="9" name="Straight Connector 8">
+            <a:extLst>
+              <a:ext uri="{FF2B5EF4-FFF2-40B4-BE49-F238E27FC236}">
+                <a16:creationId xmlns:a16="http://schemas.microsoft.com/office/drawing/2014/main" id="{710FC189-FC53-224D-A407-3DF4B86688DC}"/>
+              </a:ext>
+            </a:extLst>
+          </p:cNvPr>
+          <p:cNvCxnSpPr>
+            <a:cxnSpLocks/>
+          </p:cNvCxnSpPr>
+          <p:nvPr/>
+        </p:nvCxnSpPr>
+        <p:spPr>
+          <a:xfrm>
+            <a:off x="0" y="1798820"/>
+            <a:ext cx="3657600" cy="0"/>
+          </a:xfrm>
+          <a:prstGeom prst="line">
+            <a:avLst/>
+          </a:prstGeom>
+          <a:ln w="127000">
+            <a:solidFill>
+              <a:schemeClr val="bg1"/>
+            </a:solidFill>
+          </a:ln>
+        </p:spPr>
+        <p:style>
+          <a:lnRef idx="1">
+            <a:schemeClr val="accent1"/>
+          </a:lnRef>
+          <a:fillRef idx="0">
+            <a:schemeClr val="accent1"/>
+          </a:fillRef>
+          <a:effectRef idx="0">
+            <a:schemeClr val="accent1"/>
+          </a:effectRef>
+          <a:fontRef idx="minor">
+            <a:schemeClr val="tx1"/>
+          </a:fontRef>
+        </p:style>
+      </p:cxnSp>
+      <p:cxnSp>
+        <p:nvCxnSpPr>
+          <p:cNvPr id="10" name="Straight Connector 9">
+            <a:extLst>
+              <a:ext uri="{FF2B5EF4-FFF2-40B4-BE49-F238E27FC236}">
+                <a16:creationId xmlns:a16="http://schemas.microsoft.com/office/drawing/2014/main" id="{C08AD067-7AB2-A847-B1F8-C71ACD4B7979}"/>
+              </a:ext>
+            </a:extLst>
+          </p:cNvPr>
+          <p:cNvCxnSpPr>
+            <a:cxnSpLocks/>
+          </p:cNvCxnSpPr>
+          <p:nvPr/>
+        </p:nvCxnSpPr>
+        <p:spPr>
+          <a:xfrm>
+            <a:off x="0" y="2713220"/>
+            <a:ext cx="3657600" cy="0"/>
+          </a:xfrm>
+          <a:prstGeom prst="line">
+            <a:avLst/>
+          </a:prstGeom>
+          <a:ln w="127000">
+            <a:solidFill>
+              <a:schemeClr val="bg1"/>
+            </a:solidFill>
+          </a:ln>
+        </p:spPr>
+        <p:style>
+          <a:lnRef idx="1">
+            <a:schemeClr val="accent1"/>
+          </a:lnRef>
+          <a:fillRef idx="0">
+            <a:schemeClr val="accent1"/>
+          </a:fillRef>
+          <a:effectRef idx="0">
+            <a:schemeClr val="accent1"/>
+          </a:effectRef>
+          <a:fontRef idx="minor">
+            <a:schemeClr val="tx1"/>
+          </a:fontRef>
+        </p:style>
+      </p:cxnSp>
+      <p:cxnSp>
+        <p:nvCxnSpPr>
+          <p:cNvPr id="20" name="Straight Connector 19">
+            <a:extLst>
+              <a:ext uri="{FF2B5EF4-FFF2-40B4-BE49-F238E27FC236}">
+                <a16:creationId xmlns:a16="http://schemas.microsoft.com/office/drawing/2014/main" id="{D6F0FF28-1648-4449-BF8A-7DC9414D966B}"/>
+              </a:ext>
+            </a:extLst>
+          </p:cNvPr>
+          <p:cNvCxnSpPr>
+            <a:cxnSpLocks/>
+          </p:cNvCxnSpPr>
+          <p:nvPr/>
+        </p:nvCxnSpPr>
+        <p:spPr>
+          <a:xfrm>
+            <a:off x="914400" y="-29980"/>
+            <a:ext cx="0" cy="3927423"/>
+          </a:xfrm>
+          <a:prstGeom prst="line">
+            <a:avLst/>
+          </a:prstGeom>
+          <a:ln w="127000">
+            <a:solidFill>
+              <a:schemeClr val="bg1"/>
+            </a:solidFill>
+          </a:ln>
+        </p:spPr>
+        <p:style>
+          <a:lnRef idx="1">
+            <a:schemeClr val="accent1"/>
+          </a:lnRef>
+          <a:fillRef idx="0">
+            <a:schemeClr val="accent1"/>
+          </a:fillRef>
+          <a:effectRef idx="0">
+            <a:schemeClr val="accent1"/>
+          </a:effectRef>
+          <a:fontRef idx="minor">
+            <a:schemeClr val="tx1"/>
+          </a:fontRef>
+        </p:style>
+      </p:cxnSp>
+      <p:cxnSp>
+        <p:nvCxnSpPr>
+          <p:cNvPr id="23" name="Straight Connector 22">
+            <a:extLst>
+              <a:ext uri="{FF2B5EF4-FFF2-40B4-BE49-F238E27FC236}">
+                <a16:creationId xmlns:a16="http://schemas.microsoft.com/office/drawing/2014/main" id="{E792FBEB-365F-0A4E-A812-8C5EB3629A0C}"/>
+              </a:ext>
+            </a:extLst>
+          </p:cNvPr>
+          <p:cNvCxnSpPr>
+            <a:cxnSpLocks/>
+          </p:cNvCxnSpPr>
+          <p:nvPr/>
+        </p:nvCxnSpPr>
+        <p:spPr>
+          <a:xfrm>
+            <a:off x="1828800" y="-29980"/>
+            <a:ext cx="0" cy="3897443"/>
+          </a:xfrm>
+          <a:prstGeom prst="line">
+            <a:avLst/>
+          </a:prstGeom>
+          <a:ln w="127000">
+            <a:solidFill>
+              <a:schemeClr val="bg1"/>
+            </a:solidFill>
+          </a:ln>
+        </p:spPr>
+        <p:style>
+          <a:lnRef idx="1">
+            <a:schemeClr val="accent1"/>
+          </a:lnRef>
+          <a:fillRef idx="0">
+            <a:schemeClr val="accent1"/>
+          </a:fillRef>
+          <a:effectRef idx="0">
+            <a:schemeClr val="accent1"/>
+          </a:effectRef>
+          <a:fontRef idx="minor">
+            <a:schemeClr val="tx1"/>
+          </a:fontRef>
+        </p:style>
+      </p:cxnSp>
+      <p:cxnSp>
+        <p:nvCxnSpPr>
+          <p:cNvPr id="24" name="Straight Connector 23">
+            <a:extLst>
+              <a:ext uri="{FF2B5EF4-FFF2-40B4-BE49-F238E27FC236}">
+                <a16:creationId xmlns:a16="http://schemas.microsoft.com/office/drawing/2014/main" id="{28AEACB2-E9BD-E442-9716-3DD3D3D20A04}"/>
+              </a:ext>
+            </a:extLst>
+          </p:cNvPr>
+          <p:cNvCxnSpPr>
+            <a:cxnSpLocks/>
+          </p:cNvCxnSpPr>
+          <p:nvPr/>
+        </p:nvCxnSpPr>
+        <p:spPr>
+          <a:xfrm>
+            <a:off x="2743200" y="-29980"/>
+            <a:ext cx="0" cy="3897443"/>
+          </a:xfrm>
+          <a:prstGeom prst="line">
+            <a:avLst/>
+          </a:prstGeom>
+          <a:ln w="127000">
+            <a:solidFill>
+              <a:schemeClr val="bg1"/>
+            </a:solidFill>
+          </a:ln>
+        </p:spPr>
+        <p:style>
+          <a:lnRef idx="1">
+            <a:schemeClr val="accent1"/>
+          </a:lnRef>
+          <a:fillRef idx="0">
+            <a:schemeClr val="accent1"/>
+          </a:fillRef>
+          <a:effectRef idx="0">
+            <a:schemeClr val="accent1"/>
+          </a:effectRef>
+          <a:fontRef idx="minor">
+            <a:schemeClr val="tx1"/>
+          </a:fontRef>
+        </p:style>
+      </p:cxnSp>
+      <p:sp>
+        <p:nvSpPr>
+          <p:cNvPr id="37" name="Rectangle 36">
+            <a:extLst>
+              <a:ext uri="{FF2B5EF4-FFF2-40B4-BE49-F238E27FC236}">
+                <a16:creationId xmlns:a16="http://schemas.microsoft.com/office/drawing/2014/main" id="{87F46AA3-B8AF-3848-81B0-C6BFCFD35957}"/>
+              </a:ext>
+            </a:extLst>
+          </p:cNvPr>
+          <p:cNvSpPr/>
+          <p:nvPr/>
+        </p:nvSpPr>
+        <p:spPr>
+          <a:xfrm>
+            <a:off x="4339525" y="29980"/>
+            <a:ext cx="840059" cy="810322"/>
+          </a:xfrm>
+          <a:prstGeom prst="rect">
+            <a:avLst/>
+          </a:prstGeom>
+          <a:solidFill>
+            <a:srgbClr val="D5F6C7"/>
+          </a:solidFill>
+          <a:ln>
+            <a:noFill/>
+          </a:ln>
+        </p:spPr>
+        <p:style>
+          <a:lnRef idx="2">
+            <a:schemeClr val="accent1">
+              <a:shade val="50000"/>
+            </a:schemeClr>
+          </a:lnRef>
+          <a:fillRef idx="1">
+            <a:schemeClr val="accent1"/>
+          </a:fillRef>
+          <a:effectRef idx="0">
+            <a:schemeClr val="accent1"/>
+          </a:effectRef>
+          <a:fontRef idx="minor">
+            <a:schemeClr val="lt1"/>
+          </a:fontRef>
+        </p:style>
+        <p:txBody>
+          <a:bodyPr rtlCol="0" anchor="ctr"/>
+          <a:lstStyle/>
+          <a:p>
+            <a:pPr algn="ctr"/>
+            <a:endParaRPr lang="en-US"/>
+          </a:p>
+        </p:txBody>
+      </p:sp>
+      <p:sp>
+        <p:nvSpPr>
+          <p:cNvPr id="38" name="Rectangle 37">
+            <a:extLst>
+              <a:ext uri="{FF2B5EF4-FFF2-40B4-BE49-F238E27FC236}">
+                <a16:creationId xmlns:a16="http://schemas.microsoft.com/office/drawing/2014/main" id="{00317279-6E99-F649-B897-596ED4B2BD24}"/>
+              </a:ext>
+            </a:extLst>
+          </p:cNvPr>
+          <p:cNvSpPr/>
+          <p:nvPr/>
+        </p:nvSpPr>
+        <p:spPr>
+          <a:xfrm>
+            <a:off x="5328267" y="29980"/>
+            <a:ext cx="765716" cy="810313"/>
+          </a:xfrm>
+          <a:prstGeom prst="rect">
+            <a:avLst/>
+          </a:prstGeom>
+          <a:solidFill>
+            <a:srgbClr val="ADC8A2"/>
+          </a:solidFill>
+          <a:ln>
+            <a:noFill/>
+          </a:ln>
+        </p:spPr>
+        <p:style>
+          <a:lnRef idx="2">
+            <a:schemeClr val="accent1">
+              <a:shade val="50000"/>
+            </a:schemeClr>
+          </a:lnRef>
+          <a:fillRef idx="1">
+            <a:schemeClr val="accent1"/>
+          </a:fillRef>
+          <a:effectRef idx="0">
+            <a:schemeClr val="accent1"/>
+          </a:effectRef>
+          <a:fontRef idx="minor">
+            <a:schemeClr val="lt1"/>
+          </a:fontRef>
+        </p:style>
+        <p:txBody>
+          <a:bodyPr rtlCol="0" anchor="ctr"/>
+          <a:lstStyle/>
+          <a:p>
+            <a:pPr algn="ctr"/>
+            <a:endParaRPr lang="en-US"/>
+          </a:p>
+        </p:txBody>
+      </p:sp>
+      <p:sp>
+        <p:nvSpPr>
+          <p:cNvPr id="39" name="Rectangle 38">
+            <a:extLst>
+              <a:ext uri="{FF2B5EF4-FFF2-40B4-BE49-F238E27FC236}">
+                <a16:creationId xmlns:a16="http://schemas.microsoft.com/office/drawing/2014/main" id="{36BC5A50-66E6-8147-ACDA-F2BC2A5E9A7D}"/>
+              </a:ext>
+            </a:extLst>
+          </p:cNvPr>
+          <p:cNvSpPr/>
+          <p:nvPr/>
+        </p:nvSpPr>
+        <p:spPr>
+          <a:xfrm>
+            <a:off x="6242666" y="29980"/>
+            <a:ext cx="765716" cy="810313"/>
+          </a:xfrm>
+          <a:prstGeom prst="rect">
+            <a:avLst/>
+          </a:prstGeom>
+          <a:solidFill>
+            <a:srgbClr val="79BC4E"/>
+          </a:solidFill>
+          <a:ln>
+            <a:noFill/>
+          </a:ln>
+        </p:spPr>
+        <p:style>
+          <a:lnRef idx="2">
+            <a:schemeClr val="accent1">
+              <a:shade val="50000"/>
+            </a:schemeClr>
+          </a:lnRef>
+          <a:fillRef idx="1">
+            <a:schemeClr val="accent1"/>
+          </a:fillRef>
+          <a:effectRef idx="0">
+            <a:schemeClr val="accent1"/>
+          </a:effectRef>
+          <a:fontRef idx="minor">
+            <a:schemeClr val="lt1"/>
+          </a:fontRef>
+        </p:style>
+        <p:txBody>
+          <a:bodyPr rtlCol="0" anchor="ctr"/>
+          <a:lstStyle/>
+          <a:p>
+            <a:pPr algn="ctr"/>
+            <a:endParaRPr lang="en-US"/>
+          </a:p>
+        </p:txBody>
+      </p:sp>
+      <p:sp>
+        <p:nvSpPr>
+          <p:cNvPr id="40" name="Rectangle 39">
+            <a:extLst>
+              <a:ext uri="{FF2B5EF4-FFF2-40B4-BE49-F238E27FC236}">
+                <a16:creationId xmlns:a16="http://schemas.microsoft.com/office/drawing/2014/main" id="{B101CF31-2C1D-E442-A634-109DC30D119B}"/>
+              </a:ext>
+            </a:extLst>
+          </p:cNvPr>
+          <p:cNvSpPr/>
+          <p:nvPr/>
+        </p:nvSpPr>
+        <p:spPr>
+          <a:xfrm>
+            <a:off x="7157064" y="29980"/>
+            <a:ext cx="840057" cy="810313"/>
+          </a:xfrm>
+          <a:prstGeom prst="rect">
+            <a:avLst/>
+          </a:prstGeom>
+          <a:solidFill>
+            <a:schemeClr val="accent6">
+              <a:lumMod val="40000"/>
+              <a:lumOff val="60000"/>
+            </a:schemeClr>
+          </a:solidFill>
+          <a:ln>
+            <a:noFill/>
+          </a:ln>
+        </p:spPr>
+        <p:style>
+          <a:lnRef idx="2">
+            <a:schemeClr val="accent1">
+              <a:shade val="50000"/>
+            </a:schemeClr>
+          </a:lnRef>
+          <a:fillRef idx="1">
+            <a:schemeClr val="accent1"/>
+          </a:fillRef>
+          <a:effectRef idx="0">
+            <a:schemeClr val="accent1"/>
+          </a:effectRef>
+          <a:fontRef idx="minor">
+            <a:schemeClr val="lt1"/>
+          </a:fontRef>
+        </p:style>
+        <p:txBody>
+          <a:bodyPr rtlCol="0" anchor="ctr"/>
+          <a:lstStyle/>
+          <a:p>
+            <a:pPr algn="ctr"/>
+            <a:endParaRPr lang="en-US"/>
+          </a:p>
+        </p:txBody>
+      </p:sp>
+      <p:sp>
+        <p:nvSpPr>
+          <p:cNvPr id="41" name="Rectangle 40">
+            <a:extLst>
+              <a:ext uri="{FF2B5EF4-FFF2-40B4-BE49-F238E27FC236}">
+                <a16:creationId xmlns:a16="http://schemas.microsoft.com/office/drawing/2014/main" id="{7A71649A-64E1-BC41-89E2-66A454DB6FDA}"/>
+              </a:ext>
+            </a:extLst>
+          </p:cNvPr>
+          <p:cNvSpPr/>
+          <p:nvPr/>
+        </p:nvSpPr>
+        <p:spPr>
+          <a:xfrm>
+            <a:off x="4339525" y="988508"/>
+            <a:ext cx="840059" cy="810322"/>
+          </a:xfrm>
+          <a:prstGeom prst="rect">
+            <a:avLst/>
+          </a:prstGeom>
+          <a:solidFill>
+            <a:schemeClr val="accent6">
+              <a:lumMod val="40000"/>
+              <a:lumOff val="60000"/>
+            </a:schemeClr>
+          </a:solidFill>
+          <a:ln>
+            <a:noFill/>
+          </a:ln>
+        </p:spPr>
+        <p:style>
+          <a:lnRef idx="2">
+            <a:schemeClr val="accent1">
+              <a:shade val="50000"/>
+            </a:schemeClr>
+          </a:lnRef>
+          <a:fillRef idx="1">
+            <a:schemeClr val="accent1"/>
+          </a:fillRef>
+          <a:effectRef idx="0">
+            <a:schemeClr val="accent1"/>
+          </a:effectRef>
+          <a:fontRef idx="minor">
+            <a:schemeClr val="lt1"/>
+          </a:fontRef>
+        </p:style>
+        <p:txBody>
+          <a:bodyPr rtlCol="0" anchor="ctr"/>
+          <a:lstStyle/>
+          <a:p>
+            <a:pPr algn="ctr"/>
+            <a:endParaRPr lang="en-US"/>
+          </a:p>
+        </p:txBody>
+      </p:sp>
+      <p:sp>
+        <p:nvSpPr>
+          <p:cNvPr id="42" name="Rectangle 41">
+            <a:extLst>
+              <a:ext uri="{FF2B5EF4-FFF2-40B4-BE49-F238E27FC236}">
+                <a16:creationId xmlns:a16="http://schemas.microsoft.com/office/drawing/2014/main" id="{25BA154C-EEC1-A44E-ADD2-69AE47CEB646}"/>
+              </a:ext>
+            </a:extLst>
+          </p:cNvPr>
+          <p:cNvSpPr/>
+          <p:nvPr/>
+        </p:nvSpPr>
+        <p:spPr>
+          <a:xfrm>
+            <a:off x="5328267" y="988508"/>
+            <a:ext cx="765716" cy="810313"/>
+          </a:xfrm>
+          <a:prstGeom prst="rect">
+            <a:avLst/>
+          </a:prstGeom>
+          <a:solidFill>
+            <a:srgbClr val="8AAD78"/>
+          </a:solidFill>
+          <a:ln>
+            <a:noFill/>
+          </a:ln>
+        </p:spPr>
+        <p:style>
+          <a:lnRef idx="2">
+            <a:schemeClr val="accent1">
+              <a:shade val="50000"/>
+            </a:schemeClr>
+          </a:lnRef>
+          <a:fillRef idx="1">
+            <a:schemeClr val="accent1"/>
+          </a:fillRef>
+          <a:effectRef idx="0">
+            <a:schemeClr val="accent1"/>
+          </a:effectRef>
+          <a:fontRef idx="minor">
+            <a:schemeClr val="lt1"/>
+          </a:fontRef>
+        </p:style>
+        <p:txBody>
+          <a:bodyPr rtlCol="0" anchor="ctr"/>
+          <a:lstStyle/>
+          <a:p>
+            <a:pPr algn="ctr"/>
+            <a:endParaRPr lang="en-US"/>
+          </a:p>
+        </p:txBody>
+      </p:sp>
+      <p:sp>
+        <p:nvSpPr>
+          <p:cNvPr id="43" name="Rectangle 42">
+            <a:extLst>
+              <a:ext uri="{FF2B5EF4-FFF2-40B4-BE49-F238E27FC236}">
+                <a16:creationId xmlns:a16="http://schemas.microsoft.com/office/drawing/2014/main" id="{F4AF5733-99F8-5846-A935-9F0B4BEB4124}"/>
+              </a:ext>
+            </a:extLst>
+          </p:cNvPr>
+          <p:cNvSpPr/>
+          <p:nvPr/>
+        </p:nvSpPr>
+        <p:spPr>
+          <a:xfrm>
+            <a:off x="6242666" y="988508"/>
+            <a:ext cx="765716" cy="810313"/>
+          </a:xfrm>
+          <a:prstGeom prst="rect">
+            <a:avLst/>
+          </a:prstGeom>
+          <a:solidFill>
+            <a:schemeClr val="accent6">
+              <a:lumMod val="75000"/>
+            </a:schemeClr>
+          </a:solidFill>
+          <a:ln>
+            <a:noFill/>
+          </a:ln>
+        </p:spPr>
+        <p:style>
+          <a:lnRef idx="2">
+            <a:schemeClr val="accent1">
+              <a:shade val="50000"/>
+            </a:schemeClr>
+          </a:lnRef>
+          <a:fillRef idx="1">
+            <a:schemeClr val="accent1"/>
+          </a:fillRef>
+          <a:effectRef idx="0">
+            <a:schemeClr val="accent1"/>
+          </a:effectRef>
+          <a:fontRef idx="minor">
+            <a:schemeClr val="lt1"/>
+          </a:fontRef>
+        </p:style>
+        <p:txBody>
+          <a:bodyPr rtlCol="0" anchor="ctr"/>
+          <a:lstStyle/>
+          <a:p>
+            <a:pPr algn="ctr"/>
+            <a:endParaRPr lang="en-US"/>
+          </a:p>
+        </p:txBody>
+      </p:sp>
+      <p:sp>
+        <p:nvSpPr>
+          <p:cNvPr id="44" name="Rectangle 43">
+            <a:extLst>
+              <a:ext uri="{FF2B5EF4-FFF2-40B4-BE49-F238E27FC236}">
+                <a16:creationId xmlns:a16="http://schemas.microsoft.com/office/drawing/2014/main" id="{C8C7DF25-0A7F-8244-A093-63649D427CC3}"/>
+              </a:ext>
+            </a:extLst>
+          </p:cNvPr>
+          <p:cNvSpPr/>
+          <p:nvPr/>
+        </p:nvSpPr>
+        <p:spPr>
+          <a:xfrm>
+            <a:off x="7157064" y="988508"/>
+            <a:ext cx="840057" cy="810313"/>
+          </a:xfrm>
+          <a:prstGeom prst="rect">
+            <a:avLst/>
+          </a:prstGeom>
+          <a:solidFill>
+            <a:schemeClr val="accent6">
+              <a:lumMod val="40000"/>
+              <a:lumOff val="60000"/>
+            </a:schemeClr>
+          </a:solidFill>
+          <a:ln>
+            <a:noFill/>
+          </a:ln>
+        </p:spPr>
+        <p:style>
+          <a:lnRef idx="2">
+            <a:schemeClr val="accent1">
+              <a:shade val="50000"/>
+            </a:schemeClr>
+          </a:lnRef>
+          <a:fillRef idx="1">
+            <a:schemeClr val="accent1"/>
+          </a:fillRef>
+          <a:effectRef idx="0">
+            <a:schemeClr val="accent1"/>
+          </a:effectRef>
+          <a:fontRef idx="minor">
+            <a:schemeClr val="lt1"/>
+          </a:fontRef>
+        </p:style>
+        <p:txBody>
+          <a:bodyPr rtlCol="0" anchor="ctr"/>
+          <a:lstStyle/>
+          <a:p>
+            <a:pPr algn="ctr"/>
+            <a:endParaRPr lang="en-US"/>
+          </a:p>
+        </p:txBody>
+      </p:sp>
+      <p:sp>
+        <p:nvSpPr>
+          <p:cNvPr id="45" name="Rectangle 44">
+            <a:extLst>
+              <a:ext uri="{FF2B5EF4-FFF2-40B4-BE49-F238E27FC236}">
+                <a16:creationId xmlns:a16="http://schemas.microsoft.com/office/drawing/2014/main" id="{6E09DA86-5AA8-B944-A3B4-7CAF6AB941EF}"/>
+              </a:ext>
+            </a:extLst>
+          </p:cNvPr>
+          <p:cNvSpPr/>
+          <p:nvPr/>
+        </p:nvSpPr>
+        <p:spPr>
+          <a:xfrm>
+            <a:off x="4339525" y="1902907"/>
+            <a:ext cx="840059" cy="810322"/>
+          </a:xfrm>
+          <a:prstGeom prst="rect">
+            <a:avLst/>
+          </a:prstGeom>
+          <a:solidFill>
+            <a:schemeClr val="accent6">
+              <a:lumMod val="40000"/>
+              <a:lumOff val="60000"/>
+            </a:schemeClr>
+          </a:solidFill>
+          <a:ln>
+            <a:noFill/>
+          </a:ln>
+        </p:spPr>
+        <p:style>
+          <a:lnRef idx="2">
+            <a:schemeClr val="accent1">
+              <a:shade val="50000"/>
+            </a:schemeClr>
+          </a:lnRef>
+          <a:fillRef idx="1">
+            <a:schemeClr val="accent1"/>
+          </a:fillRef>
+          <a:effectRef idx="0">
+            <a:schemeClr val="accent1"/>
+          </a:effectRef>
+          <a:fontRef idx="minor">
+            <a:schemeClr val="lt1"/>
+          </a:fontRef>
+        </p:style>
+        <p:txBody>
+          <a:bodyPr rtlCol="0" anchor="ctr"/>
+          <a:lstStyle/>
+          <a:p>
+            <a:pPr algn="ctr"/>
+            <a:endParaRPr lang="en-US"/>
+          </a:p>
+        </p:txBody>
+      </p:sp>
+      <p:sp>
+        <p:nvSpPr>
+          <p:cNvPr id="46" name="Rectangle 45">
+            <a:extLst>
+              <a:ext uri="{FF2B5EF4-FFF2-40B4-BE49-F238E27FC236}">
+                <a16:creationId xmlns:a16="http://schemas.microsoft.com/office/drawing/2014/main" id="{FE944F55-E537-444C-B014-DEED71530C4A}"/>
+              </a:ext>
+            </a:extLst>
+          </p:cNvPr>
+          <p:cNvSpPr/>
+          <p:nvPr/>
+        </p:nvSpPr>
+        <p:spPr>
+          <a:xfrm>
+            <a:off x="5328267" y="1902907"/>
+            <a:ext cx="765716" cy="810313"/>
+          </a:xfrm>
+          <a:prstGeom prst="rect">
+            <a:avLst/>
+          </a:prstGeom>
+          <a:solidFill>
+            <a:schemeClr val="accent6">
+              <a:lumMod val="75000"/>
+            </a:schemeClr>
+          </a:solidFill>
+          <a:ln>
+            <a:noFill/>
+          </a:ln>
+        </p:spPr>
+        <p:style>
+          <a:lnRef idx="2">
+            <a:schemeClr val="accent1">
+              <a:shade val="50000"/>
+            </a:schemeClr>
+          </a:lnRef>
+          <a:fillRef idx="1">
+            <a:schemeClr val="accent1"/>
+          </a:fillRef>
+          <a:effectRef idx="0">
+            <a:schemeClr val="accent1"/>
+          </a:effectRef>
+          <a:fontRef idx="minor">
+            <a:schemeClr val="lt1"/>
+          </a:fontRef>
+        </p:style>
+        <p:txBody>
+          <a:bodyPr rtlCol="0" anchor="ctr"/>
+          <a:lstStyle/>
+          <a:p>
+            <a:pPr algn="ctr"/>
+            <a:endParaRPr lang="en-US"/>
+          </a:p>
+        </p:txBody>
+      </p:sp>
+      <p:sp>
+        <p:nvSpPr>
+          <p:cNvPr id="47" name="Rectangle 46">
+            <a:extLst>
+              <a:ext uri="{FF2B5EF4-FFF2-40B4-BE49-F238E27FC236}">
+                <a16:creationId xmlns:a16="http://schemas.microsoft.com/office/drawing/2014/main" id="{01861617-A705-4B42-B4CE-A462D91E99E5}"/>
+              </a:ext>
+            </a:extLst>
+          </p:cNvPr>
+          <p:cNvSpPr/>
+          <p:nvPr/>
+        </p:nvSpPr>
+        <p:spPr>
+          <a:xfrm>
+            <a:off x="6242666" y="1902907"/>
+            <a:ext cx="765716" cy="810313"/>
+          </a:xfrm>
+          <a:prstGeom prst="rect">
+            <a:avLst/>
+          </a:prstGeom>
+          <a:solidFill>
+            <a:schemeClr val="accent6">
+              <a:lumMod val="50000"/>
+            </a:schemeClr>
+          </a:solidFill>
+          <a:ln>
+            <a:noFill/>
+          </a:ln>
+        </p:spPr>
+        <p:style>
+          <a:lnRef idx="2">
+            <a:schemeClr val="accent1">
+              <a:shade val="50000"/>
+            </a:schemeClr>
+          </a:lnRef>
+          <a:fillRef idx="1">
+            <a:schemeClr val="accent1"/>
+          </a:fillRef>
+          <a:effectRef idx="0">
+            <a:schemeClr val="accent1"/>
+          </a:effectRef>
+          <a:fontRef idx="minor">
+            <a:schemeClr val="lt1"/>
+          </a:fontRef>
+        </p:style>
+        <p:txBody>
+          <a:bodyPr rtlCol="0" anchor="ctr"/>
+          <a:lstStyle/>
+          <a:p>
+            <a:pPr algn="ctr"/>
+            <a:endParaRPr lang="en-US"/>
+          </a:p>
+        </p:txBody>
+      </p:sp>
+      <p:sp>
+        <p:nvSpPr>
+          <p:cNvPr id="48" name="Rectangle 47">
+            <a:extLst>
+              <a:ext uri="{FF2B5EF4-FFF2-40B4-BE49-F238E27FC236}">
+                <a16:creationId xmlns:a16="http://schemas.microsoft.com/office/drawing/2014/main" id="{21DD9078-A764-9149-9969-B27FA3BC55AC}"/>
+              </a:ext>
+            </a:extLst>
+          </p:cNvPr>
+          <p:cNvSpPr/>
+          <p:nvPr/>
+        </p:nvSpPr>
+        <p:spPr>
+          <a:xfrm>
+            <a:off x="7157064" y="1902907"/>
+            <a:ext cx="840057" cy="810313"/>
+          </a:xfrm>
+          <a:prstGeom prst="rect">
+            <a:avLst/>
+          </a:prstGeom>
+          <a:solidFill>
+            <a:srgbClr val="59D26A"/>
+          </a:solidFill>
+          <a:ln>
+            <a:noFill/>
+          </a:ln>
+        </p:spPr>
+        <p:style>
+          <a:lnRef idx="2">
+            <a:schemeClr val="accent1">
+              <a:shade val="50000"/>
+            </a:schemeClr>
+          </a:lnRef>
+          <a:fillRef idx="1">
+            <a:schemeClr val="accent1"/>
+          </a:fillRef>
+          <a:effectRef idx="0">
+            <a:schemeClr val="accent1"/>
+          </a:effectRef>
+          <a:fontRef idx="minor">
+            <a:schemeClr val="lt1"/>
+          </a:fontRef>
+        </p:style>
+        <p:txBody>
+          <a:bodyPr rtlCol="0" anchor="ctr"/>
+          <a:lstStyle/>
+          <a:p>
+            <a:pPr algn="ctr"/>
+            <a:endParaRPr lang="en-US"/>
+          </a:p>
+        </p:txBody>
+      </p:sp>
+      <p:sp>
+        <p:nvSpPr>
+          <p:cNvPr id="49" name="Rectangle 48">
+            <a:extLst>
+              <a:ext uri="{FF2B5EF4-FFF2-40B4-BE49-F238E27FC236}">
+                <a16:creationId xmlns:a16="http://schemas.microsoft.com/office/drawing/2014/main" id="{E5864420-779B-BF48-BABC-39254428D34C}"/>
+              </a:ext>
+            </a:extLst>
+          </p:cNvPr>
+          <p:cNvSpPr/>
+          <p:nvPr/>
+        </p:nvSpPr>
+        <p:spPr>
+          <a:xfrm>
+            <a:off x="4339525" y="2816872"/>
+            <a:ext cx="840059" cy="810322"/>
+          </a:xfrm>
+          <a:prstGeom prst="rect">
+            <a:avLst/>
+          </a:prstGeom>
+          <a:solidFill>
+            <a:schemeClr val="accent6">
+              <a:lumMod val="40000"/>
+              <a:lumOff val="60000"/>
+            </a:schemeClr>
+          </a:solidFill>
+          <a:ln>
+            <a:noFill/>
+          </a:ln>
+        </p:spPr>
+        <p:style>
+          <a:lnRef idx="2">
+            <a:schemeClr val="accent1">
+              <a:shade val="50000"/>
+            </a:schemeClr>
+          </a:lnRef>
+          <a:fillRef idx="1">
+            <a:schemeClr val="accent1"/>
+          </a:fillRef>
+          <a:effectRef idx="0">
+            <a:schemeClr val="accent1"/>
+          </a:effectRef>
+          <a:fontRef idx="minor">
+            <a:schemeClr val="lt1"/>
+          </a:fontRef>
+        </p:style>
+        <p:txBody>
+          <a:bodyPr rtlCol="0" anchor="ctr"/>
+          <a:lstStyle/>
+          <a:p>
+            <a:pPr algn="ctr"/>
+            <a:endParaRPr lang="en-US"/>
+          </a:p>
+        </p:txBody>
+      </p:sp>
+      <p:sp>
+        <p:nvSpPr>
+          <p:cNvPr id="50" name="Rectangle 49">
+            <a:extLst>
+              <a:ext uri="{FF2B5EF4-FFF2-40B4-BE49-F238E27FC236}">
+                <a16:creationId xmlns:a16="http://schemas.microsoft.com/office/drawing/2014/main" id="{05320420-E336-F64A-BDF8-DA0C55744637}"/>
+              </a:ext>
+            </a:extLst>
+          </p:cNvPr>
+          <p:cNvSpPr/>
+          <p:nvPr/>
+        </p:nvSpPr>
+        <p:spPr>
+          <a:xfrm>
+            <a:off x="5328267" y="2816872"/>
+            <a:ext cx="765716" cy="810313"/>
+          </a:xfrm>
+          <a:prstGeom prst="rect">
+            <a:avLst/>
+          </a:prstGeom>
+          <a:solidFill>
+            <a:schemeClr val="accent6">
+              <a:lumMod val="40000"/>
+              <a:lumOff val="60000"/>
+            </a:schemeClr>
+          </a:solidFill>
+          <a:ln>
+            <a:noFill/>
+          </a:ln>
+        </p:spPr>
+        <p:style>
+          <a:lnRef idx="2">
+            <a:schemeClr val="accent1">
+              <a:shade val="50000"/>
+            </a:schemeClr>
+          </a:lnRef>
+          <a:fillRef idx="1">
+            <a:schemeClr val="accent1"/>
+          </a:fillRef>
+          <a:effectRef idx="0">
+            <a:schemeClr val="accent1"/>
+          </a:effectRef>
+          <a:fontRef idx="minor">
+            <a:schemeClr val="lt1"/>
+          </a:fontRef>
+        </p:style>
+        <p:txBody>
+          <a:bodyPr rtlCol="0" anchor="ctr"/>
+          <a:lstStyle/>
+          <a:p>
+            <a:pPr algn="ctr"/>
+            <a:endParaRPr lang="en-US"/>
+          </a:p>
+        </p:txBody>
+      </p:sp>
+      <p:sp>
+        <p:nvSpPr>
+          <p:cNvPr id="51" name="Rectangle 50">
+            <a:extLst>
+              <a:ext uri="{FF2B5EF4-FFF2-40B4-BE49-F238E27FC236}">
+                <a16:creationId xmlns:a16="http://schemas.microsoft.com/office/drawing/2014/main" id="{66E6D4E2-3C3E-1540-A257-FF18EFF3FDFA}"/>
+              </a:ext>
+            </a:extLst>
+          </p:cNvPr>
+          <p:cNvSpPr/>
+          <p:nvPr/>
+        </p:nvSpPr>
+        <p:spPr>
+          <a:xfrm>
+            <a:off x="6242666" y="2816872"/>
+            <a:ext cx="765716" cy="810313"/>
+          </a:xfrm>
+          <a:prstGeom prst="rect">
+            <a:avLst/>
+          </a:prstGeom>
+          <a:solidFill>
+            <a:srgbClr val="14572C"/>
+          </a:solidFill>
+          <a:ln>
+            <a:noFill/>
+          </a:ln>
+        </p:spPr>
+        <p:style>
+          <a:lnRef idx="2">
+            <a:schemeClr val="accent1">
+              <a:shade val="50000"/>
+            </a:schemeClr>
+          </a:lnRef>
+          <a:fillRef idx="1">
+            <a:schemeClr val="accent1"/>
+          </a:fillRef>
+          <a:effectRef idx="0">
+            <a:schemeClr val="accent1"/>
+          </a:effectRef>
+          <a:fontRef idx="minor">
+            <a:schemeClr val="lt1"/>
+          </a:fontRef>
+        </p:style>
+        <p:txBody>
+          <a:bodyPr rtlCol="0" anchor="ctr"/>
+          <a:lstStyle/>
+          <a:p>
+            <a:pPr algn="ctr"/>
+            <a:endParaRPr lang="en-US"/>
+          </a:p>
+        </p:txBody>
+      </p:sp>
+      <p:sp>
+        <p:nvSpPr>
+          <p:cNvPr id="52" name="Rectangle 51">
+            <a:extLst>
+              <a:ext uri="{FF2B5EF4-FFF2-40B4-BE49-F238E27FC236}">
+                <a16:creationId xmlns:a16="http://schemas.microsoft.com/office/drawing/2014/main" id="{56825950-11F9-444C-951F-B855455EA08C}"/>
+              </a:ext>
+            </a:extLst>
+          </p:cNvPr>
+          <p:cNvSpPr/>
+          <p:nvPr/>
+        </p:nvSpPr>
+        <p:spPr>
+          <a:xfrm>
+            <a:off x="7157064" y="2816872"/>
+            <a:ext cx="840057" cy="810313"/>
+          </a:xfrm>
+          <a:prstGeom prst="rect">
+            <a:avLst/>
+          </a:prstGeom>
+          <a:solidFill>
+            <a:schemeClr val="accent6">
+              <a:lumMod val="40000"/>
+              <a:lumOff val="60000"/>
+            </a:schemeClr>
+          </a:solidFill>
+          <a:ln>
+            <a:noFill/>
+          </a:ln>
+        </p:spPr>
+        <p:style>
+          <a:lnRef idx="2">
+            <a:schemeClr val="accent1">
+              <a:shade val="50000"/>
+            </a:schemeClr>
+          </a:lnRef>
+          <a:fillRef idx="1">
+            <a:schemeClr val="accent1"/>
+          </a:fillRef>
+          <a:effectRef idx="0">
+            <a:schemeClr val="accent1"/>
+          </a:effectRef>
+          <a:fontRef idx="minor">
+            <a:schemeClr val="lt1"/>
+          </a:fontRef>
+        </p:style>
+        <p:txBody>
+          <a:bodyPr rtlCol="0" anchor="ctr"/>
+          <a:lstStyle/>
+          <a:p>
+            <a:pPr algn="ctr"/>
+            <a:endParaRPr lang="en-US"/>
+          </a:p>
+        </p:txBody>
+      </p:sp>
+      <p:sp>
+        <p:nvSpPr>
+          <p:cNvPr id="70" name="Rectangle 69">
+            <a:extLst>
+              <a:ext uri="{FF2B5EF4-FFF2-40B4-BE49-F238E27FC236}">
+                <a16:creationId xmlns:a16="http://schemas.microsoft.com/office/drawing/2014/main" id="{9D031764-2EF7-8F4D-ACA1-2EC2E46B03CE}"/>
+              </a:ext>
+            </a:extLst>
+          </p:cNvPr>
+          <p:cNvSpPr/>
+          <p:nvPr/>
+        </p:nvSpPr>
+        <p:spPr>
+          <a:xfrm>
+            <a:off x="8534402" y="300229"/>
+            <a:ext cx="840059" cy="810322"/>
+          </a:xfrm>
+          <a:prstGeom prst="rect">
+            <a:avLst/>
+          </a:prstGeom>
+          <a:solidFill>
+            <a:srgbClr val="0000FF"/>
+          </a:solidFill>
+          <a:ln>
+            <a:noFill/>
+          </a:ln>
+        </p:spPr>
+        <p:style>
+          <a:lnRef idx="2">
+            <a:schemeClr val="accent1">
+              <a:shade val="50000"/>
+            </a:schemeClr>
+          </a:lnRef>
+          <a:fillRef idx="1">
+            <a:schemeClr val="accent1"/>
+          </a:fillRef>
+          <a:effectRef idx="0">
+            <a:schemeClr val="accent1"/>
+          </a:effectRef>
+          <a:fontRef idx="minor">
+            <a:schemeClr val="lt1"/>
+          </a:fontRef>
+        </p:style>
+        <p:txBody>
+          <a:bodyPr rtlCol="0" anchor="ctr"/>
+          <a:lstStyle/>
+          <a:p>
+            <a:pPr algn="ctr"/>
+            <a:endParaRPr lang="en-US"/>
+          </a:p>
+        </p:txBody>
+      </p:sp>
+      <p:sp>
+        <p:nvSpPr>
+          <p:cNvPr id="71" name="Rectangle 70">
+            <a:extLst>
+              <a:ext uri="{FF2B5EF4-FFF2-40B4-BE49-F238E27FC236}">
+                <a16:creationId xmlns:a16="http://schemas.microsoft.com/office/drawing/2014/main" id="{BBADAE12-2FFD-1242-B217-CDD36FDC179E}"/>
+              </a:ext>
+            </a:extLst>
+          </p:cNvPr>
+          <p:cNvSpPr/>
+          <p:nvPr/>
+        </p:nvSpPr>
+        <p:spPr>
+          <a:xfrm>
+            <a:off x="9523144" y="300229"/>
+            <a:ext cx="765716" cy="810313"/>
+          </a:xfrm>
+          <a:prstGeom prst="rect">
+            <a:avLst/>
+          </a:prstGeom>
+          <a:solidFill>
+            <a:schemeClr val="accent1"/>
+          </a:solidFill>
+          <a:ln>
+            <a:noFill/>
+          </a:ln>
+        </p:spPr>
+        <p:style>
+          <a:lnRef idx="2">
+            <a:schemeClr val="accent1">
+              <a:shade val="50000"/>
+            </a:schemeClr>
+          </a:lnRef>
+          <a:fillRef idx="1">
+            <a:schemeClr val="accent1"/>
+          </a:fillRef>
+          <a:effectRef idx="0">
+            <a:schemeClr val="accent1"/>
+          </a:effectRef>
+          <a:fontRef idx="minor">
+            <a:schemeClr val="lt1"/>
+          </a:fontRef>
+        </p:style>
+        <p:txBody>
+          <a:bodyPr rtlCol="0" anchor="ctr"/>
+          <a:lstStyle/>
+          <a:p>
+            <a:pPr algn="ctr"/>
+            <a:endParaRPr lang="en-US"/>
+          </a:p>
+        </p:txBody>
+      </p:sp>
+      <p:sp>
+        <p:nvSpPr>
+          <p:cNvPr id="72" name="Rectangle 71">
+            <a:extLst>
+              <a:ext uri="{FF2B5EF4-FFF2-40B4-BE49-F238E27FC236}">
+                <a16:creationId xmlns:a16="http://schemas.microsoft.com/office/drawing/2014/main" id="{2DA2BE37-99D0-BA43-AA6A-E68BF317A010}"/>
+              </a:ext>
+            </a:extLst>
+          </p:cNvPr>
+          <p:cNvSpPr/>
+          <p:nvPr/>
+        </p:nvSpPr>
+        <p:spPr>
+          <a:xfrm>
+            <a:off x="10437543" y="300229"/>
+            <a:ext cx="765716" cy="810313"/>
+          </a:xfrm>
+          <a:prstGeom prst="rect">
+            <a:avLst/>
+          </a:prstGeom>
+          <a:solidFill>
+            <a:schemeClr val="accent1"/>
+          </a:solidFill>
+          <a:ln>
+            <a:noFill/>
+          </a:ln>
+        </p:spPr>
+        <p:style>
+          <a:lnRef idx="2">
+            <a:schemeClr val="accent1">
+              <a:shade val="50000"/>
+            </a:schemeClr>
+          </a:lnRef>
+          <a:fillRef idx="1">
+            <a:schemeClr val="accent1"/>
+          </a:fillRef>
+          <a:effectRef idx="0">
+            <a:schemeClr val="accent1"/>
+          </a:effectRef>
+          <a:fontRef idx="minor">
+            <a:schemeClr val="lt1"/>
+          </a:fontRef>
+        </p:style>
+        <p:txBody>
+          <a:bodyPr rtlCol="0" anchor="ctr"/>
+          <a:lstStyle/>
+          <a:p>
+            <a:pPr algn="ctr"/>
+            <a:endParaRPr lang="en-US"/>
+          </a:p>
+        </p:txBody>
+      </p:sp>
+      <p:sp>
+        <p:nvSpPr>
+          <p:cNvPr id="73" name="Rectangle 72">
+            <a:extLst>
+              <a:ext uri="{FF2B5EF4-FFF2-40B4-BE49-F238E27FC236}">
+                <a16:creationId xmlns:a16="http://schemas.microsoft.com/office/drawing/2014/main" id="{006C6B22-F738-9F46-BFEF-60B581F56949}"/>
+              </a:ext>
+            </a:extLst>
+          </p:cNvPr>
+          <p:cNvSpPr/>
+          <p:nvPr/>
+        </p:nvSpPr>
+        <p:spPr>
+          <a:xfrm>
+            <a:off x="11351941" y="300229"/>
+            <a:ext cx="840057" cy="810313"/>
+          </a:xfrm>
+          <a:prstGeom prst="rect">
+            <a:avLst/>
+          </a:prstGeom>
+          <a:solidFill>
+            <a:schemeClr val="accent1"/>
+          </a:solidFill>
+          <a:ln>
+            <a:noFill/>
+          </a:ln>
+        </p:spPr>
+        <p:style>
+          <a:lnRef idx="2">
+            <a:schemeClr val="accent1">
+              <a:shade val="50000"/>
+            </a:schemeClr>
+          </a:lnRef>
+          <a:fillRef idx="1">
+            <a:schemeClr val="accent1"/>
+          </a:fillRef>
+          <a:effectRef idx="0">
+            <a:schemeClr val="accent1"/>
+          </a:effectRef>
+          <a:fontRef idx="minor">
+            <a:schemeClr val="lt1"/>
+          </a:fontRef>
+        </p:style>
+        <p:txBody>
+          <a:bodyPr rtlCol="0" anchor="ctr"/>
+          <a:lstStyle/>
+          <a:p>
+            <a:pPr algn="ctr"/>
+            <a:endParaRPr lang="en-US"/>
+          </a:p>
+        </p:txBody>
+      </p:sp>
+      <p:sp>
+        <p:nvSpPr>
+          <p:cNvPr id="74" name="Rectangle 73">
+            <a:extLst>
+              <a:ext uri="{FF2B5EF4-FFF2-40B4-BE49-F238E27FC236}">
+                <a16:creationId xmlns:a16="http://schemas.microsoft.com/office/drawing/2014/main" id="{80B63005-4554-4643-A79B-2347BD59380A}"/>
+              </a:ext>
+            </a:extLst>
+          </p:cNvPr>
+          <p:cNvSpPr/>
+          <p:nvPr/>
+        </p:nvSpPr>
+        <p:spPr>
+          <a:xfrm>
+            <a:off x="8534402" y="1258757"/>
+            <a:ext cx="840059" cy="810322"/>
+          </a:xfrm>
+          <a:prstGeom prst="rect">
+            <a:avLst/>
+          </a:prstGeom>
+          <a:solidFill>
+            <a:schemeClr val="accent1"/>
+          </a:solidFill>
+          <a:ln>
+            <a:noFill/>
+          </a:ln>
+        </p:spPr>
+        <p:style>
+          <a:lnRef idx="2">
+            <a:schemeClr val="accent1">
+              <a:shade val="50000"/>
+            </a:schemeClr>
+          </a:lnRef>
+          <a:fillRef idx="1">
+            <a:schemeClr val="accent1"/>
+          </a:fillRef>
+          <a:effectRef idx="0">
+            <a:schemeClr val="accent1"/>
+          </a:effectRef>
+          <a:fontRef idx="minor">
+            <a:schemeClr val="lt1"/>
+          </a:fontRef>
+        </p:style>
+        <p:txBody>
+          <a:bodyPr rtlCol="0" anchor="ctr"/>
+          <a:lstStyle/>
+          <a:p>
+            <a:pPr algn="ctr"/>
+            <a:endParaRPr lang="en-US"/>
+          </a:p>
+        </p:txBody>
+      </p:sp>
+      <p:sp>
+        <p:nvSpPr>
+          <p:cNvPr id="75" name="Rectangle 74">
+            <a:extLst>
+              <a:ext uri="{FF2B5EF4-FFF2-40B4-BE49-F238E27FC236}">
+                <a16:creationId xmlns:a16="http://schemas.microsoft.com/office/drawing/2014/main" id="{41C55548-4250-F547-90C1-2935FDFD9CE4}"/>
+              </a:ext>
+            </a:extLst>
+          </p:cNvPr>
+          <p:cNvSpPr/>
+          <p:nvPr/>
+        </p:nvSpPr>
+        <p:spPr>
+          <a:xfrm>
+            <a:off x="9523144" y="1258757"/>
+            <a:ext cx="765716" cy="810313"/>
+          </a:xfrm>
+          <a:prstGeom prst="rect">
+            <a:avLst/>
+          </a:prstGeom>
+          <a:solidFill>
+            <a:schemeClr val="accent1"/>
+          </a:solidFill>
+          <a:ln>
+            <a:noFill/>
+          </a:ln>
+        </p:spPr>
+        <p:style>
+          <a:lnRef idx="2">
+            <a:schemeClr val="accent1">
+              <a:shade val="50000"/>
+            </a:schemeClr>
+          </a:lnRef>
+          <a:fillRef idx="1">
+            <a:schemeClr val="accent1"/>
+          </a:fillRef>
+          <a:effectRef idx="0">
+            <a:schemeClr val="accent1"/>
+          </a:effectRef>
+          <a:fontRef idx="minor">
+            <a:schemeClr val="lt1"/>
+          </a:fontRef>
+        </p:style>
+        <p:txBody>
+          <a:bodyPr rtlCol="0" anchor="ctr"/>
+          <a:lstStyle/>
+          <a:p>
+            <a:pPr algn="ctr"/>
+            <a:endParaRPr lang="en-US"/>
+          </a:p>
+        </p:txBody>
+      </p:sp>
+      <p:sp>
+        <p:nvSpPr>
+          <p:cNvPr id="76" name="Rectangle 75">
+            <a:extLst>
+              <a:ext uri="{FF2B5EF4-FFF2-40B4-BE49-F238E27FC236}">
+                <a16:creationId xmlns:a16="http://schemas.microsoft.com/office/drawing/2014/main" id="{752AD1A7-FC76-5240-B561-E9463250DB10}"/>
+              </a:ext>
+            </a:extLst>
+          </p:cNvPr>
+          <p:cNvSpPr/>
+          <p:nvPr/>
+        </p:nvSpPr>
+        <p:spPr>
+          <a:xfrm>
+            <a:off x="10437543" y="1258757"/>
+            <a:ext cx="765716" cy="810313"/>
+          </a:xfrm>
+          <a:prstGeom prst="rect">
+            <a:avLst/>
+          </a:prstGeom>
+          <a:solidFill>
+            <a:schemeClr val="accent2">
+              <a:lumMod val="40000"/>
+              <a:lumOff val="60000"/>
+            </a:schemeClr>
+          </a:solidFill>
+          <a:ln>
+            <a:noFill/>
+          </a:ln>
+        </p:spPr>
+        <p:style>
+          <a:lnRef idx="2">
+            <a:schemeClr val="accent1">
+              <a:shade val="50000"/>
+            </a:schemeClr>
+          </a:lnRef>
+          <a:fillRef idx="1">
+            <a:schemeClr val="accent1"/>
+          </a:fillRef>
+          <a:effectRef idx="0">
+            <a:schemeClr val="accent1"/>
+          </a:effectRef>
+          <a:fontRef idx="minor">
+            <a:schemeClr val="lt1"/>
+          </a:fontRef>
+        </p:style>
+        <p:txBody>
+          <a:bodyPr rtlCol="0" anchor="ctr"/>
+          <a:lstStyle/>
+          <a:p>
+            <a:pPr algn="ctr"/>
+            <a:endParaRPr lang="en-US"/>
+          </a:p>
+        </p:txBody>
+      </p:sp>
+      <p:sp>
+        <p:nvSpPr>
+          <p:cNvPr id="77" name="Rectangle 76">
+            <a:extLst>
+              <a:ext uri="{FF2B5EF4-FFF2-40B4-BE49-F238E27FC236}">
+                <a16:creationId xmlns:a16="http://schemas.microsoft.com/office/drawing/2014/main" id="{4013BC4E-2B75-514D-86A5-3BCF6B875B8D}"/>
+              </a:ext>
+            </a:extLst>
+          </p:cNvPr>
+          <p:cNvSpPr/>
+          <p:nvPr/>
+        </p:nvSpPr>
+        <p:spPr>
+          <a:xfrm>
+            <a:off x="11351941" y="1258757"/>
+            <a:ext cx="840057" cy="810313"/>
+          </a:xfrm>
+          <a:prstGeom prst="rect">
+            <a:avLst/>
+          </a:prstGeom>
+          <a:solidFill>
+            <a:schemeClr val="accent1"/>
+          </a:solidFill>
+          <a:ln>
+            <a:noFill/>
+          </a:ln>
+        </p:spPr>
+        <p:style>
+          <a:lnRef idx="2">
+            <a:schemeClr val="accent1">
+              <a:shade val="50000"/>
+            </a:schemeClr>
+          </a:lnRef>
+          <a:fillRef idx="1">
+            <a:schemeClr val="accent1"/>
+          </a:fillRef>
+          <a:effectRef idx="0">
+            <a:schemeClr val="accent1"/>
+          </a:effectRef>
+          <a:fontRef idx="minor">
+            <a:schemeClr val="lt1"/>
+          </a:fontRef>
+        </p:style>
+        <p:txBody>
+          <a:bodyPr rtlCol="0" anchor="ctr"/>
+          <a:lstStyle/>
+          <a:p>
+            <a:pPr algn="ctr"/>
+            <a:endParaRPr lang="en-US"/>
+          </a:p>
+        </p:txBody>
+      </p:sp>
+      <p:sp>
+        <p:nvSpPr>
+          <p:cNvPr id="78" name="Rectangle 77">
+            <a:extLst>
+              <a:ext uri="{FF2B5EF4-FFF2-40B4-BE49-F238E27FC236}">
+                <a16:creationId xmlns:a16="http://schemas.microsoft.com/office/drawing/2014/main" id="{A907703F-9D0B-E549-B907-A990DF75F05D}"/>
+              </a:ext>
+            </a:extLst>
+          </p:cNvPr>
+          <p:cNvSpPr/>
+          <p:nvPr/>
+        </p:nvSpPr>
+        <p:spPr>
+          <a:xfrm>
+            <a:off x="8534402" y="2173156"/>
+            <a:ext cx="840059" cy="810322"/>
+          </a:xfrm>
+          <a:prstGeom prst="rect">
+            <a:avLst/>
+          </a:prstGeom>
+          <a:solidFill>
+            <a:srgbClr val="6AFF8A"/>
+          </a:solidFill>
+          <a:ln>
+            <a:noFill/>
+          </a:ln>
+        </p:spPr>
+        <p:style>
+          <a:lnRef idx="2">
+            <a:schemeClr val="accent1">
+              <a:shade val="50000"/>
+            </a:schemeClr>
+          </a:lnRef>
+          <a:fillRef idx="1">
+            <a:schemeClr val="accent1"/>
+          </a:fillRef>
+          <a:effectRef idx="0">
+            <a:schemeClr val="accent1"/>
+          </a:effectRef>
+          <a:fontRef idx="minor">
+            <a:schemeClr val="lt1"/>
+          </a:fontRef>
+        </p:style>
+        <p:txBody>
+          <a:bodyPr rtlCol="0" anchor="ctr"/>
+          <a:lstStyle/>
+          <a:p>
+            <a:pPr algn="ctr"/>
+            <a:endParaRPr lang="en-US"/>
+          </a:p>
+        </p:txBody>
+      </p:sp>
+      <p:sp>
+        <p:nvSpPr>
+          <p:cNvPr id="79" name="Rectangle 78">
+            <a:extLst>
+              <a:ext uri="{FF2B5EF4-FFF2-40B4-BE49-F238E27FC236}">
+                <a16:creationId xmlns:a16="http://schemas.microsoft.com/office/drawing/2014/main" id="{54474FEE-A1DA-464D-9560-1ABF4C5088B3}"/>
+              </a:ext>
+            </a:extLst>
+          </p:cNvPr>
+          <p:cNvSpPr/>
+          <p:nvPr/>
+        </p:nvSpPr>
+        <p:spPr>
+          <a:xfrm>
+            <a:off x="9523144" y="2173156"/>
+            <a:ext cx="765716" cy="810313"/>
+          </a:xfrm>
+          <a:prstGeom prst="rect">
+            <a:avLst/>
+          </a:prstGeom>
+          <a:solidFill>
+            <a:schemeClr val="accent1"/>
+          </a:solidFill>
+          <a:ln>
+            <a:noFill/>
+          </a:ln>
+        </p:spPr>
+        <p:style>
+          <a:lnRef idx="2">
+            <a:schemeClr val="accent1">
+              <a:shade val="50000"/>
+            </a:schemeClr>
+          </a:lnRef>
+          <a:fillRef idx="1">
+            <a:schemeClr val="accent1"/>
+          </a:fillRef>
+          <a:effectRef idx="0">
+            <a:schemeClr val="accent1"/>
+          </a:effectRef>
+          <a:fontRef idx="minor">
+            <a:schemeClr val="lt1"/>
+          </a:fontRef>
+        </p:style>
+        <p:txBody>
+          <a:bodyPr rtlCol="0" anchor="ctr"/>
+          <a:lstStyle/>
+          <a:p>
+            <a:pPr algn="ctr"/>
+            <a:endParaRPr lang="en-US"/>
+          </a:p>
+        </p:txBody>
+      </p:sp>
+      <p:sp>
+        <p:nvSpPr>
+          <p:cNvPr id="80" name="Rectangle 79">
+            <a:extLst>
+              <a:ext uri="{FF2B5EF4-FFF2-40B4-BE49-F238E27FC236}">
+                <a16:creationId xmlns:a16="http://schemas.microsoft.com/office/drawing/2014/main" id="{BA4DB49D-274C-9D45-A391-C0794C878C7B}"/>
+              </a:ext>
+            </a:extLst>
+          </p:cNvPr>
+          <p:cNvSpPr/>
+          <p:nvPr/>
+        </p:nvSpPr>
+        <p:spPr>
+          <a:xfrm>
+            <a:off x="10437543" y="2173156"/>
+            <a:ext cx="765716" cy="810313"/>
+          </a:xfrm>
+          <a:prstGeom prst="rect">
+            <a:avLst/>
+          </a:prstGeom>
+          <a:solidFill>
+            <a:schemeClr val="accent2"/>
+          </a:solidFill>
+          <a:ln>
+            <a:noFill/>
+          </a:ln>
+        </p:spPr>
+        <p:style>
+          <a:lnRef idx="2">
+            <a:schemeClr val="accent1">
+              <a:shade val="50000"/>
+            </a:schemeClr>
+          </a:lnRef>
+          <a:fillRef idx="1">
+            <a:schemeClr val="accent1"/>
+          </a:fillRef>
+          <a:effectRef idx="0">
+            <a:schemeClr val="accent1"/>
+          </a:effectRef>
+          <a:fontRef idx="minor">
+            <a:schemeClr val="lt1"/>
+          </a:fontRef>
+        </p:style>
+        <p:txBody>
+          <a:bodyPr rtlCol="0" anchor="ctr"/>
+          <a:lstStyle/>
+          <a:p>
+            <a:pPr algn="ctr"/>
+            <a:endParaRPr lang="en-US"/>
+          </a:p>
+        </p:txBody>
+      </p:sp>
+      <p:sp>
+        <p:nvSpPr>
+          <p:cNvPr id="81" name="Rectangle 80">
+            <a:extLst>
+              <a:ext uri="{FF2B5EF4-FFF2-40B4-BE49-F238E27FC236}">
+                <a16:creationId xmlns:a16="http://schemas.microsoft.com/office/drawing/2014/main" id="{C0A4F9DA-CA3F-3B4B-B451-8733A38801C9}"/>
+              </a:ext>
+            </a:extLst>
+          </p:cNvPr>
+          <p:cNvSpPr/>
+          <p:nvPr/>
+        </p:nvSpPr>
+        <p:spPr>
+          <a:xfrm>
+            <a:off x="11351941" y="2173156"/>
+            <a:ext cx="840057" cy="810313"/>
+          </a:xfrm>
+          <a:prstGeom prst="rect">
+            <a:avLst/>
+          </a:prstGeom>
+          <a:solidFill>
+            <a:schemeClr val="accent1"/>
+          </a:solidFill>
+          <a:ln>
+            <a:noFill/>
+          </a:ln>
+        </p:spPr>
+        <p:style>
+          <a:lnRef idx="2">
+            <a:schemeClr val="accent1">
+              <a:shade val="50000"/>
+            </a:schemeClr>
+          </a:lnRef>
+          <a:fillRef idx="1">
+            <a:schemeClr val="accent1"/>
+          </a:fillRef>
+          <a:effectRef idx="0">
+            <a:schemeClr val="accent1"/>
+          </a:effectRef>
+          <a:fontRef idx="minor">
+            <a:schemeClr val="lt1"/>
+          </a:fontRef>
+        </p:style>
+        <p:txBody>
+          <a:bodyPr rtlCol="0" anchor="ctr"/>
+          <a:lstStyle/>
+          <a:p>
+            <a:pPr algn="ctr"/>
+            <a:endParaRPr lang="en-US"/>
+          </a:p>
+        </p:txBody>
+      </p:sp>
+      <p:sp>
+        <p:nvSpPr>
+          <p:cNvPr id="82" name="Rectangle 81">
+            <a:extLst>
+              <a:ext uri="{FF2B5EF4-FFF2-40B4-BE49-F238E27FC236}">
+                <a16:creationId xmlns:a16="http://schemas.microsoft.com/office/drawing/2014/main" id="{0F739FB7-DE6D-4D43-BFFE-3292AC7182F8}"/>
+              </a:ext>
+            </a:extLst>
+          </p:cNvPr>
+          <p:cNvSpPr/>
+          <p:nvPr/>
+        </p:nvSpPr>
+        <p:spPr>
+          <a:xfrm>
+            <a:off x="8534402" y="3087121"/>
+            <a:ext cx="840059" cy="810322"/>
+          </a:xfrm>
+          <a:prstGeom prst="rect">
+            <a:avLst/>
+          </a:prstGeom>
+          <a:solidFill>
+            <a:srgbClr val="AAFF4B"/>
+          </a:solidFill>
+          <a:ln>
+            <a:noFill/>
+          </a:ln>
+        </p:spPr>
+        <p:style>
+          <a:lnRef idx="2">
+            <a:schemeClr val="accent1">
+              <a:shade val="50000"/>
+            </a:schemeClr>
+          </a:lnRef>
+          <a:fillRef idx="1">
+            <a:schemeClr val="accent1"/>
+          </a:fillRef>
+          <a:effectRef idx="0">
+            <a:schemeClr val="accent1"/>
+          </a:effectRef>
+          <a:fontRef idx="minor">
+            <a:schemeClr val="lt1"/>
+          </a:fontRef>
+        </p:style>
+        <p:txBody>
+          <a:bodyPr rtlCol="0" anchor="ctr"/>
+          <a:lstStyle/>
+          <a:p>
+            <a:pPr algn="ctr"/>
+            <a:endParaRPr lang="en-US"/>
+          </a:p>
+        </p:txBody>
+      </p:sp>
+      <p:sp>
+        <p:nvSpPr>
+          <p:cNvPr id="83" name="Rectangle 82">
+            <a:extLst>
+              <a:ext uri="{FF2B5EF4-FFF2-40B4-BE49-F238E27FC236}">
+                <a16:creationId xmlns:a16="http://schemas.microsoft.com/office/drawing/2014/main" id="{A5AFFB36-78C4-884B-BFEE-EF51AC2C80C5}"/>
+              </a:ext>
+            </a:extLst>
+          </p:cNvPr>
+          <p:cNvSpPr/>
+          <p:nvPr/>
+        </p:nvSpPr>
+        <p:spPr>
+          <a:xfrm>
+            <a:off x="9523144" y="3087121"/>
+            <a:ext cx="765716" cy="810313"/>
+          </a:xfrm>
+          <a:prstGeom prst="rect">
+            <a:avLst/>
+          </a:prstGeom>
+          <a:solidFill>
+            <a:schemeClr val="accent1"/>
+          </a:solidFill>
+          <a:ln>
+            <a:noFill/>
+          </a:ln>
+        </p:spPr>
+        <p:style>
+          <a:lnRef idx="2">
+            <a:schemeClr val="accent1">
+              <a:shade val="50000"/>
+            </a:schemeClr>
+          </a:lnRef>
+          <a:fillRef idx="1">
+            <a:schemeClr val="accent1"/>
+          </a:fillRef>
+          <a:effectRef idx="0">
+            <a:schemeClr val="accent1"/>
+          </a:effectRef>
+          <a:fontRef idx="minor">
+            <a:schemeClr val="lt1"/>
+          </a:fontRef>
+        </p:style>
+        <p:txBody>
+          <a:bodyPr rtlCol="0" anchor="ctr"/>
+          <a:lstStyle/>
+          <a:p>
+            <a:pPr algn="ctr"/>
+            <a:endParaRPr lang="en-US"/>
+          </a:p>
+        </p:txBody>
+      </p:sp>
+      <p:sp>
+        <p:nvSpPr>
+          <p:cNvPr id="84" name="Rectangle 83">
+            <a:extLst>
+              <a:ext uri="{FF2B5EF4-FFF2-40B4-BE49-F238E27FC236}">
+                <a16:creationId xmlns:a16="http://schemas.microsoft.com/office/drawing/2014/main" id="{84EFB82F-111E-D44C-AC05-2DC940987C6E}"/>
+              </a:ext>
+            </a:extLst>
+          </p:cNvPr>
+          <p:cNvSpPr/>
+          <p:nvPr/>
+        </p:nvSpPr>
+        <p:spPr>
+          <a:xfrm>
+            <a:off x="10437543" y="3087121"/>
+            <a:ext cx="765716" cy="810313"/>
+          </a:xfrm>
+          <a:prstGeom prst="rect">
+            <a:avLst/>
+          </a:prstGeom>
+          <a:solidFill>
+            <a:schemeClr val="accent1"/>
+          </a:solidFill>
+          <a:ln>
+            <a:noFill/>
+          </a:ln>
+        </p:spPr>
+        <p:style>
+          <a:lnRef idx="2">
+            <a:schemeClr val="accent1">
+              <a:shade val="50000"/>
+            </a:schemeClr>
+          </a:lnRef>
+          <a:fillRef idx="1">
+            <a:schemeClr val="accent1"/>
+          </a:fillRef>
+          <a:effectRef idx="0">
+            <a:schemeClr val="accent1"/>
+          </a:effectRef>
+          <a:fontRef idx="minor">
+            <a:schemeClr val="lt1"/>
+          </a:fontRef>
+        </p:style>
+        <p:txBody>
+          <a:bodyPr rtlCol="0" anchor="ctr"/>
+          <a:lstStyle/>
+          <a:p>
+            <a:pPr algn="ctr"/>
+            <a:endParaRPr lang="en-US"/>
+          </a:p>
+        </p:txBody>
+      </p:sp>
+      <p:sp>
+        <p:nvSpPr>
+          <p:cNvPr id="85" name="Rectangle 84">
+            <a:extLst>
+              <a:ext uri="{FF2B5EF4-FFF2-40B4-BE49-F238E27FC236}">
+                <a16:creationId xmlns:a16="http://schemas.microsoft.com/office/drawing/2014/main" id="{774F10F0-99E4-9C46-B87A-620476600299}"/>
+              </a:ext>
+            </a:extLst>
+          </p:cNvPr>
+          <p:cNvSpPr/>
+          <p:nvPr/>
+        </p:nvSpPr>
+        <p:spPr>
+          <a:xfrm>
+            <a:off x="11351941" y="3087121"/>
+            <a:ext cx="840057" cy="810313"/>
+          </a:xfrm>
+          <a:prstGeom prst="rect">
+            <a:avLst/>
+          </a:prstGeom>
+          <a:solidFill>
+            <a:schemeClr val="accent1"/>
+          </a:solidFill>
+          <a:ln>
+            <a:noFill/>
+          </a:ln>
+        </p:spPr>
+        <p:style>
+          <a:lnRef idx="2">
+            <a:schemeClr val="accent1">
+              <a:shade val="50000"/>
+            </a:schemeClr>
+          </a:lnRef>
+          <a:fillRef idx="1">
+            <a:schemeClr val="accent1"/>
+          </a:fillRef>
+          <a:effectRef idx="0">
+            <a:schemeClr val="accent1"/>
+          </a:effectRef>
+          <a:fontRef idx="minor">
+            <a:schemeClr val="lt1"/>
+          </a:fontRef>
+        </p:style>
+        <p:txBody>
+          <a:bodyPr rtlCol="0" anchor="ctr"/>
+          <a:lstStyle/>
+          <a:p>
+            <a:pPr algn="ctr"/>
+            <a:endParaRPr lang="en-US"/>
+          </a:p>
+        </p:txBody>
+      </p:sp>
+    </p:spTree>
+    <p:extLst>
+      <p:ext uri="{BB962C8B-B14F-4D97-AF65-F5344CB8AC3E}">
+        <p14:creationId xmlns:p14="http://schemas.microsoft.com/office/powerpoint/2010/main" val="2691258267"/>
       </p:ext>
     </p:extLst>
   </p:cSld>

--- a/slides.pptx
+++ b/slides.pptx
@@ -7,6 +7,7 @@
   <p:sldIdLst>
     <p:sldId id="256" r:id="rId2"/>
     <p:sldId id="257" r:id="rId3"/>
+    <p:sldId id="258" r:id="rId4"/>
   </p:sldIdLst>
   <p:sldSz cx="12192000" cy="6858000"/>
   <p:notesSz cx="6858000" cy="9144000"/>
@@ -260,7 +261,7 @@
           <a:p>
             <a:fld id="{35FFA700-99BD-0248-BA43-E581CE90197E}" type="datetimeFigureOut">
               <a:rPr lang="en-US" smtClean="0"/>
-              <a:t>5/13/22</a:t>
+              <a:t>5/16/22</a:t>
             </a:fld>
             <a:endParaRPr lang="en-US"/>
           </a:p>
@@ -458,7 +459,7 @@
           <a:p>
             <a:fld id="{35FFA700-99BD-0248-BA43-E581CE90197E}" type="datetimeFigureOut">
               <a:rPr lang="en-US" smtClean="0"/>
-              <a:t>5/13/22</a:t>
+              <a:t>5/16/22</a:t>
             </a:fld>
             <a:endParaRPr lang="en-US"/>
           </a:p>
@@ -666,7 +667,7 @@
           <a:p>
             <a:fld id="{35FFA700-99BD-0248-BA43-E581CE90197E}" type="datetimeFigureOut">
               <a:rPr lang="en-US" smtClean="0"/>
-              <a:t>5/13/22</a:t>
+              <a:t>5/16/22</a:t>
             </a:fld>
             <a:endParaRPr lang="en-US"/>
           </a:p>
@@ -864,7 +865,7 @@
           <a:p>
             <a:fld id="{35FFA700-99BD-0248-BA43-E581CE90197E}" type="datetimeFigureOut">
               <a:rPr lang="en-US" smtClean="0"/>
-              <a:t>5/13/22</a:t>
+              <a:t>5/16/22</a:t>
             </a:fld>
             <a:endParaRPr lang="en-US"/>
           </a:p>
@@ -1139,7 +1140,7 @@
           <a:p>
             <a:fld id="{35FFA700-99BD-0248-BA43-E581CE90197E}" type="datetimeFigureOut">
               <a:rPr lang="en-US" smtClean="0"/>
-              <a:t>5/13/22</a:t>
+              <a:t>5/16/22</a:t>
             </a:fld>
             <a:endParaRPr lang="en-US"/>
           </a:p>
@@ -1404,7 +1405,7 @@
           <a:p>
             <a:fld id="{35FFA700-99BD-0248-BA43-E581CE90197E}" type="datetimeFigureOut">
               <a:rPr lang="en-US" smtClean="0"/>
-              <a:t>5/13/22</a:t>
+              <a:t>5/16/22</a:t>
             </a:fld>
             <a:endParaRPr lang="en-US"/>
           </a:p>
@@ -1816,7 +1817,7 @@
           <a:p>
             <a:fld id="{35FFA700-99BD-0248-BA43-E581CE90197E}" type="datetimeFigureOut">
               <a:rPr lang="en-US" smtClean="0"/>
-              <a:t>5/13/22</a:t>
+              <a:t>5/16/22</a:t>
             </a:fld>
             <a:endParaRPr lang="en-US"/>
           </a:p>
@@ -1957,7 +1958,7 @@
           <a:p>
             <a:fld id="{35FFA700-99BD-0248-BA43-E581CE90197E}" type="datetimeFigureOut">
               <a:rPr lang="en-US" smtClean="0"/>
-              <a:t>5/13/22</a:t>
+              <a:t>5/16/22</a:t>
             </a:fld>
             <a:endParaRPr lang="en-US"/>
           </a:p>
@@ -2070,7 +2071,7 @@
           <a:p>
             <a:fld id="{35FFA700-99BD-0248-BA43-E581CE90197E}" type="datetimeFigureOut">
               <a:rPr lang="en-US" smtClean="0"/>
-              <a:t>5/13/22</a:t>
+              <a:t>5/16/22</a:t>
             </a:fld>
             <a:endParaRPr lang="en-US"/>
           </a:p>
@@ -2381,7 +2382,7 @@
           <a:p>
             <a:fld id="{35FFA700-99BD-0248-BA43-E581CE90197E}" type="datetimeFigureOut">
               <a:rPr lang="en-US" smtClean="0"/>
-              <a:t>5/13/22</a:t>
+              <a:t>5/16/22</a:t>
             </a:fld>
             <a:endParaRPr lang="en-US"/>
           </a:p>
@@ -2669,7 +2670,7 @@
           <a:p>
             <a:fld id="{35FFA700-99BD-0248-BA43-E581CE90197E}" type="datetimeFigureOut">
               <a:rPr lang="en-US" smtClean="0"/>
-              <a:t>5/13/22</a:t>
+              <a:t>5/16/22</a:t>
             </a:fld>
             <a:endParaRPr lang="en-US"/>
           </a:p>
@@ -2910,7 +2911,7 @@
           <a:p>
             <a:fld id="{35FFA700-99BD-0248-BA43-E581CE90197E}" type="datetimeFigureOut">
               <a:rPr lang="en-US" smtClean="0"/>
-              <a:t>5/13/22</a:t>
+              <a:t>5/16/22</a:t>
             </a:fld>
             <a:endParaRPr lang="en-US"/>
           </a:p>
@@ -5376,8 +5377,8 @@
           </a:fontRef>
         </p:style>
       </p:cxnSp>
-      <mc:AlternateContent xmlns:mc="http://schemas.openxmlformats.org/markup-compatibility/2006">
-        <mc:Choice xmlns:a14="http://schemas.microsoft.com/office/drawing/2010/main" Requires="a14">
+      <mc:AlternateContent xmlns:mc="http://schemas.openxmlformats.org/markup-compatibility/2006" xmlns:a14="http://schemas.microsoft.com/office/drawing/2010/main">
+        <mc:Choice Requires="a14">
           <p:sp>
             <p:nvSpPr>
               <p:cNvPr id="166" name="Rounded Rectangle 165">
@@ -5514,7 +5515,7 @@
             </p:txBody>
           </p:sp>
         </mc:Choice>
-        <mc:Fallback>
+        <mc:Fallback xmlns="">
           <p:sp>
             <p:nvSpPr>
               <p:cNvPr id="166" name="Rounded Rectangle 165">
@@ -5795,8 +5796,8 @@
           </a:fontRef>
         </p:style>
       </p:cxnSp>
-      <mc:AlternateContent xmlns:mc="http://schemas.openxmlformats.org/markup-compatibility/2006">
-        <mc:Choice xmlns:a14="http://schemas.microsoft.com/office/drawing/2010/main" Requires="a14">
+      <mc:AlternateContent xmlns:mc="http://schemas.openxmlformats.org/markup-compatibility/2006" xmlns:a14="http://schemas.microsoft.com/office/drawing/2010/main">
+        <mc:Choice Requires="a14">
           <p:sp>
             <p:nvSpPr>
               <p:cNvPr id="180" name="TextBox 179">
@@ -5825,6 +5826,7 @@
               </a:bodyPr>
               <a:lstStyle/>
               <a:p>
+                <a:pPr/>
                 <a14:m>
                   <m:oMathPara xmlns:m="http://schemas.openxmlformats.org/officeDocument/2006/math">
                     <m:oMathParaPr>
@@ -5846,7 +5848,7 @@
             </p:txBody>
           </p:sp>
         </mc:Choice>
-        <mc:Fallback>
+        <mc:Fallback xmlns="">
           <p:sp>
             <p:nvSpPr>
               <p:cNvPr id="180" name="TextBox 179">
@@ -5967,8 +5969,8 @@
           </a:p>
         </p:txBody>
       </p:sp>
-      <mc:AlternateContent xmlns:mc="http://schemas.openxmlformats.org/markup-compatibility/2006">
-        <mc:Choice xmlns:a14="http://schemas.microsoft.com/office/drawing/2010/main" Requires="a14">
+      <mc:AlternateContent xmlns:mc="http://schemas.openxmlformats.org/markup-compatibility/2006" xmlns:a14="http://schemas.microsoft.com/office/drawing/2010/main">
+        <mc:Choice Requires="a14">
           <p:sp>
             <p:nvSpPr>
               <p:cNvPr id="195" name="Rounded Rectangle 194">
@@ -6073,7 +6075,7 @@
             </p:txBody>
           </p:sp>
         </mc:Choice>
-        <mc:Fallback>
+        <mc:Fallback xmlns="">
           <p:sp>
             <p:nvSpPr>
               <p:cNvPr id="195" name="Rounded Rectangle 194">
@@ -6123,8 +6125,8 @@
           </p:sp>
         </mc:Fallback>
       </mc:AlternateContent>
-      <mc:AlternateContent xmlns:mc="http://schemas.openxmlformats.org/markup-compatibility/2006">
-        <mc:Choice xmlns:a14="http://schemas.microsoft.com/office/drawing/2010/main" Requires="a14">
+      <mc:AlternateContent xmlns:mc="http://schemas.openxmlformats.org/markup-compatibility/2006" xmlns:a14="http://schemas.microsoft.com/office/drawing/2010/main">
+        <mc:Choice Requires="a14">
           <p:sp>
             <p:nvSpPr>
               <p:cNvPr id="196" name="Rounded Rectangle 195">
@@ -6224,7 +6226,7 @@
             </p:txBody>
           </p:sp>
         </mc:Choice>
-        <mc:Fallback>
+        <mc:Fallback xmlns="">
           <p:sp>
             <p:nvSpPr>
               <p:cNvPr id="196" name="Rounded Rectangle 195">
@@ -6333,8 +6335,8 @@
           </a:p>
         </p:txBody>
       </p:sp>
-      <mc:AlternateContent xmlns:mc="http://schemas.openxmlformats.org/markup-compatibility/2006">
-        <mc:Choice xmlns:a14="http://schemas.microsoft.com/office/drawing/2010/main" Requires="a14">
+      <mc:AlternateContent xmlns:mc="http://schemas.openxmlformats.org/markup-compatibility/2006" xmlns:a14="http://schemas.microsoft.com/office/drawing/2010/main">
+        <mc:Choice Requires="a14">
           <p:sp>
             <p:nvSpPr>
               <p:cNvPr id="199" name="Rounded Rectangle 198">
@@ -6434,7 +6436,7 @@
             </p:txBody>
           </p:sp>
         </mc:Choice>
-        <mc:Fallback>
+        <mc:Fallback xmlns="">
           <p:sp>
             <p:nvSpPr>
               <p:cNvPr id="199" name="Rounded Rectangle 198">
@@ -7112,8 +7114,8 @@
           </a:p>
         </p:txBody>
       </p:sp>
-      <mc:AlternateContent xmlns:mc="http://schemas.openxmlformats.org/markup-compatibility/2006">
-        <mc:Choice xmlns:a14="http://schemas.microsoft.com/office/drawing/2010/main" Requires="a14">
+      <mc:AlternateContent xmlns:mc="http://schemas.openxmlformats.org/markup-compatibility/2006" xmlns:a14="http://schemas.microsoft.com/office/drawing/2010/main">
+        <mc:Choice Requires="a14">
           <p:sp>
             <p:nvSpPr>
               <p:cNvPr id="234" name="Rounded Rectangle 233">
@@ -7213,7 +7215,7 @@
             </p:txBody>
           </p:sp>
         </mc:Choice>
-        <mc:Fallback>
+        <mc:Fallback xmlns="">
           <p:sp>
             <p:nvSpPr>
               <p:cNvPr id="234" name="Rounded Rectangle 233">
@@ -7322,8 +7324,8 @@
           </a:p>
         </p:txBody>
       </p:sp>
-      <mc:AlternateContent xmlns:mc="http://schemas.openxmlformats.org/markup-compatibility/2006">
-        <mc:Choice xmlns:a14="http://schemas.microsoft.com/office/drawing/2010/main" Requires="a14">
+      <mc:AlternateContent xmlns:mc="http://schemas.openxmlformats.org/markup-compatibility/2006" xmlns:a14="http://schemas.microsoft.com/office/drawing/2010/main">
+        <mc:Choice Requires="a14">
           <p:sp>
             <p:nvSpPr>
               <p:cNvPr id="236" name="Rounded Rectangle 235">
@@ -7423,7 +7425,7 @@
             </p:txBody>
           </p:sp>
         </mc:Choice>
-        <mc:Fallback>
+        <mc:Fallback xmlns="">
           <p:sp>
             <p:nvSpPr>
               <p:cNvPr id="236" name="Rounded Rectangle 235">
@@ -8043,8 +8045,8 @@
           </a:p>
         </p:txBody>
       </p:sp>
-      <mc:AlternateContent xmlns:mc="http://schemas.openxmlformats.org/markup-compatibility/2006">
-        <mc:Choice xmlns:a14="http://schemas.microsoft.com/office/drawing/2010/main" Requires="a14">
+      <mc:AlternateContent xmlns:mc="http://schemas.openxmlformats.org/markup-compatibility/2006" xmlns:a14="http://schemas.microsoft.com/office/drawing/2010/main">
+        <mc:Choice Requires="a14">
           <p:sp>
             <p:nvSpPr>
               <p:cNvPr id="250" name="Rounded Rectangle 249">
@@ -8144,7 +8146,7 @@
             </p:txBody>
           </p:sp>
         </mc:Choice>
-        <mc:Fallback>
+        <mc:Fallback xmlns="">
           <p:sp>
             <p:nvSpPr>
               <p:cNvPr id="250" name="Rounded Rectangle 249">
@@ -8194,8 +8196,8 @@
           </p:sp>
         </mc:Fallback>
       </mc:AlternateContent>
-      <mc:AlternateContent xmlns:mc="http://schemas.openxmlformats.org/markup-compatibility/2006">
-        <mc:Choice xmlns:a14="http://schemas.microsoft.com/office/drawing/2010/main" Requires="a14">
+      <mc:AlternateContent xmlns:mc="http://schemas.openxmlformats.org/markup-compatibility/2006" xmlns:a14="http://schemas.microsoft.com/office/drawing/2010/main">
+        <mc:Choice Requires="a14">
           <p:sp>
             <p:nvSpPr>
               <p:cNvPr id="251" name="Rounded Rectangle 250">
@@ -8349,7 +8351,7 @@
             </p:txBody>
           </p:sp>
         </mc:Choice>
-        <mc:Fallback>
+        <mc:Fallback xmlns="">
           <p:sp>
             <p:nvSpPr>
               <p:cNvPr id="251" name="Rounded Rectangle 250">
@@ -8399,8 +8401,8 @@
           </p:sp>
         </mc:Fallback>
       </mc:AlternateContent>
-      <mc:AlternateContent xmlns:mc="http://schemas.openxmlformats.org/markup-compatibility/2006">
-        <mc:Choice xmlns:a14="http://schemas.microsoft.com/office/drawing/2010/main" Requires="a14">
+      <mc:AlternateContent xmlns:mc="http://schemas.openxmlformats.org/markup-compatibility/2006" xmlns:a14="http://schemas.microsoft.com/office/drawing/2010/main">
+        <mc:Choice Requires="a14">
           <p:sp>
             <p:nvSpPr>
               <p:cNvPr id="252" name="Rounded Rectangle 251">
@@ -8493,7 +8495,7 @@
             </p:txBody>
           </p:sp>
         </mc:Choice>
-        <mc:Fallback>
+        <mc:Fallback xmlns="">
           <p:sp>
             <p:nvSpPr>
               <p:cNvPr id="252" name="Rounded Rectangle 251">
@@ -8543,8 +8545,8 @@
           </p:sp>
         </mc:Fallback>
       </mc:AlternateContent>
-      <mc:AlternateContent xmlns:mc="http://schemas.openxmlformats.org/markup-compatibility/2006">
-        <mc:Choice xmlns:a14="http://schemas.microsoft.com/office/drawing/2010/main" Requires="a14">
+      <mc:AlternateContent xmlns:mc="http://schemas.openxmlformats.org/markup-compatibility/2006" xmlns:a14="http://schemas.microsoft.com/office/drawing/2010/main">
+        <mc:Choice Requires="a14">
           <p:sp>
             <p:nvSpPr>
               <p:cNvPr id="253" name="Rounded Rectangle 252">
@@ -8637,7 +8639,7 @@
             </p:txBody>
           </p:sp>
         </mc:Choice>
-        <mc:Fallback>
+        <mc:Fallback xmlns="">
           <p:sp>
             <p:nvSpPr>
               <p:cNvPr id="253" name="Rounded Rectangle 252">
@@ -8687,8 +8689,8 @@
           </p:sp>
         </mc:Fallback>
       </mc:AlternateContent>
-      <mc:AlternateContent xmlns:mc="http://schemas.openxmlformats.org/markup-compatibility/2006">
-        <mc:Choice xmlns:a14="http://schemas.microsoft.com/office/drawing/2010/main" Requires="a14">
+      <mc:AlternateContent xmlns:mc="http://schemas.openxmlformats.org/markup-compatibility/2006" xmlns:a14="http://schemas.microsoft.com/office/drawing/2010/main">
+        <mc:Choice Requires="a14">
           <p:sp>
             <p:nvSpPr>
               <p:cNvPr id="254" name="Rounded Rectangle 253">
@@ -8788,7 +8790,7 @@
             </p:txBody>
           </p:sp>
         </mc:Choice>
-        <mc:Fallback>
+        <mc:Fallback xmlns="">
           <p:sp>
             <p:nvSpPr>
               <p:cNvPr id="254" name="Rounded Rectangle 253">
@@ -8838,8 +8840,8 @@
           </p:sp>
         </mc:Fallback>
       </mc:AlternateContent>
-      <mc:AlternateContent xmlns:mc="http://schemas.openxmlformats.org/markup-compatibility/2006">
-        <mc:Choice xmlns:a14="http://schemas.microsoft.com/office/drawing/2010/main" Requires="a14">
+      <mc:AlternateContent xmlns:mc="http://schemas.openxmlformats.org/markup-compatibility/2006" xmlns:a14="http://schemas.microsoft.com/office/drawing/2010/main">
+        <mc:Choice Requires="a14">
           <p:sp>
             <p:nvSpPr>
               <p:cNvPr id="255" name="Rounded Rectangle 254">
@@ -8932,7 +8934,7 @@
             </p:txBody>
           </p:sp>
         </mc:Choice>
-        <mc:Fallback>
+        <mc:Fallback xmlns="">
           <p:sp>
             <p:nvSpPr>
               <p:cNvPr id="255" name="Rounded Rectangle 254">
@@ -9464,8 +9466,8 @@
             </a:p>
           </p:txBody>
         </p:sp>
-        <mc:AlternateContent xmlns:mc="http://schemas.openxmlformats.org/markup-compatibility/2006">
-          <mc:Choice xmlns:a14="http://schemas.microsoft.com/office/drawing/2010/main" Requires="a14">
+        <mc:AlternateContent xmlns:mc="http://schemas.openxmlformats.org/markup-compatibility/2006" xmlns:a14="http://schemas.microsoft.com/office/drawing/2010/main">
+          <mc:Choice Requires="a14">
             <p:sp>
               <p:nvSpPr>
                 <p:cNvPr id="298" name="TextBox 297">
@@ -9494,6 +9496,7 @@
                 </a:bodyPr>
                 <a:lstStyle/>
                 <a:p>
+                  <a:pPr/>
                   <a14:m>
                     <m:oMathPara xmlns:m="http://schemas.openxmlformats.org/officeDocument/2006/math">
                       <m:oMathParaPr>
@@ -9515,7 +9518,7 @@
               </p:txBody>
             </p:sp>
           </mc:Choice>
-          <mc:Fallback>
+          <mc:Fallback xmlns="">
             <p:sp>
               <p:nvSpPr>
                 <p:cNvPr id="298" name="TextBox 297">
@@ -11654,6 +11657,865 @@
     <p:extLst>
       <p:ext uri="{BB962C8B-B14F-4D97-AF65-F5344CB8AC3E}">
         <p14:creationId xmlns:p14="http://schemas.microsoft.com/office/powerpoint/2010/main" val="2691258267"/>
+      </p:ext>
+    </p:extLst>
+  </p:cSld>
+  <p:clrMapOvr>
+    <a:masterClrMapping/>
+  </p:clrMapOvr>
+</p:sld>
+</file>
+
+<file path=ppt/slides/slide3.xml><?xml version="1.0" encoding="utf-8"?>
+<p:sld xmlns:a="http://schemas.openxmlformats.org/drawingml/2006/main" xmlns:r="http://schemas.openxmlformats.org/officeDocument/2006/relationships" xmlns:p="http://schemas.openxmlformats.org/presentationml/2006/main">
+  <p:cSld>
+    <p:spTree>
+      <p:nvGrpSpPr>
+        <p:cNvPr id="1" name=""/>
+        <p:cNvGrpSpPr/>
+        <p:nvPr/>
+      </p:nvGrpSpPr>
+      <p:grpSpPr>
+        <a:xfrm>
+          <a:off x="0" y="0"/>
+          <a:ext cx="0" cy="0"/>
+          <a:chOff x="0" y="0"/>
+          <a:chExt cx="0" cy="0"/>
+        </a:xfrm>
+      </p:grpSpPr>
+      <p:sp>
+        <p:nvSpPr>
+          <p:cNvPr id="25" name="TextBox 24">
+            <a:extLst>
+              <a:ext uri="{FF2B5EF4-FFF2-40B4-BE49-F238E27FC236}">
+                <a16:creationId xmlns:a16="http://schemas.microsoft.com/office/drawing/2014/main" id="{817DBD68-E23B-6747-8352-41B6ABCB7BE1}"/>
+              </a:ext>
+            </a:extLst>
+          </p:cNvPr>
+          <p:cNvSpPr txBox="1"/>
+          <p:nvPr/>
+        </p:nvSpPr>
+        <p:spPr>
+          <a:xfrm>
+            <a:off x="-916101" y="831472"/>
+            <a:ext cx="946991" cy="369332"/>
+          </a:xfrm>
+          <a:prstGeom prst="rect">
+            <a:avLst/>
+          </a:prstGeom>
+          <a:noFill/>
+        </p:spPr>
+        <p:txBody>
+          <a:bodyPr wrap="none" rtlCol="0">
+            <a:spAutoFit/>
+          </a:bodyPr>
+          <a:lstStyle/>
+          <a:p>
+            <a:r>
+              <a:rPr lang="en-US" dirty="0"/>
+              <a:t>Vit-base</a:t>
+            </a:r>
+          </a:p>
+        </p:txBody>
+      </p:sp>
+      <p:sp>
+        <p:nvSpPr>
+          <p:cNvPr id="86" name="TextBox 85">
+            <a:extLst>
+              <a:ext uri="{FF2B5EF4-FFF2-40B4-BE49-F238E27FC236}">
+                <a16:creationId xmlns:a16="http://schemas.microsoft.com/office/drawing/2014/main" id="{4CF14D5E-1755-D545-A93E-2FBB170DEFB6}"/>
+              </a:ext>
+            </a:extLst>
+          </p:cNvPr>
+          <p:cNvSpPr txBox="1"/>
+          <p:nvPr/>
+        </p:nvSpPr>
+        <p:spPr>
+          <a:xfrm>
+            <a:off x="-973974" y="2542278"/>
+            <a:ext cx="972382" cy="369332"/>
+          </a:xfrm>
+          <a:prstGeom prst="rect">
+            <a:avLst/>
+          </a:prstGeom>
+          <a:noFill/>
+        </p:spPr>
+        <p:txBody>
+          <a:bodyPr wrap="none" rtlCol="0">
+            <a:spAutoFit/>
+          </a:bodyPr>
+          <a:lstStyle/>
+          <a:p>
+            <a:r>
+              <a:rPr lang="en-US" dirty="0"/>
+              <a:t>Vit-large</a:t>
+            </a:r>
+          </a:p>
+        </p:txBody>
+      </p:sp>
+      <p:sp>
+        <p:nvSpPr>
+          <p:cNvPr id="105" name="TextBox 104">
+            <a:extLst>
+              <a:ext uri="{FF2B5EF4-FFF2-40B4-BE49-F238E27FC236}">
+                <a16:creationId xmlns:a16="http://schemas.microsoft.com/office/drawing/2014/main" id="{13B8717F-4C6B-EC4B-9C85-B35D461516D3}"/>
+              </a:ext>
+            </a:extLst>
+          </p:cNvPr>
+          <p:cNvSpPr txBox="1"/>
+          <p:nvPr/>
+        </p:nvSpPr>
+        <p:spPr>
+          <a:xfrm>
+            <a:off x="-1073627" y="3712956"/>
+            <a:ext cx="1073627" cy="369332"/>
+          </a:xfrm>
+          <a:prstGeom prst="rect">
+            <a:avLst/>
+          </a:prstGeom>
+          <a:noFill/>
+        </p:spPr>
+        <p:txBody>
+          <a:bodyPr wrap="none" rtlCol="0">
+            <a:spAutoFit/>
+          </a:bodyPr>
+          <a:lstStyle/>
+          <a:p>
+            <a:r>
+              <a:rPr lang="en-US" dirty="0" err="1"/>
+              <a:t>Deit</a:t>
+            </a:r>
+            <a:r>
+              <a:rPr lang="en-US" dirty="0"/>
+              <a:t>-base</a:t>
+            </a:r>
+          </a:p>
+        </p:txBody>
+      </p:sp>
+      <p:pic>
+        <p:nvPicPr>
+          <p:cNvPr id="108" name="Picture 107" descr="A baseball player throwing a ball&#10;&#10;Description automatically generated">
+            <a:extLst>
+              <a:ext uri="{FF2B5EF4-FFF2-40B4-BE49-F238E27FC236}">
+                <a16:creationId xmlns:a16="http://schemas.microsoft.com/office/drawing/2014/main" id="{023943BC-22F6-6E47-8127-331002EE643D}"/>
+              </a:ext>
+            </a:extLst>
+          </p:cNvPr>
+          <p:cNvPicPr>
+            <a:picLocks noChangeAspect="1"/>
+          </p:cNvPicPr>
+          <p:nvPr/>
+        </p:nvPicPr>
+        <p:blipFill>
+          <a:blip r:embed="rId2"/>
+          <a:stretch>
+            <a:fillRect/>
+          </a:stretch>
+        </p:blipFill>
+        <p:spPr>
+          <a:xfrm>
+            <a:off x="0" y="0"/>
+            <a:ext cx="1371600" cy="1371600"/>
+          </a:xfrm>
+          <a:prstGeom prst="rect">
+            <a:avLst/>
+          </a:prstGeom>
+        </p:spPr>
+      </p:pic>
+      <p:pic>
+        <p:nvPicPr>
+          <p:cNvPr id="110" name="Picture 109" descr="A baseball player throwing a ball&#10;&#10;Description automatically generated">
+            <a:extLst>
+              <a:ext uri="{FF2B5EF4-FFF2-40B4-BE49-F238E27FC236}">
+                <a16:creationId xmlns:a16="http://schemas.microsoft.com/office/drawing/2014/main" id="{9C0E17F2-0F99-454F-8B92-3F0317D6625E}"/>
+              </a:ext>
+            </a:extLst>
+          </p:cNvPr>
+          <p:cNvPicPr>
+            <a:picLocks noChangeAspect="1"/>
+          </p:cNvPicPr>
+          <p:nvPr/>
+        </p:nvPicPr>
+        <p:blipFill>
+          <a:blip r:embed="rId3"/>
+          <a:stretch>
+            <a:fillRect/>
+          </a:stretch>
+        </p:blipFill>
+        <p:spPr>
+          <a:xfrm>
+            <a:off x="1389888" y="0"/>
+            <a:ext cx="1371600" cy="1371600"/>
+          </a:xfrm>
+          <a:prstGeom prst="rect">
+            <a:avLst/>
+          </a:prstGeom>
+        </p:spPr>
+      </p:pic>
+      <p:pic>
+        <p:nvPicPr>
+          <p:cNvPr id="112" name="Picture 111" descr="A baseball player throwing a ball&#10;&#10;Description automatically generated">
+            <a:extLst>
+              <a:ext uri="{FF2B5EF4-FFF2-40B4-BE49-F238E27FC236}">
+                <a16:creationId xmlns:a16="http://schemas.microsoft.com/office/drawing/2014/main" id="{3C7AE884-C17A-944F-BA09-03A851DAC017}"/>
+              </a:ext>
+            </a:extLst>
+          </p:cNvPr>
+          <p:cNvPicPr>
+            <a:picLocks noChangeAspect="1"/>
+          </p:cNvPicPr>
+          <p:nvPr/>
+        </p:nvPicPr>
+        <p:blipFill>
+          <a:blip r:embed="rId4"/>
+          <a:stretch>
+            <a:fillRect/>
+          </a:stretch>
+        </p:blipFill>
+        <p:spPr>
+          <a:xfrm>
+            <a:off x="2944368" y="0"/>
+            <a:ext cx="1371600" cy="1371600"/>
+          </a:xfrm>
+          <a:prstGeom prst="rect">
+            <a:avLst/>
+          </a:prstGeom>
+        </p:spPr>
+      </p:pic>
+      <p:pic>
+        <p:nvPicPr>
+          <p:cNvPr id="114" name="Picture 113" descr="A baseball player throwing a ball&#10;&#10;Description automatically generated">
+            <a:extLst>
+              <a:ext uri="{FF2B5EF4-FFF2-40B4-BE49-F238E27FC236}">
+                <a16:creationId xmlns:a16="http://schemas.microsoft.com/office/drawing/2014/main" id="{379D45A7-49EC-FC4D-9FB8-08B186595908}"/>
+              </a:ext>
+            </a:extLst>
+          </p:cNvPr>
+          <p:cNvPicPr>
+            <a:picLocks noChangeAspect="1"/>
+          </p:cNvPicPr>
+          <p:nvPr/>
+        </p:nvPicPr>
+        <p:blipFill>
+          <a:blip r:embed="rId5"/>
+          <a:stretch>
+            <a:fillRect/>
+          </a:stretch>
+        </p:blipFill>
+        <p:spPr>
+          <a:xfrm>
+            <a:off x="4334256" y="0"/>
+            <a:ext cx="1371600" cy="1371600"/>
+          </a:xfrm>
+          <a:prstGeom prst="rect">
+            <a:avLst/>
+          </a:prstGeom>
+        </p:spPr>
+      </p:pic>
+      <p:pic>
+        <p:nvPicPr>
+          <p:cNvPr id="116" name="Picture 115" descr="A baseball player throwing a ball&#10;&#10;Description automatically generated">
+            <a:extLst>
+              <a:ext uri="{FF2B5EF4-FFF2-40B4-BE49-F238E27FC236}">
+                <a16:creationId xmlns:a16="http://schemas.microsoft.com/office/drawing/2014/main" id="{A4AC7D78-E596-B143-99FF-DE741B9867BD}"/>
+              </a:ext>
+            </a:extLst>
+          </p:cNvPr>
+          <p:cNvPicPr>
+            <a:picLocks noChangeAspect="1"/>
+          </p:cNvPicPr>
+          <p:nvPr/>
+        </p:nvPicPr>
+        <p:blipFill>
+          <a:blip r:embed="rId6"/>
+          <a:stretch>
+            <a:fillRect/>
+          </a:stretch>
+        </p:blipFill>
+        <p:spPr>
+          <a:xfrm>
+            <a:off x="5870448" y="0"/>
+            <a:ext cx="1371600" cy="1371600"/>
+          </a:xfrm>
+          <a:prstGeom prst="rect">
+            <a:avLst/>
+          </a:prstGeom>
+        </p:spPr>
+      </p:pic>
+      <p:pic>
+        <p:nvPicPr>
+          <p:cNvPr id="118" name="Picture 117" descr="A baseball player throwing a ball&#10;&#10;Description automatically generated">
+            <a:extLst>
+              <a:ext uri="{FF2B5EF4-FFF2-40B4-BE49-F238E27FC236}">
+                <a16:creationId xmlns:a16="http://schemas.microsoft.com/office/drawing/2014/main" id="{64138C1B-EE7E-CA43-96E8-D35418C8B756}"/>
+              </a:ext>
+            </a:extLst>
+          </p:cNvPr>
+          <p:cNvPicPr>
+            <a:picLocks noChangeAspect="1"/>
+          </p:cNvPicPr>
+          <p:nvPr/>
+        </p:nvPicPr>
+        <p:blipFill>
+          <a:blip r:embed="rId7"/>
+          <a:stretch>
+            <a:fillRect/>
+          </a:stretch>
+        </p:blipFill>
+        <p:spPr>
+          <a:xfrm>
+            <a:off x="7260336" y="0"/>
+            <a:ext cx="1371600" cy="1371600"/>
+          </a:xfrm>
+          <a:prstGeom prst="rect">
+            <a:avLst/>
+          </a:prstGeom>
+        </p:spPr>
+      </p:pic>
+      <p:pic>
+        <p:nvPicPr>
+          <p:cNvPr id="120" name="Picture 119" descr="A baseball player throwing a ball&#10;&#10;Description automatically generated">
+            <a:extLst>
+              <a:ext uri="{FF2B5EF4-FFF2-40B4-BE49-F238E27FC236}">
+                <a16:creationId xmlns:a16="http://schemas.microsoft.com/office/drawing/2014/main" id="{7DD77458-EE7E-394C-86AC-1B597C141355}"/>
+              </a:ext>
+            </a:extLst>
+          </p:cNvPr>
+          <p:cNvPicPr>
+            <a:picLocks noChangeAspect="1"/>
+          </p:cNvPicPr>
+          <p:nvPr/>
+        </p:nvPicPr>
+        <p:blipFill>
+          <a:blip r:embed="rId8"/>
+          <a:stretch>
+            <a:fillRect/>
+          </a:stretch>
+        </p:blipFill>
+        <p:spPr>
+          <a:xfrm>
+            <a:off x="8814816" y="0"/>
+            <a:ext cx="1371600" cy="1371600"/>
+          </a:xfrm>
+          <a:prstGeom prst="rect">
+            <a:avLst/>
+          </a:prstGeom>
+        </p:spPr>
+      </p:pic>
+      <p:pic>
+        <p:nvPicPr>
+          <p:cNvPr id="122" name="Picture 121" descr="A baseball player throwing a ball&#10;&#10;Description automatically generated">
+            <a:extLst>
+              <a:ext uri="{FF2B5EF4-FFF2-40B4-BE49-F238E27FC236}">
+                <a16:creationId xmlns:a16="http://schemas.microsoft.com/office/drawing/2014/main" id="{73F782B4-10AC-454B-96D1-D2B59D96C0C7}"/>
+              </a:ext>
+            </a:extLst>
+          </p:cNvPr>
+          <p:cNvPicPr>
+            <a:picLocks noChangeAspect="1"/>
+          </p:cNvPicPr>
+          <p:nvPr/>
+        </p:nvPicPr>
+        <p:blipFill>
+          <a:blip r:embed="rId9"/>
+          <a:stretch>
+            <a:fillRect/>
+          </a:stretch>
+        </p:blipFill>
+        <p:spPr>
+          <a:xfrm>
+            <a:off x="10204704" y="0"/>
+            <a:ext cx="1371600" cy="1371600"/>
+          </a:xfrm>
+          <a:prstGeom prst="rect">
+            <a:avLst/>
+          </a:prstGeom>
+        </p:spPr>
+      </p:pic>
+      <p:pic>
+        <p:nvPicPr>
+          <p:cNvPr id="124" name="Picture 123" descr="A picture containing outdoor, sky, dog, mammal&#10;&#10;Description automatically generated">
+            <a:extLst>
+              <a:ext uri="{FF2B5EF4-FFF2-40B4-BE49-F238E27FC236}">
+                <a16:creationId xmlns:a16="http://schemas.microsoft.com/office/drawing/2014/main" id="{25C26797-EED4-4942-A4C7-1199C264729F}"/>
+              </a:ext>
+            </a:extLst>
+          </p:cNvPr>
+          <p:cNvPicPr>
+            <a:picLocks noChangeAspect="1"/>
+          </p:cNvPicPr>
+          <p:nvPr/>
+        </p:nvPicPr>
+        <p:blipFill>
+          <a:blip r:embed="rId10"/>
+          <a:stretch>
+            <a:fillRect/>
+          </a:stretch>
+        </p:blipFill>
+        <p:spPr>
+          <a:xfrm>
+            <a:off x="0" y="1554480"/>
+            <a:ext cx="1371600" cy="1371600"/>
+          </a:xfrm>
+          <a:prstGeom prst="rect">
+            <a:avLst/>
+          </a:prstGeom>
+        </p:spPr>
+      </p:pic>
+      <p:pic>
+        <p:nvPicPr>
+          <p:cNvPr id="126" name="Picture 125" descr="A picture containing ground, outdoor, red&#10;&#10;Description automatically generated">
+            <a:extLst>
+              <a:ext uri="{FF2B5EF4-FFF2-40B4-BE49-F238E27FC236}">
+                <a16:creationId xmlns:a16="http://schemas.microsoft.com/office/drawing/2014/main" id="{01A77727-B20A-9D42-A732-55B1DC028D3D}"/>
+              </a:ext>
+            </a:extLst>
+          </p:cNvPr>
+          <p:cNvPicPr>
+            <a:picLocks noChangeAspect="1"/>
+          </p:cNvPicPr>
+          <p:nvPr/>
+        </p:nvPicPr>
+        <p:blipFill>
+          <a:blip r:embed="rId11"/>
+          <a:stretch>
+            <a:fillRect/>
+          </a:stretch>
+        </p:blipFill>
+        <p:spPr>
+          <a:xfrm>
+            <a:off x="1389888" y="1554480"/>
+            <a:ext cx="1371600" cy="1371600"/>
+          </a:xfrm>
+          <a:prstGeom prst="rect">
+            <a:avLst/>
+          </a:prstGeom>
+        </p:spPr>
+      </p:pic>
+      <p:pic>
+        <p:nvPicPr>
+          <p:cNvPr id="128" name="Picture 127" descr="A picture containing outdoor, dog, sky&#10;&#10;Description automatically generated">
+            <a:extLst>
+              <a:ext uri="{FF2B5EF4-FFF2-40B4-BE49-F238E27FC236}">
+                <a16:creationId xmlns:a16="http://schemas.microsoft.com/office/drawing/2014/main" id="{3A6A724A-5055-304F-A2F4-BAE8031E48A2}"/>
+              </a:ext>
+            </a:extLst>
+          </p:cNvPr>
+          <p:cNvPicPr>
+            <a:picLocks noChangeAspect="1"/>
+          </p:cNvPicPr>
+          <p:nvPr/>
+        </p:nvPicPr>
+        <p:blipFill>
+          <a:blip r:embed="rId12"/>
+          <a:stretch>
+            <a:fillRect/>
+          </a:stretch>
+        </p:blipFill>
+        <p:spPr>
+          <a:xfrm>
+            <a:off x="2944368" y="1554480"/>
+            <a:ext cx="1371600" cy="1371600"/>
+          </a:xfrm>
+          <a:prstGeom prst="rect">
+            <a:avLst/>
+          </a:prstGeom>
+        </p:spPr>
+      </p:pic>
+      <p:pic>
+        <p:nvPicPr>
+          <p:cNvPr id="130" name="Picture 129" descr="A dog wearing a harness&#10;&#10;Description automatically generated with medium confidence">
+            <a:extLst>
+              <a:ext uri="{FF2B5EF4-FFF2-40B4-BE49-F238E27FC236}">
+                <a16:creationId xmlns:a16="http://schemas.microsoft.com/office/drawing/2014/main" id="{012C6E1F-4950-464A-916E-D09A2C5A40C6}"/>
+              </a:ext>
+            </a:extLst>
+          </p:cNvPr>
+          <p:cNvPicPr>
+            <a:picLocks noChangeAspect="1"/>
+          </p:cNvPicPr>
+          <p:nvPr/>
+        </p:nvPicPr>
+        <p:blipFill>
+          <a:blip r:embed="rId13"/>
+          <a:stretch>
+            <a:fillRect/>
+          </a:stretch>
+        </p:blipFill>
+        <p:spPr>
+          <a:xfrm>
+            <a:off x="4334256" y="1554480"/>
+            <a:ext cx="1371600" cy="1371600"/>
+          </a:xfrm>
+          <a:prstGeom prst="rect">
+            <a:avLst/>
+          </a:prstGeom>
+        </p:spPr>
+      </p:pic>
+      <p:pic>
+        <p:nvPicPr>
+          <p:cNvPr id="132" name="Picture 131" descr="A dog on a leash on a snowy mountain&#10;&#10;Description automatically generated with low confidence">
+            <a:extLst>
+              <a:ext uri="{FF2B5EF4-FFF2-40B4-BE49-F238E27FC236}">
+                <a16:creationId xmlns:a16="http://schemas.microsoft.com/office/drawing/2014/main" id="{99BFAE9F-1578-D64A-9EA2-5DACB7347E3A}"/>
+              </a:ext>
+            </a:extLst>
+          </p:cNvPr>
+          <p:cNvPicPr>
+            <a:picLocks noChangeAspect="1"/>
+          </p:cNvPicPr>
+          <p:nvPr/>
+        </p:nvPicPr>
+        <p:blipFill>
+          <a:blip r:embed="rId14"/>
+          <a:stretch>
+            <a:fillRect/>
+          </a:stretch>
+        </p:blipFill>
+        <p:spPr>
+          <a:xfrm>
+            <a:off x="5870448" y="1554480"/>
+            <a:ext cx="1371600" cy="1371600"/>
+          </a:xfrm>
+          <a:prstGeom prst="rect">
+            <a:avLst/>
+          </a:prstGeom>
+        </p:spPr>
+      </p:pic>
+      <p:pic>
+        <p:nvPicPr>
+          <p:cNvPr id="134" name="Picture 133" descr="A dog wearing a harness&#10;&#10;Description automatically generated with medium confidence">
+            <a:extLst>
+              <a:ext uri="{FF2B5EF4-FFF2-40B4-BE49-F238E27FC236}">
+                <a16:creationId xmlns:a16="http://schemas.microsoft.com/office/drawing/2014/main" id="{BECEB5A3-BD06-C64C-8903-931C077985B6}"/>
+              </a:ext>
+            </a:extLst>
+          </p:cNvPr>
+          <p:cNvPicPr>
+            <a:picLocks noChangeAspect="1"/>
+          </p:cNvPicPr>
+          <p:nvPr/>
+        </p:nvPicPr>
+        <p:blipFill>
+          <a:blip r:embed="rId15"/>
+          <a:stretch>
+            <a:fillRect/>
+          </a:stretch>
+        </p:blipFill>
+        <p:spPr>
+          <a:xfrm>
+            <a:off x="7260336" y="1554480"/>
+            <a:ext cx="1371600" cy="1371600"/>
+          </a:xfrm>
+          <a:prstGeom prst="rect">
+            <a:avLst/>
+          </a:prstGeom>
+        </p:spPr>
+      </p:pic>
+      <p:pic>
+        <p:nvPicPr>
+          <p:cNvPr id="136" name="Picture 135" descr="A picture containing outdoor, dog, sky&#10;&#10;Description automatically generated">
+            <a:extLst>
+              <a:ext uri="{FF2B5EF4-FFF2-40B4-BE49-F238E27FC236}">
+                <a16:creationId xmlns:a16="http://schemas.microsoft.com/office/drawing/2014/main" id="{8C8F4FB0-C34D-694A-B9B0-09A38AC02474}"/>
+              </a:ext>
+            </a:extLst>
+          </p:cNvPr>
+          <p:cNvPicPr>
+            <a:picLocks noChangeAspect="1"/>
+          </p:cNvPicPr>
+          <p:nvPr/>
+        </p:nvPicPr>
+        <p:blipFill>
+          <a:blip r:embed="rId16"/>
+          <a:stretch>
+            <a:fillRect/>
+          </a:stretch>
+        </p:blipFill>
+        <p:spPr>
+          <a:xfrm>
+            <a:off x="8814816" y="1554480"/>
+            <a:ext cx="1371600" cy="1371600"/>
+          </a:xfrm>
+          <a:prstGeom prst="rect">
+            <a:avLst/>
+          </a:prstGeom>
+        </p:spPr>
+      </p:pic>
+      <p:pic>
+        <p:nvPicPr>
+          <p:cNvPr id="138" name="Picture 137" descr="A picture containing ground, outdoor&#10;&#10;Description automatically generated">
+            <a:extLst>
+              <a:ext uri="{FF2B5EF4-FFF2-40B4-BE49-F238E27FC236}">
+                <a16:creationId xmlns:a16="http://schemas.microsoft.com/office/drawing/2014/main" id="{CD10095D-1CD9-214D-920A-4FFD19ECD26C}"/>
+              </a:ext>
+            </a:extLst>
+          </p:cNvPr>
+          <p:cNvPicPr>
+            <a:picLocks noChangeAspect="1"/>
+          </p:cNvPicPr>
+          <p:nvPr/>
+        </p:nvPicPr>
+        <p:blipFill>
+          <a:blip r:embed="rId17"/>
+          <a:stretch>
+            <a:fillRect/>
+          </a:stretch>
+        </p:blipFill>
+        <p:spPr>
+          <a:xfrm>
+            <a:off x="10204704" y="1554480"/>
+            <a:ext cx="1371600" cy="1371600"/>
+          </a:xfrm>
+          <a:prstGeom prst="rect">
+            <a:avLst/>
+          </a:prstGeom>
+        </p:spPr>
+      </p:pic>
+      <p:pic>
+        <p:nvPicPr>
+          <p:cNvPr id="140" name="Picture 139" descr="A dog lying on the floor with a stuffed animal&#10;&#10;Description automatically generated with low confidence">
+            <a:extLst>
+              <a:ext uri="{FF2B5EF4-FFF2-40B4-BE49-F238E27FC236}">
+                <a16:creationId xmlns:a16="http://schemas.microsoft.com/office/drawing/2014/main" id="{CAD3D7D3-DA38-A541-96E9-79BF23EC14A7}"/>
+              </a:ext>
+            </a:extLst>
+          </p:cNvPr>
+          <p:cNvPicPr>
+            <a:picLocks noChangeAspect="1"/>
+          </p:cNvPicPr>
+          <p:nvPr/>
+        </p:nvPicPr>
+        <p:blipFill>
+          <a:blip r:embed="rId18"/>
+          <a:stretch>
+            <a:fillRect/>
+          </a:stretch>
+        </p:blipFill>
+        <p:spPr>
+          <a:xfrm>
+            <a:off x="0" y="3108960"/>
+            <a:ext cx="1371600" cy="1371600"/>
+          </a:xfrm>
+          <a:prstGeom prst="rect">
+            <a:avLst/>
+          </a:prstGeom>
+        </p:spPr>
+      </p:pic>
+      <p:pic>
+        <p:nvPicPr>
+          <p:cNvPr id="142" name="Picture 141" descr="A dog lying on the floor&#10;&#10;Description automatically generated with medium confidence">
+            <a:extLst>
+              <a:ext uri="{FF2B5EF4-FFF2-40B4-BE49-F238E27FC236}">
+                <a16:creationId xmlns:a16="http://schemas.microsoft.com/office/drawing/2014/main" id="{C3D3AB0C-5B59-304C-8694-BAC56A7BFAAB}"/>
+              </a:ext>
+            </a:extLst>
+          </p:cNvPr>
+          <p:cNvPicPr>
+            <a:picLocks noChangeAspect="1"/>
+          </p:cNvPicPr>
+          <p:nvPr/>
+        </p:nvPicPr>
+        <p:blipFill>
+          <a:blip r:embed="rId19"/>
+          <a:stretch>
+            <a:fillRect/>
+          </a:stretch>
+        </p:blipFill>
+        <p:spPr>
+          <a:xfrm>
+            <a:off x="1389888" y="3108960"/>
+            <a:ext cx="1371600" cy="1371600"/>
+          </a:xfrm>
+          <a:prstGeom prst="rect">
+            <a:avLst/>
+          </a:prstGeom>
+        </p:spPr>
+      </p:pic>
+      <p:pic>
+        <p:nvPicPr>
+          <p:cNvPr id="144" name="Picture 143" descr="A dog lying on the floor&#10;&#10;Description automatically generated with medium confidence">
+            <a:extLst>
+              <a:ext uri="{FF2B5EF4-FFF2-40B4-BE49-F238E27FC236}">
+                <a16:creationId xmlns:a16="http://schemas.microsoft.com/office/drawing/2014/main" id="{4593CEA6-4F7D-ED4E-A5E1-6B64A1F52F20}"/>
+              </a:ext>
+            </a:extLst>
+          </p:cNvPr>
+          <p:cNvPicPr>
+            <a:picLocks noChangeAspect="1"/>
+          </p:cNvPicPr>
+          <p:nvPr/>
+        </p:nvPicPr>
+        <p:blipFill>
+          <a:blip r:embed="rId20"/>
+          <a:stretch>
+            <a:fillRect/>
+          </a:stretch>
+        </p:blipFill>
+        <p:spPr>
+          <a:xfrm>
+            <a:off x="2944368" y="3108960"/>
+            <a:ext cx="1371600" cy="1371600"/>
+          </a:xfrm>
+          <a:prstGeom prst="rect">
+            <a:avLst/>
+          </a:prstGeom>
+        </p:spPr>
+      </p:pic>
+      <p:pic>
+        <p:nvPicPr>
+          <p:cNvPr id="146" name="Picture 145" descr="A dog lying on the floor&#10;&#10;Description automatically generated with medium confidence">
+            <a:extLst>
+              <a:ext uri="{FF2B5EF4-FFF2-40B4-BE49-F238E27FC236}">
+                <a16:creationId xmlns:a16="http://schemas.microsoft.com/office/drawing/2014/main" id="{43C16B44-20F4-4F47-B61B-717F5248EDC6}"/>
+              </a:ext>
+            </a:extLst>
+          </p:cNvPr>
+          <p:cNvPicPr>
+            <a:picLocks noChangeAspect="1"/>
+          </p:cNvPicPr>
+          <p:nvPr/>
+        </p:nvPicPr>
+        <p:blipFill>
+          <a:blip r:embed="rId21"/>
+          <a:stretch>
+            <a:fillRect/>
+          </a:stretch>
+        </p:blipFill>
+        <p:spPr>
+          <a:xfrm>
+            <a:off x="4334256" y="3108960"/>
+            <a:ext cx="1371600" cy="1371600"/>
+          </a:xfrm>
+          <a:prstGeom prst="rect">
+            <a:avLst/>
+          </a:prstGeom>
+        </p:spPr>
+      </p:pic>
+      <p:pic>
+        <p:nvPicPr>
+          <p:cNvPr id="148" name="Picture 147" descr="A dog lying on the floor&#10;&#10;Description automatically generated">
+            <a:extLst>
+              <a:ext uri="{FF2B5EF4-FFF2-40B4-BE49-F238E27FC236}">
+                <a16:creationId xmlns:a16="http://schemas.microsoft.com/office/drawing/2014/main" id="{7F5F744C-74BF-354B-9B27-850976019774}"/>
+              </a:ext>
+            </a:extLst>
+          </p:cNvPr>
+          <p:cNvPicPr>
+            <a:picLocks noChangeAspect="1"/>
+          </p:cNvPicPr>
+          <p:nvPr/>
+        </p:nvPicPr>
+        <p:blipFill>
+          <a:blip r:embed="rId22"/>
+          <a:stretch>
+            <a:fillRect/>
+          </a:stretch>
+        </p:blipFill>
+        <p:spPr>
+          <a:xfrm>
+            <a:off x="5870448" y="3108960"/>
+            <a:ext cx="1371600" cy="1371600"/>
+          </a:xfrm>
+          <a:prstGeom prst="rect">
+            <a:avLst/>
+          </a:prstGeom>
+        </p:spPr>
+      </p:pic>
+      <p:pic>
+        <p:nvPicPr>
+          <p:cNvPr id="150" name="Picture 149" descr="A dog lying on the floor&#10;&#10;Description automatically generated with medium confidence">
+            <a:extLst>
+              <a:ext uri="{FF2B5EF4-FFF2-40B4-BE49-F238E27FC236}">
+                <a16:creationId xmlns:a16="http://schemas.microsoft.com/office/drawing/2014/main" id="{72000AA4-22BA-CC40-B263-14F4E754A877}"/>
+              </a:ext>
+            </a:extLst>
+          </p:cNvPr>
+          <p:cNvPicPr>
+            <a:picLocks noChangeAspect="1"/>
+          </p:cNvPicPr>
+          <p:nvPr/>
+        </p:nvPicPr>
+        <p:blipFill>
+          <a:blip r:embed="rId23"/>
+          <a:stretch>
+            <a:fillRect/>
+          </a:stretch>
+        </p:blipFill>
+        <p:spPr>
+          <a:xfrm>
+            <a:off x="7260336" y="3108960"/>
+            <a:ext cx="1371600" cy="1371600"/>
+          </a:xfrm>
+          <a:prstGeom prst="rect">
+            <a:avLst/>
+          </a:prstGeom>
+        </p:spPr>
+      </p:pic>
+      <p:pic>
+        <p:nvPicPr>
+          <p:cNvPr id="152" name="Picture 151" descr="A dog lying on the floor&#10;&#10;Description automatically generated with medium confidence">
+            <a:extLst>
+              <a:ext uri="{FF2B5EF4-FFF2-40B4-BE49-F238E27FC236}">
+                <a16:creationId xmlns:a16="http://schemas.microsoft.com/office/drawing/2014/main" id="{4C9D557B-54B2-314F-87B9-A05357890641}"/>
+              </a:ext>
+            </a:extLst>
+          </p:cNvPr>
+          <p:cNvPicPr>
+            <a:picLocks noChangeAspect="1"/>
+          </p:cNvPicPr>
+          <p:nvPr/>
+        </p:nvPicPr>
+        <p:blipFill>
+          <a:blip r:embed="rId24"/>
+          <a:stretch>
+            <a:fillRect/>
+          </a:stretch>
+        </p:blipFill>
+        <p:spPr>
+          <a:xfrm>
+            <a:off x="8814816" y="3108960"/>
+            <a:ext cx="1371600" cy="1371600"/>
+          </a:xfrm>
+          <a:prstGeom prst="rect">
+            <a:avLst/>
+          </a:prstGeom>
+        </p:spPr>
+      </p:pic>
+      <p:pic>
+        <p:nvPicPr>
+          <p:cNvPr id="154" name="Picture 153" descr="A picture containing dog, indoor, floor&#10;&#10;Description automatically generated">
+            <a:extLst>
+              <a:ext uri="{FF2B5EF4-FFF2-40B4-BE49-F238E27FC236}">
+                <a16:creationId xmlns:a16="http://schemas.microsoft.com/office/drawing/2014/main" id="{9446BB3C-82D0-384C-B040-3AA62D66779C}"/>
+              </a:ext>
+            </a:extLst>
+          </p:cNvPr>
+          <p:cNvPicPr>
+            <a:picLocks noChangeAspect="1"/>
+          </p:cNvPicPr>
+          <p:nvPr/>
+        </p:nvPicPr>
+        <p:blipFill>
+          <a:blip r:embed="rId25"/>
+          <a:stretch>
+            <a:fillRect/>
+          </a:stretch>
+        </p:blipFill>
+        <p:spPr>
+          <a:xfrm>
+            <a:off x="10204704" y="3108960"/>
+            <a:ext cx="1371600" cy="1371600"/>
+          </a:xfrm>
+          <a:prstGeom prst="rect">
+            <a:avLst/>
+          </a:prstGeom>
+        </p:spPr>
+      </p:pic>
+    </p:spTree>
+    <p:extLst>
+      <p:ext uri="{BB962C8B-B14F-4D97-AF65-F5344CB8AC3E}">
+        <p14:creationId xmlns:p14="http://schemas.microsoft.com/office/powerpoint/2010/main" val="1746760225"/>
       </p:ext>
     </p:extLst>
   </p:cSld>

--- a/slides.pptx
+++ b/slides.pptx
@@ -11696,9 +11696,9 @@
           <p:nvPr/>
         </p:nvSpPr>
         <p:spPr>
-          <a:xfrm>
-            <a:off x="-916101" y="831472"/>
-            <a:ext cx="946991" cy="369332"/>
+          <a:xfrm rot="16200000">
+            <a:off x="-531020" y="557152"/>
+            <a:ext cx="752385" cy="369332"/>
           </a:xfrm>
           <a:prstGeom prst="rect">
             <a:avLst/>
@@ -11712,9 +11712,19 @@
           <a:lstStyle/>
           <a:p>
             <a:r>
-              <a:rPr lang="en-US" dirty="0"/>
-              <a:t>Vit-base</a:t>
+              <a:rPr lang="en-US" dirty="0" err="1">
+                <a:latin typeface="Times New Roman" panose="02020603050405020304" pitchFamily="18" charset="0"/>
+                <a:cs typeface="Times New Roman" panose="02020603050405020304" pitchFamily="18" charset="0"/>
+              </a:rPr>
+              <a:t>ViT</a:t>
             </a:r>
+            <a:r>
+              <a:rPr lang="en-US" dirty="0">
+                <a:latin typeface="Times New Roman" panose="02020603050405020304" pitchFamily="18" charset="0"/>
+                <a:cs typeface="Times New Roman" panose="02020603050405020304" pitchFamily="18" charset="0"/>
+              </a:rPr>
+              <a:t>-B</a:t>
+            </a:r>
           </a:p>
         </p:txBody>
       </p:sp>
@@ -11731,9 +11741,9 @@
           <p:nvPr/>
         </p:nvSpPr>
         <p:spPr>
-          <a:xfrm>
-            <a:off x="-973974" y="2542278"/>
-            <a:ext cx="972382" cy="369332"/>
+          <a:xfrm rot="16200000">
+            <a:off x="-529608" y="2069838"/>
+            <a:ext cx="739561" cy="369332"/>
           </a:xfrm>
           <a:prstGeom prst="rect">
             <a:avLst/>
@@ -11747,9 +11757,19 @@
           <a:lstStyle/>
           <a:p>
             <a:r>
-              <a:rPr lang="en-US" dirty="0"/>
-              <a:t>Vit-large</a:t>
+              <a:rPr lang="en-US" dirty="0" err="1">
+                <a:latin typeface="Times New Roman" panose="02020603050405020304" pitchFamily="18" charset="0"/>
+                <a:cs typeface="Times New Roman" panose="02020603050405020304" pitchFamily="18" charset="0"/>
+              </a:rPr>
+              <a:t>ViT</a:t>
             </a:r>
+            <a:r>
+              <a:rPr lang="en-US" dirty="0">
+                <a:latin typeface="Times New Roman" panose="02020603050405020304" pitchFamily="18" charset="0"/>
+                <a:cs typeface="Times New Roman" panose="02020603050405020304" pitchFamily="18" charset="0"/>
+              </a:rPr>
+              <a:t>-L</a:t>
+            </a:r>
           </a:p>
         </p:txBody>
       </p:sp>
@@ -11766,9 +11786,9 @@
           <p:nvPr/>
         </p:nvSpPr>
         <p:spPr>
-          <a:xfrm>
-            <a:off x="-1073627" y="3712956"/>
-            <a:ext cx="1073627" cy="369332"/>
+          <a:xfrm rot="16200000">
+            <a:off x="-599583" y="3639162"/>
+            <a:ext cx="868828" cy="369332"/>
           </a:xfrm>
           <a:prstGeom prst="rect">
             <a:avLst/>
@@ -11782,12 +11802,18 @@
           <a:lstStyle/>
           <a:p>
             <a:r>
-              <a:rPr lang="en-US" dirty="0" err="1"/>
-              <a:t>Deit</a:t>
+              <a:rPr lang="en-US" dirty="0" err="1">
+                <a:latin typeface="Times New Roman" panose="02020603050405020304" pitchFamily="18" charset="0"/>
+                <a:cs typeface="Times New Roman" panose="02020603050405020304" pitchFamily="18" charset="0"/>
+              </a:rPr>
+              <a:t>DeiT</a:t>
             </a:r>
             <a:r>
-              <a:rPr lang="en-US" dirty="0"/>
-              <a:t>-base</a:t>
+              <a:rPr lang="en-US" dirty="0">
+                <a:latin typeface="Times New Roman" panose="02020603050405020304" pitchFamily="18" charset="0"/>
+                <a:cs typeface="Times New Roman" panose="02020603050405020304" pitchFamily="18" charset="0"/>
+              </a:rPr>
+              <a:t>-B</a:t>
             </a:r>
           </a:p>
         </p:txBody>
@@ -12512,6 +12538,291 @@
           </a:prstGeom>
         </p:spPr>
       </p:pic>
+      <p:pic>
+        <p:nvPicPr>
+          <p:cNvPr id="3" name="Picture 2" descr="A bird perched on a branch&#10;&#10;Description automatically generated with medium confidence">
+            <a:extLst>
+              <a:ext uri="{FF2B5EF4-FFF2-40B4-BE49-F238E27FC236}">
+                <a16:creationId xmlns:a16="http://schemas.microsoft.com/office/drawing/2014/main" id="{7E64AFA2-696C-B64E-A7A4-B72D19F563AE}"/>
+              </a:ext>
+            </a:extLst>
+          </p:cNvPr>
+          <p:cNvPicPr>
+            <a:picLocks noChangeAspect="1"/>
+          </p:cNvPicPr>
+          <p:nvPr/>
+        </p:nvPicPr>
+        <p:blipFill>
+          <a:blip r:embed="rId26"/>
+          <a:stretch>
+            <a:fillRect/>
+          </a:stretch>
+        </p:blipFill>
+        <p:spPr>
+          <a:xfrm>
+            <a:off x="0" y="4663440"/>
+            <a:ext cx="1371600" cy="1371600"/>
+          </a:xfrm>
+          <a:prstGeom prst="rect">
+            <a:avLst/>
+          </a:prstGeom>
+        </p:spPr>
+      </p:pic>
+      <p:pic>
+        <p:nvPicPr>
+          <p:cNvPr id="5" name="Picture 4" descr="A picture containing outdoor&#10;&#10;Description automatically generated">
+            <a:extLst>
+              <a:ext uri="{FF2B5EF4-FFF2-40B4-BE49-F238E27FC236}">
+                <a16:creationId xmlns:a16="http://schemas.microsoft.com/office/drawing/2014/main" id="{F630EFBC-39F3-B046-83D3-A1422CF14040}"/>
+              </a:ext>
+            </a:extLst>
+          </p:cNvPr>
+          <p:cNvPicPr>
+            <a:picLocks noChangeAspect="1"/>
+          </p:cNvPicPr>
+          <p:nvPr/>
+        </p:nvPicPr>
+        <p:blipFill>
+          <a:blip r:embed="rId27"/>
+          <a:stretch>
+            <a:fillRect/>
+          </a:stretch>
+        </p:blipFill>
+        <p:spPr>
+          <a:xfrm>
+            <a:off x="1392357" y="4663440"/>
+            <a:ext cx="1371600" cy="1371600"/>
+          </a:xfrm>
+          <a:prstGeom prst="rect">
+            <a:avLst/>
+          </a:prstGeom>
+        </p:spPr>
+      </p:pic>
+      <p:pic>
+        <p:nvPicPr>
+          <p:cNvPr id="11" name="Picture 10" descr="A bird perched on a tree branch&#10;&#10;Description automatically generated with medium confidence">
+            <a:extLst>
+              <a:ext uri="{FF2B5EF4-FFF2-40B4-BE49-F238E27FC236}">
+                <a16:creationId xmlns:a16="http://schemas.microsoft.com/office/drawing/2014/main" id="{922716B1-D512-2341-8C0E-A045C889B35F}"/>
+              </a:ext>
+            </a:extLst>
+          </p:cNvPr>
+          <p:cNvPicPr>
+            <a:picLocks noChangeAspect="1"/>
+          </p:cNvPicPr>
+          <p:nvPr/>
+        </p:nvPicPr>
+        <p:blipFill>
+          <a:blip r:embed="rId28"/>
+          <a:stretch>
+            <a:fillRect/>
+          </a:stretch>
+        </p:blipFill>
+        <p:spPr>
+          <a:xfrm>
+            <a:off x="5870448" y="4663440"/>
+            <a:ext cx="1371600" cy="1371600"/>
+          </a:xfrm>
+          <a:prstGeom prst="rect">
+            <a:avLst/>
+          </a:prstGeom>
+        </p:spPr>
+      </p:pic>
+      <p:pic>
+        <p:nvPicPr>
+          <p:cNvPr id="13" name="Picture 12" descr="A picture containing outdoor, plant, tree&#10;&#10;Description automatically generated">
+            <a:extLst>
+              <a:ext uri="{FF2B5EF4-FFF2-40B4-BE49-F238E27FC236}">
+                <a16:creationId xmlns:a16="http://schemas.microsoft.com/office/drawing/2014/main" id="{0A6A6ABD-98A3-ED41-B1C5-47C8FA9154CC}"/>
+              </a:ext>
+            </a:extLst>
+          </p:cNvPr>
+          <p:cNvPicPr>
+            <a:picLocks noChangeAspect="1"/>
+          </p:cNvPicPr>
+          <p:nvPr/>
+        </p:nvPicPr>
+        <p:blipFill>
+          <a:blip r:embed="rId29"/>
+          <a:stretch>
+            <a:fillRect/>
+          </a:stretch>
+        </p:blipFill>
+        <p:spPr>
+          <a:xfrm>
+            <a:off x="7260336" y="4663440"/>
+            <a:ext cx="1371600" cy="1371600"/>
+          </a:xfrm>
+          <a:prstGeom prst="rect">
+            <a:avLst/>
+          </a:prstGeom>
+        </p:spPr>
+      </p:pic>
+      <p:pic>
+        <p:nvPicPr>
+          <p:cNvPr id="17" name="Picture 16" descr="A bird perched on a branch&#10;&#10;Description automatically generated with medium confidence">
+            <a:extLst>
+              <a:ext uri="{FF2B5EF4-FFF2-40B4-BE49-F238E27FC236}">
+                <a16:creationId xmlns:a16="http://schemas.microsoft.com/office/drawing/2014/main" id="{C70E940A-C60A-6744-8862-5E49ACC378DB}"/>
+              </a:ext>
+            </a:extLst>
+          </p:cNvPr>
+          <p:cNvPicPr>
+            <a:picLocks noChangeAspect="1"/>
+          </p:cNvPicPr>
+          <p:nvPr/>
+        </p:nvPicPr>
+        <p:blipFill>
+          <a:blip r:embed="rId30"/>
+          <a:stretch>
+            <a:fillRect/>
+          </a:stretch>
+        </p:blipFill>
+        <p:spPr>
+          <a:xfrm>
+            <a:off x="2944368" y="4663440"/>
+            <a:ext cx="1371600" cy="1371600"/>
+          </a:xfrm>
+          <a:prstGeom prst="rect">
+            <a:avLst/>
+          </a:prstGeom>
+        </p:spPr>
+      </p:pic>
+      <p:pic>
+        <p:nvPicPr>
+          <p:cNvPr id="19" name="Picture 18" descr="A picture containing plant&#10;&#10;Description automatically generated">
+            <a:extLst>
+              <a:ext uri="{FF2B5EF4-FFF2-40B4-BE49-F238E27FC236}">
+                <a16:creationId xmlns:a16="http://schemas.microsoft.com/office/drawing/2014/main" id="{10174F24-C67A-434E-8832-598C8EDE42EF}"/>
+              </a:ext>
+            </a:extLst>
+          </p:cNvPr>
+          <p:cNvPicPr>
+            <a:picLocks noChangeAspect="1"/>
+          </p:cNvPicPr>
+          <p:nvPr/>
+        </p:nvPicPr>
+        <p:blipFill>
+          <a:blip r:embed="rId31"/>
+          <a:stretch>
+            <a:fillRect/>
+          </a:stretch>
+        </p:blipFill>
+        <p:spPr>
+          <a:xfrm>
+            <a:off x="4334256" y="4663440"/>
+            <a:ext cx="1371600" cy="1371600"/>
+          </a:xfrm>
+          <a:prstGeom prst="rect">
+            <a:avLst/>
+          </a:prstGeom>
+        </p:spPr>
+      </p:pic>
+      <p:pic>
+        <p:nvPicPr>
+          <p:cNvPr id="23" name="Picture 22" descr="A bird perched on a branch&#10;&#10;Description automatically generated with medium confidence">
+            <a:extLst>
+              <a:ext uri="{FF2B5EF4-FFF2-40B4-BE49-F238E27FC236}">
+                <a16:creationId xmlns:a16="http://schemas.microsoft.com/office/drawing/2014/main" id="{653ADFC6-61AE-D548-B1DD-98581E2C050A}"/>
+              </a:ext>
+            </a:extLst>
+          </p:cNvPr>
+          <p:cNvPicPr>
+            <a:picLocks noChangeAspect="1"/>
+          </p:cNvPicPr>
+          <p:nvPr/>
+        </p:nvPicPr>
+        <p:blipFill>
+          <a:blip r:embed="rId32"/>
+          <a:stretch>
+            <a:fillRect/>
+          </a:stretch>
+        </p:blipFill>
+        <p:spPr>
+          <a:xfrm>
+            <a:off x="8814816" y="4663440"/>
+            <a:ext cx="1371600" cy="1371600"/>
+          </a:xfrm>
+          <a:prstGeom prst="rect">
+            <a:avLst/>
+          </a:prstGeom>
+        </p:spPr>
+      </p:pic>
+      <p:pic>
+        <p:nvPicPr>
+          <p:cNvPr id="30" name="Picture 29" descr="A picture containing store&#10;&#10;Description automatically generated">
+            <a:extLst>
+              <a:ext uri="{FF2B5EF4-FFF2-40B4-BE49-F238E27FC236}">
+                <a16:creationId xmlns:a16="http://schemas.microsoft.com/office/drawing/2014/main" id="{E7ADDA45-2F67-7841-B60F-1CDCF7604E0F}"/>
+              </a:ext>
+            </a:extLst>
+          </p:cNvPr>
+          <p:cNvPicPr>
+            <a:picLocks noChangeAspect="1"/>
+          </p:cNvPicPr>
+          <p:nvPr/>
+        </p:nvPicPr>
+        <p:blipFill>
+          <a:blip r:embed="rId33"/>
+          <a:stretch>
+            <a:fillRect/>
+          </a:stretch>
+        </p:blipFill>
+        <p:spPr>
+          <a:xfrm>
+            <a:off x="10204704" y="4663440"/>
+            <a:ext cx="1371600" cy="1371600"/>
+          </a:xfrm>
+          <a:prstGeom prst="rect">
+            <a:avLst/>
+          </a:prstGeom>
+        </p:spPr>
+      </p:pic>
+      <p:sp>
+        <p:nvSpPr>
+          <p:cNvPr id="57" name="TextBox 56">
+            <a:extLst>
+              <a:ext uri="{FF2B5EF4-FFF2-40B4-BE49-F238E27FC236}">
+                <a16:creationId xmlns:a16="http://schemas.microsoft.com/office/drawing/2014/main" id="{4F22A384-E449-A644-B940-4DDDC5876B9A}"/>
+              </a:ext>
+            </a:extLst>
+          </p:cNvPr>
+          <p:cNvSpPr txBox="1"/>
+          <p:nvPr/>
+        </p:nvSpPr>
+        <p:spPr>
+          <a:xfrm rot="16200000">
+            <a:off x="-903581" y="5183229"/>
+            <a:ext cx="1522853" cy="369332"/>
+          </a:xfrm>
+          <a:prstGeom prst="rect">
+            <a:avLst/>
+          </a:prstGeom>
+          <a:noFill/>
+        </p:spPr>
+        <p:txBody>
+          <a:bodyPr wrap="none" rtlCol="0">
+            <a:spAutoFit/>
+          </a:bodyPr>
+          <a:lstStyle/>
+          <a:p>
+            <a:r>
+              <a:rPr lang="en-US" dirty="0" err="1">
+                <a:latin typeface="Times New Roman" panose="02020603050405020304" pitchFamily="18" charset="0"/>
+                <a:cs typeface="Times New Roman" panose="02020603050405020304" pitchFamily="18" charset="0"/>
+              </a:rPr>
+              <a:t>DeiT</a:t>
+            </a:r>
+            <a:r>
+              <a:rPr lang="en-US" dirty="0">
+                <a:latin typeface="Times New Roman" panose="02020603050405020304" pitchFamily="18" charset="0"/>
+                <a:cs typeface="Times New Roman" panose="02020603050405020304" pitchFamily="18" charset="0"/>
+              </a:rPr>
+              <a:t>-B-Distill</a:t>
+            </a:r>
+          </a:p>
+        </p:txBody>
+      </p:sp>
     </p:spTree>
     <p:extLst>
       <p:ext uri="{BB962C8B-B14F-4D97-AF65-F5344CB8AC3E}">
